--- a/Notes/SAPUI5-Routing.pptx
+++ b/Notes/SAPUI5-Routing.pptx
@@ -5,10 +5,10 @@
     <p:sldMasterId id="2147483660" r:id="rId1"/>
   </p:sldMasterIdLst>
   <p:notesMasterIdLst>
-    <p:notesMasterId r:id="rId21"/>
+    <p:notesMasterId r:id="rId20"/>
   </p:notesMasterIdLst>
   <p:handoutMasterIdLst>
-    <p:handoutMasterId r:id="rId22"/>
+    <p:handoutMasterId r:id="rId21"/>
   </p:handoutMasterIdLst>
   <p:sldIdLst>
     <p:sldId id="353" r:id="rId2"/>
@@ -20,16 +20,15 @@
     <p:sldId id="558" r:id="rId8"/>
     <p:sldId id="555" r:id="rId9"/>
     <p:sldId id="556" r:id="rId10"/>
-    <p:sldId id="557" r:id="rId11"/>
-    <p:sldId id="552" r:id="rId12"/>
-    <p:sldId id="559" r:id="rId13"/>
-    <p:sldId id="560" r:id="rId14"/>
-    <p:sldId id="561" r:id="rId15"/>
-    <p:sldId id="562" r:id="rId16"/>
-    <p:sldId id="564" r:id="rId17"/>
-    <p:sldId id="563" r:id="rId18"/>
-    <p:sldId id="548" r:id="rId19"/>
-    <p:sldId id="265" r:id="rId20"/>
+    <p:sldId id="552" r:id="rId11"/>
+    <p:sldId id="559" r:id="rId12"/>
+    <p:sldId id="560" r:id="rId13"/>
+    <p:sldId id="561" r:id="rId14"/>
+    <p:sldId id="562" r:id="rId15"/>
+    <p:sldId id="564" r:id="rId16"/>
+    <p:sldId id="563" r:id="rId17"/>
+    <p:sldId id="548" r:id="rId18"/>
+    <p:sldId id="265" r:id="rId19"/>
   </p:sldIdLst>
   <p:sldSz cx="12195175" cy="6859588"/>
   <p:notesSz cx="6797675" cy="9874250"/>
@@ -394,21 +393,21 @@
           <a:p>
             <a:pPr lvl="0"/>
             <a:r>
-              <a:rPr lang="en-US" dirty="0" smtClean="0"/>
+              <a:rPr lang="en-US" dirty="0"/>
               <a:t>Click to edit Master text styles</a:t>
             </a:r>
           </a:p>
           <a:p>
             <a:pPr lvl="1"/>
             <a:r>
-              <a:rPr lang="en-US" dirty="0" smtClean="0"/>
+              <a:rPr lang="en-US" dirty="0"/>
               <a:t>Second level</a:t>
             </a:r>
           </a:p>
           <a:p>
             <a:pPr lvl="2"/>
             <a:r>
-              <a:rPr lang="en-US" dirty="0" smtClean="0"/>
+              <a:rPr lang="en-US" dirty="0"/>
               <a:t>Third level</a:t>
             </a:r>
           </a:p>
@@ -697,7 +696,7 @@
             <a:fld id="{7D8C2C35-2B8A-446E-BEC0-FD36716C29AC}" type="slidenum">
               <a:rPr lang="en-US" smtClean="0"/>
               <a:pPr/>
-              <a:t>19</a:t>
+              <a:t>18</a:t>
             </a:fld>
             <a:endParaRPr lang="en-US" dirty="0"/>
           </a:p>
@@ -828,7 +827,7 @@
               <a:buSzPct val="80000"/>
               <a:tabLst/>
             </a:pPr>
-            <a:endParaRPr kumimoji="0" lang="en-US" b="0" i="0" u="none" strike="noStrike" kern="0" cap="none" spc="0" normalizeH="0" baseline="0" noProof="0" dirty="0" smtClean="0">
+            <a:endParaRPr kumimoji="0" lang="en-US" b="0" i="0" u="none" strike="noStrike" kern="0" cap="none" spc="0" normalizeH="0" baseline="0" noProof="0" dirty="0">
               <a:ln>
                 <a:noFill/>
               </a:ln>
@@ -873,10 +872,9 @@
           </a:lstStyle>
           <a:p>
             <a:r>
-              <a:rPr lang="en-US" dirty="0" smtClean="0"/>
+              <a:rPr lang="en-US" dirty="0"/>
               <a:t>Short Presentation Title</a:t>
             </a:r>
-            <a:endParaRPr lang="en-US" dirty="0"/>
           </a:p>
         </p:txBody>
       </p:sp>
@@ -958,7 +956,7 @@
               <a:buSzPct val="80000"/>
               <a:tabLst/>
             </a:pPr>
-            <a:endParaRPr kumimoji="0" lang="en-US" sz="1900" b="0" i="0" u="none" strike="noStrike" kern="0" cap="none" spc="0" normalizeH="0" baseline="0" noProof="0" dirty="0" err="1" smtClean="0">
+            <a:endParaRPr kumimoji="0" lang="en-US" sz="1900" b="0" i="0" u="none" strike="noStrike" kern="0" cap="none" spc="0" normalizeH="0" baseline="0" noProof="0" dirty="0" err="1">
               <a:ln>
                 <a:noFill/>
               </a:ln>
@@ -1099,14 +1097,14 @@
           </a:lstStyle>
           <a:p>
             <a:r>
-              <a:rPr lang="en-US" dirty="0" smtClean="0"/>
+              <a:rPr lang="en-US" dirty="0"/>
               <a:t>Speaker’s Name/Department (delete if not needed)</a:t>
             </a:r>
             <a:br>
-              <a:rPr lang="en-US" dirty="0" smtClean="0"/>
+              <a:rPr lang="en-US" dirty="0"/>
             </a:br>
             <a:r>
-              <a:rPr lang="en-US" dirty="0" smtClean="0"/>
+              <a:rPr lang="en-US" dirty="0"/>
               <a:t>Month 00, 2015</a:t>
             </a:r>
           </a:p>
@@ -1149,13 +1147,6 @@
   <p:clrMapOvr>
     <a:masterClrMapping/>
   </p:clrMapOvr>
-  <p:timing>
-    <p:tnLst>
-      <p:par>
-        <p:cTn id="1" dur="indefinite" restart="never" nodeType="tmRoot"/>
-      </p:par>
-    </p:tnLst>
-  </p:timing>
 </p:sldLayout>
 </file>
 
@@ -1196,14 +1187,14 @@
           </a:lstStyle>
           <a:p>
             <a:r>
-              <a:rPr lang="en-US" noProof="0" dirty="0" smtClean="0"/>
+              <a:rPr lang="en-US" noProof="0" dirty="0"/>
               <a:t>Presentation Title</a:t>
             </a:r>
             <a:br>
-              <a:rPr lang="en-US" noProof="0" dirty="0" smtClean="0"/>
+              <a:rPr lang="en-US" noProof="0" dirty="0"/>
             </a:br>
             <a:r>
-              <a:rPr lang="en-US" cap="small" dirty="0" smtClean="0">
+              <a:rPr lang="en-US" cap="small" dirty="0">
                 <a:solidFill>
                   <a:srgbClr val="FFC000"/>
                 </a:solidFill>
@@ -1373,7 +1364,7 @@
               <a:defRPr/>
             </a:pPr>
             <a:r>
-              <a:rPr kumimoji="0" lang="en-US" sz="2000" b="0" i="0" u="none" strike="noStrike" kern="1200" cap="none" spc="0" normalizeH="0" baseline="0" noProof="0" dirty="0" smtClean="0">
+              <a:rPr kumimoji="0" lang="en-US" sz="2000" b="0" i="0" u="none" strike="noStrike" kern="1200" cap="none" spc="0" normalizeH="0" baseline="0" noProof="0" dirty="0">
                 <a:ln>
                   <a:noFill/>
                 </a:ln>
@@ -1411,7 +1402,7 @@
               <a:defRPr/>
             </a:pPr>
             <a:r>
-              <a:rPr kumimoji="0" lang="en-US" sz="1800" b="0" i="0" u="none" strike="noStrike" kern="1200" cap="none" spc="0" normalizeH="0" baseline="0" noProof="0" dirty="0" smtClean="0">
+              <a:rPr kumimoji="0" lang="en-US" sz="1800" b="0" i="0" u="none" strike="noStrike" kern="1200" cap="none" spc="0" normalizeH="0" baseline="0" noProof="0" dirty="0">
                 <a:ln>
                   <a:noFill/>
                 </a:ln>
@@ -1449,7 +1440,7 @@
               <a:defRPr/>
             </a:pPr>
             <a:r>
-              <a:rPr kumimoji="0" lang="en-US" sz="1600" b="0" i="0" u="none" strike="noStrike" kern="1200" cap="none" spc="0" normalizeH="0" baseline="0" noProof="0" dirty="0" smtClean="0">
+              <a:rPr kumimoji="0" lang="en-US" sz="1600" b="0" i="0" u="none" strike="noStrike" kern="1200" cap="none" spc="0" normalizeH="0" baseline="0" noProof="0" dirty="0">
                 <a:ln>
                   <a:noFill/>
                 </a:ln>
@@ -1489,7 +1480,7 @@
               <a:defRPr/>
             </a:pPr>
             <a:r>
-              <a:rPr kumimoji="0" lang="en-US" sz="1400" b="0" i="0" u="none" strike="noStrike" kern="1200" cap="none" spc="0" normalizeH="0" baseline="0" noProof="0" dirty="0" smtClean="0">
+              <a:rPr kumimoji="0" lang="en-US" sz="1400" b="0" i="0" u="none" strike="noStrike" kern="1200" cap="none" spc="0" normalizeH="0" baseline="0" noProof="0" dirty="0">
                 <a:ln>
                   <a:noFill/>
                 </a:ln>
@@ -1529,7 +1520,7 @@
               <a:defRPr/>
             </a:pPr>
             <a:r>
-              <a:rPr kumimoji="0" lang="en-US" sz="1200" b="0" i="0" u="none" strike="noStrike" kern="1200" cap="none" spc="0" normalizeH="0" baseline="0" noProof="0" dirty="0" smtClean="0">
+              <a:rPr kumimoji="0" lang="en-US" sz="1200" b="0" i="0" u="none" strike="noStrike" kern="1200" cap="none" spc="0" normalizeH="0" baseline="0" noProof="0" dirty="0">
                 <a:ln>
                   <a:noFill/>
                 </a:ln>
@@ -1545,20 +1536,6 @@
               </a:rPr>
               <a:t>Fifth level</a:t>
             </a:r>
-            <a:endParaRPr kumimoji="0" lang="en-US" sz="1200" b="0" i="0" u="none" strike="noStrike" kern="1200" cap="none" spc="0" normalizeH="0" baseline="0" noProof="0" dirty="0">
-              <a:ln>
-                <a:noFill/>
-              </a:ln>
-              <a:solidFill>
-                <a:srgbClr val="CCCCCC">
-                  <a:lumMod val="50000"/>
-                </a:srgbClr>
-              </a:solidFill>
-              <a:effectLst/>
-              <a:uLnTx/>
-              <a:uFillTx/>
-              <a:latin typeface="+mn-lt"/>
-            </a:endParaRPr>
           </a:p>
         </p:txBody>
       </p:sp>
@@ -1567,13 +1544,6 @@
   <p:clrMapOvr>
     <a:masterClrMapping/>
   </p:clrMapOvr>
-  <p:timing>
-    <p:tnLst>
-      <p:par>
-        <p:cTn id="1" dur="indefinite" restart="never" nodeType="tmRoot"/>
-      </p:par>
-    </p:tnLst>
-  </p:timing>
 </p:sldLayout>
 </file>
 
@@ -1614,14 +1584,14 @@
           </a:lstStyle>
           <a:p>
             <a:r>
-              <a:rPr lang="en-US" noProof="0" dirty="0" smtClean="0"/>
+              <a:rPr lang="en-US" noProof="0" dirty="0"/>
               <a:t>Presentation Title</a:t>
             </a:r>
             <a:br>
-              <a:rPr lang="en-US" noProof="0" dirty="0" smtClean="0"/>
+              <a:rPr lang="en-US" noProof="0" dirty="0"/>
             </a:br>
             <a:r>
-              <a:rPr lang="en-US" cap="small" dirty="0" smtClean="0">
+              <a:rPr lang="en-US" cap="small" dirty="0">
                 <a:solidFill>
                   <a:srgbClr val="FFC000"/>
                 </a:solidFill>
@@ -1786,7 +1756,7 @@
               <a:defRPr/>
             </a:pPr>
             <a:r>
-              <a:rPr kumimoji="0" lang="en-US" sz="2000" b="0" i="0" u="none" strike="noStrike" kern="1200" cap="none" spc="0" normalizeH="0" baseline="0" noProof="0" dirty="0" smtClean="0">
+              <a:rPr kumimoji="0" lang="en-US" sz="2000" b="0" i="0" u="none" strike="noStrike" kern="1200" cap="none" spc="0" normalizeH="0" baseline="0" noProof="0" dirty="0">
                 <a:ln>
                   <a:noFill/>
                 </a:ln>
@@ -1824,7 +1794,7 @@
               <a:defRPr/>
             </a:pPr>
             <a:r>
-              <a:rPr kumimoji="0" lang="en-US" sz="1800" b="0" i="0" u="none" strike="noStrike" kern="1200" cap="none" spc="0" normalizeH="0" baseline="0" noProof="0" dirty="0" smtClean="0">
+              <a:rPr kumimoji="0" lang="en-US" sz="1800" b="0" i="0" u="none" strike="noStrike" kern="1200" cap="none" spc="0" normalizeH="0" baseline="0" noProof="0" dirty="0">
                 <a:ln>
                   <a:noFill/>
                 </a:ln>
@@ -1862,7 +1832,7 @@
               <a:defRPr/>
             </a:pPr>
             <a:r>
-              <a:rPr kumimoji="0" lang="en-US" sz="1600" b="0" i="0" u="none" strike="noStrike" kern="1200" cap="none" spc="0" normalizeH="0" baseline="0" noProof="0" dirty="0" smtClean="0">
+              <a:rPr kumimoji="0" lang="en-US" sz="1600" b="0" i="0" u="none" strike="noStrike" kern="1200" cap="none" spc="0" normalizeH="0" baseline="0" noProof="0" dirty="0">
                 <a:ln>
                   <a:noFill/>
                 </a:ln>
@@ -1902,7 +1872,7 @@
               <a:defRPr/>
             </a:pPr>
             <a:r>
-              <a:rPr kumimoji="0" lang="en-US" sz="1400" b="0" i="0" u="none" strike="noStrike" kern="1200" cap="none" spc="0" normalizeH="0" baseline="0" noProof="0" dirty="0" smtClean="0">
+              <a:rPr kumimoji="0" lang="en-US" sz="1400" b="0" i="0" u="none" strike="noStrike" kern="1200" cap="none" spc="0" normalizeH="0" baseline="0" noProof="0" dirty="0">
                 <a:ln>
                   <a:noFill/>
                 </a:ln>
@@ -1942,7 +1912,7 @@
               <a:defRPr/>
             </a:pPr>
             <a:r>
-              <a:rPr kumimoji="0" lang="en-US" sz="1200" b="0" i="0" u="none" strike="noStrike" kern="1200" cap="none" spc="0" normalizeH="0" baseline="0" noProof="0" dirty="0" smtClean="0">
+              <a:rPr kumimoji="0" lang="en-US" sz="1200" b="0" i="0" u="none" strike="noStrike" kern="1200" cap="none" spc="0" normalizeH="0" baseline="0" noProof="0" dirty="0">
                 <a:ln>
                   <a:noFill/>
                 </a:ln>
@@ -1958,20 +1928,6 @@
               </a:rPr>
               <a:t>Fifth level</a:t>
             </a:r>
-            <a:endParaRPr kumimoji="0" lang="en-US" sz="1200" b="0" i="0" u="none" strike="noStrike" kern="1200" cap="none" spc="0" normalizeH="0" baseline="0" noProof="0" dirty="0">
-              <a:ln>
-                <a:noFill/>
-              </a:ln>
-              <a:solidFill>
-                <a:srgbClr val="CCCCCC">
-                  <a:lumMod val="50000"/>
-                </a:srgbClr>
-              </a:solidFill>
-              <a:effectLst/>
-              <a:uLnTx/>
-              <a:uFillTx/>
-              <a:latin typeface="+mn-lt"/>
-            </a:endParaRPr>
           </a:p>
         </p:txBody>
       </p:sp>
@@ -2128,7 +2084,7 @@
               <a:defRPr/>
             </a:pPr>
             <a:r>
-              <a:rPr kumimoji="0" lang="en-US" sz="2000" b="0" i="0" u="none" strike="noStrike" kern="1200" cap="none" spc="0" normalizeH="0" baseline="0" noProof="0" dirty="0" smtClean="0">
+              <a:rPr kumimoji="0" lang="en-US" sz="2000" b="0" i="0" u="none" strike="noStrike" kern="1200" cap="none" spc="0" normalizeH="0" baseline="0" noProof="0" dirty="0">
                 <a:ln>
                   <a:noFill/>
                 </a:ln>
@@ -2166,7 +2122,7 @@
               <a:defRPr/>
             </a:pPr>
             <a:r>
-              <a:rPr kumimoji="0" lang="en-US" sz="1800" b="0" i="0" u="none" strike="noStrike" kern="1200" cap="none" spc="0" normalizeH="0" baseline="0" noProof="0" dirty="0" smtClean="0">
+              <a:rPr kumimoji="0" lang="en-US" sz="1800" b="0" i="0" u="none" strike="noStrike" kern="1200" cap="none" spc="0" normalizeH="0" baseline="0" noProof="0" dirty="0">
                 <a:ln>
                   <a:noFill/>
                 </a:ln>
@@ -2204,7 +2160,7 @@
               <a:defRPr/>
             </a:pPr>
             <a:r>
-              <a:rPr kumimoji="0" lang="en-US" sz="1600" b="0" i="0" u="none" strike="noStrike" kern="1200" cap="none" spc="0" normalizeH="0" baseline="0" noProof="0" dirty="0" smtClean="0">
+              <a:rPr kumimoji="0" lang="en-US" sz="1600" b="0" i="0" u="none" strike="noStrike" kern="1200" cap="none" spc="0" normalizeH="0" baseline="0" noProof="0" dirty="0">
                 <a:ln>
                   <a:noFill/>
                 </a:ln>
@@ -2244,7 +2200,7 @@
               <a:defRPr/>
             </a:pPr>
             <a:r>
-              <a:rPr kumimoji="0" lang="en-US" sz="1400" b="0" i="0" u="none" strike="noStrike" kern="1200" cap="none" spc="0" normalizeH="0" baseline="0" noProof="0" dirty="0" smtClean="0">
+              <a:rPr kumimoji="0" lang="en-US" sz="1400" b="0" i="0" u="none" strike="noStrike" kern="1200" cap="none" spc="0" normalizeH="0" baseline="0" noProof="0" dirty="0">
                 <a:ln>
                   <a:noFill/>
                 </a:ln>
@@ -2284,7 +2240,7 @@
               <a:defRPr/>
             </a:pPr>
             <a:r>
-              <a:rPr kumimoji="0" lang="en-US" sz="1200" b="0" i="0" u="none" strike="noStrike" kern="1200" cap="none" spc="0" normalizeH="0" baseline="0" noProof="0" dirty="0" smtClean="0">
+              <a:rPr kumimoji="0" lang="en-US" sz="1200" b="0" i="0" u="none" strike="noStrike" kern="1200" cap="none" spc="0" normalizeH="0" baseline="0" noProof="0" dirty="0">
                 <a:ln>
                   <a:noFill/>
                 </a:ln>
@@ -2300,20 +2256,6 @@
               </a:rPr>
               <a:t>Fifth level</a:t>
             </a:r>
-            <a:endParaRPr kumimoji="0" lang="en-US" sz="1200" b="0" i="0" u="none" strike="noStrike" kern="1200" cap="none" spc="0" normalizeH="0" baseline="0" noProof="0" dirty="0">
-              <a:ln>
-                <a:noFill/>
-              </a:ln>
-              <a:solidFill>
-                <a:srgbClr val="CCCCCC">
-                  <a:lumMod val="50000"/>
-                </a:srgbClr>
-              </a:solidFill>
-              <a:effectLst/>
-              <a:uLnTx/>
-              <a:uFillTx/>
-              <a:latin typeface="+mn-lt"/>
-            </a:endParaRPr>
           </a:p>
         </p:txBody>
       </p:sp>
@@ -2322,13 +2264,6 @@
   <p:clrMapOvr>
     <a:masterClrMapping/>
   </p:clrMapOvr>
-  <p:timing>
-    <p:tnLst>
-      <p:par>
-        <p:cTn id="1" dur="indefinite" restart="never" nodeType="tmRoot"/>
-      </p:par>
-    </p:tnLst>
-  </p:timing>
 </p:sldLayout>
 </file>
 
@@ -2374,14 +2309,14 @@
           </a:lstStyle>
           <a:p>
             <a:r>
-              <a:rPr lang="en-US" noProof="0" dirty="0" smtClean="0"/>
+              <a:rPr lang="en-US" noProof="0" dirty="0"/>
               <a:t>Presentation Title</a:t>
             </a:r>
             <a:br>
-              <a:rPr lang="en-US" noProof="0" dirty="0" smtClean="0"/>
+              <a:rPr lang="en-US" noProof="0" dirty="0"/>
             </a:br>
             <a:r>
-              <a:rPr lang="en-US" cap="small" dirty="0" smtClean="0">
+              <a:rPr lang="en-US" cap="small" dirty="0">
                 <a:solidFill>
                   <a:srgbClr val="FFC000"/>
                 </a:solidFill>
@@ -2546,7 +2481,7 @@
               <a:defRPr/>
             </a:pPr>
             <a:r>
-              <a:rPr kumimoji="0" lang="en-US" sz="2000" b="0" i="0" u="none" strike="noStrike" kern="1200" cap="none" spc="0" normalizeH="0" baseline="0" noProof="0" dirty="0" smtClean="0">
+              <a:rPr kumimoji="0" lang="en-US" sz="2000" b="0" i="0" u="none" strike="noStrike" kern="1200" cap="none" spc="0" normalizeH="0" baseline="0" noProof="0" dirty="0">
                 <a:ln>
                   <a:noFill/>
                 </a:ln>
@@ -2584,7 +2519,7 @@
               <a:defRPr/>
             </a:pPr>
             <a:r>
-              <a:rPr kumimoji="0" lang="en-US" sz="1800" b="0" i="0" u="none" strike="noStrike" kern="1200" cap="none" spc="0" normalizeH="0" baseline="0" noProof="0" dirty="0" smtClean="0">
+              <a:rPr kumimoji="0" lang="en-US" sz="1800" b="0" i="0" u="none" strike="noStrike" kern="1200" cap="none" spc="0" normalizeH="0" baseline="0" noProof="0" dirty="0">
                 <a:ln>
                   <a:noFill/>
                 </a:ln>
@@ -2622,7 +2557,7 @@
               <a:defRPr/>
             </a:pPr>
             <a:r>
-              <a:rPr kumimoji="0" lang="en-US" sz="1600" b="0" i="0" u="none" strike="noStrike" kern="1200" cap="none" spc="0" normalizeH="0" baseline="0" noProof="0" dirty="0" smtClean="0">
+              <a:rPr kumimoji="0" lang="en-US" sz="1600" b="0" i="0" u="none" strike="noStrike" kern="1200" cap="none" spc="0" normalizeH="0" baseline="0" noProof="0" dirty="0">
                 <a:ln>
                   <a:noFill/>
                 </a:ln>
@@ -2662,7 +2597,7 @@
               <a:defRPr/>
             </a:pPr>
             <a:r>
-              <a:rPr kumimoji="0" lang="en-US" sz="1400" b="0" i="0" u="none" strike="noStrike" kern="1200" cap="none" spc="0" normalizeH="0" baseline="0" noProof="0" dirty="0" smtClean="0">
+              <a:rPr kumimoji="0" lang="en-US" sz="1400" b="0" i="0" u="none" strike="noStrike" kern="1200" cap="none" spc="0" normalizeH="0" baseline="0" noProof="0" dirty="0">
                 <a:ln>
                   <a:noFill/>
                 </a:ln>
@@ -2702,7 +2637,7 @@
               <a:defRPr/>
             </a:pPr>
             <a:r>
-              <a:rPr kumimoji="0" lang="en-US" sz="1200" b="0" i="0" u="none" strike="noStrike" kern="1200" cap="none" spc="0" normalizeH="0" baseline="0" noProof="0" dirty="0" smtClean="0">
+              <a:rPr kumimoji="0" lang="en-US" sz="1200" b="0" i="0" u="none" strike="noStrike" kern="1200" cap="none" spc="0" normalizeH="0" baseline="0" noProof="0" dirty="0">
                 <a:ln>
                   <a:noFill/>
                 </a:ln>
@@ -2718,20 +2653,6 @@
               </a:rPr>
               <a:t>Fifth level</a:t>
             </a:r>
-            <a:endParaRPr kumimoji="0" lang="en-US" sz="1200" b="0" i="0" u="none" strike="noStrike" kern="1200" cap="none" spc="0" normalizeH="0" baseline="0" noProof="0" dirty="0">
-              <a:ln>
-                <a:noFill/>
-              </a:ln>
-              <a:solidFill>
-                <a:srgbClr val="CCCCCC">
-                  <a:lumMod val="50000"/>
-                </a:srgbClr>
-              </a:solidFill>
-              <a:effectLst/>
-              <a:uLnTx/>
-              <a:uFillTx/>
-              <a:latin typeface="+mn-lt"/>
-            </a:endParaRPr>
           </a:p>
         </p:txBody>
       </p:sp>
@@ -2888,7 +2809,7 @@
               <a:defRPr/>
             </a:pPr>
             <a:r>
-              <a:rPr kumimoji="0" lang="en-US" sz="2000" b="0" i="0" u="none" strike="noStrike" kern="1200" cap="none" spc="0" normalizeH="0" baseline="0" noProof="0" dirty="0" smtClean="0">
+              <a:rPr kumimoji="0" lang="en-US" sz="2000" b="0" i="0" u="none" strike="noStrike" kern="1200" cap="none" spc="0" normalizeH="0" baseline="0" noProof="0" dirty="0">
                 <a:ln>
                   <a:noFill/>
                 </a:ln>
@@ -2926,7 +2847,7 @@
               <a:defRPr/>
             </a:pPr>
             <a:r>
-              <a:rPr kumimoji="0" lang="en-US" sz="1800" b="0" i="0" u="none" strike="noStrike" kern="1200" cap="none" spc="0" normalizeH="0" baseline="0" noProof="0" dirty="0" smtClean="0">
+              <a:rPr kumimoji="0" lang="en-US" sz="1800" b="0" i="0" u="none" strike="noStrike" kern="1200" cap="none" spc="0" normalizeH="0" baseline="0" noProof="0" dirty="0">
                 <a:ln>
                   <a:noFill/>
                 </a:ln>
@@ -2964,7 +2885,7 @@
               <a:defRPr/>
             </a:pPr>
             <a:r>
-              <a:rPr kumimoji="0" lang="en-US" sz="1600" b="0" i="0" u="none" strike="noStrike" kern="1200" cap="none" spc="0" normalizeH="0" baseline="0" noProof="0" dirty="0" smtClean="0">
+              <a:rPr kumimoji="0" lang="en-US" sz="1600" b="0" i="0" u="none" strike="noStrike" kern="1200" cap="none" spc="0" normalizeH="0" baseline="0" noProof="0" dirty="0">
                 <a:ln>
                   <a:noFill/>
                 </a:ln>
@@ -3004,7 +2925,7 @@
               <a:defRPr/>
             </a:pPr>
             <a:r>
-              <a:rPr kumimoji="0" lang="en-US" sz="1400" b="0" i="0" u="none" strike="noStrike" kern="1200" cap="none" spc="0" normalizeH="0" baseline="0" noProof="0" dirty="0" smtClean="0">
+              <a:rPr kumimoji="0" lang="en-US" sz="1400" b="0" i="0" u="none" strike="noStrike" kern="1200" cap="none" spc="0" normalizeH="0" baseline="0" noProof="0" dirty="0">
                 <a:ln>
                   <a:noFill/>
                 </a:ln>
@@ -3044,7 +2965,7 @@
               <a:defRPr/>
             </a:pPr>
             <a:r>
-              <a:rPr kumimoji="0" lang="en-US" sz="1200" b="0" i="0" u="none" strike="noStrike" kern="1200" cap="none" spc="0" normalizeH="0" baseline="0" noProof="0" dirty="0" smtClean="0">
+              <a:rPr kumimoji="0" lang="en-US" sz="1200" b="0" i="0" u="none" strike="noStrike" kern="1200" cap="none" spc="0" normalizeH="0" baseline="0" noProof="0" dirty="0">
                 <a:ln>
                   <a:noFill/>
                 </a:ln>
@@ -3060,20 +2981,6 @@
               </a:rPr>
               <a:t>Fifth level</a:t>
             </a:r>
-            <a:endParaRPr kumimoji="0" lang="en-US" sz="1200" b="0" i="0" u="none" strike="noStrike" kern="1200" cap="none" spc="0" normalizeH="0" baseline="0" noProof="0" dirty="0">
-              <a:ln>
-                <a:noFill/>
-              </a:ln>
-              <a:solidFill>
-                <a:srgbClr val="CCCCCC">
-                  <a:lumMod val="50000"/>
-                </a:srgbClr>
-              </a:solidFill>
-              <a:effectLst/>
-              <a:uLnTx/>
-              <a:uFillTx/>
-              <a:latin typeface="+mn-lt"/>
-            </a:endParaRPr>
           </a:p>
         </p:txBody>
       </p:sp>
@@ -3230,7 +3137,7 @@
               <a:defRPr/>
             </a:pPr>
             <a:r>
-              <a:rPr kumimoji="0" lang="en-US" sz="2000" b="0" i="0" u="none" strike="noStrike" kern="1200" cap="none" spc="0" normalizeH="0" baseline="0" noProof="0" dirty="0" smtClean="0">
+              <a:rPr kumimoji="0" lang="en-US" sz="2000" b="0" i="0" u="none" strike="noStrike" kern="1200" cap="none" spc="0" normalizeH="0" baseline="0" noProof="0" dirty="0">
                 <a:ln>
                   <a:noFill/>
                 </a:ln>
@@ -3268,7 +3175,7 @@
               <a:defRPr/>
             </a:pPr>
             <a:r>
-              <a:rPr kumimoji="0" lang="en-US" sz="1800" b="0" i="0" u="none" strike="noStrike" kern="1200" cap="none" spc="0" normalizeH="0" baseline="0" noProof="0" dirty="0" smtClean="0">
+              <a:rPr kumimoji="0" lang="en-US" sz="1800" b="0" i="0" u="none" strike="noStrike" kern="1200" cap="none" spc="0" normalizeH="0" baseline="0" noProof="0" dirty="0">
                 <a:ln>
                   <a:noFill/>
                 </a:ln>
@@ -3306,7 +3213,7 @@
               <a:defRPr/>
             </a:pPr>
             <a:r>
-              <a:rPr kumimoji="0" lang="en-US" sz="1600" b="0" i="0" u="none" strike="noStrike" kern="1200" cap="none" spc="0" normalizeH="0" baseline="0" noProof="0" dirty="0" smtClean="0">
+              <a:rPr kumimoji="0" lang="en-US" sz="1600" b="0" i="0" u="none" strike="noStrike" kern="1200" cap="none" spc="0" normalizeH="0" baseline="0" noProof="0" dirty="0">
                 <a:ln>
                   <a:noFill/>
                 </a:ln>
@@ -3346,7 +3253,7 @@
               <a:defRPr/>
             </a:pPr>
             <a:r>
-              <a:rPr kumimoji="0" lang="en-US" sz="1400" b="0" i="0" u="none" strike="noStrike" kern="1200" cap="none" spc="0" normalizeH="0" baseline="0" noProof="0" dirty="0" smtClean="0">
+              <a:rPr kumimoji="0" lang="en-US" sz="1400" b="0" i="0" u="none" strike="noStrike" kern="1200" cap="none" spc="0" normalizeH="0" baseline="0" noProof="0" dirty="0">
                 <a:ln>
                   <a:noFill/>
                 </a:ln>
@@ -3386,7 +3293,7 @@
               <a:defRPr/>
             </a:pPr>
             <a:r>
-              <a:rPr kumimoji="0" lang="en-US" sz="1200" b="0" i="0" u="none" strike="noStrike" kern="1200" cap="none" spc="0" normalizeH="0" baseline="0" noProof="0" dirty="0" smtClean="0">
+              <a:rPr kumimoji="0" lang="en-US" sz="1200" b="0" i="0" u="none" strike="noStrike" kern="1200" cap="none" spc="0" normalizeH="0" baseline="0" noProof="0" dirty="0">
                 <a:ln>
                   <a:noFill/>
                 </a:ln>
@@ -3402,20 +3309,6 @@
               </a:rPr>
               <a:t>Fifth level</a:t>
             </a:r>
-            <a:endParaRPr kumimoji="0" lang="en-US" sz="1200" b="0" i="0" u="none" strike="noStrike" kern="1200" cap="none" spc="0" normalizeH="0" baseline="0" noProof="0" dirty="0">
-              <a:ln>
-                <a:noFill/>
-              </a:ln>
-              <a:solidFill>
-                <a:srgbClr val="CCCCCC">
-                  <a:lumMod val="50000"/>
-                </a:srgbClr>
-              </a:solidFill>
-              <a:effectLst/>
-              <a:uLnTx/>
-              <a:uFillTx/>
-              <a:latin typeface="+mn-lt"/>
-            </a:endParaRPr>
           </a:p>
         </p:txBody>
       </p:sp>
@@ -3424,13 +3317,6 @@
   <p:clrMapOvr>
     <a:masterClrMapping/>
   </p:clrMapOvr>
-  <p:timing>
-    <p:tnLst>
-      <p:par>
-        <p:cTn id="1" dur="indefinite" restart="never" nodeType="tmRoot"/>
-      </p:par>
-    </p:tnLst>
-  </p:timing>
 </p:sldLayout>
 </file>
 
@@ -3471,14 +3357,14 @@
           </a:lstStyle>
           <a:p>
             <a:r>
-              <a:rPr lang="en-US" noProof="0" dirty="0" smtClean="0"/>
+              <a:rPr lang="en-US" noProof="0" dirty="0"/>
               <a:t>Presentation Title</a:t>
             </a:r>
             <a:br>
-              <a:rPr lang="en-US" noProof="0" dirty="0" smtClean="0"/>
+              <a:rPr lang="en-US" noProof="0" dirty="0"/>
             </a:br>
             <a:r>
-              <a:rPr lang="en-US" cap="small" dirty="0" smtClean="0">
+              <a:rPr lang="en-US" cap="small" dirty="0">
                 <a:solidFill>
                   <a:srgbClr val="FFC000"/>
                 </a:solidFill>
@@ -3520,7 +3406,7 @@
           </a:lstStyle>
           <a:p>
             <a:r>
-              <a:rPr lang="en-US" smtClean="0"/>
+              <a:rPr lang="en-US"/>
               <a:t>Click icon to add picture</a:t>
             </a:r>
             <a:endParaRPr lang="en-US" dirty="0"/>
@@ -3680,7 +3566,7 @@
               <a:defRPr/>
             </a:pPr>
             <a:r>
-              <a:rPr kumimoji="0" lang="en-US" sz="2000" b="0" i="0" u="none" strike="noStrike" kern="1200" cap="none" spc="0" normalizeH="0" baseline="0" noProof="0" dirty="0" smtClean="0">
+              <a:rPr kumimoji="0" lang="en-US" sz="2000" b="0" i="0" u="none" strike="noStrike" kern="1200" cap="none" spc="0" normalizeH="0" baseline="0" noProof="0" dirty="0">
                 <a:ln>
                   <a:noFill/>
                 </a:ln>
@@ -3718,7 +3604,7 @@
               <a:defRPr/>
             </a:pPr>
             <a:r>
-              <a:rPr kumimoji="0" lang="en-US" sz="1800" b="0" i="0" u="none" strike="noStrike" kern="1200" cap="none" spc="0" normalizeH="0" baseline="0" noProof="0" dirty="0" smtClean="0">
+              <a:rPr kumimoji="0" lang="en-US" sz="1800" b="0" i="0" u="none" strike="noStrike" kern="1200" cap="none" spc="0" normalizeH="0" baseline="0" noProof="0" dirty="0">
                 <a:ln>
                   <a:noFill/>
                 </a:ln>
@@ -3756,7 +3642,7 @@
               <a:defRPr/>
             </a:pPr>
             <a:r>
-              <a:rPr kumimoji="0" lang="en-US" sz="1600" b="0" i="0" u="none" strike="noStrike" kern="1200" cap="none" spc="0" normalizeH="0" baseline="0" noProof="0" dirty="0" smtClean="0">
+              <a:rPr kumimoji="0" lang="en-US" sz="1600" b="0" i="0" u="none" strike="noStrike" kern="1200" cap="none" spc="0" normalizeH="0" baseline="0" noProof="0" dirty="0">
                 <a:ln>
                   <a:noFill/>
                 </a:ln>
@@ -3796,7 +3682,7 @@
               <a:defRPr/>
             </a:pPr>
             <a:r>
-              <a:rPr kumimoji="0" lang="en-US" sz="1400" b="0" i="0" u="none" strike="noStrike" kern="1200" cap="none" spc="0" normalizeH="0" baseline="0" noProof="0" dirty="0" smtClean="0">
+              <a:rPr kumimoji="0" lang="en-US" sz="1400" b="0" i="0" u="none" strike="noStrike" kern="1200" cap="none" spc="0" normalizeH="0" baseline="0" noProof="0" dirty="0">
                 <a:ln>
                   <a:noFill/>
                 </a:ln>
@@ -3836,7 +3722,7 @@
               <a:defRPr/>
             </a:pPr>
             <a:r>
-              <a:rPr kumimoji="0" lang="en-US" sz="1200" b="0" i="0" u="none" strike="noStrike" kern="1200" cap="none" spc="0" normalizeH="0" baseline="0" noProof="0" dirty="0" smtClean="0">
+              <a:rPr kumimoji="0" lang="en-US" sz="1200" b="0" i="0" u="none" strike="noStrike" kern="1200" cap="none" spc="0" normalizeH="0" baseline="0" noProof="0" dirty="0">
                 <a:ln>
                   <a:noFill/>
                 </a:ln>
@@ -3852,20 +3738,6 @@
               </a:rPr>
               <a:t>Fifth level</a:t>
             </a:r>
-            <a:endParaRPr kumimoji="0" lang="en-US" sz="1200" b="0" i="0" u="none" strike="noStrike" kern="1200" cap="none" spc="0" normalizeH="0" baseline="0" noProof="0" dirty="0">
-              <a:ln>
-                <a:noFill/>
-              </a:ln>
-              <a:solidFill>
-                <a:srgbClr val="CCCCCC">
-                  <a:lumMod val="50000"/>
-                </a:srgbClr>
-              </a:solidFill>
-              <a:effectLst/>
-              <a:uLnTx/>
-              <a:uFillTx/>
-              <a:latin typeface="Arial"/>
-            </a:endParaRPr>
           </a:p>
         </p:txBody>
       </p:sp>
@@ -3874,13 +3746,6 @@
   <p:clrMapOvr>
     <a:masterClrMapping/>
   </p:clrMapOvr>
-  <p:timing>
-    <p:tnLst>
-      <p:par>
-        <p:cTn id="1" dur="indefinite" restart="never" nodeType="tmRoot"/>
-      </p:par>
-    </p:tnLst>
-  </p:timing>
 </p:sldLayout>
 </file>
 
@@ -3921,14 +3786,14 @@
           </a:lstStyle>
           <a:p>
             <a:r>
-              <a:rPr lang="en-US" noProof="0" dirty="0" smtClean="0"/>
+              <a:rPr lang="en-US" noProof="0" dirty="0"/>
               <a:t>Presentation Title</a:t>
             </a:r>
             <a:br>
-              <a:rPr lang="en-US" noProof="0" dirty="0" smtClean="0"/>
+              <a:rPr lang="en-US" noProof="0" dirty="0"/>
             </a:br>
             <a:r>
-              <a:rPr lang="en-US" cap="small" dirty="0" smtClean="0">
+              <a:rPr lang="en-US" cap="small" dirty="0">
                 <a:solidFill>
                   <a:srgbClr val="FFC000"/>
                 </a:solidFill>
@@ -3988,7 +3853,7 @@
           </a:lstStyle>
           <a:p>
             <a:r>
-              <a:rPr lang="en-US" smtClean="0"/>
+              <a:rPr lang="en-US"/>
               <a:t>Click icon to add picture</a:t>
             </a:r>
             <a:endParaRPr lang="en-US" dirty="0"/>
@@ -4138,7 +4003,7 @@
               <a:defRPr/>
             </a:pPr>
             <a:r>
-              <a:rPr kumimoji="0" lang="en-US" sz="2000" b="0" i="0" u="none" strike="noStrike" kern="1200" cap="none" spc="0" normalizeH="0" baseline="0" noProof="0" dirty="0" smtClean="0">
+              <a:rPr kumimoji="0" lang="en-US" sz="2000" b="0" i="0" u="none" strike="noStrike" kern="1200" cap="none" spc="0" normalizeH="0" baseline="0" noProof="0" dirty="0">
                 <a:ln>
                   <a:noFill/>
                 </a:ln>
@@ -4176,7 +4041,7 @@
               <a:defRPr/>
             </a:pPr>
             <a:r>
-              <a:rPr kumimoji="0" lang="en-US" sz="1800" b="0" i="0" u="none" strike="noStrike" kern="1200" cap="none" spc="0" normalizeH="0" baseline="0" noProof="0" dirty="0" smtClean="0">
+              <a:rPr kumimoji="0" lang="en-US" sz="1800" b="0" i="0" u="none" strike="noStrike" kern="1200" cap="none" spc="0" normalizeH="0" baseline="0" noProof="0" dirty="0">
                 <a:ln>
                   <a:noFill/>
                 </a:ln>
@@ -4214,7 +4079,7 @@
               <a:defRPr/>
             </a:pPr>
             <a:r>
-              <a:rPr kumimoji="0" lang="en-US" sz="1600" b="0" i="0" u="none" strike="noStrike" kern="1200" cap="none" spc="0" normalizeH="0" baseline="0" noProof="0" dirty="0" smtClean="0">
+              <a:rPr kumimoji="0" lang="en-US" sz="1600" b="0" i="0" u="none" strike="noStrike" kern="1200" cap="none" spc="0" normalizeH="0" baseline="0" noProof="0" dirty="0">
                 <a:ln>
                   <a:noFill/>
                 </a:ln>
@@ -4254,7 +4119,7 @@
               <a:defRPr/>
             </a:pPr>
             <a:r>
-              <a:rPr kumimoji="0" lang="en-US" sz="1400" b="0" i="0" u="none" strike="noStrike" kern="1200" cap="none" spc="0" normalizeH="0" baseline="0" noProof="0" dirty="0" smtClean="0">
+              <a:rPr kumimoji="0" lang="en-US" sz="1400" b="0" i="0" u="none" strike="noStrike" kern="1200" cap="none" spc="0" normalizeH="0" baseline="0" noProof="0" dirty="0">
                 <a:ln>
                   <a:noFill/>
                 </a:ln>
@@ -4294,7 +4159,7 @@
               <a:defRPr/>
             </a:pPr>
             <a:r>
-              <a:rPr kumimoji="0" lang="en-US" sz="1200" b="0" i="0" u="none" strike="noStrike" kern="1200" cap="none" spc="0" normalizeH="0" baseline="0" noProof="0" dirty="0" smtClean="0">
+              <a:rPr kumimoji="0" lang="en-US" sz="1200" b="0" i="0" u="none" strike="noStrike" kern="1200" cap="none" spc="0" normalizeH="0" baseline="0" noProof="0" dirty="0">
                 <a:ln>
                   <a:noFill/>
                 </a:ln>
@@ -4310,20 +4175,6 @@
               </a:rPr>
               <a:t>Fifth level</a:t>
             </a:r>
-            <a:endParaRPr kumimoji="0" lang="en-US" sz="1200" b="0" i="0" u="none" strike="noStrike" kern="1200" cap="none" spc="0" normalizeH="0" baseline="0" noProof="0" dirty="0">
-              <a:ln>
-                <a:noFill/>
-              </a:ln>
-              <a:solidFill>
-                <a:srgbClr val="CCCCCC">
-                  <a:lumMod val="50000"/>
-                </a:srgbClr>
-              </a:solidFill>
-              <a:effectLst/>
-              <a:uLnTx/>
-              <a:uFillTx/>
-              <a:latin typeface="Arial"/>
-            </a:endParaRPr>
           </a:p>
         </p:txBody>
       </p:sp>
@@ -4332,13 +4183,6 @@
   <p:clrMapOvr>
     <a:masterClrMapping/>
   </p:clrMapOvr>
-  <p:timing>
-    <p:tnLst>
-      <p:par>
-        <p:cTn id="1" dur="indefinite" restart="never" nodeType="tmRoot"/>
-      </p:par>
-    </p:tnLst>
-  </p:timing>
 </p:sldLayout>
 </file>
 
@@ -4379,14 +4223,14 @@
           </a:lstStyle>
           <a:p>
             <a:r>
-              <a:rPr lang="en-US" noProof="0" dirty="0" smtClean="0"/>
+              <a:rPr lang="en-US" noProof="0" dirty="0"/>
               <a:t>Presentation Title</a:t>
             </a:r>
             <a:br>
-              <a:rPr lang="en-US" noProof="0" dirty="0" smtClean="0"/>
+              <a:rPr lang="en-US" noProof="0" dirty="0"/>
             </a:br>
             <a:r>
-              <a:rPr lang="en-US" cap="small" dirty="0" smtClean="0">
+              <a:rPr lang="en-US" cap="small" dirty="0">
                 <a:solidFill>
                   <a:srgbClr val="FFC000"/>
                 </a:solidFill>
@@ -4446,7 +4290,7 @@
           </a:lstStyle>
           <a:p>
             <a:r>
-              <a:rPr lang="en-US" smtClean="0"/>
+              <a:rPr lang="en-US"/>
               <a:t>Click icon to add picture</a:t>
             </a:r>
             <a:endParaRPr lang="en-US" dirty="0"/>
@@ -4596,7 +4440,7 @@
               <a:defRPr/>
             </a:pPr>
             <a:r>
-              <a:rPr kumimoji="0" lang="en-US" sz="2000" b="0" i="0" u="none" strike="noStrike" kern="1200" cap="none" spc="0" normalizeH="0" baseline="0" noProof="0" dirty="0" smtClean="0">
+              <a:rPr kumimoji="0" lang="en-US" sz="2000" b="0" i="0" u="none" strike="noStrike" kern="1200" cap="none" spc="0" normalizeH="0" baseline="0" noProof="0" dirty="0">
                 <a:ln>
                   <a:noFill/>
                 </a:ln>
@@ -4634,7 +4478,7 @@
               <a:defRPr/>
             </a:pPr>
             <a:r>
-              <a:rPr kumimoji="0" lang="en-US" sz="1800" b="0" i="0" u="none" strike="noStrike" kern="1200" cap="none" spc="0" normalizeH="0" baseline="0" noProof="0" dirty="0" smtClean="0">
+              <a:rPr kumimoji="0" lang="en-US" sz="1800" b="0" i="0" u="none" strike="noStrike" kern="1200" cap="none" spc="0" normalizeH="0" baseline="0" noProof="0" dirty="0">
                 <a:ln>
                   <a:noFill/>
                 </a:ln>
@@ -4672,7 +4516,7 @@
               <a:defRPr/>
             </a:pPr>
             <a:r>
-              <a:rPr kumimoji="0" lang="en-US" sz="1600" b="0" i="0" u="none" strike="noStrike" kern="1200" cap="none" spc="0" normalizeH="0" baseline="0" noProof="0" dirty="0" smtClean="0">
+              <a:rPr kumimoji="0" lang="en-US" sz="1600" b="0" i="0" u="none" strike="noStrike" kern="1200" cap="none" spc="0" normalizeH="0" baseline="0" noProof="0" dirty="0">
                 <a:ln>
                   <a:noFill/>
                 </a:ln>
@@ -4712,7 +4556,7 @@
               <a:defRPr/>
             </a:pPr>
             <a:r>
-              <a:rPr kumimoji="0" lang="en-US" sz="1400" b="0" i="0" u="none" strike="noStrike" kern="1200" cap="none" spc="0" normalizeH="0" baseline="0" noProof="0" dirty="0" smtClean="0">
+              <a:rPr kumimoji="0" lang="en-US" sz="1400" b="0" i="0" u="none" strike="noStrike" kern="1200" cap="none" spc="0" normalizeH="0" baseline="0" noProof="0" dirty="0">
                 <a:ln>
                   <a:noFill/>
                 </a:ln>
@@ -4752,7 +4596,7 @@
               <a:defRPr/>
             </a:pPr>
             <a:r>
-              <a:rPr kumimoji="0" lang="en-US" sz="1200" b="0" i="0" u="none" strike="noStrike" kern="1200" cap="none" spc="0" normalizeH="0" baseline="0" noProof="0" dirty="0" smtClean="0">
+              <a:rPr kumimoji="0" lang="en-US" sz="1200" b="0" i="0" u="none" strike="noStrike" kern="1200" cap="none" spc="0" normalizeH="0" baseline="0" noProof="0" dirty="0">
                 <a:ln>
                   <a:noFill/>
                 </a:ln>
@@ -4768,20 +4612,6 @@
               </a:rPr>
               <a:t>Fifth level</a:t>
             </a:r>
-            <a:endParaRPr kumimoji="0" lang="en-US" sz="1200" b="0" i="0" u="none" strike="noStrike" kern="1200" cap="none" spc="0" normalizeH="0" baseline="0" noProof="0" dirty="0">
-              <a:ln>
-                <a:noFill/>
-              </a:ln>
-              <a:solidFill>
-                <a:srgbClr val="CCCCCC">
-                  <a:lumMod val="50000"/>
-                </a:srgbClr>
-              </a:solidFill>
-              <a:effectLst/>
-              <a:uLnTx/>
-              <a:uFillTx/>
-              <a:latin typeface="Arial"/>
-            </a:endParaRPr>
           </a:p>
         </p:txBody>
       </p:sp>
@@ -4790,13 +4620,6 @@
   <p:clrMapOvr>
     <a:masterClrMapping/>
   </p:clrMapOvr>
-  <p:timing>
-    <p:tnLst>
-      <p:par>
-        <p:cTn id="1" dur="indefinite" restart="never" nodeType="tmRoot"/>
-      </p:par>
-    </p:tnLst>
-  </p:timing>
 </p:sldLayout>
 </file>
 
@@ -4833,14 +4656,14 @@
           <a:lstStyle/>
           <a:p>
             <a:r>
-              <a:rPr lang="en-US" noProof="0" dirty="0" smtClean="0"/>
+              <a:rPr lang="en-US" noProof="0" dirty="0"/>
               <a:t>Presentation Title</a:t>
             </a:r>
             <a:br>
-              <a:rPr lang="en-US" noProof="0" dirty="0" smtClean="0"/>
+              <a:rPr lang="en-US" noProof="0" dirty="0"/>
             </a:br>
             <a:r>
-              <a:rPr lang="en-US" cap="small" dirty="0" smtClean="0">
+              <a:rPr lang="en-US" cap="small" dirty="0">
                 <a:solidFill>
                   <a:srgbClr val="FFC000"/>
                 </a:solidFill>
@@ -4995,7 +4818,7 @@
               <a:defRPr/>
             </a:pPr>
             <a:r>
-              <a:rPr kumimoji="0" lang="en-US" sz="2000" b="0" i="0" u="none" strike="noStrike" kern="1200" cap="none" spc="0" normalizeH="0" baseline="0" noProof="0" dirty="0" smtClean="0">
+              <a:rPr kumimoji="0" lang="en-US" sz="2000" b="0" i="0" u="none" strike="noStrike" kern="1200" cap="none" spc="0" normalizeH="0" baseline="0" noProof="0" dirty="0">
                 <a:ln>
                   <a:noFill/>
                 </a:ln>
@@ -5033,7 +4856,7 @@
               <a:defRPr/>
             </a:pPr>
             <a:r>
-              <a:rPr kumimoji="0" lang="en-US" sz="1800" b="0" i="0" u="none" strike="noStrike" kern="1200" cap="none" spc="0" normalizeH="0" baseline="0" noProof="0" dirty="0" smtClean="0">
+              <a:rPr kumimoji="0" lang="en-US" sz="1800" b="0" i="0" u="none" strike="noStrike" kern="1200" cap="none" spc="0" normalizeH="0" baseline="0" noProof="0" dirty="0">
                 <a:ln>
                   <a:noFill/>
                 </a:ln>
@@ -5148,7 +4971,7 @@
               <a:defRPr/>
             </a:pPr>
             <a:r>
-              <a:rPr kumimoji="0" lang="en-US" sz="2000" b="0" i="0" u="none" strike="noStrike" kern="1200" cap="none" spc="0" normalizeH="0" baseline="0" noProof="0" dirty="0" smtClean="0">
+              <a:rPr kumimoji="0" lang="en-US" sz="2000" b="0" i="0" u="none" strike="noStrike" kern="1200" cap="none" spc="0" normalizeH="0" baseline="0" noProof="0" dirty="0">
                 <a:ln>
                   <a:noFill/>
                 </a:ln>
@@ -5186,7 +5009,7 @@
               <a:defRPr/>
             </a:pPr>
             <a:r>
-              <a:rPr kumimoji="0" lang="en-US" sz="1800" b="0" i="0" u="none" strike="noStrike" kern="1200" cap="none" spc="0" normalizeH="0" baseline="0" noProof="0" dirty="0" smtClean="0">
+              <a:rPr kumimoji="0" lang="en-US" sz="1800" b="0" i="0" u="none" strike="noStrike" kern="1200" cap="none" spc="0" normalizeH="0" baseline="0" noProof="0" dirty="0">
                 <a:ln>
                   <a:noFill/>
                 </a:ln>
@@ -5249,7 +5072,7 @@
           </a:lstStyle>
           <a:p>
             <a:r>
-              <a:rPr lang="en-US" smtClean="0"/>
+              <a:rPr lang="en-US"/>
               <a:t>Click icon to add picture</a:t>
             </a:r>
             <a:endParaRPr lang="en-US" dirty="0"/>
@@ -5286,7 +5109,7 @@
           </a:lstStyle>
           <a:p>
             <a:r>
-              <a:rPr lang="en-US" smtClean="0"/>
+              <a:rPr lang="en-US"/>
               <a:t>Click icon to add picture</a:t>
             </a:r>
             <a:endParaRPr lang="en-US" dirty="0"/>
@@ -5298,13 +5121,6 @@
   <p:clrMapOvr>
     <a:masterClrMapping/>
   </p:clrMapOvr>
-  <p:timing>
-    <p:tnLst>
-      <p:par>
-        <p:cTn id="1" dur="indefinite" restart="never" nodeType="tmRoot"/>
-      </p:par>
-    </p:tnLst>
-  </p:timing>
 </p:sldLayout>
 </file>
 
@@ -5341,14 +5157,14 @@
           <a:lstStyle/>
           <a:p>
             <a:r>
-              <a:rPr lang="en-US" noProof="0" dirty="0" smtClean="0"/>
+              <a:rPr lang="en-US" noProof="0" dirty="0"/>
               <a:t>Presentation Title</a:t>
             </a:r>
             <a:br>
-              <a:rPr lang="en-US" noProof="0" dirty="0" smtClean="0"/>
+              <a:rPr lang="en-US" noProof="0" dirty="0"/>
             </a:br>
             <a:r>
-              <a:rPr lang="en-US" cap="small" dirty="0" smtClean="0">
+              <a:rPr lang="en-US" cap="small" dirty="0">
                 <a:solidFill>
                   <a:srgbClr val="FFC000"/>
                 </a:solidFill>
@@ -5386,7 +5202,7 @@
           <a:p>
             <a:pPr lvl="0"/>
             <a:r>
-              <a:rPr lang="en-US" dirty="0" smtClean="0"/>
+              <a:rPr lang="en-US" dirty="0"/>
               <a:t>Click to add content</a:t>
             </a:r>
           </a:p>
@@ -5397,13 +5213,6 @@
   <p:clrMapOvr>
     <a:masterClrMapping/>
   </p:clrMapOvr>
-  <p:timing>
-    <p:tnLst>
-      <p:par>
-        <p:cTn id="1" dur="indefinite" restart="never" nodeType="tmRoot"/>
-      </p:par>
-    </p:tnLst>
-  </p:timing>
 </p:sldLayout>
 </file>
 
@@ -5446,10 +5255,9 @@
           </a:lstStyle>
           <a:p>
             <a:r>
-              <a:rPr lang="en-US" dirty="0" smtClean="0"/>
+              <a:rPr lang="en-US" dirty="0"/>
               <a:t>Discussion panel</a:t>
             </a:r>
-            <a:endParaRPr lang="en-US" dirty="0"/>
           </a:p>
         </p:txBody>
       </p:sp>
@@ -5485,37 +5293,37 @@
           </a:lstStyle>
           <a:p>
             <a:r>
-              <a:rPr lang="en-US" dirty="0" smtClean="0"/>
+              <a:rPr lang="en-US" dirty="0"/>
               <a:t>Title of discussion panel</a:t>
             </a:r>
           </a:p>
           <a:p>
             <a:r>
-              <a:rPr lang="en-US" b="0" dirty="0" smtClean="0"/>
+              <a:rPr lang="en-US" b="0" dirty="0"/>
               <a:t>Speaker Name, Company 1</a:t>
             </a:r>
           </a:p>
           <a:p>
             <a:r>
-              <a:rPr lang="en-US" b="0" dirty="0" smtClean="0"/>
+              <a:rPr lang="en-US" b="0" dirty="0"/>
               <a:t>Speaker Name, Company 2</a:t>
             </a:r>
           </a:p>
           <a:p>
             <a:r>
-              <a:rPr lang="en-US" b="0" dirty="0" smtClean="0"/>
+              <a:rPr lang="en-US" b="0" dirty="0"/>
               <a:t>Speaker Name, Company 3</a:t>
             </a:r>
           </a:p>
           <a:p>
             <a:r>
-              <a:rPr lang="en-US" b="0" dirty="0" smtClean="0"/>
+              <a:rPr lang="en-US" b="0" dirty="0"/>
               <a:t>Speaker Name, Company 4</a:t>
             </a:r>
           </a:p>
           <a:p>
             <a:r>
-              <a:rPr lang="en-US" b="0" dirty="0" smtClean="0"/>
+              <a:rPr lang="en-US" b="0" dirty="0"/>
               <a:t>Speaker Name, Company 5</a:t>
             </a:r>
           </a:p>
@@ -5526,13 +5334,6 @@
   <p:clrMapOvr>
     <a:masterClrMapping/>
   </p:clrMapOvr>
-  <p:timing>
-    <p:tnLst>
-      <p:par>
-        <p:cTn id="1" dur="indefinite" restart="never" nodeType="tmRoot"/>
-      </p:par>
-    </p:tnLst>
-  </p:timing>
 </p:sldLayout>
 </file>
 
@@ -5597,7 +5398,7 @@
               </a:pPr>
               <a:t>‹#›</a:t>
             </a:fld>
-            <a:endParaRPr lang="en-US" sz="900" noProof="0" dirty="0" smtClean="0">
+            <a:endParaRPr lang="en-US" sz="900" noProof="0" dirty="0">
               <a:solidFill>
                 <a:schemeClr val="tx1"/>
               </a:solidFill>
@@ -5636,7 +5437,7 @@
               <a:tabLst/>
             </a:pPr>
             <a:r>
-              <a:rPr lang="en-US" sz="900" noProof="0" dirty="0" smtClean="0">
+              <a:rPr lang="en-US" sz="900" noProof="0" dirty="0">
                 <a:solidFill>
                   <a:schemeClr val="tx1"/>
                 </a:solidFill>
@@ -5651,13 +5452,6 @@
   <p:clrMapOvr>
     <a:masterClrMapping/>
   </p:clrMapOvr>
-  <p:timing>
-    <p:tnLst>
-      <p:par>
-        <p:cTn id="1" dur="indefinite" restart="never" nodeType="tmRoot"/>
-      </p:par>
-    </p:tnLst>
-  </p:timing>
 </p:sldLayout>
 </file>
 
@@ -5735,7 +5529,7 @@
               <a:buSzPct val="80000"/>
               <a:tabLst/>
             </a:pPr>
-            <a:endParaRPr kumimoji="0" lang="en-US" b="0" i="0" u="none" strike="noStrike" kern="0" cap="none" spc="0" normalizeH="0" baseline="0" noProof="0" dirty="0" smtClean="0">
+            <a:endParaRPr kumimoji="0" lang="en-US" b="0" i="0" u="none" strike="noStrike" kern="0" cap="none" spc="0" normalizeH="0" baseline="0" noProof="0" dirty="0">
               <a:ln>
                 <a:noFill/>
               </a:ln>
@@ -5792,7 +5586,7 @@
               <a:buSzPct val="80000"/>
               <a:tabLst/>
             </a:pPr>
-            <a:endParaRPr kumimoji="0" lang="en-US" sz="1900" b="0" i="0" u="none" strike="noStrike" kern="0" cap="none" spc="0" normalizeH="0" baseline="0" noProof="0" dirty="0" err="1" smtClean="0">
+            <a:endParaRPr kumimoji="0" lang="en-US" sz="1900" b="0" i="0" u="none" strike="noStrike" kern="0" cap="none" spc="0" normalizeH="0" baseline="0" noProof="0" dirty="0" err="1">
               <a:ln>
                 <a:noFill/>
               </a:ln>
@@ -5933,14 +5727,14 @@
           </a:lstStyle>
           <a:p>
             <a:r>
-              <a:rPr lang="en-US" dirty="0" smtClean="0"/>
+              <a:rPr lang="en-US" dirty="0"/>
               <a:t>Speaker’s Name/Department (delete if not needed)</a:t>
             </a:r>
             <a:br>
-              <a:rPr lang="en-US" dirty="0" smtClean="0"/>
+              <a:rPr lang="en-US" dirty="0"/>
             </a:br>
             <a:r>
-              <a:rPr lang="en-US" dirty="0" smtClean="0"/>
+              <a:rPr lang="en-US" dirty="0"/>
               <a:t>Month 00, 2015</a:t>
             </a:r>
           </a:p>
@@ -5978,14 +5772,14 @@
           </a:lstStyle>
           <a:p>
             <a:r>
-              <a:rPr lang="en-US" sz="3600" dirty="0" smtClean="0"/>
+              <a:rPr lang="en-US" sz="3600" dirty="0"/>
               <a:t>Alternate Presentation Title</a:t>
             </a:r>
             <a:br>
-              <a:rPr lang="en-US" sz="3600" dirty="0" smtClean="0"/>
+              <a:rPr lang="en-US" sz="3600" dirty="0"/>
             </a:br>
             <a:r>
-              <a:rPr lang="en-US" sz="3600" dirty="0" smtClean="0"/>
+              <a:rPr lang="en-US" sz="3600" dirty="0"/>
               <a:t>Breaks to Two Lines</a:t>
             </a:r>
             <a:endParaRPr lang="en-US" dirty="0"/>
@@ -6031,13 +5825,6 @@
   <p:clrMapOvr>
     <a:masterClrMapping/>
   </p:clrMapOvr>
-  <p:timing>
-    <p:tnLst>
-      <p:par>
-        <p:cTn id="1" dur="indefinite" restart="never" nodeType="tmRoot"/>
-      </p:par>
-    </p:tnLst>
-  </p:timing>
 </p:sldLayout>
 </file>
 
@@ -6091,7 +5878,7 @@
               <a:buNone/>
             </a:pPr>
             <a:r>
-              <a:rPr lang="en-US" sz="2900" b="1" kern="1200" noProof="0" dirty="0" smtClean="0">
+              <a:rPr lang="en-US" sz="2900" b="1" kern="1200" noProof="0" dirty="0">
                 <a:solidFill>
                   <a:schemeClr val="accent2"/>
                 </a:solidFill>
@@ -6102,7 +5889,7 @@
               <a:t>© 2015 SAP SE or an SAP affiliate company.</a:t>
             </a:r>
             <a:r>
-              <a:rPr lang="en-US" sz="2900" b="1" kern="1200" baseline="0" noProof="0" dirty="0" smtClean="0">
+              <a:rPr lang="en-US" sz="2900" b="1" kern="1200" baseline="0" noProof="0" dirty="0">
                 <a:solidFill>
                   <a:schemeClr val="accent2"/>
                 </a:solidFill>
@@ -6113,7 +5900,7 @@
               <a:t> </a:t>
             </a:r>
             <a:r>
-              <a:rPr lang="en-US" sz="2900" b="1" kern="1200" noProof="0" dirty="0" smtClean="0">
+              <a:rPr lang="en-US" sz="2900" b="1" kern="1200" noProof="0" dirty="0">
                 <a:solidFill>
                   <a:schemeClr val="accent2"/>
                 </a:solidFill>
@@ -6149,7 +5936,7 @@
           <a:lstStyle/>
           <a:p>
             <a:r>
-              <a:rPr lang="en-US" sz="1200" kern="1200" dirty="0" smtClean="0">
+              <a:rPr lang="en-US" sz="1200" kern="1200" dirty="0">
                 <a:solidFill>
                   <a:schemeClr val="tx1"/>
                 </a:solidFill>
@@ -6162,7 +5949,7 @@
           </a:p>
           <a:p>
             <a:r>
-              <a:rPr lang="en-US" sz="1200" kern="1200" dirty="0" smtClean="0">
+              <a:rPr lang="en-US" sz="1200" kern="1200" dirty="0">
                 <a:solidFill>
                   <a:schemeClr val="tx1"/>
                 </a:solidFill>
@@ -6180,7 +5967,7 @@
               </a:spcBef>
             </a:pPr>
             <a:r>
-              <a:rPr lang="en-US" sz="1200" kern="1200" dirty="0" smtClean="0">
+              <a:rPr lang="en-US" sz="1200" kern="1200" dirty="0">
                 <a:solidFill>
                   <a:schemeClr val="tx1"/>
                 </a:solidFill>
@@ -6191,7 +5978,7 @@
               <a:t>SAP and other SAP products and services mentioned herein as well as their respective logos are trademarks or registered trademarks of SAP SE </a:t>
             </a:r>
             <a:br>
-              <a:rPr lang="en-US" sz="1200" kern="1200" dirty="0" smtClean="0">
+              <a:rPr lang="en-US" sz="1200" kern="1200" dirty="0">
                 <a:solidFill>
                   <a:schemeClr val="tx1"/>
                 </a:solidFill>
@@ -6201,7 +5988,7 @@
               </a:rPr>
             </a:br>
             <a:r>
-              <a:rPr lang="en-US" sz="1200" kern="1200" dirty="0" smtClean="0">
+              <a:rPr lang="en-US" sz="1200" kern="1200" dirty="0">
                 <a:solidFill>
                   <a:schemeClr val="tx1"/>
                 </a:solidFill>
@@ -6212,7 +5999,7 @@
               <a:t>(or an SAP affiliate company) in Germany and other countries. Please see </a:t>
             </a:r>
             <a:r>
-              <a:rPr lang="en-US" sz="1200" kern="1200" dirty="0" smtClean="0">
+              <a:rPr lang="en-US" sz="1200" kern="1200" dirty="0">
                 <a:solidFill>
                   <a:schemeClr val="tx1"/>
                 </a:solidFill>
@@ -6224,7 +6011,7 @@
               <a:t>http://global12.sap.com/corporate-en/legal/copyright/index.epx</a:t>
             </a:r>
             <a:r>
-              <a:rPr lang="en-US" sz="1200" kern="1200" dirty="0" smtClean="0">
+              <a:rPr lang="en-US" sz="1200" kern="1200" dirty="0">
                 <a:solidFill>
                   <a:schemeClr val="tx1"/>
                 </a:solidFill>
@@ -6242,7 +6029,7 @@
               </a:spcBef>
             </a:pPr>
             <a:r>
-              <a:rPr lang="en-US" sz="1200" kern="1200" dirty="0" smtClean="0">
+              <a:rPr lang="en-US" sz="1200" kern="1200" dirty="0">
                 <a:solidFill>
                   <a:schemeClr val="tx1"/>
                 </a:solidFill>
@@ -6260,7 +6047,7 @@
               </a:spcBef>
             </a:pPr>
             <a:r>
-              <a:rPr lang="en-US" sz="1200" kern="1200" dirty="0" smtClean="0">
+              <a:rPr lang="en-US" sz="1200" kern="1200" dirty="0">
                 <a:solidFill>
                   <a:schemeClr val="tx1"/>
                 </a:solidFill>
@@ -6278,7 +6065,7 @@
               </a:spcBef>
             </a:pPr>
             <a:r>
-              <a:rPr lang="en-US" sz="1200" kern="1200" dirty="0" smtClean="0">
+              <a:rPr lang="en-US" sz="1200" kern="1200" dirty="0">
                 <a:solidFill>
                   <a:schemeClr val="tx1"/>
                 </a:solidFill>
@@ -6289,7 +6076,7 @@
               <a:t>These materials are provided by SAP SE or an SAP affiliate company for informational purposes only, without representation or warranty of any kind, and SAP SE or its affiliated companies shall not be liable for errors or omissions with respect to the materials. The only warranties for SAP SE or </a:t>
             </a:r>
             <a:br>
-              <a:rPr lang="en-US" sz="1200" kern="1200" dirty="0" smtClean="0">
+              <a:rPr lang="en-US" sz="1200" kern="1200" dirty="0">
                 <a:solidFill>
                   <a:schemeClr val="tx1"/>
                 </a:solidFill>
@@ -6299,7 +6086,7 @@
               </a:rPr>
             </a:br>
             <a:r>
-              <a:rPr lang="en-US" sz="1200" kern="1200" dirty="0" smtClean="0">
+              <a:rPr lang="en-US" sz="1200" kern="1200" dirty="0">
                 <a:solidFill>
                   <a:schemeClr val="tx1"/>
                 </a:solidFill>
@@ -6317,7 +6104,7 @@
               </a:spcBef>
             </a:pPr>
             <a:r>
-              <a:rPr lang="en-US" sz="1200" kern="1200" dirty="0" smtClean="0">
+              <a:rPr lang="en-US" sz="1200" kern="1200" dirty="0">
                 <a:solidFill>
                   <a:schemeClr val="tx1"/>
                 </a:solidFill>
@@ -6335,13 +6122,6 @@
   <p:clrMapOvr>
     <a:masterClrMapping/>
   </p:clrMapOvr>
-  <p:timing>
-    <p:tnLst>
-      <p:par>
-        <p:cTn id="1" dur="indefinite" restart="never" nodeType="tmRoot"/>
-      </p:par>
-    </p:tnLst>
-  </p:timing>
 </p:sldLayout>
 </file>
 
@@ -6406,7 +6186,7 @@
               <a:defRPr/>
             </a:pPr>
             <a:r>
-              <a:rPr lang="en-US" sz="2900" b="1" kern="1200" noProof="0" dirty="0" smtClean="0">
+              <a:rPr lang="en-US" sz="2900" b="1" kern="1200" noProof="0" dirty="0">
                 <a:solidFill>
                   <a:schemeClr val="accent2"/>
                 </a:solidFill>
@@ -6417,7 +6197,7 @@
               <a:t>© 2015 SAP SE </a:t>
             </a:r>
             <a:r>
-              <a:rPr lang="en-US" sz="2900" b="1" kern="1200" noProof="0" dirty="0" err="1" smtClean="0">
+              <a:rPr lang="en-US" sz="2900" b="1" kern="1200" noProof="0" dirty="0" err="1">
                 <a:solidFill>
                   <a:schemeClr val="accent2"/>
                 </a:solidFill>
@@ -6428,7 +6208,7 @@
               <a:t>oder</a:t>
             </a:r>
             <a:r>
-              <a:rPr lang="en-US" sz="2900" b="1" kern="1200" noProof="0" dirty="0" smtClean="0">
+              <a:rPr lang="en-US" sz="2900" b="1" kern="1200" noProof="0" dirty="0">
                 <a:solidFill>
                   <a:schemeClr val="accent2"/>
                 </a:solidFill>
@@ -6439,7 +6219,7 @@
               <a:t> </a:t>
             </a:r>
             <a:r>
-              <a:rPr lang="en-US" sz="2900" b="1" kern="1200" noProof="0" dirty="0" err="1" smtClean="0">
+              <a:rPr lang="en-US" sz="2900" b="1" kern="1200" noProof="0" dirty="0" err="1">
                 <a:solidFill>
                   <a:schemeClr val="accent2"/>
                 </a:solidFill>
@@ -6450,7 +6230,7 @@
               <a:t>ein</a:t>
             </a:r>
             <a:r>
-              <a:rPr lang="en-US" sz="2900" b="1" kern="1200" noProof="0" dirty="0" smtClean="0">
+              <a:rPr lang="en-US" sz="2900" b="1" kern="1200" noProof="0" dirty="0">
                 <a:solidFill>
                   <a:schemeClr val="accent2"/>
                 </a:solidFill>
@@ -6461,7 +6241,7 @@
               <a:t> SAP-</a:t>
             </a:r>
             <a:r>
-              <a:rPr lang="en-US" sz="2900" b="1" kern="1200" noProof="0" dirty="0" err="1" smtClean="0">
+              <a:rPr lang="en-US" sz="2900" b="1" kern="1200" noProof="0" dirty="0" err="1">
                 <a:solidFill>
                   <a:schemeClr val="accent2"/>
                 </a:solidFill>
@@ -6472,7 +6252,7 @@
               <a:t>Konzernunternehmen</a:t>
             </a:r>
             <a:r>
-              <a:rPr lang="en-US" sz="2900" b="1" kern="1200" noProof="0" dirty="0" smtClean="0">
+              <a:rPr lang="en-US" sz="2900" b="1" kern="1200" noProof="0" dirty="0">
                 <a:solidFill>
                   <a:schemeClr val="accent2"/>
                 </a:solidFill>
@@ -6483,7 +6263,7 @@
               <a:t>. </a:t>
             </a:r>
             <a:br>
-              <a:rPr lang="en-US" sz="2900" b="1" kern="1200" noProof="0" dirty="0" smtClean="0">
+              <a:rPr lang="en-US" sz="2900" b="1" kern="1200" noProof="0" dirty="0">
                 <a:solidFill>
                   <a:schemeClr val="accent2"/>
                 </a:solidFill>
@@ -6493,7 +6273,7 @@
               </a:rPr>
             </a:br>
             <a:r>
-              <a:rPr lang="en-US" sz="2900" b="1" kern="1200" noProof="0" dirty="0" err="1" smtClean="0">
+              <a:rPr lang="en-US" sz="2900" b="1" kern="1200" noProof="0" dirty="0" err="1">
                 <a:solidFill>
                   <a:schemeClr val="accent2"/>
                 </a:solidFill>
@@ -6504,7 +6284,7 @@
               <a:t>Alle</a:t>
             </a:r>
             <a:r>
-              <a:rPr lang="en-US" sz="2900" b="1" kern="1200" noProof="0" dirty="0" smtClean="0">
+              <a:rPr lang="en-US" sz="2900" b="1" kern="1200" noProof="0" dirty="0">
                 <a:solidFill>
                   <a:schemeClr val="accent2"/>
                 </a:solidFill>
@@ -6515,7 +6295,7 @@
               <a:t> </a:t>
             </a:r>
             <a:r>
-              <a:rPr lang="en-US" sz="2900" b="1" kern="1200" noProof="0" dirty="0" err="1" smtClean="0">
+              <a:rPr lang="en-US" sz="2900" b="1" kern="1200" noProof="0" dirty="0" err="1">
                 <a:solidFill>
                   <a:schemeClr val="accent2"/>
                 </a:solidFill>
@@ -6526,7 +6306,7 @@
               <a:t>Rechte</a:t>
             </a:r>
             <a:r>
-              <a:rPr lang="en-US" sz="2900" b="1" kern="1200" noProof="0" dirty="0" smtClean="0">
+              <a:rPr lang="en-US" sz="2900" b="1" kern="1200" noProof="0" dirty="0">
                 <a:solidFill>
                   <a:schemeClr val="accent2"/>
                 </a:solidFill>
@@ -6537,7 +6317,7 @@
               <a:t> </a:t>
             </a:r>
             <a:r>
-              <a:rPr lang="en-US" sz="2900" b="1" kern="1200" noProof="0" dirty="0" err="1" smtClean="0">
+              <a:rPr lang="en-US" sz="2900" b="1" kern="1200" noProof="0" dirty="0" err="1">
                 <a:solidFill>
                   <a:schemeClr val="accent2"/>
                 </a:solidFill>
@@ -6548,7 +6328,7 @@
               <a:t>vorbehalten</a:t>
             </a:r>
             <a:r>
-              <a:rPr lang="en-US" sz="2900" b="1" kern="1200" noProof="0" dirty="0" smtClean="0">
+              <a:rPr lang="en-US" sz="2900" b="1" kern="1200" noProof="0" dirty="0">
                 <a:solidFill>
                   <a:schemeClr val="accent2"/>
                 </a:solidFill>
@@ -6584,7 +6364,7 @@
           <a:lstStyle/>
           <a:p>
             <a:r>
-              <a:rPr lang="de-DE" sz="1200" kern="1200" noProof="0" dirty="0" smtClean="0">
+              <a:rPr lang="de-DE" sz="1200" kern="1200" noProof="0" dirty="0">
                 <a:solidFill>
                   <a:schemeClr val="tx1"/>
                 </a:solidFill>
@@ -6596,7 +6376,7 @@
               <a:t>Weitergabe und Vervielfältigung dieser Publikation oder von Teilen daraus sind, zu welchem Zweck und in welcher Form auch immer, ohne die ausdrückliche schriftliche Genehmigung durch </a:t>
             </a:r>
             <a:r>
-              <a:rPr lang="en-US" sz="1200" kern="1200" dirty="0" smtClean="0">
+              <a:rPr lang="en-US" sz="1200" kern="1200" dirty="0">
                 <a:solidFill>
                   <a:schemeClr val="tx1"/>
                 </a:solidFill>
@@ -6607,7 +6387,7 @@
               <a:t>SAP SE </a:t>
             </a:r>
             <a:r>
-              <a:rPr lang="de-DE" sz="1200" kern="1200" noProof="0" dirty="0" smtClean="0">
+              <a:rPr lang="de-DE" sz="1200" kern="1200" noProof="0" dirty="0">
                 <a:solidFill>
                   <a:schemeClr val="tx1"/>
                 </a:solidFill>
@@ -6626,7 +6406,7 @@
               </a:spcBef>
             </a:pPr>
             <a:r>
-              <a:rPr lang="de-DE" sz="1200" kern="1200" noProof="0" dirty="0" smtClean="0">
+              <a:rPr lang="de-DE" sz="1200" kern="1200" noProof="0" dirty="0">
                 <a:solidFill>
                   <a:schemeClr val="tx1"/>
                 </a:solidFill>
@@ -6638,7 +6418,7 @@
               <a:t>SAP und andere in diesem Dokument erwähnte Produkte und Dienstleistungen von SAP sowie die dazugehörigen Logos sind Marken oder eingetragene Marken der </a:t>
             </a:r>
             <a:br>
-              <a:rPr lang="de-DE" sz="1200" kern="1200" noProof="0" dirty="0" smtClean="0">
+              <a:rPr lang="de-DE" sz="1200" kern="1200" noProof="0" dirty="0">
                 <a:solidFill>
                   <a:schemeClr val="tx1"/>
                 </a:solidFill>
@@ -6649,7 +6429,7 @@
               </a:rPr>
             </a:br>
             <a:r>
-              <a:rPr lang="en-US" sz="1200" kern="1200" dirty="0" smtClean="0">
+              <a:rPr lang="en-US" sz="1200" kern="1200" dirty="0">
                 <a:solidFill>
                   <a:schemeClr val="tx1"/>
                 </a:solidFill>
@@ -6660,7 +6440,7 @@
               <a:t>SAP SE </a:t>
             </a:r>
             <a:r>
-              <a:rPr lang="de-DE" sz="1200" kern="1200" noProof="0" dirty="0" smtClean="0">
+              <a:rPr lang="de-DE" sz="1200" kern="1200" noProof="0" dirty="0">
                 <a:solidFill>
                   <a:schemeClr val="tx1"/>
                 </a:solidFill>
@@ -6672,7 +6452,7 @@
               <a:t>(oder von einem SAP-Konzernunternehmen) in Deutschland und verschiedenen anderen Ländern weltweit. </a:t>
             </a:r>
             <a:br>
-              <a:rPr lang="de-DE" sz="1200" kern="1200" noProof="0" dirty="0" smtClean="0">
+              <a:rPr lang="de-DE" sz="1200" kern="1200" noProof="0" dirty="0">
                 <a:solidFill>
                   <a:schemeClr val="tx1"/>
                 </a:solidFill>
@@ -6683,7 +6463,7 @@
               </a:rPr>
             </a:br>
             <a:r>
-              <a:rPr lang="de-DE" sz="1200" kern="1200" noProof="0" dirty="0" smtClean="0">
+              <a:rPr lang="de-DE" sz="1200" kern="1200" noProof="0" dirty="0">
                 <a:solidFill>
                   <a:schemeClr val="tx1"/>
                 </a:solidFill>
@@ -6695,7 +6475,7 @@
               <a:t>Weitere Hinweise und Informationen zum Markenrecht finden Sie unter </a:t>
             </a:r>
             <a:r>
-              <a:rPr lang="de-DE" sz="1200" kern="1200" noProof="0" dirty="0" smtClean="0">
+              <a:rPr lang="de-DE" sz="1200" kern="1200" noProof="0" dirty="0">
                 <a:solidFill>
                   <a:schemeClr val="tx1"/>
                 </a:solidFill>
@@ -6708,7 +6488,7 @@
               <a:t>http://global.sap.com/corporate-de/legal/copyright/index.epx</a:t>
             </a:r>
             <a:r>
-              <a:rPr lang="de-DE" sz="1200" kern="1200" noProof="0" dirty="0" smtClean="0">
+              <a:rPr lang="de-DE" sz="1200" kern="1200" noProof="0" dirty="0">
                 <a:solidFill>
                   <a:schemeClr val="tx1"/>
                 </a:solidFill>
@@ -6727,7 +6507,7 @@
               </a:spcBef>
             </a:pPr>
             <a:r>
-              <a:rPr lang="de-DE" sz="1200" kern="1200" noProof="0" dirty="0" smtClean="0">
+              <a:rPr lang="de-DE" sz="1200" kern="1200" noProof="0" dirty="0">
                 <a:solidFill>
                   <a:schemeClr val="tx1"/>
                 </a:solidFill>
@@ -6739,7 +6519,7 @@
               <a:t>Die von </a:t>
             </a:r>
             <a:r>
-              <a:rPr lang="en-US" sz="1200" kern="1200" dirty="0" smtClean="0">
+              <a:rPr lang="en-US" sz="1200" kern="1200" dirty="0">
                 <a:solidFill>
                   <a:schemeClr val="tx1"/>
                 </a:solidFill>
@@ -6750,7 +6530,7 @@
               <a:t>SAP SE </a:t>
             </a:r>
             <a:r>
-              <a:rPr lang="de-DE" sz="1200" kern="1200" noProof="0" dirty="0" smtClean="0">
+              <a:rPr lang="de-DE" sz="1200" kern="1200" noProof="0" dirty="0">
                 <a:solidFill>
                   <a:schemeClr val="tx1"/>
                 </a:solidFill>
@@ -6769,7 +6549,7 @@
               </a:spcBef>
             </a:pPr>
             <a:r>
-              <a:rPr lang="de-DE" sz="1200" kern="1200" noProof="0" dirty="0" smtClean="0">
+              <a:rPr lang="de-DE" sz="1200" kern="1200" noProof="0" dirty="0">
                 <a:solidFill>
                   <a:schemeClr val="tx1"/>
                 </a:solidFill>
@@ -6788,7 +6568,7 @@
               </a:spcBef>
             </a:pPr>
             <a:r>
-              <a:rPr lang="de-DE" sz="1200" kern="1200" noProof="0" dirty="0" smtClean="0">
+              <a:rPr lang="de-DE" sz="1200" kern="1200" noProof="0" dirty="0">
                 <a:solidFill>
                   <a:schemeClr val="tx1"/>
                 </a:solidFill>
@@ -6800,7 +6580,7 @@
               <a:t>Die vorliegenden Unterlagen werden von der </a:t>
             </a:r>
             <a:r>
-              <a:rPr lang="en-US" sz="1200" kern="1200" dirty="0" smtClean="0">
+              <a:rPr lang="en-US" sz="1200" kern="1200" dirty="0">
                 <a:solidFill>
                   <a:schemeClr val="tx1"/>
                 </a:solidFill>
@@ -6811,7 +6591,7 @@
               <a:t>SAP SE </a:t>
             </a:r>
             <a:r>
-              <a:rPr lang="de-DE" sz="1200" kern="1200" noProof="0" dirty="0" smtClean="0">
+              <a:rPr lang="de-DE" sz="1200" kern="1200" noProof="0" dirty="0">
                 <a:solidFill>
                   <a:schemeClr val="tx1"/>
                 </a:solidFill>
@@ -6823,7 +6603,7 @@
               <a:t>oder einem SAP-Konzernunternehmen bereitgestellt und dienen ausschließlich zu Informations-zwecken. </a:t>
             </a:r>
             <a:br>
-              <a:rPr lang="de-DE" sz="1200" kern="1200" noProof="0" dirty="0" smtClean="0">
+              <a:rPr lang="de-DE" sz="1200" kern="1200" noProof="0" dirty="0">
                 <a:solidFill>
                   <a:schemeClr val="tx1"/>
                 </a:solidFill>
@@ -6834,7 +6614,7 @@
               </a:rPr>
             </a:br>
             <a:r>
-              <a:rPr lang="de-DE" sz="1200" kern="1200" noProof="0" dirty="0" smtClean="0">
+              <a:rPr lang="de-DE" sz="1200" kern="1200" noProof="0" dirty="0">
                 <a:solidFill>
                   <a:schemeClr val="tx1"/>
                 </a:solidFill>
@@ -6846,7 +6626,7 @@
               <a:t>Die </a:t>
             </a:r>
             <a:r>
-              <a:rPr lang="en-US" sz="1200" kern="1200" dirty="0" smtClean="0">
+              <a:rPr lang="en-US" sz="1200" kern="1200" dirty="0">
                 <a:solidFill>
                   <a:schemeClr val="tx1"/>
                 </a:solidFill>
@@ -6857,7 +6637,7 @@
               <a:t>SAP SE </a:t>
             </a:r>
             <a:r>
-              <a:rPr lang="de-DE" sz="1200" kern="1200" noProof="0" dirty="0" smtClean="0">
+              <a:rPr lang="de-DE" sz="1200" kern="1200" noProof="0" dirty="0">
                 <a:solidFill>
                   <a:schemeClr val="tx1"/>
                 </a:solidFill>
@@ -6869,7 +6649,7 @@
               <a:t>oder ihre Konzernunternehmen übernehmen keinerlei Haftung oder Gewährleistung für Fehler oder Unvollständigkeiten in </a:t>
             </a:r>
             <a:r>
-              <a:rPr lang="de-DE" sz="1200" kern="1200" baseline="0" noProof="0" dirty="0" smtClean="0">
+              <a:rPr lang="de-DE" sz="1200" kern="1200" baseline="0" noProof="0" dirty="0">
                 <a:solidFill>
                   <a:schemeClr val="tx1"/>
                 </a:solidFill>
@@ -6881,7 +6661,7 @@
               <a:t> </a:t>
             </a:r>
             <a:r>
-              <a:rPr lang="de-DE" sz="1200" kern="1200" noProof="0" dirty="0" smtClean="0">
+              <a:rPr lang="de-DE" sz="1200" kern="1200" noProof="0" dirty="0">
                 <a:solidFill>
                   <a:schemeClr val="tx1"/>
                 </a:solidFill>
@@ -6893,7 +6673,7 @@
               <a:t>dieser Publikation. </a:t>
             </a:r>
             <a:br>
-              <a:rPr lang="de-DE" sz="1200" kern="1200" noProof="0" dirty="0" smtClean="0">
+              <a:rPr lang="de-DE" sz="1200" kern="1200" noProof="0" dirty="0">
                 <a:solidFill>
                   <a:schemeClr val="tx1"/>
                 </a:solidFill>
@@ -6904,7 +6684,7 @@
               </a:rPr>
             </a:br>
             <a:r>
-              <a:rPr lang="de-DE" sz="1200" kern="1200" noProof="0" dirty="0" smtClean="0">
+              <a:rPr lang="de-DE" sz="1200" kern="1200" noProof="0" dirty="0">
                 <a:solidFill>
                   <a:schemeClr val="tx1"/>
                 </a:solidFill>
@@ -6916,7 +6696,7 @@
               <a:t>Die </a:t>
             </a:r>
             <a:r>
-              <a:rPr lang="en-US" sz="1200" kern="1200" dirty="0" smtClean="0">
+              <a:rPr lang="en-US" sz="1200" kern="1200" dirty="0">
                 <a:solidFill>
                   <a:schemeClr val="tx1"/>
                 </a:solidFill>
@@ -6927,7 +6707,7 @@
               <a:t>SAP SE </a:t>
             </a:r>
             <a:r>
-              <a:rPr lang="de-DE" sz="1200" kern="1200" noProof="0" dirty="0" smtClean="0">
+              <a:rPr lang="de-DE" sz="1200" kern="1200" noProof="0" dirty="0">
                 <a:solidFill>
                   <a:schemeClr val="tx1"/>
                 </a:solidFill>
@@ -6946,7 +6726,7 @@
               </a:spcBef>
             </a:pPr>
             <a:r>
-              <a:rPr lang="de-DE" sz="1200" kern="1200" noProof="0" dirty="0" smtClean="0">
+              <a:rPr lang="de-DE" sz="1200" kern="1200" noProof="0" dirty="0">
                 <a:solidFill>
                   <a:schemeClr val="tx1"/>
                 </a:solidFill>
@@ -6958,7 +6738,7 @@
               <a:t>Insbesondere sind die </a:t>
             </a:r>
             <a:r>
-              <a:rPr lang="en-US" sz="1200" kern="1200" dirty="0" smtClean="0">
+              <a:rPr lang="en-US" sz="1200" kern="1200" dirty="0">
                 <a:solidFill>
                   <a:schemeClr val="tx1"/>
                 </a:solidFill>
@@ -6969,7 +6749,7 @@
               <a:t>SAP SE </a:t>
             </a:r>
             <a:r>
-              <a:rPr lang="de-DE" sz="1200" kern="1200" noProof="0" dirty="0" smtClean="0">
+              <a:rPr lang="de-DE" sz="1200" kern="1200" noProof="0" dirty="0">
                 <a:solidFill>
                   <a:schemeClr val="tx1"/>
                 </a:solidFill>
@@ -6981,7 +6761,7 @@
               <a:t>oder ihre Konzernunternehmen in keiner Weise verpflichtet, in dieser Publikation oder einer zugehörigen Präsentation dargestellte Geschäftsabläufe zu verfolgen oder hierin wiedergegebene Funktionen zu entwickeln oder zu veröffentlichen. Diese Publikation oder eine zugehörige Präsentation, die Strategie und etwaige künftige Entwicklungen, Produkte und/oder Plattformen der </a:t>
             </a:r>
             <a:r>
-              <a:rPr lang="en-US" sz="1200" kern="1200" dirty="0" smtClean="0">
+              <a:rPr lang="en-US" sz="1200" kern="1200" dirty="0">
                 <a:solidFill>
                   <a:schemeClr val="tx1"/>
                 </a:solidFill>
@@ -6992,7 +6772,7 @@
               <a:t>SAP SE </a:t>
             </a:r>
             <a:r>
-              <a:rPr lang="de-DE" sz="1200" kern="1200" noProof="0" dirty="0" smtClean="0">
+              <a:rPr lang="de-DE" sz="1200" kern="1200" noProof="0" dirty="0">
                 <a:solidFill>
                   <a:schemeClr val="tx1"/>
                 </a:solidFill>
@@ -7004,7 +6784,7 @@
               <a:t>oder ihrer Konzernunternehmen können von der </a:t>
             </a:r>
             <a:r>
-              <a:rPr lang="en-US" sz="1200" kern="1200" dirty="0" smtClean="0">
+              <a:rPr lang="en-US" sz="1200" kern="1200" dirty="0">
                 <a:solidFill>
                   <a:schemeClr val="tx1"/>
                 </a:solidFill>
@@ -7015,7 +6795,7 @@
               <a:t>SAP SE </a:t>
             </a:r>
             <a:r>
-              <a:rPr lang="de-DE" sz="1200" kern="1200" noProof="0" dirty="0" smtClean="0">
+              <a:rPr lang="de-DE" sz="1200" kern="1200" noProof="0" dirty="0">
                 <a:solidFill>
                   <a:schemeClr val="tx1"/>
                 </a:solidFill>
@@ -7027,7 +6807,7 @@
               <a:t>oder ihren Konzernunternehmen jederzeit und ohne Angabe von Gründen unangekündigt geändert werden. </a:t>
             </a:r>
             <a:br>
-              <a:rPr lang="de-DE" sz="1200" kern="1200" noProof="0" dirty="0" smtClean="0">
+              <a:rPr lang="de-DE" sz="1200" kern="1200" noProof="0" dirty="0">
                 <a:solidFill>
                   <a:schemeClr val="tx1"/>
                 </a:solidFill>
@@ -7038,7 +6818,7 @@
               </a:rPr>
             </a:br>
             <a:r>
-              <a:rPr lang="de-DE" sz="1200" kern="1200" noProof="0" dirty="0" smtClean="0">
+              <a:rPr lang="de-DE" sz="1200" kern="1200" noProof="0" dirty="0">
                 <a:solidFill>
                   <a:schemeClr val="tx1"/>
                 </a:solidFill>
@@ -7057,13 +6837,6 @@
   <p:clrMapOvr>
     <a:masterClrMapping/>
   </p:clrMapOvr>
-  <p:timing>
-    <p:tnLst>
-      <p:par>
-        <p:cTn id="1" dur="indefinite" restart="never" nodeType="tmRoot"/>
-      </p:par>
-    </p:tnLst>
-  </p:timing>
 </p:sldLayout>
 </file>
 
@@ -7094,13 +6867,6 @@
   <p:clrMapOvr>
     <a:masterClrMapping/>
   </p:clrMapOvr>
-  <p:timing>
-    <p:tnLst>
-      <p:par>
-        <p:cTn id="1" dur="indefinite" restart="never" nodeType="tmRoot"/>
-      </p:par>
-    </p:tnLst>
-  </p:timing>
 </p:sldLayout>
 </file>
 
@@ -7158,10 +6924,9 @@
           </a:lstStyle>
           <a:p>
             <a:r>
-              <a:rPr lang="en-US" dirty="0" smtClean="0"/>
+              <a:rPr lang="en-US" dirty="0"/>
               <a:t>Short Presentation Title</a:t>
             </a:r>
-            <a:endParaRPr lang="en-US" dirty="0"/>
           </a:p>
         </p:txBody>
       </p:sp>
@@ -7293,14 +7058,14 @@
           </a:lstStyle>
           <a:p>
             <a:r>
-              <a:rPr lang="en-US" dirty="0" smtClean="0"/>
+              <a:rPr lang="en-US" dirty="0"/>
               <a:t>Speaker’s Name/Department (delete if not needed)</a:t>
             </a:r>
             <a:br>
-              <a:rPr lang="en-US" dirty="0" smtClean="0"/>
+              <a:rPr lang="en-US" dirty="0"/>
             </a:br>
             <a:r>
-              <a:rPr lang="en-US" dirty="0" smtClean="0"/>
+              <a:rPr lang="en-US" dirty="0"/>
               <a:t>Month 00, 2015</a:t>
             </a:r>
           </a:p>
@@ -7384,7 +7149,7 @@
               <a:buSzPct val="80000"/>
               <a:tabLst/>
             </a:pPr>
-            <a:endParaRPr kumimoji="0" lang="en-US" sz="1900" b="0" i="0" u="none" strike="noStrike" kern="0" cap="none" spc="0" normalizeH="0" baseline="0" noProof="0" dirty="0" err="1" smtClean="0">
+            <a:endParaRPr kumimoji="0" lang="en-US" sz="1900" b="0" i="0" u="none" strike="noStrike" kern="0" cap="none" spc="0" normalizeH="0" baseline="0" noProof="0" dirty="0" err="1">
               <a:ln>
                 <a:noFill/>
               </a:ln>
@@ -7402,13 +7167,6 @@
   <p:clrMapOvr>
     <a:overrideClrMapping bg1="lt1" tx1="dk1" bg2="lt2" tx2="dk2" accent1="accent1" accent2="accent2" accent3="accent3" accent4="accent4" accent5="accent5" accent6="accent6" hlink="hlink" folHlink="folHlink"/>
   </p:clrMapOvr>
-  <p:timing>
-    <p:tnLst>
-      <p:par>
-        <p:cTn id="1" dur="indefinite" restart="never" nodeType="tmRoot"/>
-      </p:par>
-    </p:tnLst>
-  </p:timing>
 </p:sldLayout>
 </file>
 
@@ -7562,14 +7320,14 @@
           </a:lstStyle>
           <a:p>
             <a:r>
-              <a:rPr lang="en-US" dirty="0" smtClean="0"/>
+              <a:rPr lang="en-US" dirty="0"/>
               <a:t>Speaker’s Name/Department (delete if not needed)</a:t>
             </a:r>
             <a:br>
-              <a:rPr lang="en-US" dirty="0" smtClean="0"/>
+              <a:rPr lang="en-US" dirty="0"/>
             </a:br>
             <a:r>
-              <a:rPr lang="en-US" dirty="0" smtClean="0"/>
+              <a:rPr lang="en-US" dirty="0"/>
               <a:t>Month 00, 2015</a:t>
             </a:r>
           </a:p>
@@ -7607,14 +7365,14 @@
           </a:lstStyle>
           <a:p>
             <a:r>
-              <a:rPr lang="en-US" sz="3600" dirty="0" smtClean="0"/>
+              <a:rPr lang="en-US" sz="3600" dirty="0"/>
               <a:t>Alternate Presentation Title</a:t>
             </a:r>
             <a:br>
-              <a:rPr lang="en-US" sz="3600" dirty="0" smtClean="0"/>
+              <a:rPr lang="en-US" sz="3600" dirty="0"/>
             </a:br>
             <a:r>
-              <a:rPr lang="en-US" sz="3600" dirty="0" smtClean="0"/>
+              <a:rPr lang="en-US" sz="3600" dirty="0"/>
               <a:t>Breaks to Two Lines</a:t>
             </a:r>
             <a:endParaRPr lang="en-US" dirty="0"/>
@@ -7699,7 +7457,7 @@
               <a:buSzPct val="80000"/>
               <a:tabLst/>
             </a:pPr>
-            <a:endParaRPr kumimoji="0" lang="en-US" sz="1900" b="0" i="0" u="none" strike="noStrike" kern="0" cap="none" spc="0" normalizeH="0" baseline="0" noProof="0" dirty="0" err="1" smtClean="0">
+            <a:endParaRPr kumimoji="0" lang="en-US" sz="1900" b="0" i="0" u="none" strike="noStrike" kern="0" cap="none" spc="0" normalizeH="0" baseline="0" noProof="0" dirty="0" err="1">
               <a:ln>
                 <a:noFill/>
               </a:ln>
@@ -7786,7 +7544,7 @@
               <a:buSzPct val="80000"/>
               <a:tabLst/>
             </a:pPr>
-            <a:endParaRPr kumimoji="0" lang="en-US" sz="1900" b="0" i="0" u="none" strike="noStrike" kern="0" cap="none" spc="0" normalizeH="0" baseline="0" noProof="0" dirty="0" err="1" smtClean="0">
+            <a:endParaRPr kumimoji="0" lang="en-US" sz="1900" b="0" i="0" u="none" strike="noStrike" kern="0" cap="none" spc="0" normalizeH="0" baseline="0" noProof="0" dirty="0" err="1">
               <a:ln>
                 <a:noFill/>
               </a:ln>
@@ -7831,10 +7589,9 @@
           </a:lstStyle>
           <a:p>
             <a:r>
-              <a:rPr lang="en-US" dirty="0" smtClean="0"/>
+              <a:rPr lang="en-US" dirty="0"/>
               <a:t>Divider page</a:t>
             </a:r>
-            <a:endParaRPr lang="en-US" dirty="0"/>
           </a:p>
         </p:txBody>
       </p:sp>
@@ -7866,7 +7623,7 @@
           </a:lstStyle>
           <a:p>
             <a:r>
-              <a:rPr lang="en-US" dirty="0" smtClean="0"/>
+              <a:rPr lang="en-US" dirty="0"/>
               <a:t>Subtitle if needed</a:t>
             </a:r>
           </a:p>
@@ -7941,13 +7698,6 @@
   <p:clrMapOvr>
     <a:overrideClrMapping bg1="lt1" tx1="dk1" bg2="lt2" tx2="dk2" accent1="accent1" accent2="accent2" accent3="accent3" accent4="accent4" accent5="accent5" accent6="accent6" hlink="hlink" folHlink="folHlink"/>
   </p:clrMapOvr>
-  <p:timing>
-    <p:tnLst>
-      <p:par>
-        <p:cTn id="1" dur="indefinite" restart="never" nodeType="tmRoot"/>
-      </p:par>
-    </p:tnLst>
-  </p:timing>
   <p:hf sldNum="0" hdr="0" ftr="0" dt="0"/>
 </p:sldLayout>
 </file>
@@ -8004,7 +7754,7 @@
           </a:lstStyle>
           <a:p>
             <a:r>
-              <a:rPr lang="en-US" smtClean="0"/>
+              <a:rPr lang="en-US"/>
               <a:t>Click icon to add picture</a:t>
             </a:r>
             <a:endParaRPr lang="en-US" dirty="0"/>
@@ -8043,10 +7793,9 @@
           </a:lstStyle>
           <a:p>
             <a:r>
-              <a:rPr lang="en-US" dirty="0" smtClean="0"/>
+              <a:rPr lang="en-US" dirty="0"/>
               <a:t>Divider page</a:t>
             </a:r>
-            <a:endParaRPr lang="en-US" dirty="0"/>
           </a:p>
         </p:txBody>
       </p:sp>
@@ -8094,7 +7843,7 @@
               <a:buSzPct val="80000"/>
               <a:tabLst/>
             </a:pPr>
-            <a:endParaRPr kumimoji="0" lang="en-US" sz="1900" b="0" i="0" u="none" strike="noStrike" kern="0" cap="none" spc="0" normalizeH="0" baseline="0" noProof="0" dirty="0" err="1" smtClean="0">
+            <a:endParaRPr kumimoji="0" lang="en-US" sz="1900" b="0" i="0" u="none" strike="noStrike" kern="0" cap="none" spc="0" normalizeH="0" baseline="0" noProof="0" dirty="0" err="1">
               <a:ln>
                 <a:noFill/>
               </a:ln>
@@ -8135,7 +7884,7 @@
           </a:lstStyle>
           <a:p>
             <a:r>
-              <a:rPr lang="en-US" dirty="0" smtClean="0"/>
+              <a:rPr lang="en-US" dirty="0"/>
               <a:t>Subtitle if needed</a:t>
             </a:r>
           </a:p>
@@ -8180,13 +7929,6 @@
   <p:clrMapOvr>
     <a:overrideClrMapping bg1="lt1" tx1="dk1" bg2="lt2" tx2="dk2" accent1="accent1" accent2="accent2" accent3="accent3" accent4="accent4" accent5="accent5" accent6="accent6" hlink="hlink" folHlink="folHlink"/>
   </p:clrMapOvr>
-  <p:timing>
-    <p:tnLst>
-      <p:par>
-        <p:cTn id="1" dur="indefinite" restart="never" nodeType="tmRoot"/>
-      </p:par>
-    </p:tnLst>
-  </p:timing>
   <p:hf sldNum="0" hdr="0" ftr="0" dt="0"/>
 </p:sldLayout>
 </file>
@@ -8245,10 +7987,9 @@
           </a:lstStyle>
           <a:p>
             <a:r>
-              <a:rPr lang="en-US" dirty="0" smtClean="0"/>
+              <a:rPr lang="en-US" dirty="0"/>
               <a:t>Thank you</a:t>
             </a:r>
-            <a:endParaRPr lang="en-US" dirty="0"/>
           </a:p>
         </p:txBody>
       </p:sp>
@@ -8296,7 +8037,7 @@
               <a:buSzPct val="80000"/>
               <a:tabLst/>
             </a:pPr>
-            <a:endParaRPr kumimoji="0" lang="en-US" sz="1900" b="0" i="0" u="none" strike="noStrike" kern="0" cap="none" spc="0" normalizeH="0" baseline="0" noProof="0" dirty="0" err="1" smtClean="0">
+            <a:endParaRPr kumimoji="0" lang="en-US" sz="1900" b="0" i="0" u="none" strike="noStrike" kern="0" cap="none" spc="0" normalizeH="0" baseline="0" noProof="0" dirty="0" err="1">
               <a:ln>
                 <a:noFill/>
               </a:ln>
@@ -8341,34 +8082,34 @@
           </a:lstStyle>
           <a:p>
             <a:r>
-              <a:rPr lang="en-US" dirty="0" smtClean="0"/>
+              <a:rPr lang="en-US" dirty="0"/>
               <a:t>Contact information:</a:t>
             </a:r>
           </a:p>
           <a:p>
-            <a:endParaRPr lang="en-US" dirty="0" smtClean="0"/>
-          </a:p>
-          <a:p>
-            <a:r>
-              <a:rPr lang="en-US" dirty="0" smtClean="0"/>
+            <a:endParaRPr lang="en-US" dirty="0"/>
+          </a:p>
+          <a:p>
+            <a:r>
+              <a:rPr lang="en-US" dirty="0"/>
               <a:t>F name MI. L name</a:t>
             </a:r>
           </a:p>
           <a:p>
             <a:r>
-              <a:rPr lang="en-US" dirty="0" smtClean="0"/>
+              <a:rPr lang="en-US" dirty="0"/>
               <a:t>Title</a:t>
             </a:r>
           </a:p>
           <a:p>
             <a:r>
-              <a:rPr lang="en-US" dirty="0" smtClean="0"/>
+              <a:rPr lang="en-US" dirty="0"/>
               <a:t>Address</a:t>
             </a:r>
           </a:p>
           <a:p>
             <a:r>
-              <a:rPr lang="en-US" dirty="0" smtClean="0"/>
+              <a:rPr lang="en-US" dirty="0"/>
               <a:t>Phone number</a:t>
             </a:r>
           </a:p>
@@ -8439,7 +8180,7 @@
               <a:tabLst/>
             </a:pPr>
             <a:r>
-              <a:rPr lang="en-US" sz="900" noProof="0" dirty="0" smtClean="0">
+              <a:rPr lang="en-US" sz="900" noProof="0" dirty="0">
                 <a:solidFill>
                   <a:schemeClr val="tx1"/>
                 </a:solidFill>
@@ -8454,13 +8195,6 @@
   <p:clrMapOvr>
     <a:overrideClrMapping bg1="lt1" tx1="dk1" bg2="lt2" tx2="dk2" accent1="accent1" accent2="accent2" accent3="accent3" accent4="accent4" accent5="accent5" accent6="accent6" hlink="hlink" folHlink="folHlink"/>
   </p:clrMapOvr>
-  <p:timing>
-    <p:tnLst>
-      <p:par>
-        <p:cTn id="1" dur="indefinite" restart="never" nodeType="tmRoot"/>
-      </p:par>
-    </p:tnLst>
-  </p:timing>
   <p:hf sldNum="0" hdr="0" ftr="0" dt="0"/>
 </p:sldLayout>
 </file>
@@ -8521,7 +8255,7 @@
           </a:lstStyle>
           <a:p>
             <a:r>
-              <a:rPr lang="en-US" dirty="0" smtClean="0">
+              <a:rPr lang="en-US" dirty="0">
                 <a:solidFill>
                   <a:srgbClr val="666666"/>
                 </a:solidFill>
@@ -8530,7 +8264,7 @@
               <a:t>Presentation Title</a:t>
             </a:r>
             <a:br>
-              <a:rPr lang="en-US" dirty="0" smtClean="0">
+              <a:rPr lang="en-US" dirty="0">
                 <a:solidFill>
                   <a:srgbClr val="666666"/>
                 </a:solidFill>
@@ -8538,7 +8272,7 @@
               </a:rPr>
             </a:br>
             <a:r>
-              <a:rPr lang="en-US" cap="small" dirty="0" smtClean="0">
+              <a:rPr lang="en-US" cap="small" dirty="0">
                 <a:solidFill>
                   <a:srgbClr val="FFC000"/>
                 </a:solidFill>
@@ -8770,28 +8504,28 @@
           </a:lstStyle>
           <a:p>
             <a:r>
-              <a:rPr lang="en-US" dirty="0" smtClean="0"/>
+              <a:rPr lang="en-US" dirty="0"/>
               <a:t>Agenda Item/Divider Headline</a:t>
             </a:r>
           </a:p>
           <a:p>
             <a:pPr lvl="1"/>
             <a:r>
-              <a:rPr lang="en-US" dirty="0" smtClean="0"/>
+              <a:rPr lang="en-US" dirty="0"/>
               <a:t>Details</a:t>
             </a:r>
           </a:p>
           <a:p>
             <a:pPr lvl="2"/>
             <a:r>
-              <a:rPr lang="en-US" dirty="0" smtClean="0"/>
+              <a:rPr lang="en-US" dirty="0"/>
               <a:t>Third level</a:t>
             </a:r>
           </a:p>
           <a:p>
             <a:pPr lvl="3"/>
             <a:r>
-              <a:rPr lang="en-US" dirty="0" smtClean="0"/>
+              <a:rPr lang="en-US" dirty="0"/>
               <a:t>Fourth level</a:t>
             </a:r>
           </a:p>
@@ -8802,13 +8536,6 @@
   <p:clrMapOvr>
     <a:masterClrMapping/>
   </p:clrMapOvr>
-  <p:timing>
-    <p:tnLst>
-      <p:par>
-        <p:cTn id="1" dur="indefinite" restart="never" nodeType="tmRoot"/>
-      </p:par>
-    </p:tnLst>
-  </p:timing>
 </p:sldLayout>
 </file>
 
@@ -8849,14 +8576,14 @@
           </a:lstStyle>
           <a:p>
             <a:r>
-              <a:rPr lang="en-US" noProof="0" dirty="0" smtClean="0"/>
+              <a:rPr lang="en-US" noProof="0" dirty="0"/>
               <a:t>Presentation Title</a:t>
             </a:r>
             <a:br>
-              <a:rPr lang="en-US" noProof="0" dirty="0" smtClean="0"/>
+              <a:rPr lang="en-US" noProof="0" dirty="0"/>
             </a:br>
             <a:r>
-              <a:rPr lang="en-US" cap="small" dirty="0" smtClean="0">
+              <a:rPr lang="en-US" cap="small" dirty="0">
                 <a:solidFill>
                   <a:srgbClr val="FFC000"/>
                 </a:solidFill>
@@ -8873,13 +8600,6 @@
   <p:clrMapOvr>
     <a:masterClrMapping/>
   </p:clrMapOvr>
-  <p:timing>
-    <p:tnLst>
-      <p:par>
-        <p:cTn id="1" dur="indefinite" restart="never" nodeType="tmRoot"/>
-      </p:par>
-    </p:tnLst>
-  </p:timing>
 </p:sldLayout>
 </file>
 
@@ -8931,7 +8651,7 @@
           <a:lstStyle/>
           <a:p>
             <a:r>
-              <a:rPr lang="en-US" dirty="0" smtClean="0">
+              <a:rPr lang="en-US" dirty="0">
                 <a:solidFill>
                   <a:srgbClr val="666666"/>
                 </a:solidFill>
@@ -8940,7 +8660,7 @@
               <a:t>Presentation Title</a:t>
             </a:r>
             <a:br>
-              <a:rPr lang="en-US" dirty="0" smtClean="0">
+              <a:rPr lang="en-US" dirty="0">
                 <a:solidFill>
                   <a:srgbClr val="666666"/>
                 </a:solidFill>
@@ -8948,7 +8668,7 @@
               </a:rPr>
             </a:br>
             <a:r>
-              <a:rPr lang="en-US" cap="small" dirty="0" smtClean="0">
+              <a:rPr lang="en-US" cap="small" dirty="0">
                 <a:solidFill>
                   <a:srgbClr val="FFC000"/>
                 </a:solidFill>
@@ -9005,7 +8725,7 @@
               <a:defRPr/>
             </a:pPr>
             <a:r>
-              <a:rPr kumimoji="0" lang="en-US" sz="2000" b="0" i="0" u="none" strike="noStrike" kern="1200" cap="none" spc="0" normalizeH="0" baseline="0" noProof="0" dirty="0" smtClean="0">
+              <a:rPr kumimoji="0" lang="en-US" sz="2000" b="0" i="0" u="none" strike="noStrike" kern="1200" cap="none" spc="0" normalizeH="0" baseline="0" noProof="0" dirty="0">
                 <a:ln>
                   <a:noFill/>
                 </a:ln>
@@ -9043,7 +8763,7 @@
               <a:defRPr/>
             </a:pPr>
             <a:r>
-              <a:rPr kumimoji="0" lang="en-US" sz="1800" b="0" i="0" u="none" strike="noStrike" kern="1200" cap="none" spc="0" normalizeH="0" baseline="0" noProof="0" dirty="0" smtClean="0">
+              <a:rPr kumimoji="0" lang="en-US" sz="1800" b="0" i="0" u="none" strike="noStrike" kern="1200" cap="none" spc="0" normalizeH="0" baseline="0" noProof="0" dirty="0">
                 <a:ln>
                   <a:noFill/>
                 </a:ln>
@@ -9081,7 +8801,7 @@
               <a:defRPr/>
             </a:pPr>
             <a:r>
-              <a:rPr kumimoji="0" lang="en-US" sz="1600" b="0" i="0" u="none" strike="noStrike" kern="1200" cap="none" spc="0" normalizeH="0" baseline="0" noProof="0" dirty="0" smtClean="0">
+              <a:rPr kumimoji="0" lang="en-US" sz="1600" b="0" i="0" u="none" strike="noStrike" kern="1200" cap="none" spc="0" normalizeH="0" baseline="0" noProof="0" dirty="0">
                 <a:ln>
                   <a:noFill/>
                 </a:ln>
@@ -9121,7 +8841,7 @@
               <a:defRPr/>
             </a:pPr>
             <a:r>
-              <a:rPr kumimoji="0" lang="en-US" sz="1400" b="0" i="0" u="none" strike="noStrike" kern="1200" cap="none" spc="0" normalizeH="0" baseline="0" noProof="0" dirty="0" smtClean="0">
+              <a:rPr kumimoji="0" lang="en-US" sz="1400" b="0" i="0" u="none" strike="noStrike" kern="1200" cap="none" spc="0" normalizeH="0" baseline="0" noProof="0" dirty="0">
                 <a:ln>
                   <a:noFill/>
                 </a:ln>
@@ -9161,7 +8881,7 @@
               <a:defRPr/>
             </a:pPr>
             <a:r>
-              <a:rPr kumimoji="0" lang="en-US" sz="1200" b="0" i="0" u="none" strike="noStrike" kern="1200" cap="none" spc="0" normalizeH="0" baseline="0" noProof="0" dirty="0" smtClean="0">
+              <a:rPr kumimoji="0" lang="en-US" sz="1200" b="0" i="0" u="none" strike="noStrike" kern="1200" cap="none" spc="0" normalizeH="0" baseline="0" noProof="0" dirty="0">
                 <a:ln>
                   <a:noFill/>
                 </a:ln>
@@ -9177,20 +8897,6 @@
               </a:rPr>
               <a:t>Fifth level</a:t>
             </a:r>
-            <a:endParaRPr kumimoji="0" lang="en-US" sz="1200" b="0" i="0" u="none" strike="noStrike" kern="1200" cap="none" spc="0" normalizeH="0" baseline="0" noProof="0" dirty="0">
-              <a:ln>
-                <a:noFill/>
-              </a:ln>
-              <a:solidFill>
-                <a:srgbClr val="CCCCCC">
-                  <a:lumMod val="50000"/>
-                </a:srgbClr>
-              </a:solidFill>
-              <a:effectLst/>
-              <a:uLnTx/>
-              <a:uFillTx/>
-              <a:latin typeface="+mn-lt"/>
-            </a:endParaRPr>
           </a:p>
         </p:txBody>
       </p:sp>
@@ -9238,7 +8944,7 @@
               <a:buSzPct val="80000"/>
               <a:tabLst/>
             </a:pPr>
-            <a:endParaRPr kumimoji="0" lang="en-US" sz="1900" b="0" i="0" u="none" strike="noStrike" kern="0" cap="none" spc="0" normalizeH="0" baseline="0" noProof="0" dirty="0" err="1" smtClean="0">
+            <a:endParaRPr kumimoji="0" lang="en-US" sz="1900" b="0" i="0" u="none" strike="noStrike" kern="0" cap="none" spc="0" normalizeH="0" baseline="0" noProof="0" dirty="0" err="1">
               <a:ln>
                 <a:noFill/>
               </a:ln>
@@ -9330,7 +9036,7 @@
               <a:buSzPct val="80000"/>
               <a:tabLst/>
             </a:pPr>
-            <a:endParaRPr kumimoji="0" lang="en-US" sz="1900" b="0" i="0" u="none" strike="noStrike" kern="0" cap="none" spc="0" normalizeH="0" baseline="0" noProof="0" dirty="0" err="1" smtClean="0">
+            <a:endParaRPr kumimoji="0" lang="en-US" sz="1900" b="0" i="0" u="none" strike="noStrike" kern="0" cap="none" spc="0" normalizeH="0" baseline="0" noProof="0" dirty="0" err="1">
               <a:ln>
                 <a:noFill/>
               </a:ln>
@@ -9374,7 +9080,7 @@
               <a:tabLst/>
             </a:pPr>
             <a:r>
-              <a:rPr lang="en-US" sz="900" noProof="0" dirty="0" smtClean="0">
+              <a:rPr lang="en-US" sz="900" noProof="0" dirty="0">
                 <a:solidFill>
                   <a:schemeClr val="bg1"/>
                 </a:solidFill>
@@ -9428,7 +9134,7 @@
               </a:pPr>
               <a:t>‹#›</a:t>
             </a:fld>
-            <a:endParaRPr lang="en-US" sz="900" noProof="0" dirty="0" smtClean="0">
+            <a:endParaRPr lang="en-US" sz="900" noProof="0" dirty="0">
               <a:solidFill>
                 <a:schemeClr val="bg1"/>
               </a:solidFill>
@@ -9471,7 +9177,7 @@
               <a:buSzPct val="80000"/>
             </a:pPr>
             <a:r>
-              <a:rPr kumimoji="0" lang="en-US" sz="900" b="0" i="0" u="none" kern="0" baseline="0" dirty="0" smtClean="0">
+              <a:rPr kumimoji="0" lang="en-US" sz="900" b="0" i="0" u="none" kern="0" baseline="0" dirty="0">
                 <a:solidFill>
                   <a:srgbClr val="FFFFFF"/>
                 </a:solidFill>
@@ -9512,13 +9218,6 @@
     <p:sldLayoutId id="2147483705" r:id="rId21"/>
     <p:sldLayoutId id="2147483729" r:id="rId22"/>
   </p:sldLayoutIdLst>
-  <p:timing>
-    <p:tnLst>
-      <p:par>
-        <p:cTn id="1" dur="indefinite" restart="never" nodeType="tmRoot"/>
-      </p:par>
-    </p:tnLst>
-  </p:timing>
   <p:hf hdr="0" ftr="0" dt="0"/>
   <p:txStyles>
     <p:titleStyle>
@@ -9968,7 +9667,7 @@
           <a:lstStyle/>
           <a:p>
             <a:r>
-              <a:rPr lang="en-US" sz="4400" dirty="0" smtClean="0">
+              <a:rPr lang="en-US" sz="4400" dirty="0">
                 <a:solidFill>
                   <a:srgbClr val="666666"/>
                 </a:solidFill>
@@ -9976,12 +9675,6 @@
               </a:rPr>
               <a:t>SAPUI5: Routing</a:t>
             </a:r>
-            <a:endParaRPr lang="en-US" sz="4400" dirty="0">
-              <a:solidFill>
-                <a:srgbClr val="666666"/>
-              </a:solidFill>
-              <a:latin typeface="BentonSans Bold" panose="02000803000000020004" pitchFamily="2" charset="0"/>
-            </a:endParaRPr>
           </a:p>
         </p:txBody>
       </p:sp>
@@ -10006,7 +9699,7 @@
           <a:lstStyle/>
           <a:p>
             <a:r>
-              <a:rPr lang="en-US" sz="1200" b="1" dirty="0" smtClean="0">
+              <a:rPr lang="en-US" sz="1200" b="1" dirty="0">
                 <a:solidFill>
                   <a:schemeClr val="bg1"/>
                 </a:solidFill>
@@ -10015,13 +9708,24 @@
               <a:t>Version  	</a:t>
             </a:r>
             <a:r>
-              <a:rPr lang="en-US" sz="1200" dirty="0" smtClean="0">
+              <a:rPr lang="en-US" sz="1200" dirty="0">
                 <a:solidFill>
                   <a:schemeClr val="bg1"/>
                 </a:solidFill>
                 <a:latin typeface="BentonSans Book" panose="02000503000000020004" pitchFamily="2" charset="0"/>
               </a:rPr>
-              <a:t>1.0</a:t>
+              <a:t>1.0, July 2015</a:t>
+            </a:r>
+          </a:p>
+          <a:p>
+            <a:r>
+              <a:rPr lang="en-US" sz="1200" b="1" dirty="0">
+                <a:solidFill>
+                  <a:schemeClr val="bg1"/>
+                </a:solidFill>
+                <a:latin typeface="BentonSans Book" panose="02000503000000020004" pitchFamily="2" charset="0"/>
+              </a:rPr>
+              <a:t>Author</a:t>
             </a:r>
             <a:r>
               <a:rPr lang="en-US" sz="1200" dirty="0">
@@ -10030,17 +9734,10 @@
                 </a:solidFill>
                 <a:latin typeface="BentonSans Book" panose="02000503000000020004" pitchFamily="2" charset="0"/>
               </a:rPr>
-              <a:t>, </a:t>
-            </a:r>
-            <a:r>
-              <a:rPr lang="en-US" sz="1200" dirty="0" smtClean="0">
-                <a:solidFill>
-                  <a:schemeClr val="bg1"/>
-                </a:solidFill>
-                <a:latin typeface="BentonSans Book" panose="02000503000000020004" pitchFamily="2" charset="0"/>
-              </a:rPr>
-              <a:t>July 2015</a:t>
-            </a:r>
+              <a:t> 	Ross Hightower</a:t>
+            </a:r>
+          </a:p>
+          <a:p>
             <a:endParaRPr lang="en-US" sz="1200" dirty="0">
               <a:solidFill>
                 <a:schemeClr val="bg1"/>
@@ -10050,44 +9747,16 @@
           </a:p>
           <a:p>
             <a:r>
-              <a:rPr lang="en-US" sz="1200" b="1" dirty="0" smtClean="0">
+              <a:rPr lang="en-US" sz="1200" b="1" dirty="0">
                 <a:solidFill>
                   <a:schemeClr val="bg1"/>
                 </a:solidFill>
                 <a:latin typeface="BentonSans Book" panose="02000503000000020004" pitchFamily="2" charset="0"/>
               </a:rPr>
-              <a:t>Author</a:t>
-            </a:r>
-            <a:r>
-              <a:rPr lang="en-US" sz="1200" dirty="0" smtClean="0">
-                <a:solidFill>
-                  <a:schemeClr val="bg1"/>
-                </a:solidFill>
-                <a:latin typeface="BentonSans Book" panose="02000503000000020004" pitchFamily="2" charset="0"/>
-              </a:rPr>
-              <a:t> 	Ross Hightower</a:t>
-            </a:r>
-          </a:p>
-          <a:p>
-            <a:endParaRPr lang="en-US" sz="1200" dirty="0" smtClean="0">
-              <a:solidFill>
-                <a:schemeClr val="bg1"/>
-              </a:solidFill>
-              <a:latin typeface="BentonSans Book" panose="02000503000000020004" pitchFamily="2" charset="0"/>
-            </a:endParaRPr>
-          </a:p>
-          <a:p>
-            <a:r>
-              <a:rPr lang="en-US" sz="1200" b="1" dirty="0" smtClean="0">
-                <a:solidFill>
-                  <a:schemeClr val="bg1"/>
-                </a:solidFill>
-                <a:latin typeface="BentonSans Book" panose="02000503000000020004" pitchFamily="2" charset="0"/>
-              </a:rPr>
               <a:t>Product</a:t>
             </a:r>
             <a:r>
-              <a:rPr lang="en-US" sz="1200" dirty="0" smtClean="0">
+              <a:rPr lang="en-US" sz="1200" dirty="0">
                 <a:solidFill>
                   <a:schemeClr val="bg1"/>
                 </a:solidFill>
@@ -10106,7 +9775,7 @@
           </a:p>
           <a:p>
             <a:r>
-              <a:rPr lang="en-US" sz="1200" b="1" dirty="0" smtClean="0">
+              <a:rPr lang="en-US" sz="1200" b="1" dirty="0">
                 <a:solidFill>
                   <a:schemeClr val="bg1"/>
                 </a:solidFill>
@@ -10115,7 +9784,7 @@
               <a:t>Level</a:t>
             </a:r>
             <a:r>
-              <a:rPr lang="en-US" sz="1200" dirty="0" smtClean="0">
+              <a:rPr lang="en-US" sz="1200" dirty="0">
                 <a:solidFill>
                   <a:schemeClr val="bg1"/>
                 </a:solidFill>
@@ -10133,7 +9802,7 @@
             </a:endParaRPr>
           </a:p>
           <a:p>
-            <a:endParaRPr lang="en-US" sz="1200" dirty="0" smtClean="0">
+            <a:endParaRPr lang="en-US" sz="1200" dirty="0">
               <a:solidFill>
                 <a:schemeClr val="bg1"/>
               </a:solidFill>
@@ -10148,9 +9817,9 @@
                 </a:solidFill>
                 <a:latin typeface="BentonSans Book" panose="02000503000000020004" pitchFamily="2" charset="0"/>
               </a:rPr>
-              <a:t>January 5, 2016</a:t>
+              <a:t>January 5, 2017</a:t>
             </a:fld>
-            <a:endParaRPr lang="en-US" sz="1200" dirty="0" smtClean="0">
+            <a:endParaRPr lang="en-US" sz="1200" dirty="0">
               <a:solidFill>
                 <a:schemeClr val="bg1"/>
               </a:solidFill>
@@ -10277,7 +9946,7 @@
           <a:lstStyle/>
           <a:p>
             <a:r>
-              <a:rPr lang="de-DE" sz="1200" dirty="0" smtClean="0">
+              <a:rPr lang="de-DE" sz="1200" dirty="0">
                 <a:solidFill>
                   <a:schemeClr val="bg1"/>
                 </a:solidFill>
@@ -10304,505 +9973,10 @@
   <p:clrMapOvr>
     <a:masterClrMapping/>
   </p:clrMapOvr>
-  <p:timing>
-    <p:tnLst>
-      <p:par>
-        <p:cTn id="1" dur="indefinite" restart="never" nodeType="tmRoot"/>
-      </p:par>
-    </p:tnLst>
-  </p:timing>
 </p:sld>
 </file>
 
 <file path=ppt/slides/slide10.xml><?xml version="1.0" encoding="utf-8"?>
-<p:sld xmlns:a="http://schemas.openxmlformats.org/drawingml/2006/main" xmlns:r="http://schemas.openxmlformats.org/officeDocument/2006/relationships" xmlns:p="http://schemas.openxmlformats.org/presentationml/2006/main">
-  <p:cSld>
-    <p:spTree>
-      <p:nvGrpSpPr>
-        <p:cNvPr id="1" name=""/>
-        <p:cNvGrpSpPr/>
-        <p:nvPr/>
-      </p:nvGrpSpPr>
-      <p:grpSpPr>
-        <a:xfrm>
-          <a:off x="0" y="0"/>
-          <a:ext cx="0" cy="0"/>
-          <a:chOff x="0" y="0"/>
-          <a:chExt cx="0" cy="0"/>
-        </a:xfrm>
-      </p:grpSpPr>
-      <p:sp>
-        <p:nvSpPr>
-          <p:cNvPr id="2" name="Title 1"/>
-          <p:cNvSpPr>
-            <a:spLocks noGrp="1"/>
-          </p:cNvSpPr>
-          <p:nvPr>
-            <p:ph type="title"/>
-          </p:nvPr>
-        </p:nvSpPr>
-        <p:spPr/>
-        <p:txBody>
-          <a:bodyPr/>
-          <a:lstStyle/>
-          <a:p>
-            <a:r>
-              <a:rPr lang="en-US" dirty="0" err="1" smtClean="0"/>
-              <a:t>Subroutes</a:t>
-            </a:r>
-            <a:endParaRPr lang="en-US" dirty="0"/>
-          </a:p>
-        </p:txBody>
-      </p:sp>
-      <p:sp>
-        <p:nvSpPr>
-          <p:cNvPr id="3" name="Rectangle 2"/>
-          <p:cNvSpPr/>
-          <p:nvPr/>
-        </p:nvSpPr>
-        <p:spPr>
-          <a:xfrm>
-            <a:off x="4869424" y="1653991"/>
-            <a:ext cx="6096000" cy="3970318"/>
-          </a:xfrm>
-          <a:prstGeom prst="rect">
-            <a:avLst/>
-          </a:prstGeom>
-          <a:ln>
-            <a:solidFill>
-              <a:schemeClr val="tx1"/>
-            </a:solidFill>
-          </a:ln>
-        </p:spPr>
-        <p:txBody>
-          <a:bodyPr>
-            <a:spAutoFit/>
-          </a:bodyPr>
-          <a:lstStyle/>
-          <a:p>
-            <a:r>
-              <a:rPr lang="en-US" sz="1800" dirty="0"/>
-              <a:t>{</a:t>
-            </a:r>
-          </a:p>
-          <a:p>
-            <a:r>
-              <a:rPr lang="en-US" sz="1800" dirty="0"/>
-              <a:t>	</a:t>
-            </a:r>
-            <a:r>
-              <a:rPr lang="en-US" sz="1800" dirty="0" smtClean="0"/>
-              <a:t>pattern </a:t>
-            </a:r>
-            <a:r>
-              <a:rPr lang="en-US" sz="1800" dirty="0"/>
-              <a:t>: "</a:t>
-            </a:r>
-            <a:r>
-              <a:rPr lang="en-US" sz="1800" dirty="0" err="1"/>
-              <a:t>ProductCategory</a:t>
-            </a:r>
-            <a:r>
-              <a:rPr lang="en-US" sz="1800" dirty="0"/>
-              <a:t>/{entity}",</a:t>
-            </a:r>
-          </a:p>
-          <a:p>
-            <a:r>
-              <a:rPr lang="en-US" sz="1800" dirty="0"/>
-              <a:t>	</a:t>
-            </a:r>
-            <a:r>
-              <a:rPr lang="en-US" sz="1800" dirty="0" smtClean="0"/>
-              <a:t>name </a:t>
-            </a:r>
-            <a:r>
-              <a:rPr lang="en-US" sz="1800" dirty="0"/>
-              <a:t>: "Products",</a:t>
-            </a:r>
-          </a:p>
-          <a:p>
-            <a:r>
-              <a:rPr lang="en-US" sz="1800" dirty="0"/>
-              <a:t>	</a:t>
-            </a:r>
-            <a:r>
-              <a:rPr lang="en-US" sz="1800" dirty="0" smtClean="0"/>
-              <a:t>view </a:t>
-            </a:r>
-            <a:r>
-              <a:rPr lang="en-US" sz="1800" dirty="0"/>
-              <a:t>: "Products",</a:t>
-            </a:r>
-          </a:p>
-          <a:p>
-            <a:r>
-              <a:rPr lang="en-US" sz="1800" dirty="0"/>
-              <a:t>	</a:t>
-            </a:r>
-            <a:r>
-              <a:rPr lang="en-US" sz="1800" dirty="0" err="1" smtClean="0"/>
-              <a:t>targetAggregation</a:t>
-            </a:r>
-            <a:r>
-              <a:rPr lang="en-US" sz="1800" dirty="0" smtClean="0"/>
-              <a:t> </a:t>
-            </a:r>
-            <a:r>
-              <a:rPr lang="en-US" sz="1800" dirty="0"/>
-              <a:t>: "</a:t>
-            </a:r>
-            <a:r>
-              <a:rPr lang="en-US" sz="1800" dirty="0" err="1"/>
-              <a:t>masterPages</a:t>
-            </a:r>
-            <a:r>
-              <a:rPr lang="en-US" sz="1800" dirty="0"/>
-              <a:t>",</a:t>
-            </a:r>
-          </a:p>
-          <a:p>
-            <a:r>
-              <a:rPr lang="en-US" sz="1800" dirty="0"/>
-              <a:t>	</a:t>
-            </a:r>
-            <a:r>
-              <a:rPr lang="en-US" sz="1800" dirty="0" err="1" smtClean="0"/>
-              <a:t>subroutes</a:t>
-            </a:r>
-            <a:r>
-              <a:rPr lang="en-US" sz="1800" dirty="0" smtClean="0"/>
-              <a:t> </a:t>
-            </a:r>
-            <a:r>
-              <a:rPr lang="en-US" sz="1800" dirty="0"/>
-              <a:t>: [</a:t>
-            </a:r>
-          </a:p>
-          <a:p>
-            <a:r>
-              <a:rPr lang="en-US" sz="1800" dirty="0"/>
-              <a:t>	</a:t>
-            </a:r>
-            <a:r>
-              <a:rPr lang="en-US" sz="1800" dirty="0" smtClean="0"/>
-              <a:t>       </a:t>
-            </a:r>
-            <a:r>
-              <a:rPr lang="en-US" sz="1800" dirty="0"/>
-              <a:t>{</a:t>
-            </a:r>
-          </a:p>
-          <a:p>
-            <a:r>
-              <a:rPr lang="en-US" sz="1800" dirty="0"/>
-              <a:t>    	</a:t>
-            </a:r>
-            <a:r>
-              <a:rPr lang="en-US" sz="1800" dirty="0" smtClean="0"/>
-              <a:t>                </a:t>
-            </a:r>
-            <a:r>
-              <a:rPr lang="en-US" sz="1800" dirty="0"/>
-              <a:t>pattern : "Products/{entity}",</a:t>
-            </a:r>
-          </a:p>
-          <a:p>
-            <a:r>
-              <a:rPr lang="en-US" sz="1800" dirty="0"/>
-              <a:t>    	</a:t>
-            </a:r>
-            <a:r>
-              <a:rPr lang="en-US" sz="1800" dirty="0" smtClean="0"/>
-              <a:t>                </a:t>
-            </a:r>
-            <a:r>
-              <a:rPr lang="en-US" sz="1800" dirty="0"/>
-              <a:t>name : "</a:t>
-            </a:r>
-            <a:r>
-              <a:rPr lang="en-US" sz="1800" dirty="0" smtClean="0"/>
-              <a:t>Detail1",</a:t>
-            </a:r>
-            <a:endParaRPr lang="en-US" sz="1800" dirty="0"/>
-          </a:p>
-          <a:p>
-            <a:r>
-              <a:rPr lang="en-US" sz="1800" dirty="0"/>
-              <a:t>    	</a:t>
-            </a:r>
-            <a:r>
-              <a:rPr lang="en-US" sz="1800" dirty="0" smtClean="0"/>
-              <a:t>                </a:t>
-            </a:r>
-            <a:r>
-              <a:rPr lang="en-US" sz="1800" dirty="0"/>
-              <a:t>view : "</a:t>
-            </a:r>
-            <a:r>
-              <a:rPr lang="en-US" sz="1800" dirty="0" smtClean="0"/>
-              <a:t>Detail1",</a:t>
-            </a:r>
-            <a:endParaRPr lang="en-US" sz="1800" dirty="0"/>
-          </a:p>
-          <a:p>
-            <a:r>
-              <a:rPr lang="en-US" sz="1800" dirty="0"/>
-              <a:t>    	</a:t>
-            </a:r>
-            <a:r>
-              <a:rPr lang="en-US" sz="1800" dirty="0" smtClean="0"/>
-              <a:t>                </a:t>
-            </a:r>
-            <a:r>
-              <a:rPr lang="en-US" sz="1800" dirty="0" err="1"/>
-              <a:t>targetAggregation</a:t>
-            </a:r>
-            <a:r>
-              <a:rPr lang="en-US" sz="1800" dirty="0"/>
-              <a:t> : "</a:t>
-            </a:r>
-            <a:r>
-              <a:rPr lang="en-US" sz="1800" dirty="0" err="1"/>
-              <a:t>detailPages</a:t>
-            </a:r>
-            <a:r>
-              <a:rPr lang="en-US" sz="1800" dirty="0"/>
-              <a:t>"</a:t>
-            </a:r>
-          </a:p>
-          <a:p>
-            <a:r>
-              <a:rPr lang="en-US" sz="1800" dirty="0"/>
-              <a:t>	</a:t>
-            </a:r>
-            <a:r>
-              <a:rPr lang="en-US" sz="1800" dirty="0" smtClean="0"/>
-              <a:t>        </a:t>
-            </a:r>
-            <a:r>
-              <a:rPr lang="en-US" sz="1800" dirty="0"/>
-              <a:t>}</a:t>
-            </a:r>
-          </a:p>
-          <a:p>
-            <a:r>
-              <a:rPr lang="en-US" sz="1800" dirty="0"/>
-              <a:t>	</a:t>
-            </a:r>
-            <a:r>
-              <a:rPr lang="en-US" sz="1800" dirty="0" smtClean="0"/>
-              <a:t>]</a:t>
-            </a:r>
-            <a:endParaRPr lang="en-US" sz="1800" dirty="0"/>
-          </a:p>
-          <a:p>
-            <a:r>
-              <a:rPr lang="en-US" sz="1800" dirty="0" smtClean="0"/>
-              <a:t>}</a:t>
-            </a:r>
-            <a:endParaRPr lang="en-US" sz="1800" dirty="0"/>
-          </a:p>
-        </p:txBody>
-      </p:sp>
-      <p:sp>
-        <p:nvSpPr>
-          <p:cNvPr id="4" name="TextBox 3"/>
-          <p:cNvSpPr txBox="1"/>
-          <p:nvPr/>
-        </p:nvSpPr>
-        <p:spPr>
-          <a:xfrm>
-            <a:off x="215153" y="1653991"/>
-            <a:ext cx="4372992" cy="2092881"/>
-          </a:xfrm>
-          <a:prstGeom prst="rect">
-            <a:avLst/>
-          </a:prstGeom>
-          <a:noFill/>
-        </p:spPr>
-        <p:txBody>
-          <a:bodyPr wrap="none" lIns="0" tIns="0" rIns="0" bIns="0" rtlCol="0">
-            <a:spAutoFit/>
-          </a:bodyPr>
-          <a:lstStyle/>
-          <a:p>
-            <a:pPr fontAlgn="base">
-              <a:spcBef>
-                <a:spcPts val="600"/>
-              </a:spcBef>
-              <a:spcAft>
-                <a:spcPct val="0"/>
-              </a:spcAft>
-              <a:buClr>
-                <a:srgbClr val="F0AB00"/>
-              </a:buClr>
-              <a:buSzPct val="80000"/>
-            </a:pPr>
-            <a:r>
-              <a:rPr lang="en-US" sz="1800" kern="0" dirty="0" smtClean="0">
-                <a:ea typeface="Arial Unicode MS" pitchFamily="34" charset="-128"/>
-                <a:cs typeface="Arial Unicode MS" pitchFamily="34" charset="-128"/>
-              </a:rPr>
-              <a:t>Routes that load views into the detail side</a:t>
-            </a:r>
-            <a:br>
-              <a:rPr lang="en-US" sz="1800" kern="0" dirty="0" smtClean="0">
-                <a:ea typeface="Arial Unicode MS" pitchFamily="34" charset="-128"/>
-                <a:cs typeface="Arial Unicode MS" pitchFamily="34" charset="-128"/>
-              </a:rPr>
-            </a:br>
-            <a:r>
-              <a:rPr lang="en-US" sz="1800" kern="0" dirty="0" smtClean="0">
-                <a:ea typeface="Arial Unicode MS" pitchFamily="34" charset="-128"/>
-                <a:cs typeface="Arial Unicode MS" pitchFamily="34" charset="-128"/>
-              </a:rPr>
-              <a:t>of a master/detail application are defined </a:t>
-            </a:r>
-            <a:br>
-              <a:rPr lang="en-US" sz="1800" kern="0" dirty="0" smtClean="0">
-                <a:ea typeface="Arial Unicode MS" pitchFamily="34" charset="-128"/>
-                <a:cs typeface="Arial Unicode MS" pitchFamily="34" charset="-128"/>
-              </a:rPr>
-            </a:br>
-            <a:r>
-              <a:rPr lang="en-US" sz="1800" kern="0" dirty="0" smtClean="0">
-                <a:ea typeface="Arial Unicode MS" pitchFamily="34" charset="-128"/>
-                <a:cs typeface="Arial Unicode MS" pitchFamily="34" charset="-128"/>
-              </a:rPr>
-              <a:t>as </a:t>
-            </a:r>
-            <a:r>
-              <a:rPr lang="en-US" sz="1800" kern="0" dirty="0" err="1" smtClean="0">
-                <a:ea typeface="Arial Unicode MS" pitchFamily="34" charset="-128"/>
-                <a:cs typeface="Arial Unicode MS" pitchFamily="34" charset="-128"/>
-              </a:rPr>
-              <a:t>subroutes</a:t>
-            </a:r>
-            <a:r>
-              <a:rPr lang="en-US" sz="1800" kern="0" dirty="0" smtClean="0">
-                <a:ea typeface="Arial Unicode MS" pitchFamily="34" charset="-128"/>
-                <a:cs typeface="Arial Unicode MS" pitchFamily="34" charset="-128"/>
-              </a:rPr>
-              <a:t> of the master view. </a:t>
-            </a:r>
-          </a:p>
-          <a:p>
-            <a:pPr fontAlgn="base">
-              <a:spcBef>
-                <a:spcPts val="600"/>
-              </a:spcBef>
-              <a:spcAft>
-                <a:spcPct val="0"/>
-              </a:spcAft>
-              <a:buClr>
-                <a:srgbClr val="F0AB00"/>
-              </a:buClr>
-              <a:buSzPct val="80000"/>
-            </a:pPr>
-            <a:endParaRPr lang="en-US" sz="1800" kern="0" dirty="0">
-              <a:ea typeface="Arial Unicode MS" pitchFamily="34" charset="-128"/>
-              <a:cs typeface="Arial Unicode MS" pitchFamily="34" charset="-128"/>
-            </a:endParaRPr>
-          </a:p>
-          <a:p>
-            <a:pPr fontAlgn="base">
-              <a:spcBef>
-                <a:spcPts val="600"/>
-              </a:spcBef>
-              <a:spcAft>
-                <a:spcPct val="0"/>
-              </a:spcAft>
-              <a:buClr>
-                <a:srgbClr val="F0AB00"/>
-              </a:buClr>
-              <a:buSzPct val="80000"/>
-            </a:pPr>
-            <a:r>
-              <a:rPr lang="en-US" sz="1800" kern="0" dirty="0" smtClean="0">
-                <a:ea typeface="Arial Unicode MS" pitchFamily="34" charset="-128"/>
-                <a:cs typeface="Arial Unicode MS" pitchFamily="34" charset="-128"/>
-              </a:rPr>
-              <a:t>The properties used to define the route are</a:t>
-            </a:r>
-            <a:br>
-              <a:rPr lang="en-US" sz="1800" kern="0" dirty="0" smtClean="0">
-                <a:ea typeface="Arial Unicode MS" pitchFamily="34" charset="-128"/>
-                <a:cs typeface="Arial Unicode MS" pitchFamily="34" charset="-128"/>
-              </a:rPr>
-            </a:br>
-            <a:r>
-              <a:rPr lang="en-US" sz="1800" kern="0" dirty="0" smtClean="0">
-                <a:ea typeface="Arial Unicode MS" pitchFamily="34" charset="-128"/>
-                <a:cs typeface="Arial Unicode MS" pitchFamily="34" charset="-128"/>
-              </a:rPr>
-              <a:t>the same except the </a:t>
-            </a:r>
-            <a:r>
-              <a:rPr lang="en-US" sz="1800" kern="0" dirty="0" err="1" smtClean="0">
-                <a:ea typeface="Arial Unicode MS" pitchFamily="34" charset="-128"/>
-                <a:cs typeface="Arial Unicode MS" pitchFamily="34" charset="-128"/>
-              </a:rPr>
-              <a:t>targetAggregation</a:t>
-            </a:r>
-            <a:r>
-              <a:rPr lang="en-US" sz="1800" kern="0" dirty="0" smtClean="0">
-                <a:ea typeface="Arial Unicode MS" pitchFamily="34" charset="-128"/>
-                <a:cs typeface="Arial Unicode MS" pitchFamily="34" charset="-128"/>
-              </a:rPr>
-              <a:t/>
-            </a:r>
-            <a:br>
-              <a:rPr lang="en-US" sz="1800" kern="0" dirty="0" smtClean="0">
-                <a:ea typeface="Arial Unicode MS" pitchFamily="34" charset="-128"/>
-                <a:cs typeface="Arial Unicode MS" pitchFamily="34" charset="-128"/>
-              </a:rPr>
-            </a:br>
-            <a:r>
-              <a:rPr lang="en-US" sz="1800" kern="0" dirty="0" smtClean="0">
-                <a:ea typeface="Arial Unicode MS" pitchFamily="34" charset="-128"/>
-                <a:cs typeface="Arial Unicode MS" pitchFamily="34" charset="-128"/>
-              </a:rPr>
-              <a:t>is </a:t>
-            </a:r>
-            <a:r>
-              <a:rPr lang="en-US" sz="1800" kern="0" dirty="0" err="1" smtClean="0">
-                <a:ea typeface="Arial Unicode MS" pitchFamily="34" charset="-128"/>
-                <a:cs typeface="Arial Unicode MS" pitchFamily="34" charset="-128"/>
-              </a:rPr>
-              <a:t>detailPages</a:t>
-            </a:r>
-            <a:r>
-              <a:rPr lang="en-US" sz="1800" kern="0" dirty="0" smtClean="0">
-                <a:ea typeface="Arial Unicode MS" pitchFamily="34" charset="-128"/>
-                <a:cs typeface="Arial Unicode MS" pitchFamily="34" charset="-128"/>
-              </a:rPr>
-              <a:t>.</a:t>
-            </a:r>
-          </a:p>
-        </p:txBody>
-      </p:sp>
-    </p:spTree>
-    <p:extLst>
-      <p:ext uri="{BB962C8B-B14F-4D97-AF65-F5344CB8AC3E}">
-        <p14:creationId xmlns:p14="http://schemas.microsoft.com/office/powerpoint/2010/main" val="3165540695"/>
-      </p:ext>
-    </p:extLst>
-  </p:cSld>
-  <p:clrMapOvr>
-    <a:masterClrMapping/>
-  </p:clrMapOvr>
-  <p:timing>
-    <p:tnLst>
-      <p:par>
-        <p:cTn id="1" dur="indefinite" restart="never" nodeType="tmRoot"/>
-      </p:par>
-    </p:tnLst>
-  </p:timing>
-</p:sld>
-</file>
-
-<file path=ppt/slides/slide11.xml><?xml version="1.0" encoding="utf-8"?>
 <p:sld xmlns:a="http://schemas.openxmlformats.org/drawingml/2006/main" xmlns:r="http://schemas.openxmlformats.org/officeDocument/2006/relationships" xmlns:p="http://schemas.openxmlformats.org/presentationml/2006/main">
   <p:cSld>
     <p:spTree>
@@ -10835,10 +10009,9 @@
           <a:lstStyle/>
           <a:p>
             <a:r>
-              <a:rPr lang="en-US" dirty="0" smtClean="0"/>
+              <a:rPr lang="en-US" dirty="0"/>
               <a:t>Initiating Routing</a:t>
             </a:r>
-            <a:endParaRPr lang="en-US" dirty="0"/>
           </a:p>
         </p:txBody>
       </p:sp>
@@ -10890,21 +10063,8 @@
                 <a:ea typeface="Calibri" panose="020F0502020204030204" pitchFamily="34" charset="0"/>
                 <a:cs typeface="Times New Roman" panose="02020603050405020304" pitchFamily="18" charset="0"/>
               </a:rPr>
-              <a:t>: function() </a:t>
-            </a:r>
-            <a:r>
-              <a:rPr lang="en-US" sz="1800" dirty="0" smtClean="0">
-                <a:latin typeface="Calibri" panose="020F0502020204030204" pitchFamily="34" charset="0"/>
-                <a:ea typeface="Calibri" panose="020F0502020204030204" pitchFamily="34" charset="0"/>
-                <a:cs typeface="Times New Roman" panose="02020603050405020304" pitchFamily="18" charset="0"/>
-              </a:rPr>
-              <a:t>{</a:t>
-            </a:r>
-            <a:endParaRPr lang="en-US" sz="1800" dirty="0">
-              <a:latin typeface="Calibri" panose="020F0502020204030204" pitchFamily="34" charset="0"/>
-              <a:ea typeface="Calibri" panose="020F0502020204030204" pitchFamily="34" charset="0"/>
-              <a:cs typeface="Times New Roman" panose="02020603050405020304" pitchFamily="18" charset="0"/>
-            </a:endParaRPr>
+              <a:t>: function() {</a:t>
+            </a:r>
           </a:p>
           <a:p>
             <a:pPr>
@@ -10916,36 +10076,12 @@
               </a:spcAft>
             </a:pPr>
             <a:r>
-              <a:rPr lang="en-US" sz="1800" dirty="0" smtClean="0">
-                <a:latin typeface="Calibri" panose="020F0502020204030204" pitchFamily="34" charset="0"/>
-                <a:ea typeface="Calibri" panose="020F0502020204030204" pitchFamily="34" charset="0"/>
-                <a:cs typeface="Times New Roman" panose="02020603050405020304" pitchFamily="18" charset="0"/>
-              </a:rPr>
-              <a:t>  </a:t>
-            </a:r>
-            <a:r>
-              <a:rPr lang="en-US" sz="1800" dirty="0" err="1" smtClean="0">
-                <a:latin typeface="Calibri" panose="020F0502020204030204" pitchFamily="34" charset="0"/>
-                <a:ea typeface="Calibri" panose="020F0502020204030204" pitchFamily="34" charset="0"/>
-                <a:cs typeface="Times New Roman" panose="02020603050405020304" pitchFamily="18" charset="0"/>
-              </a:rPr>
-              <a:t>this.router</a:t>
-            </a:r>
-            <a:r>
-              <a:rPr lang="en-US" sz="1800" dirty="0" smtClean="0">
-                <a:latin typeface="Calibri" panose="020F0502020204030204" pitchFamily="34" charset="0"/>
-                <a:ea typeface="Calibri" panose="020F0502020204030204" pitchFamily="34" charset="0"/>
-                <a:cs typeface="Times New Roman" panose="02020603050405020304" pitchFamily="18" charset="0"/>
-              </a:rPr>
-              <a:t> </a:t>
-            </a:r>
-            <a:r>
               <a:rPr lang="en-US" sz="1800" dirty="0">
                 <a:latin typeface="Calibri" panose="020F0502020204030204" pitchFamily="34" charset="0"/>
                 <a:ea typeface="Calibri" panose="020F0502020204030204" pitchFamily="34" charset="0"/>
                 <a:cs typeface="Times New Roman" panose="02020603050405020304" pitchFamily="18" charset="0"/>
               </a:rPr>
-              <a:t>= </a:t>
+              <a:t>  </a:t>
             </a:r>
             <a:r>
               <a:rPr lang="en-US" sz="1800" dirty="0" err="1">
@@ -10953,7 +10089,7 @@
                 <a:ea typeface="Calibri" panose="020F0502020204030204" pitchFamily="34" charset="0"/>
                 <a:cs typeface="Times New Roman" panose="02020603050405020304" pitchFamily="18" charset="0"/>
               </a:rPr>
-              <a:t>sap.ui.core.UIComponent.getRouterFor</a:t>
+              <a:t>this.router</a:t>
             </a:r>
             <a:r>
               <a:rPr lang="en-US" sz="1800" dirty="0">
@@ -10961,6 +10097,22 @@
                 <a:ea typeface="Calibri" panose="020F0502020204030204" pitchFamily="34" charset="0"/>
                 <a:cs typeface="Times New Roman" panose="02020603050405020304" pitchFamily="18" charset="0"/>
               </a:rPr>
+              <a:t> = </a:t>
+            </a:r>
+            <a:r>
+              <a:rPr lang="en-US" sz="1800" dirty="0" err="1">
+                <a:latin typeface="Calibri" panose="020F0502020204030204" pitchFamily="34" charset="0"/>
+                <a:ea typeface="Calibri" panose="020F0502020204030204" pitchFamily="34" charset="0"/>
+                <a:cs typeface="Times New Roman" panose="02020603050405020304" pitchFamily="18" charset="0"/>
+              </a:rPr>
+              <a:t>sap.ui.core.UIComponent.getRouterFor</a:t>
+            </a:r>
+            <a:r>
+              <a:rPr lang="en-US" sz="1800" dirty="0">
+                <a:latin typeface="Calibri" panose="020F0502020204030204" pitchFamily="34" charset="0"/>
+                <a:ea typeface="Calibri" panose="020F0502020204030204" pitchFamily="34" charset="0"/>
+                <a:cs typeface="Times New Roman" panose="02020603050405020304" pitchFamily="18" charset="0"/>
+              </a:rPr>
               <a:t>(this);</a:t>
             </a:r>
           </a:p>
@@ -11054,27 +10206,27 @@
               </a:spcAft>
             </a:pPr>
             <a:r>
-              <a:rPr lang="en-US" sz="1800" dirty="0" smtClean="0">
-                <a:latin typeface="Calibri" panose="020F0502020204030204" pitchFamily="34" charset="0"/>
-                <a:ea typeface="Calibri" panose="020F0502020204030204" pitchFamily="34" charset="0"/>
-                <a:cs typeface="Times New Roman" panose="02020603050405020304" pitchFamily="18" charset="0"/>
-              </a:rPr>
-              <a:t>   </a:t>
-            </a:r>
-            <a:r>
-              <a:rPr lang="en-US" sz="1800" dirty="0" err="1" smtClean="0">
-                <a:latin typeface="Calibri" panose="020F0502020204030204" pitchFamily="34" charset="0"/>
-                <a:ea typeface="Calibri" panose="020F0502020204030204" pitchFamily="34" charset="0"/>
-                <a:cs typeface="Times New Roman" panose="02020603050405020304" pitchFamily="18" charset="0"/>
-              </a:rPr>
-              <a:t>this.router.navTo</a:t>
-            </a:r>
-            <a:r>
               <a:rPr lang="en-US" sz="1800" dirty="0">
                 <a:latin typeface="Calibri" panose="020F0502020204030204" pitchFamily="34" charset="0"/>
                 <a:ea typeface="Calibri" panose="020F0502020204030204" pitchFamily="34" charset="0"/>
                 <a:cs typeface="Times New Roman" panose="02020603050405020304" pitchFamily="18" charset="0"/>
               </a:rPr>
+              <a:t>   </a:t>
+            </a:r>
+            <a:r>
+              <a:rPr lang="en-US" sz="1800" dirty="0" err="1">
+                <a:latin typeface="Calibri" panose="020F0502020204030204" pitchFamily="34" charset="0"/>
+                <a:ea typeface="Calibri" panose="020F0502020204030204" pitchFamily="34" charset="0"/>
+                <a:cs typeface="Times New Roman" panose="02020603050405020304" pitchFamily="18" charset="0"/>
+              </a:rPr>
+              <a:t>this.router.navTo</a:t>
+            </a:r>
+            <a:r>
+              <a:rPr lang="en-US" sz="1800" dirty="0">
+                <a:latin typeface="Calibri" panose="020F0502020204030204" pitchFamily="34" charset="0"/>
+                <a:ea typeface="Calibri" panose="020F0502020204030204" pitchFamily="34" charset="0"/>
+                <a:cs typeface="Times New Roman" panose="02020603050405020304" pitchFamily="18" charset="0"/>
+              </a:rPr>
               <a:t>("Detail1", {</a:t>
             </a:r>
           </a:p>
@@ -11093,47 +10245,26 @@
                 <a:ea typeface="Calibri" panose="020F0502020204030204" pitchFamily="34" charset="0"/>
                 <a:cs typeface="Times New Roman" panose="02020603050405020304" pitchFamily="18" charset="0"/>
               </a:rPr>
-              <a:t>	</a:t>
-            </a:r>
-            <a:r>
-              <a:rPr lang="en-US" sz="1800" dirty="0" smtClean="0">
-                <a:latin typeface="Calibri" panose="020F0502020204030204" pitchFamily="34" charset="0"/>
-                <a:ea typeface="Calibri" panose="020F0502020204030204" pitchFamily="34" charset="0"/>
-                <a:cs typeface="Times New Roman" panose="02020603050405020304" pitchFamily="18" charset="0"/>
-              </a:rPr>
-              <a:t>from</a:t>
-            </a:r>
+              <a:t>	from: "Master1"</a:t>
+            </a:r>
+          </a:p>
+          <a:p>
+            <a:pPr>
+              <a:lnSpc>
+                <a:spcPct val="107000"/>
+              </a:lnSpc>
+              <a:spcAft>
+                <a:spcPts val="800"/>
+              </a:spcAft>
+            </a:pPr>
             <a:r>
               <a:rPr lang="en-US" sz="1800" dirty="0">
                 <a:latin typeface="Calibri" panose="020F0502020204030204" pitchFamily="34" charset="0"/>
                 <a:ea typeface="Calibri" panose="020F0502020204030204" pitchFamily="34" charset="0"/>
                 <a:cs typeface="Times New Roman" panose="02020603050405020304" pitchFamily="18" charset="0"/>
               </a:rPr>
-              <a:t>: "Master1"</a:t>
-            </a:r>
-          </a:p>
-          <a:p>
-            <a:pPr>
-              <a:lnSpc>
-                <a:spcPct val="107000"/>
-              </a:lnSpc>
-              <a:spcAft>
-                <a:spcPts val="800"/>
-              </a:spcAft>
-            </a:pPr>
-            <a:r>
-              <a:rPr lang="en-US" sz="1800" dirty="0" smtClean="0">
-                <a:latin typeface="Calibri" panose="020F0502020204030204" pitchFamily="34" charset="0"/>
-                <a:ea typeface="Calibri" panose="020F0502020204030204" pitchFamily="34" charset="0"/>
-                <a:cs typeface="Times New Roman" panose="02020603050405020304" pitchFamily="18" charset="0"/>
-              </a:rPr>
               <a:t>    });</a:t>
             </a:r>
-            <a:endParaRPr lang="en-US" sz="1800" dirty="0">
-              <a:latin typeface="Calibri" panose="020F0502020204030204" pitchFamily="34" charset="0"/>
-              <a:ea typeface="Calibri" panose="020F0502020204030204" pitchFamily="34" charset="0"/>
-              <a:cs typeface="Times New Roman" panose="02020603050405020304" pitchFamily="18" charset="0"/>
-            </a:endParaRPr>
           </a:p>
           <a:p>
             <a:pPr>
@@ -11214,106 +10345,106 @@
               <a:buSzPct val="80000"/>
             </a:pPr>
             <a:r>
-              <a:rPr lang="en-US" sz="1800" kern="0" dirty="0" err="1" smtClean="0">
+              <a:rPr lang="en-US" sz="1800" kern="0" dirty="0" err="1">
                 <a:ea typeface="Arial Unicode MS" pitchFamily="34" charset="-128"/>
                 <a:cs typeface="Arial Unicode MS" pitchFamily="34" charset="-128"/>
               </a:rPr>
               <a:t>onInit</a:t>
             </a:r>
             <a:r>
-              <a:rPr lang="en-US" sz="1800" kern="0" dirty="0" smtClean="0">
+              <a:rPr lang="en-US" sz="1800" kern="0" dirty="0">
                 <a:ea typeface="Arial Unicode MS" pitchFamily="34" charset="-128"/>
                 <a:cs typeface="Arial Unicode MS" pitchFamily="34" charset="-128"/>
               </a:rPr>
               <a:t> function in a view’s controller</a:t>
             </a:r>
             <a:br>
-              <a:rPr lang="en-US" sz="1800" kern="0" dirty="0" smtClean="0">
+              <a:rPr lang="en-US" sz="1800" kern="0" dirty="0">
                 <a:ea typeface="Arial Unicode MS" pitchFamily="34" charset="-128"/>
                 <a:cs typeface="Arial Unicode MS" pitchFamily="34" charset="-128"/>
               </a:rPr>
             </a:br>
             <a:r>
-              <a:rPr lang="en-US" sz="1800" kern="0" dirty="0" smtClean="0">
+              <a:rPr lang="en-US" sz="1800" kern="0" dirty="0">
                 <a:ea typeface="Arial Unicode MS" pitchFamily="34" charset="-128"/>
                 <a:cs typeface="Arial Unicode MS" pitchFamily="34" charset="-128"/>
               </a:rPr>
               <a:t>retrieves a reference to the router</a:t>
             </a:r>
             <a:br>
-              <a:rPr lang="en-US" sz="1800" kern="0" dirty="0" smtClean="0">
+              <a:rPr lang="en-US" sz="1800" kern="0" dirty="0">
                 <a:ea typeface="Arial Unicode MS" pitchFamily="34" charset="-128"/>
                 <a:cs typeface="Arial Unicode MS" pitchFamily="34" charset="-128"/>
               </a:rPr>
             </a:br>
             <a:r>
-              <a:rPr lang="en-US" sz="1800" kern="0" dirty="0" smtClean="0">
+              <a:rPr lang="en-US" sz="1800" kern="0" dirty="0">
                 <a:ea typeface="Arial Unicode MS" pitchFamily="34" charset="-128"/>
                 <a:cs typeface="Arial Unicode MS" pitchFamily="34" charset="-128"/>
               </a:rPr>
               <a:t>object created in the Component.js</a:t>
             </a:r>
             <a:br>
-              <a:rPr lang="en-US" sz="1800" kern="0" dirty="0" smtClean="0">
+              <a:rPr lang="en-US" sz="1800" kern="0" dirty="0">
                 <a:ea typeface="Arial Unicode MS" pitchFamily="34" charset="-128"/>
                 <a:cs typeface="Arial Unicode MS" pitchFamily="34" charset="-128"/>
               </a:rPr>
             </a:br>
             <a:r>
-              <a:rPr lang="en-US" sz="1800" kern="0" dirty="0" smtClean="0">
+              <a:rPr lang="en-US" sz="1800" kern="0" dirty="0">
                 <a:ea typeface="Arial Unicode MS" pitchFamily="34" charset="-128"/>
                 <a:cs typeface="Arial Unicode MS" pitchFamily="34" charset="-128"/>
               </a:rPr>
               <a:t>file.  The </a:t>
             </a:r>
             <a:r>
-              <a:rPr lang="en-US" sz="1800" i="1" kern="0" dirty="0" smtClean="0">
+              <a:rPr lang="en-US" sz="1800" i="1" kern="0" dirty="0">
                 <a:ea typeface="Arial Unicode MS" pitchFamily="34" charset="-128"/>
                 <a:cs typeface="Arial Unicode MS" pitchFamily="34" charset="-128"/>
               </a:rPr>
               <a:t>this</a:t>
             </a:r>
             <a:r>
-              <a:rPr lang="en-US" sz="1800" kern="0" dirty="0" smtClean="0">
+              <a:rPr lang="en-US" sz="1800" kern="0" dirty="0">
                 <a:ea typeface="Arial Unicode MS" pitchFamily="34" charset="-128"/>
                 <a:cs typeface="Arial Unicode MS" pitchFamily="34" charset="-128"/>
               </a:rPr>
               <a:t> refers to the controller.</a:t>
             </a:r>
             <a:br>
-              <a:rPr lang="en-US" sz="1800" kern="0" dirty="0" smtClean="0">
+              <a:rPr lang="en-US" sz="1800" kern="0" dirty="0">
                 <a:ea typeface="Arial Unicode MS" pitchFamily="34" charset="-128"/>
                 <a:cs typeface="Arial Unicode MS" pitchFamily="34" charset="-128"/>
               </a:rPr>
             </a:br>
             <a:r>
-              <a:rPr lang="en-US" sz="1800" kern="0" dirty="0" smtClean="0">
+              <a:rPr lang="en-US" sz="1800" kern="0" dirty="0">
                 <a:ea typeface="Arial Unicode MS" pitchFamily="34" charset="-128"/>
                 <a:cs typeface="Arial Unicode MS" pitchFamily="34" charset="-128"/>
               </a:rPr>
               <a:t>Prefacing the router variable with this</a:t>
             </a:r>
             <a:br>
-              <a:rPr lang="en-US" sz="1800" kern="0" dirty="0" smtClean="0">
+              <a:rPr lang="en-US" sz="1800" kern="0" dirty="0">
                 <a:ea typeface="Arial Unicode MS" pitchFamily="34" charset="-128"/>
                 <a:cs typeface="Arial Unicode MS" pitchFamily="34" charset="-128"/>
               </a:rPr>
             </a:br>
             <a:r>
-              <a:rPr lang="en-US" sz="1800" kern="0" dirty="0" smtClean="0">
+              <a:rPr lang="en-US" sz="1800" kern="0" dirty="0">
                 <a:ea typeface="Arial Unicode MS" pitchFamily="34" charset="-128"/>
                 <a:cs typeface="Arial Unicode MS" pitchFamily="34" charset="-128"/>
               </a:rPr>
               <a:t>means it can be accessed from any</a:t>
             </a:r>
             <a:br>
-              <a:rPr lang="en-US" sz="1800" kern="0" dirty="0" smtClean="0">
+              <a:rPr lang="en-US" sz="1800" kern="0" dirty="0">
                 <a:ea typeface="Arial Unicode MS" pitchFamily="34" charset="-128"/>
                 <a:cs typeface="Arial Unicode MS" pitchFamily="34" charset="-128"/>
               </a:rPr>
             </a:br>
             <a:r>
-              <a:rPr lang="en-US" sz="1800" kern="0" dirty="0" smtClean="0">
+              <a:rPr lang="en-US" sz="1800" kern="0" dirty="0">
                 <a:ea typeface="Arial Unicode MS" pitchFamily="34" charset="-128"/>
                 <a:cs typeface="Arial Unicode MS" pitchFamily="34" charset="-128"/>
               </a:rPr>
@@ -11393,109 +10524,105 @@
               <a:buSzPct val="80000"/>
             </a:pPr>
             <a:r>
-              <a:rPr lang="en-US" sz="1800" kern="0" dirty="0" smtClean="0">
+              <a:rPr lang="en-US" sz="1800" kern="0" dirty="0">
                 <a:ea typeface="Arial Unicode MS" pitchFamily="34" charset="-128"/>
                 <a:cs typeface="Arial Unicode MS" pitchFamily="34" charset="-128"/>
               </a:rPr>
               <a:t>The </a:t>
             </a:r>
             <a:r>
-              <a:rPr lang="en-US" sz="1800" kern="0" dirty="0" err="1" smtClean="0">
+              <a:rPr lang="en-US" sz="1800" kern="0" dirty="0" err="1">
                 <a:ea typeface="Arial Unicode MS" pitchFamily="34" charset="-128"/>
                 <a:cs typeface="Arial Unicode MS" pitchFamily="34" charset="-128"/>
               </a:rPr>
               <a:t>navTo</a:t>
             </a:r>
             <a:r>
-              <a:rPr lang="en-US" sz="1800" kern="0" dirty="0" smtClean="0">
+              <a:rPr lang="en-US" sz="1800" kern="0" dirty="0">
                 <a:ea typeface="Arial Unicode MS" pitchFamily="34" charset="-128"/>
                 <a:cs typeface="Arial Unicode MS" pitchFamily="34" charset="-128"/>
               </a:rPr>
               <a:t> method of </a:t>
             </a:r>
             <a:r>
-              <a:rPr lang="en-US" sz="1800" kern="0" dirty="0" err="1" smtClean="0">
+              <a:rPr lang="en-US" sz="1800" kern="0" dirty="0" err="1">
                 <a:ea typeface="Arial Unicode MS" pitchFamily="34" charset="-128"/>
                 <a:cs typeface="Arial Unicode MS" pitchFamily="34" charset="-128"/>
               </a:rPr>
               <a:t>this.router</a:t>
             </a:r>
             <a:r>
-              <a:rPr lang="en-US" sz="1800" kern="0" dirty="0" smtClean="0">
+              <a:rPr lang="en-US" sz="1800" kern="0" dirty="0">
                 <a:ea typeface="Arial Unicode MS" pitchFamily="34" charset="-128"/>
                 <a:cs typeface="Arial Unicode MS" pitchFamily="34" charset="-128"/>
               </a:rPr>
               <a:t> object</a:t>
             </a:r>
             <a:br>
-              <a:rPr lang="en-US" sz="1800" kern="0" dirty="0" smtClean="0">
+              <a:rPr lang="en-US" sz="1800" kern="0" dirty="0">
                 <a:ea typeface="Arial Unicode MS" pitchFamily="34" charset="-128"/>
                 <a:cs typeface="Arial Unicode MS" pitchFamily="34" charset="-128"/>
               </a:rPr>
             </a:br>
             <a:r>
-              <a:rPr lang="en-US" sz="1800" kern="0" dirty="0" smtClean="0">
+              <a:rPr lang="en-US" sz="1800" kern="0" dirty="0">
                 <a:ea typeface="Arial Unicode MS" pitchFamily="34" charset="-128"/>
                 <a:cs typeface="Arial Unicode MS" pitchFamily="34" charset="-128"/>
               </a:rPr>
               <a:t>is used to trigger a navigation.</a:t>
             </a:r>
             <a:br>
-              <a:rPr lang="en-US" sz="1800" kern="0" dirty="0" smtClean="0">
+              <a:rPr lang="en-US" sz="1800" kern="0" dirty="0">
                 <a:ea typeface="Arial Unicode MS" pitchFamily="34" charset="-128"/>
                 <a:cs typeface="Arial Unicode MS" pitchFamily="34" charset="-128"/>
               </a:rPr>
             </a:br>
             <a:r>
-              <a:rPr lang="en-US" sz="1800" kern="0" dirty="0" smtClean="0">
+              <a:rPr lang="en-US" sz="1800" kern="0" dirty="0">
                 <a:ea typeface="Arial Unicode MS" pitchFamily="34" charset="-128"/>
                 <a:cs typeface="Arial Unicode MS" pitchFamily="34" charset="-128"/>
               </a:rPr>
               <a:t>Detail1 is the name of the route.  The</a:t>
             </a:r>
             <a:br>
-              <a:rPr lang="en-US" sz="1800" kern="0" dirty="0" smtClean="0">
+              <a:rPr lang="en-US" sz="1800" kern="0" dirty="0">
                 <a:ea typeface="Arial Unicode MS" pitchFamily="34" charset="-128"/>
                 <a:cs typeface="Arial Unicode MS" pitchFamily="34" charset="-128"/>
               </a:rPr>
             </a:br>
             <a:r>
-              <a:rPr lang="en-US" sz="1800" kern="0" dirty="0" smtClean="0">
+              <a:rPr lang="en-US" sz="1800" kern="0" dirty="0">
                 <a:ea typeface="Arial Unicode MS" pitchFamily="34" charset="-128"/>
                 <a:cs typeface="Arial Unicode MS" pitchFamily="34" charset="-128"/>
               </a:rPr>
               <a:t>from property is not required but could</a:t>
             </a:r>
             <a:br>
-              <a:rPr lang="en-US" sz="1800" kern="0" dirty="0" smtClean="0">
+              <a:rPr lang="en-US" sz="1800" kern="0" dirty="0">
                 <a:ea typeface="Arial Unicode MS" pitchFamily="34" charset="-128"/>
                 <a:cs typeface="Arial Unicode MS" pitchFamily="34" charset="-128"/>
               </a:rPr>
             </a:br>
             <a:r>
-              <a:rPr lang="en-US" sz="1800" kern="0" dirty="0" smtClean="0">
+              <a:rPr lang="en-US" sz="1800" kern="0" dirty="0">
                 <a:ea typeface="Arial Unicode MS" pitchFamily="34" charset="-128"/>
                 <a:cs typeface="Arial Unicode MS" pitchFamily="34" charset="-128"/>
               </a:rPr>
               <a:t>be accessed by the target view. This</a:t>
             </a:r>
             <a:br>
-              <a:rPr lang="en-US" sz="1800" kern="0" dirty="0" smtClean="0">
+              <a:rPr lang="en-US" sz="1800" kern="0" dirty="0">
                 <a:ea typeface="Arial Unicode MS" pitchFamily="34" charset="-128"/>
                 <a:cs typeface="Arial Unicode MS" pitchFamily="34" charset="-128"/>
               </a:rPr>
             </a:br>
             <a:r>
-              <a:rPr lang="en-US" sz="1800" kern="0" dirty="0" smtClean="0">
+              <a:rPr lang="en-US" sz="1800" kern="0" dirty="0">
                 <a:ea typeface="Arial Unicode MS" pitchFamily="34" charset="-128"/>
                 <a:cs typeface="Arial Unicode MS" pitchFamily="34" charset="-128"/>
               </a:rPr>
               <a:t>could be written as:</a:t>
             </a:r>
-            <a:endParaRPr lang="en-US" sz="1800" kern="0" dirty="0">
-              <a:ea typeface="Arial Unicode MS" pitchFamily="34" charset="-128"/>
-              <a:cs typeface="Arial Unicode MS" pitchFamily="34" charset="-128"/>
-            </a:endParaRPr>
           </a:p>
           <a:p>
             <a:pPr fontAlgn="base">
@@ -11511,21 +10638,21 @@
               <a:buSzPct val="80000"/>
             </a:pPr>
             <a:r>
-              <a:rPr lang="en-US" sz="1800" kern="0" dirty="0" smtClean="0">
+              <a:rPr lang="en-US" sz="1800" kern="0" dirty="0">
                 <a:ea typeface="Arial Unicode MS" pitchFamily="34" charset="-128"/>
                 <a:cs typeface="Arial Unicode MS" pitchFamily="34" charset="-128"/>
               </a:rPr>
               <a:t>     </a:t>
             </a:r>
             <a:r>
-              <a:rPr lang="en-US" sz="1800" kern="0" dirty="0" err="1" smtClean="0">
+              <a:rPr lang="en-US" sz="1800" kern="0" dirty="0" err="1">
                 <a:ea typeface="Arial Unicode MS" pitchFamily="34" charset="-128"/>
                 <a:cs typeface="Arial Unicode MS" pitchFamily="34" charset="-128"/>
               </a:rPr>
               <a:t>this.router.navTo</a:t>
             </a:r>
             <a:r>
-              <a:rPr lang="en-US" sz="1800" kern="0" dirty="0" smtClean="0">
+              <a:rPr lang="en-US" sz="1800" kern="0" dirty="0">
                 <a:ea typeface="Arial Unicode MS" pitchFamily="34" charset="-128"/>
                 <a:cs typeface="Arial Unicode MS" pitchFamily="34" charset="-128"/>
               </a:rPr>
@@ -11580,17 +10707,10 @@
   <p:clrMapOvr>
     <a:masterClrMapping/>
   </p:clrMapOvr>
-  <p:timing>
-    <p:tnLst>
-      <p:par>
-        <p:cTn id="1" dur="indefinite" restart="never" nodeType="tmRoot"/>
-      </p:par>
-    </p:tnLst>
-  </p:timing>
 </p:sld>
 </file>
 
-<file path=ppt/slides/slide12.xml><?xml version="1.0" encoding="utf-8"?>
+<file path=ppt/slides/slide11.xml><?xml version="1.0" encoding="utf-8"?>
 <p:sld xmlns:a="http://schemas.openxmlformats.org/drawingml/2006/main" xmlns:r="http://schemas.openxmlformats.org/officeDocument/2006/relationships" xmlns:p="http://schemas.openxmlformats.org/presentationml/2006/main">
   <p:cSld>
     <p:spTree>
@@ -11623,10 +10743,9 @@
           <a:lstStyle/>
           <a:p>
             <a:r>
-              <a:rPr lang="en-US" dirty="0" smtClean="0"/>
+              <a:rPr lang="en-US" dirty="0"/>
               <a:t>Initiating Routing with a Parameter</a:t>
             </a:r>
-            <a:endParaRPr lang="en-US" dirty="0"/>
           </a:p>
         </p:txBody>
       </p:sp>
@@ -11639,7 +10758,7 @@
         <p:spPr>
           <a:xfrm>
             <a:off x="4161210" y="3721531"/>
-            <a:ext cx="7421189" cy="2246769"/>
+            <a:ext cx="7421189" cy="2554545"/>
           </a:xfrm>
           <a:prstGeom prst="rect">
             <a:avLst/>
@@ -11666,53 +10785,41 @@
             </a:r>
             <a:r>
               <a:rPr lang="en-US" sz="2000" dirty="0" err="1"/>
-              <a:t>oItem</a:t>
+              <a:t>oEvent</a:t>
             </a:r>
             <a:r>
               <a:rPr lang="en-US" sz="2000" dirty="0"/>
-              <a:t>) </a:t>
-            </a:r>
-            <a:r>
-              <a:rPr lang="en-US" sz="2000" dirty="0" smtClean="0"/>
-              <a:t>{</a:t>
+              <a:t>) {</a:t>
             </a:r>
           </a:p>
           <a:p>
             <a:r>
               <a:rPr lang="en-US" sz="2000" dirty="0"/>
-              <a:t> </a:t>
-            </a:r>
-            <a:r>
-              <a:rPr lang="en-US" sz="2000" dirty="0" smtClean="0"/>
-              <a:t>   </a:t>
-            </a:r>
-            <a:r>
-              <a:rPr lang="en-US" sz="2000" dirty="0" err="1" smtClean="0"/>
+              <a:t>	</a:t>
+            </a:r>
+            <a:r>
+              <a:rPr lang="en-US" sz="2000" dirty="0" err="1"/>
               <a:t>var</a:t>
             </a:r>
             <a:r>
-              <a:rPr lang="en-US" sz="2000" dirty="0" smtClean="0"/>
-              <a:t> </a:t>
-            </a:r>
-            <a:r>
               <a:rPr lang="en-US" sz="2000" dirty="0"/>
-              <a:t>entity = </a:t>
+              <a:t> entity =  </a:t>
             </a:r>
             <a:r>
               <a:rPr lang="en-US" sz="2000" dirty="0" err="1"/>
-              <a:t>oItem.getBindingContext</a:t>
+              <a:t>oEvent.getSource</a:t>
             </a:r>
             <a:r>
               <a:rPr lang="en-US" sz="2000" dirty="0"/>
-              <a:t>("</a:t>
+              <a:t>().</a:t>
             </a:r>
             <a:r>
               <a:rPr lang="en-US" sz="2000" dirty="0" err="1"/>
-              <a:t>gbi</a:t>
+              <a:t>getBindingContext</a:t>
             </a:r>
             <a:r>
               <a:rPr lang="en-US" sz="2000" dirty="0"/>
-              <a:t>").</a:t>
+              <a:t>().</a:t>
             </a:r>
             <a:r>
               <a:rPr lang="en-US" sz="2000" dirty="0" err="1"/>
@@ -11720,53 +10827,38 @@
             </a:r>
             <a:r>
               <a:rPr lang="en-US" sz="2000" dirty="0"/>
-              <a:t>().split("'");</a:t>
-            </a:r>
-          </a:p>
-          <a:p>
+              <a:t>().split("/"); </a:t>
+            </a:r>
+            <a:br>
+              <a:rPr lang="en-US" sz="2000" dirty="0"/>
+            </a:br>
             <a:endParaRPr lang="en-US" sz="2000" dirty="0"/>
           </a:p>
           <a:p>
             <a:r>
-              <a:rPr lang="en-US" sz="2000" dirty="0" smtClean="0"/>
-              <a:t>    </a:t>
-            </a:r>
-            <a:r>
-              <a:rPr lang="en-US" sz="2000" dirty="0" err="1" smtClean="0"/>
+              <a:rPr lang="en-US" sz="2000" dirty="0"/>
+              <a:t>       	</a:t>
+            </a:r>
+            <a:r>
+              <a:rPr lang="en-US" sz="2000" dirty="0" err="1"/>
               <a:t>this.router.navTo</a:t>
             </a:r>
             <a:r>
               <a:rPr lang="en-US" sz="2000" dirty="0"/>
-              <a:t>("</a:t>
-            </a:r>
-            <a:r>
-              <a:rPr lang="en-US" sz="2000" dirty="0" smtClean="0"/>
-              <a:t>Detail1", </a:t>
-            </a:r>
+              <a:t>("Detail1", {        				parameter: entity[2]</a:t>
+            </a:r>
+          </a:p>
+          <a:p>
             <a:r>
               <a:rPr lang="en-US" sz="2000" dirty="0"/>
-              <a:t>{</a:t>
+              <a:t>        	});</a:t>
             </a:r>
           </a:p>
           <a:p>
             <a:r>
               <a:rPr lang="en-US" sz="2000" dirty="0"/>
-              <a:t>	entity: entity[1]</a:t>
-            </a:r>
-          </a:p>
-          <a:p>
-            <a:r>
-              <a:rPr lang="en-US" sz="2000" dirty="0" smtClean="0"/>
-              <a:t>    });</a:t>
-            </a:r>
-            <a:endParaRPr lang="en-US" sz="2000" dirty="0"/>
-          </a:p>
-          <a:p>
-            <a:r>
-              <a:rPr lang="en-US" sz="2000" dirty="0" smtClean="0"/>
               <a:t>}</a:t>
             </a:r>
-            <a:endParaRPr lang="en-US" sz="2000" dirty="0"/>
           </a:p>
         </p:txBody>
       </p:sp>
@@ -11805,20 +10897,20 @@
               <a:buSzPct val="80000"/>
             </a:pPr>
             <a:r>
-              <a:rPr lang="en-US" sz="1800" kern="0" dirty="0" smtClean="0">
+              <a:rPr lang="en-US" sz="1800" kern="0" dirty="0">
                 <a:ea typeface="Arial Unicode MS" pitchFamily="34" charset="-128"/>
                 <a:cs typeface="Arial Unicode MS" pitchFamily="34" charset="-128"/>
               </a:rPr>
               <a:t>Often when a user clicks an item on a list (for example) we want to pass the some information about the clicked</a:t>
             </a:r>
             <a:br>
-              <a:rPr lang="en-US" sz="1800" kern="0" dirty="0" smtClean="0">
+              <a:rPr lang="en-US" sz="1800" kern="0" dirty="0">
                 <a:ea typeface="Arial Unicode MS" pitchFamily="34" charset="-128"/>
                 <a:cs typeface="Arial Unicode MS" pitchFamily="34" charset="-128"/>
               </a:rPr>
             </a:br>
             <a:r>
-              <a:rPr lang="en-US" sz="1800" kern="0" dirty="0" smtClean="0">
+              <a:rPr lang="en-US" sz="1800" kern="0" dirty="0">
                 <a:ea typeface="Arial Unicode MS" pitchFamily="34" charset="-128"/>
                 <a:cs typeface="Arial Unicode MS" pitchFamily="34" charset="-128"/>
               </a:rPr>
@@ -11862,20 +10954,20 @@
               <a:buSzPct val="80000"/>
             </a:pPr>
             <a:r>
-              <a:rPr lang="en-US" sz="1800" kern="0" dirty="0" smtClean="0">
+              <a:rPr lang="en-US" sz="1800" kern="0" dirty="0">
                 <a:ea typeface="Arial Unicode MS" pitchFamily="34" charset="-128"/>
                 <a:cs typeface="Arial Unicode MS" pitchFamily="34" charset="-128"/>
               </a:rPr>
               <a:t>Object with information about the item that</a:t>
             </a:r>
             <a:br>
-              <a:rPr lang="en-US" sz="1800" kern="0" dirty="0" smtClean="0">
+              <a:rPr lang="en-US" sz="1800" kern="0" dirty="0">
                 <a:ea typeface="Arial Unicode MS" pitchFamily="34" charset="-128"/>
                 <a:cs typeface="Arial Unicode MS" pitchFamily="34" charset="-128"/>
               </a:rPr>
             </a:br>
             <a:r>
-              <a:rPr lang="en-US" sz="1800" kern="0" dirty="0" smtClean="0">
+              <a:rPr lang="en-US" sz="1800" kern="0" dirty="0">
                 <a:ea typeface="Arial Unicode MS" pitchFamily="34" charset="-128"/>
                 <a:cs typeface="Arial Unicode MS" pitchFamily="34" charset="-128"/>
               </a:rPr>
@@ -11975,14 +11067,14 @@
               <a:t>getPath</a:t>
             </a:r>
             <a:r>
-              <a:rPr lang="en-US" sz="1800" dirty="0" smtClean="0"/>
+              <a:rPr lang="en-US" sz="1800" dirty="0"/>
               <a:t>() retrieves the path</a:t>
             </a:r>
             <a:br>
-              <a:rPr lang="en-US" sz="1800" dirty="0" smtClean="0"/>
+              <a:rPr lang="en-US" sz="1800" dirty="0"/>
             </a:br>
             <a:r>
-              <a:rPr lang="en-US" sz="1800" dirty="0" smtClean="0"/>
+              <a:rPr lang="en-US" sz="1800" dirty="0"/>
               <a:t>to the data that is bound to the list item.  For example,</a:t>
             </a:r>
           </a:p>
@@ -12000,11 +11092,11 @@
               <a:buSzPct val="80000"/>
             </a:pPr>
             <a:r>
-              <a:rPr lang="en-US" sz="1800" kern="0" dirty="0" smtClean="0">
-                <a:ea typeface="Arial Unicode MS" pitchFamily="34" charset="-128"/>
-                <a:cs typeface="Arial Unicode MS" pitchFamily="34" charset="-128"/>
-              </a:rPr>
-              <a:t>/Products(‘DXTR1100’)</a:t>
+              <a:rPr lang="en-US" sz="2000" kern="0" dirty="0">
+                <a:ea typeface="Arial Unicode MS" pitchFamily="34" charset="-128"/>
+                <a:cs typeface="Arial Unicode MS" pitchFamily="34" charset="-128"/>
+              </a:rPr>
+              <a:t>/collection/0</a:t>
             </a:r>
           </a:p>
           <a:p>
@@ -12043,49 +11135,42 @@
                 <a:ea typeface="Arial Unicode MS" pitchFamily="34" charset="-128"/>
                 <a:cs typeface="Arial Unicode MS" pitchFamily="34" charset="-128"/>
               </a:rPr>
-              <a:t>s</a:t>
-            </a:r>
-            <a:r>
-              <a:rPr lang="en-US" sz="1800" kern="0" dirty="0" smtClean="0">
-                <a:ea typeface="Arial Unicode MS" pitchFamily="34" charset="-128"/>
-                <a:cs typeface="Arial Unicode MS" pitchFamily="34" charset="-128"/>
-              </a:rPr>
-              <a:t>plit() is a JavaScript function that</a:t>
+              <a:t>split() is a JavaScript function that</a:t>
             </a:r>
             <a:br>
-              <a:rPr lang="en-US" sz="1800" kern="0" dirty="0" smtClean="0">
+              <a:rPr lang="en-US" sz="1800" kern="0" dirty="0">
                 <a:ea typeface="Arial Unicode MS" pitchFamily="34" charset="-128"/>
                 <a:cs typeface="Arial Unicode MS" pitchFamily="34" charset="-128"/>
               </a:rPr>
             </a:br>
             <a:r>
-              <a:rPr lang="en-US" sz="1800" kern="0" dirty="0" smtClean="0">
+              <a:rPr lang="en-US" sz="1800" kern="0" dirty="0">
                 <a:ea typeface="Arial Unicode MS" pitchFamily="34" charset="-128"/>
                 <a:cs typeface="Arial Unicode MS" pitchFamily="34" charset="-128"/>
               </a:rPr>
               <a:t>splits a string on the provided </a:t>
             </a:r>
             <a:br>
-              <a:rPr lang="en-US" sz="1800" kern="0" dirty="0" smtClean="0">
+              <a:rPr lang="en-US" sz="1800" kern="0" dirty="0">
                 <a:ea typeface="Arial Unicode MS" pitchFamily="34" charset="-128"/>
                 <a:cs typeface="Arial Unicode MS" pitchFamily="34" charset="-128"/>
               </a:rPr>
             </a:br>
             <a:r>
-              <a:rPr lang="en-US" sz="1800" kern="0" dirty="0" smtClean="0">
+              <a:rPr lang="en-US" sz="1800" kern="0" dirty="0">
                 <a:ea typeface="Arial Unicode MS" pitchFamily="34" charset="-128"/>
                 <a:cs typeface="Arial Unicode MS" pitchFamily="34" charset="-128"/>
               </a:rPr>
               <a:t>character and places the parts into</a:t>
             </a:r>
             <a:br>
-              <a:rPr lang="en-US" sz="1800" kern="0" dirty="0" smtClean="0">
+              <a:rPr lang="en-US" sz="1800" kern="0" dirty="0">
                 <a:ea typeface="Arial Unicode MS" pitchFamily="34" charset="-128"/>
                 <a:cs typeface="Arial Unicode MS" pitchFamily="34" charset="-128"/>
               </a:rPr>
             </a:br>
             <a:r>
-              <a:rPr lang="en-US" sz="1800" kern="0" dirty="0" smtClean="0">
+              <a:rPr lang="en-US" sz="1800" kern="0" dirty="0">
                 <a:ea typeface="Arial Unicode MS" pitchFamily="34" charset="-128"/>
                 <a:cs typeface="Arial Unicode MS" pitchFamily="34" charset="-128"/>
               </a:rPr>
@@ -12124,33 +11209,33 @@
               <a:buSzPct val="80000"/>
             </a:pPr>
             <a:r>
-              <a:rPr lang="en-US" sz="1800" kern="0" dirty="0" smtClean="0">
+              <a:rPr lang="en-US" sz="1800" kern="0" dirty="0">
                 <a:ea typeface="Arial Unicode MS" pitchFamily="34" charset="-128"/>
                 <a:cs typeface="Arial Unicode MS" pitchFamily="34" charset="-128"/>
               </a:rPr>
               <a:t>The result is that the value in single</a:t>
             </a:r>
             <a:br>
-              <a:rPr lang="en-US" sz="1800" kern="0" dirty="0" smtClean="0">
+              <a:rPr lang="en-US" sz="1800" kern="0" dirty="0">
                 <a:ea typeface="Arial Unicode MS" pitchFamily="34" charset="-128"/>
                 <a:cs typeface="Arial Unicode MS" pitchFamily="34" charset="-128"/>
               </a:rPr>
             </a:br>
             <a:r>
-              <a:rPr lang="en-US" sz="1800" kern="0" dirty="0" smtClean="0">
+              <a:rPr lang="en-US" sz="1800" kern="0" dirty="0">
                 <a:ea typeface="Arial Unicode MS" pitchFamily="34" charset="-128"/>
                 <a:cs typeface="Arial Unicode MS" pitchFamily="34" charset="-128"/>
               </a:rPr>
               <a:t>quotes is passed as a parameter</a:t>
             </a:r>
             <a:br>
-              <a:rPr lang="en-US" sz="1800" kern="0" dirty="0" smtClean="0">
+              <a:rPr lang="en-US" sz="1800" kern="0" dirty="0">
                 <a:ea typeface="Arial Unicode MS" pitchFamily="34" charset="-128"/>
                 <a:cs typeface="Arial Unicode MS" pitchFamily="34" charset="-128"/>
               </a:rPr>
             </a:br>
             <a:r>
-              <a:rPr lang="en-US" sz="1800" kern="0" dirty="0" smtClean="0">
+              <a:rPr lang="en-US" sz="1800" kern="0" dirty="0">
                 <a:ea typeface="Arial Unicode MS" pitchFamily="34" charset="-128"/>
                 <a:cs typeface="Arial Unicode MS" pitchFamily="34" charset="-128"/>
               </a:rPr>
@@ -12169,17 +11254,10 @@
   <p:clrMapOvr>
     <a:masterClrMapping/>
   </p:clrMapOvr>
-  <p:timing>
-    <p:tnLst>
-      <p:par>
-        <p:cTn id="1" dur="indefinite" restart="never" nodeType="tmRoot"/>
-      </p:par>
-    </p:tnLst>
-  </p:timing>
 </p:sld>
 </file>
 
-<file path=ppt/slides/slide13.xml><?xml version="1.0" encoding="utf-8"?>
+<file path=ppt/slides/slide12.xml><?xml version="1.0" encoding="utf-8"?>
 <p:sld xmlns:a="http://schemas.openxmlformats.org/drawingml/2006/main" xmlns:r="http://schemas.openxmlformats.org/officeDocument/2006/relationships" xmlns:p="http://schemas.openxmlformats.org/presentationml/2006/main">
   <p:cSld>
     <p:spTree>
@@ -12213,13 +11291,8 @@
           <a:p>
             <a:r>
               <a:rPr lang="en-US" dirty="0"/>
-              <a:t>Initiating Routing with a </a:t>
-            </a:r>
-            <a:r>
-              <a:rPr lang="en-US" dirty="0" smtClean="0"/>
-              <a:t>Parameter (continued)</a:t>
-            </a:r>
-            <a:endParaRPr lang="en-US" dirty="0"/>
+              <a:t>Initiating Routing with a Parameter (continued)</a:t>
+            </a:r>
           </a:p>
         </p:txBody>
       </p:sp>
@@ -12232,7 +11305,7 @@
         <p:spPr>
           <a:xfrm>
             <a:off x="629118" y="3445657"/>
-            <a:ext cx="6096000" cy="2308324"/>
+            <a:ext cx="6096000" cy="1754326"/>
           </a:xfrm>
           <a:prstGeom prst="rect">
             <a:avLst/>
@@ -12250,52 +11323,14 @@
           <a:lstStyle/>
           <a:p>
             <a:r>
-              <a:rPr lang="en-US" sz="1800" dirty="0" err="1"/>
-              <a:t>subroutes</a:t>
-            </a:r>
-            <a:r>
               <a:rPr lang="en-US" sz="1800" dirty="0"/>
-              <a:t> : [</a:t>
+              <a:t>{</a:t>
             </a:r>
           </a:p>
           <a:p>
             <a:r>
               <a:rPr lang="en-US" sz="1800" dirty="0"/>
-              <a:t>	       {</a:t>
-            </a:r>
-          </a:p>
-          <a:p>
-            <a:r>
-              <a:rPr lang="en-US" sz="1800" dirty="0"/>
-              <a:t>    	                pattern : "Products/{entity}",</a:t>
-            </a:r>
-          </a:p>
-          <a:p>
-            <a:r>
-              <a:rPr lang="en-US" sz="1800" dirty="0"/>
-              <a:t>    	                name : "</a:t>
-            </a:r>
-            <a:r>
-              <a:rPr lang="en-US" sz="1800" dirty="0" smtClean="0"/>
-              <a:t>Detail1",</a:t>
-            </a:r>
-            <a:endParaRPr lang="en-US" sz="1800" dirty="0"/>
-          </a:p>
-          <a:p>
-            <a:r>
-              <a:rPr lang="en-US" sz="1800" dirty="0"/>
-              <a:t>    	                view : "</a:t>
-            </a:r>
-            <a:r>
-              <a:rPr lang="en-US" sz="1800" dirty="0" smtClean="0"/>
-              <a:t>Detail1",</a:t>
-            </a:r>
-            <a:endParaRPr lang="en-US" sz="1800" dirty="0"/>
-          </a:p>
-          <a:p>
-            <a:r>
-              <a:rPr lang="en-US" sz="1800" dirty="0"/>
-              <a:t>    	                </a:t>
+              <a:t>               	     pattern: "Detail1/{parameter}",                	     name: "Detail1",                		   	      view: "Detail1",                		  	      </a:t>
             </a:r>
             <a:r>
               <a:rPr lang="en-US" sz="1800" dirty="0" err="1"/>
@@ -12303,7 +11338,7 @@
             </a:r>
             <a:r>
               <a:rPr lang="en-US" sz="1800" dirty="0"/>
-              <a:t> : "</a:t>
+              <a:t>: "</a:t>
             </a:r>
             <a:r>
               <a:rPr lang="en-US" sz="1800" dirty="0" err="1"/>
@@ -12311,19 +11346,7 @@
             </a:r>
             <a:r>
               <a:rPr lang="en-US" sz="1800" dirty="0"/>
-              <a:t>"</a:t>
-            </a:r>
-          </a:p>
-          <a:p>
-            <a:r>
-              <a:rPr lang="en-US" sz="1800" dirty="0"/>
-              <a:t>	        }</a:t>
-            </a:r>
-          </a:p>
-          <a:p>
-            <a:r>
-              <a:rPr lang="en-US" sz="1800" dirty="0"/>
-              <a:t>	]</a:t>
+              <a:t>"                    	}</a:t>
             </a:r>
           </a:p>
         </p:txBody>
@@ -12363,20 +11386,20 @@
               <a:buSzPct val="80000"/>
             </a:pPr>
             <a:r>
-              <a:rPr lang="en-US" sz="1800" kern="0" dirty="0" smtClean="0">
+              <a:rPr lang="en-US" sz="1800" kern="0" dirty="0">
                 <a:ea typeface="Arial Unicode MS" pitchFamily="34" charset="-128"/>
                 <a:cs typeface="Arial Unicode MS" pitchFamily="34" charset="-128"/>
               </a:rPr>
               <a:t>The entity parameter is indicated in the route definition</a:t>
             </a:r>
             <a:br>
-              <a:rPr lang="en-US" sz="1800" kern="0" dirty="0" smtClean="0">
+              <a:rPr lang="en-US" sz="1800" kern="0" dirty="0">
                 <a:ea typeface="Arial Unicode MS" pitchFamily="34" charset="-128"/>
                 <a:cs typeface="Arial Unicode MS" pitchFamily="34" charset="-128"/>
               </a:rPr>
             </a:br>
             <a:r>
-              <a:rPr lang="en-US" sz="1800" kern="0" dirty="0" smtClean="0">
+              <a:rPr lang="en-US" sz="1800" kern="0" dirty="0">
                 <a:ea typeface="Arial Unicode MS" pitchFamily="34" charset="-128"/>
                 <a:cs typeface="Arial Unicode MS" pitchFamily="34" charset="-128"/>
               </a:rPr>
@@ -12421,30 +11444,6 @@
           </a:fontRef>
         </p:style>
       </p:cxnSp>
-      <p:pic>
-        <p:nvPicPr>
-          <p:cNvPr id="7" name="Picture 6"/>
-          <p:cNvPicPr>
-            <a:picLocks noChangeAspect="1"/>
-          </p:cNvPicPr>
-          <p:nvPr/>
-        </p:nvPicPr>
-        <p:blipFill>
-          <a:blip r:embed="rId2"/>
-          <a:stretch>
-            <a:fillRect/>
-          </a:stretch>
-        </p:blipFill>
-        <p:spPr>
-          <a:xfrm>
-            <a:off x="6163227" y="2739724"/>
-            <a:ext cx="5857143" cy="447619"/>
-          </a:xfrm>
-          <a:prstGeom prst="rect">
-            <a:avLst/>
-          </a:prstGeom>
-        </p:spPr>
-      </p:pic>
       <p:sp>
         <p:nvSpPr>
           <p:cNvPr id="9" name="TextBox 8"/>
@@ -12480,20 +11479,20 @@
               <a:buSzPct val="80000"/>
             </a:pPr>
             <a:r>
-              <a:rPr lang="en-US" sz="1800" kern="0" dirty="0" smtClean="0">
+              <a:rPr lang="en-US" sz="1800" kern="0" dirty="0">
                 <a:ea typeface="Arial Unicode MS" pitchFamily="34" charset="-128"/>
                 <a:cs typeface="Arial Unicode MS" pitchFamily="34" charset="-128"/>
               </a:rPr>
               <a:t>The value passed in entity appears</a:t>
             </a:r>
             <a:br>
-              <a:rPr lang="en-US" sz="1800" kern="0" dirty="0" smtClean="0">
+              <a:rPr lang="en-US" sz="1800" kern="0" dirty="0">
                 <a:ea typeface="Arial Unicode MS" pitchFamily="34" charset="-128"/>
                 <a:cs typeface="Arial Unicode MS" pitchFamily="34" charset="-128"/>
               </a:rPr>
             </a:br>
             <a:r>
-              <a:rPr lang="en-US" sz="1800" kern="0" dirty="0" smtClean="0">
+              <a:rPr lang="en-US" sz="1800" kern="0" dirty="0">
                 <a:ea typeface="Arial Unicode MS" pitchFamily="34" charset="-128"/>
                 <a:cs typeface="Arial Unicode MS" pitchFamily="34" charset="-128"/>
               </a:rPr>
@@ -12538,6 +11537,30 @@
           </a:fontRef>
         </p:style>
       </p:cxnSp>
+      <p:pic>
+        <p:nvPicPr>
+          <p:cNvPr id="5" name="Picture 4"/>
+          <p:cNvPicPr>
+            <a:picLocks noChangeAspect="1"/>
+          </p:cNvPicPr>
+          <p:nvPr/>
+        </p:nvPicPr>
+        <p:blipFill>
+          <a:blip r:embed="rId2"/>
+          <a:stretch>
+            <a:fillRect/>
+          </a:stretch>
+        </p:blipFill>
+        <p:spPr>
+          <a:xfrm>
+            <a:off x="6440062" y="2807634"/>
+            <a:ext cx="5000625" cy="352425"/>
+          </a:xfrm>
+          <a:prstGeom prst="rect">
+            <a:avLst/>
+          </a:prstGeom>
+        </p:spPr>
+      </p:pic>
     </p:spTree>
     <p:extLst>
       <p:ext uri="{BB962C8B-B14F-4D97-AF65-F5344CB8AC3E}">
@@ -12548,17 +11571,10 @@
   <p:clrMapOvr>
     <a:masterClrMapping/>
   </p:clrMapOvr>
-  <p:timing>
-    <p:tnLst>
-      <p:par>
-        <p:cTn id="1" dur="indefinite" restart="never" nodeType="tmRoot"/>
-      </p:par>
-    </p:tnLst>
-  </p:timing>
 </p:sld>
 </file>
 
-<file path=ppt/slides/slide14.xml><?xml version="1.0" encoding="utf-8"?>
+<file path=ppt/slides/slide13.xml><?xml version="1.0" encoding="utf-8"?>
 <p:sld xmlns:a="http://schemas.openxmlformats.org/drawingml/2006/main" xmlns:r="http://schemas.openxmlformats.org/officeDocument/2006/relationships" xmlns:p="http://schemas.openxmlformats.org/presentationml/2006/main">
   <p:cSld>
     <p:spTree>
@@ -12591,10 +11607,9 @@
           <a:lstStyle/>
           <a:p>
             <a:r>
-              <a:rPr lang="en-US" dirty="0" smtClean="0"/>
+              <a:rPr lang="en-US" dirty="0"/>
               <a:t>Processing the Parameter in the Target View</a:t>
             </a:r>
-            <a:endParaRPr lang="en-US" dirty="0"/>
           </a:p>
         </p:txBody>
       </p:sp>
@@ -12695,10 +11710,9 @@
           </a:p>
           <a:p>
             <a:r>
-              <a:rPr lang="en-US" sz="1800" dirty="0" smtClean="0"/>
+              <a:rPr lang="en-US" sz="1800" dirty="0"/>
               <a:t>}</a:t>
             </a:r>
-            <a:endParaRPr lang="en-US" sz="1800" dirty="0"/>
           </a:p>
         </p:txBody>
       </p:sp>
@@ -12737,7 +11751,7 @@
               <a:buSzPct val="80000"/>
             </a:pPr>
             <a:r>
-              <a:rPr lang="en-US" sz="1800" kern="0" dirty="0" smtClean="0">
+              <a:rPr lang="en-US" sz="1800" kern="0" dirty="0">
                 <a:ea typeface="Arial Unicode MS" pitchFamily="34" charset="-128"/>
                 <a:cs typeface="Arial Unicode MS" pitchFamily="34" charset="-128"/>
               </a:rPr>
@@ -12781,7 +11795,7 @@
               <a:buSzPct val="80000"/>
             </a:pPr>
             <a:r>
-              <a:rPr lang="en-US" sz="1800" kern="0" dirty="0" smtClean="0">
+              <a:rPr lang="en-US" sz="1800" kern="0" dirty="0">
                 <a:ea typeface="Arial Unicode MS" pitchFamily="34" charset="-128"/>
                 <a:cs typeface="Arial Unicode MS" pitchFamily="34" charset="-128"/>
               </a:rPr>
@@ -12861,34 +11875,34 @@
               <a:buSzPct val="80000"/>
             </a:pPr>
             <a:r>
-              <a:rPr lang="en-US" sz="1800" kern="0" dirty="0" smtClean="0">
+              <a:rPr lang="en-US" sz="1800" kern="0" dirty="0">
                 <a:ea typeface="Arial Unicode MS" pitchFamily="34" charset="-128"/>
                 <a:cs typeface="Arial Unicode MS" pitchFamily="34" charset="-128"/>
               </a:rPr>
               <a:t>Assign the function </a:t>
             </a:r>
             <a:r>
-              <a:rPr lang="en-US" sz="1800" kern="0" dirty="0" err="1" smtClean="0">
+              <a:rPr lang="en-US" sz="1800" kern="0" dirty="0" err="1">
                 <a:ea typeface="Arial Unicode MS" pitchFamily="34" charset="-128"/>
                 <a:cs typeface="Arial Unicode MS" pitchFamily="34" charset="-128"/>
               </a:rPr>
               <a:t>onRouteMatched</a:t>
             </a:r>
             <a:r>
-              <a:rPr lang="en-US" sz="1800" kern="0" dirty="0" smtClean="0">
+              <a:rPr lang="en-US" sz="1800" kern="0" dirty="0">
                 <a:ea typeface="Arial Unicode MS" pitchFamily="34" charset="-128"/>
                 <a:cs typeface="Arial Unicode MS" pitchFamily="34" charset="-128"/>
               </a:rPr>
               <a:t> to handle the route matched</a:t>
             </a:r>
             <a:br>
-              <a:rPr lang="en-US" sz="1800" kern="0" dirty="0" smtClean="0">
+              <a:rPr lang="en-US" sz="1800" kern="0" dirty="0">
                 <a:ea typeface="Arial Unicode MS" pitchFamily="34" charset="-128"/>
                 <a:cs typeface="Arial Unicode MS" pitchFamily="34" charset="-128"/>
               </a:rPr>
             </a:br>
             <a:r>
-              <a:rPr lang="en-US" sz="1800" kern="0" dirty="0" smtClean="0">
+              <a:rPr lang="en-US" sz="1800" kern="0" dirty="0">
                 <a:ea typeface="Arial Unicode MS" pitchFamily="34" charset="-128"/>
                 <a:cs typeface="Arial Unicode MS" pitchFamily="34" charset="-128"/>
               </a:rPr>
@@ -12907,17 +11921,10 @@
   <p:clrMapOvr>
     <a:masterClrMapping/>
   </p:clrMapOvr>
-  <p:timing>
-    <p:tnLst>
-      <p:par>
-        <p:cTn id="1" dur="indefinite" restart="never" nodeType="tmRoot"/>
-      </p:par>
-    </p:tnLst>
-  </p:timing>
 </p:sld>
 </file>
 
-<file path=ppt/slides/slide15.xml><?xml version="1.0" encoding="utf-8"?>
+<file path=ppt/slides/slide14.xml><?xml version="1.0" encoding="utf-8"?>
 <p:sld xmlns:a="http://schemas.openxmlformats.org/drawingml/2006/main" xmlns:r="http://schemas.openxmlformats.org/officeDocument/2006/relationships" xmlns:p="http://schemas.openxmlformats.org/presentationml/2006/main">
   <p:cSld>
     <p:spTree>
@@ -12965,7 +11972,7 @@
         <p:spPr>
           <a:xfrm>
             <a:off x="3370729" y="2131509"/>
-            <a:ext cx="8419447" cy="3462486"/>
+            <a:ext cx="8419447" cy="4016484"/>
           </a:xfrm>
           <a:prstGeom prst="rect">
             <a:avLst/>
@@ -13005,11 +12012,11 @@
               <a:t>	</a:t>
             </a:r>
             <a:r>
-              <a:rPr lang="en-US" sz="1800" dirty="0" err="1" smtClean="0"/>
+              <a:rPr lang="en-US" sz="1800" dirty="0" err="1"/>
               <a:t>var</a:t>
             </a:r>
             <a:r>
-              <a:rPr lang="en-US" sz="1800" dirty="0" smtClean="0"/>
+              <a:rPr lang="en-US" sz="1800" dirty="0"/>
               <a:t> </a:t>
             </a:r>
             <a:r>
@@ -13025,10 +12032,9 @@
               <a:t>oEvent.getParameters</a:t>
             </a:r>
             <a:r>
-              <a:rPr lang="en-US" sz="1800" dirty="0" smtClean="0"/>
+              <a:rPr lang="en-US" sz="1800" dirty="0"/>
               <a:t>();</a:t>
             </a:r>
-            <a:endParaRPr lang="en-US" sz="1800" dirty="0"/>
           </a:p>
           <a:p>
             <a:r>
@@ -13039,38 +12045,54 @@
           <a:p>
             <a:r>
               <a:rPr lang="en-US" sz="1800" dirty="0"/>
+              <a:t>	if (oParameters.name !== "Detail1") { </a:t>
+            </a:r>
+          </a:p>
+          <a:p>
+            <a:r>
+              <a:rPr lang="en-US" sz="1800" dirty="0"/>
+              <a:t>		return;</a:t>
+            </a:r>
+          </a:p>
+          <a:p>
+            <a:r>
+              <a:rPr lang="en-US" sz="1800" dirty="0"/>
+              <a:t>	}</a:t>
+            </a:r>
+          </a:p>
+          <a:p>
+            <a:r>
+              <a:rPr lang="en-US" sz="1800" dirty="0"/>
               <a:t>	</a:t>
             </a:r>
             <a:r>
-              <a:rPr lang="en-US" sz="1800" dirty="0" smtClean="0"/>
-              <a:t>if </a:t>
+              <a:rPr lang="en-US" sz="1800" dirty="0" err="1"/>
+              <a:t>var</a:t>
             </a:r>
             <a:r>
               <a:rPr lang="en-US" sz="1800" dirty="0"/>
-              <a:t>(oParameters.name !== "</a:t>
-            </a:r>
-            <a:r>
-              <a:rPr lang="en-US" sz="1800" dirty="0" smtClean="0"/>
-              <a:t>Detail1") </a:t>
+              <a:t> </a:t>
+            </a:r>
+            <a:r>
+              <a:rPr lang="en-US" sz="1800" dirty="0" err="1"/>
+              <a:t>sEntityPath</a:t>
             </a:r>
             <a:r>
               <a:rPr lang="en-US" sz="1800" dirty="0"/>
-              <a:t>{ </a:t>
-            </a:r>
-          </a:p>
-          <a:p>
-            <a:r>
-              <a:rPr lang="en-US" sz="1800" dirty="0"/>
-              <a:t>		</a:t>
-            </a:r>
-            <a:r>
-              <a:rPr lang="en-US" sz="1800" dirty="0" smtClean="0"/>
-              <a:t>return</a:t>
+              <a:t> = "/collection/" + </a:t>
+            </a:r>
+            <a:r>
+              <a:rPr lang="en-US" sz="1800" dirty="0" err="1"/>
+              <a:t>oParameters.arguments.parameter</a:t>
             </a:r>
             <a:r>
               <a:rPr lang="en-US" sz="1800" dirty="0"/>
               <a:t>;</a:t>
             </a:r>
+            <a:br>
+              <a:rPr lang="en-US" sz="1800" dirty="0"/>
+            </a:br>
+            <a:endParaRPr lang="en-US" sz="1800" dirty="0"/>
           </a:p>
           <a:p>
             <a:r>
@@ -13078,17 +12100,6 @@
               <a:t>	</a:t>
             </a:r>
             <a:r>
-              <a:rPr lang="en-US" sz="1800" dirty="0" smtClean="0"/>
-              <a:t>}</a:t>
-            </a:r>
-            <a:endParaRPr lang="en-US" sz="1800" dirty="0"/>
-          </a:p>
-          <a:p>
-            <a:r>
-              <a:rPr lang="en-US" sz="1800" dirty="0" smtClean="0"/>
-              <a:t>	</a:t>
-            </a:r>
-            <a:r>
               <a:rPr lang="en-US" sz="1800" dirty="0" err="1"/>
               <a:t>var</a:t>
             </a:r>
@@ -13109,10 +12120,9 @@
               <a:t>this.getView</a:t>
             </a:r>
             <a:r>
-              <a:rPr lang="en-US" sz="1800" dirty="0" smtClean="0"/>
+              <a:rPr lang="en-US" sz="1800" dirty="0"/>
               <a:t>();</a:t>
             </a:r>
-            <a:endParaRPr lang="en-US" sz="1800" dirty="0"/>
           </a:p>
           <a:p>
             <a:r>
@@ -13120,12 +12130,62 @@
               <a:t>	</a:t>
             </a:r>
             <a:r>
-              <a:rPr lang="en-US" sz="1800" dirty="0" err="1" smtClean="0"/>
+              <a:rPr lang="en-US" sz="1800" dirty="0" err="1"/>
               <a:t>var</a:t>
             </a:r>
             <a:r>
-              <a:rPr lang="en-US" sz="1800" dirty="0" smtClean="0"/>
+              <a:rPr lang="en-US" sz="1800" dirty="0"/>
               <a:t> </a:t>
+            </a:r>
+            <a:r>
+              <a:rPr lang="en-US" sz="1800" dirty="0" err="1"/>
+              <a:t>oModel</a:t>
+            </a:r>
+            <a:r>
+              <a:rPr lang="en-US" sz="1800" dirty="0"/>
+              <a:t> = </a:t>
+            </a:r>
+            <a:r>
+              <a:rPr lang="en-US" sz="1800" dirty="0" err="1"/>
+              <a:t>oView.getModel</a:t>
+            </a:r>
+            <a:r>
+              <a:rPr lang="en-US" sz="1800" dirty="0"/>
+              <a:t>();</a:t>
+            </a:r>
+            <a:br>
+              <a:rPr lang="en-US" sz="1800" dirty="0"/>
+            </a:br>
+            <a:endParaRPr lang="en-US" sz="1800" dirty="0"/>
+          </a:p>
+          <a:p>
+            <a:r>
+              <a:rPr lang="en-US" sz="1800" dirty="0"/>
+              <a:t>	</a:t>
+            </a:r>
+            <a:r>
+              <a:rPr lang="en-US" sz="1800" dirty="0" err="1"/>
+              <a:t>var</a:t>
+            </a:r>
+            <a:r>
+              <a:rPr lang="en-US" sz="1800" dirty="0"/>
+              <a:t> context = new </a:t>
+            </a:r>
+            <a:r>
+              <a:rPr lang="en-US" sz="1800" dirty="0" err="1"/>
+              <a:t>sap.ui.model.Context</a:t>
+            </a:r>
+            <a:r>
+              <a:rPr lang="en-US" sz="1800" dirty="0"/>
+              <a:t>(</a:t>
+            </a:r>
+            <a:r>
+              <a:rPr lang="en-US" sz="1800" dirty="0" err="1"/>
+              <a:t>oModel</a:t>
+            </a:r>
+            <a:r>
+              <a:rPr lang="en-US" sz="1800" dirty="0"/>
+              <a:t>, </a:t>
             </a:r>
             <a:r>
               <a:rPr lang="en-US" sz="1800" dirty="0" err="1"/>
@@ -13133,53 +12193,7 @@
             </a:r>
             <a:r>
               <a:rPr lang="en-US" sz="1800" dirty="0"/>
-              <a:t> = "/Products('" + </a:t>
-            </a:r>
-            <a:r>
-              <a:rPr lang="en-US" sz="1800" dirty="0" err="1"/>
-              <a:t>oParameters.arguments.entity</a:t>
-            </a:r>
-            <a:r>
-              <a:rPr lang="en-US" sz="1800" dirty="0"/>
-              <a:t> + "')";</a:t>
-            </a:r>
-          </a:p>
-          <a:p>
-            <a:r>
-              <a:rPr lang="en-US" sz="1800" dirty="0" smtClean="0"/>
-              <a:t>                 </a:t>
-            </a:r>
-            <a:r>
-              <a:rPr lang="en-US" sz="1800" dirty="0" err="1" smtClean="0"/>
-              <a:t>var</a:t>
-            </a:r>
-            <a:r>
-              <a:rPr lang="en-US" sz="1800" dirty="0" smtClean="0"/>
-              <a:t> </a:t>
-            </a:r>
-            <a:r>
-              <a:rPr lang="en-US" sz="1800" dirty="0" err="1"/>
-              <a:t>oModel</a:t>
-            </a:r>
-            <a:r>
-              <a:rPr lang="en-US" sz="1800" dirty="0"/>
-              <a:t> = </a:t>
-            </a:r>
-            <a:r>
-              <a:rPr lang="en-US" sz="1800" dirty="0" err="1"/>
-              <a:t>oView.getModel</a:t>
-            </a:r>
-            <a:r>
-              <a:rPr lang="en-US" sz="1800" dirty="0"/>
-              <a:t>('</a:t>
-            </a:r>
-            <a:r>
-              <a:rPr lang="en-US" sz="1800" dirty="0" err="1"/>
-              <a:t>gbi</a:t>
-            </a:r>
-            <a:r>
-              <a:rPr lang="en-US" sz="1800" dirty="0"/>
-              <a:t>');</a:t>
+              <a:t>);</a:t>
             </a:r>
           </a:p>
           <a:p>
@@ -13189,70 +12203,18 @@
             </a:r>
             <a:r>
               <a:rPr lang="en-US" sz="1800" dirty="0" err="1"/>
-              <a:t>var</a:t>
+              <a:t>oView.setBindingContext</a:t>
             </a:r>
             <a:r>
               <a:rPr lang="en-US" sz="1800" dirty="0"/>
-              <a:t> context = new </a:t>
-            </a:r>
-            <a:r>
-              <a:rPr lang="en-US" sz="1800" dirty="0" err="1"/>
-              <a:t>sap.ui.model.Context</a:t>
-            </a:r>
-            <a:r>
-              <a:rPr lang="en-US" sz="1800" dirty="0"/>
-              <a:t>(</a:t>
-            </a:r>
-            <a:r>
-              <a:rPr lang="en-US" sz="1800" dirty="0" err="1"/>
-              <a:t>oModel</a:t>
-            </a:r>
-            <a:r>
-              <a:rPr lang="en-US" sz="1800" dirty="0"/>
-              <a:t> , </a:t>
-            </a:r>
-            <a:r>
-              <a:rPr lang="en-US" sz="1800" dirty="0" err="1"/>
-              <a:t>sEntityPath</a:t>
-            </a:r>
-            <a:r>
-              <a:rPr lang="en-US" sz="1800" dirty="0" smtClean="0"/>
-              <a:t>);</a:t>
-            </a:r>
-            <a:r>
-              <a:rPr lang="en-US" sz="1800" dirty="0"/>
-              <a:t>	</a:t>
-            </a:r>
-          </a:p>
-          <a:p>
-            <a:r>
-              <a:rPr lang="en-US" sz="1800" dirty="0"/>
-              <a:t>	</a:t>
-            </a:r>
-            <a:r>
-              <a:rPr lang="en-US" sz="1800" dirty="0" err="1"/>
-              <a:t>oView.setBindingContext</a:t>
-            </a:r>
-            <a:r>
-              <a:rPr lang="en-US" sz="1800" dirty="0"/>
-              <a:t>(context,'</a:t>
-            </a:r>
-            <a:r>
-              <a:rPr lang="en-US" sz="1800" dirty="0" err="1"/>
-              <a:t>gbi</a:t>
-            </a:r>
-            <a:r>
-              <a:rPr lang="en-US" sz="1800" dirty="0" smtClean="0"/>
-              <a:t>');</a:t>
-            </a:r>
-            <a:endParaRPr lang="en-US" dirty="0"/>
-          </a:p>
-          <a:p>
-            <a:r>
-              <a:rPr lang="en-US" dirty="0" smtClean="0"/>
+              <a:t>(context);</a:t>
+            </a:r>
+          </a:p>
+          <a:p>
+            <a:r>
+              <a:rPr lang="en-US" dirty="0"/>
               <a:t>},</a:t>
             </a:r>
-            <a:endParaRPr lang="en-US" dirty="0"/>
           </a:p>
         </p:txBody>
       </p:sp>
@@ -13291,7 +12253,7 @@
               <a:buSzPct val="80000"/>
             </a:pPr>
             <a:r>
-              <a:rPr lang="en-US" sz="1800" kern="0" dirty="0" smtClean="0">
+              <a:rPr lang="en-US" sz="1800" kern="0" dirty="0">
                 <a:ea typeface="Arial Unicode MS" pitchFamily="34" charset="-128"/>
                 <a:cs typeface="Arial Unicode MS" pitchFamily="34" charset="-128"/>
               </a:rPr>
@@ -13371,7 +12333,7 @@
               <a:buSzPct val="80000"/>
             </a:pPr>
             <a:r>
-              <a:rPr lang="en-US" sz="1800" kern="0" dirty="0" smtClean="0">
+              <a:rPr lang="en-US" sz="1800" kern="0" dirty="0">
                 <a:ea typeface="Arial Unicode MS" pitchFamily="34" charset="-128"/>
                 <a:cs typeface="Arial Unicode MS" pitchFamily="34" charset="-128"/>
               </a:rPr>
@@ -13451,20 +12413,20 @@
               <a:buSzPct val="80000"/>
             </a:pPr>
             <a:r>
-              <a:rPr lang="en-US" sz="1800" kern="0" dirty="0" smtClean="0">
+              <a:rPr lang="en-US" sz="1800" kern="0" dirty="0">
                 <a:ea typeface="Arial Unicode MS" pitchFamily="34" charset="-128"/>
                 <a:cs typeface="Arial Unicode MS" pitchFamily="34" charset="-128"/>
               </a:rPr>
               <a:t>Make sure this view is the</a:t>
             </a:r>
             <a:br>
-              <a:rPr lang="en-US" sz="1800" kern="0" dirty="0" smtClean="0">
+              <a:rPr lang="en-US" sz="1800" kern="0" dirty="0">
                 <a:ea typeface="Arial Unicode MS" pitchFamily="34" charset="-128"/>
                 <a:cs typeface="Arial Unicode MS" pitchFamily="34" charset="-128"/>
               </a:rPr>
             </a:br>
             <a:r>
-              <a:rPr lang="en-US" sz="1800" kern="0" dirty="0" smtClean="0">
+              <a:rPr lang="en-US" sz="1800" kern="0" dirty="0">
                 <a:ea typeface="Arial Unicode MS" pitchFamily="34" charset="-128"/>
                 <a:cs typeface="Arial Unicode MS" pitchFamily="34" charset="-128"/>
               </a:rPr>
@@ -13544,7 +12506,7 @@
               <a:buSzPct val="80000"/>
             </a:pPr>
             <a:r>
-              <a:rPr lang="en-US" sz="1800" kern="0" dirty="0" smtClean="0">
+              <a:rPr lang="en-US" sz="1800" kern="0" dirty="0">
                 <a:ea typeface="Arial Unicode MS" pitchFamily="34" charset="-128"/>
                 <a:cs typeface="Arial Unicode MS" pitchFamily="34" charset="-128"/>
               </a:rPr>
@@ -13583,7 +12545,7 @@
               <a:buSzPct val="80000"/>
             </a:pPr>
             <a:r>
-              <a:rPr lang="en-US" sz="1800" kern="0" dirty="0" smtClean="0">
+              <a:rPr lang="en-US" sz="1800" kern="0" dirty="0">
                 <a:ea typeface="Arial Unicode MS" pitchFamily="34" charset="-128"/>
                 <a:cs typeface="Arial Unicode MS" pitchFamily="34" charset="-128"/>
               </a:rPr>
@@ -13601,7 +12563,7 @@
         <p:spPr>
           <a:xfrm>
             <a:off x="3004222" y="3945840"/>
-            <a:ext cx="1460202" cy="294466"/>
+            <a:ext cx="1343660" cy="1471"/>
           </a:xfrm>
           <a:prstGeom prst="straightConnector1">
             <a:avLst/>
@@ -13636,8 +12598,8 @@
         </p:nvCxnSpPr>
         <p:spPr>
           <a:xfrm>
-            <a:off x="2931459" y="4903694"/>
-            <a:ext cx="1532965" cy="0"/>
+            <a:off x="2931459" y="4903695"/>
+            <a:ext cx="1416423" cy="501224"/>
           </a:xfrm>
           <a:prstGeom prst="straightConnector1">
             <a:avLst/>
@@ -13674,17 +12636,10 @@
   <p:clrMapOvr>
     <a:masterClrMapping/>
   </p:clrMapOvr>
-  <p:timing>
-    <p:tnLst>
-      <p:par>
-        <p:cTn id="1" dur="indefinite" restart="never" nodeType="tmRoot"/>
-      </p:par>
-    </p:tnLst>
-  </p:timing>
 </p:sld>
 </file>
 
-<file path=ppt/slides/slide16.xml><?xml version="1.0" encoding="utf-8"?>
+<file path=ppt/slides/slide15.xml><?xml version="1.0" encoding="utf-8"?>
 <p:sld xmlns:a="http://schemas.openxmlformats.org/drawingml/2006/main" xmlns:r="http://schemas.openxmlformats.org/officeDocument/2006/relationships" xmlns:p="http://schemas.openxmlformats.org/presentationml/2006/main">
   <p:cSld>
     <p:spTree>
@@ -13941,16 +12896,12 @@
               <a:buSzPct val="80000"/>
             </a:pPr>
             <a:r>
-              <a:rPr lang="en-US" sz="1800" kern="0" dirty="0" smtClean="0">
+              <a:rPr lang="en-US" sz="1800" kern="0" dirty="0">
                 <a:ea typeface="Arial Unicode MS" pitchFamily="34" charset="-128"/>
                 <a:cs typeface="Arial Unicode MS" pitchFamily="34" charset="-128"/>
               </a:rPr>
               <a:t>Data model from Routing Exercise</a:t>
             </a:r>
-            <a:endParaRPr lang="en-US" sz="1800" kern="0" dirty="0" smtClean="0">
-              <a:ea typeface="Arial Unicode MS" pitchFamily="34" charset="-128"/>
-              <a:cs typeface="Arial Unicode MS" pitchFamily="34" charset="-128"/>
-            </a:endParaRPr>
           </a:p>
         </p:txBody>
       </p:sp>
@@ -13958,6 +12909,340 @@
     <p:extLst>
       <p:ext uri="{BB962C8B-B14F-4D97-AF65-F5344CB8AC3E}">
         <p14:creationId xmlns:p14="http://schemas.microsoft.com/office/powerpoint/2010/main" val="3416281133"/>
+      </p:ext>
+    </p:extLst>
+  </p:cSld>
+  <p:clrMapOvr>
+    <a:masterClrMapping/>
+  </p:clrMapOvr>
+</p:sld>
+</file>
+
+<file path=ppt/slides/slide16.xml><?xml version="1.0" encoding="utf-8"?>
+<p:sld xmlns:a="http://schemas.openxmlformats.org/drawingml/2006/main" xmlns:r="http://schemas.openxmlformats.org/officeDocument/2006/relationships" xmlns:p="http://schemas.openxmlformats.org/presentationml/2006/main">
+  <p:cSld>
+    <p:spTree>
+      <p:nvGrpSpPr>
+        <p:cNvPr id="1" name=""/>
+        <p:cNvGrpSpPr/>
+        <p:nvPr/>
+      </p:nvGrpSpPr>
+      <p:grpSpPr>
+        <a:xfrm>
+          <a:off x="0" y="0"/>
+          <a:ext cx="0" cy="0"/>
+          <a:chOff x="0" y="0"/>
+          <a:chExt cx="0" cy="0"/>
+        </a:xfrm>
+      </p:grpSpPr>
+      <p:sp>
+        <p:nvSpPr>
+          <p:cNvPr id="2" name="Title 1"/>
+          <p:cNvSpPr>
+            <a:spLocks noGrp="1"/>
+          </p:cNvSpPr>
+          <p:nvPr>
+            <p:ph type="title"/>
+          </p:nvPr>
+        </p:nvSpPr>
+        <p:spPr/>
+        <p:txBody>
+          <a:bodyPr/>
+          <a:lstStyle/>
+          <a:p>
+            <a:r>
+              <a:rPr lang="en-US" dirty="0"/>
+              <a:t>Binding in Detail View</a:t>
+            </a:r>
+          </a:p>
+        </p:txBody>
+      </p:sp>
+      <p:sp>
+        <p:nvSpPr>
+          <p:cNvPr id="3" name="Rectangle 2"/>
+          <p:cNvSpPr/>
+          <p:nvPr/>
+        </p:nvSpPr>
+        <p:spPr bwMode="gray">
+          <a:xfrm>
+            <a:off x="3819383" y="1768142"/>
+            <a:ext cx="7252447" cy="3478305"/>
+          </a:xfrm>
+          <a:prstGeom prst="rect">
+            <a:avLst/>
+          </a:prstGeom>
+          <a:solidFill>
+            <a:schemeClr val="accent1"/>
+          </a:solidFill>
+          <a:ln w="6350" algn="ctr">
+            <a:noFill/>
+            <a:miter lim="800000"/>
+            <a:headEnd/>
+            <a:tailEnd/>
+          </a:ln>
+        </p:spPr>
+        <p:txBody>
+          <a:bodyPr lIns="90000" tIns="72000" rIns="90000" bIns="72000" rtlCol="0" anchor="ctr"/>
+          <a:lstStyle/>
+          <a:p>
+            <a:pPr marR="0" algn="ctr" defTabSz="914400" eaLnBrk="1" fontAlgn="base" latinLnBrk="0" hangingPunct="1">
+              <a:lnSpc>
+                <a:spcPct val="100000"/>
+              </a:lnSpc>
+              <a:spcBef>
+                <a:spcPct val="50000"/>
+              </a:spcBef>
+              <a:spcAft>
+                <a:spcPct val="0"/>
+              </a:spcAft>
+              <a:buClr>
+                <a:srgbClr val="F0AB00"/>
+              </a:buClr>
+              <a:buSzPct val="80000"/>
+              <a:tabLst/>
+            </a:pPr>
+            <a:endParaRPr kumimoji="0" lang="en-US" sz="2000" b="0" i="0" u="none" strike="noStrike" kern="0" cap="none" spc="0" normalizeH="0" baseline="0" noProof="0" dirty="0" err="1">
+              <a:ln>
+                <a:noFill/>
+              </a:ln>
+              <a:effectLst/>
+              <a:uLnTx/>
+              <a:uFillTx/>
+              <a:ea typeface="Arial Unicode MS" pitchFamily="34" charset="-128"/>
+              <a:cs typeface="Arial Unicode MS" pitchFamily="34" charset="-128"/>
+            </a:endParaRPr>
+          </a:p>
+        </p:txBody>
+      </p:sp>
+      <p:sp>
+        <p:nvSpPr>
+          <p:cNvPr id="4" name="TextBox 3"/>
+          <p:cNvSpPr txBox="1"/>
+          <p:nvPr/>
+        </p:nvSpPr>
+        <p:spPr>
+          <a:xfrm>
+            <a:off x="4025572" y="2037083"/>
+            <a:ext cx="3334246" cy="276999"/>
+          </a:xfrm>
+          <a:prstGeom prst="rect">
+            <a:avLst/>
+          </a:prstGeom>
+          <a:noFill/>
+        </p:spPr>
+        <p:txBody>
+          <a:bodyPr wrap="none" lIns="0" tIns="0" rIns="0" bIns="0" rtlCol="0">
+            <a:spAutoFit/>
+          </a:bodyPr>
+          <a:lstStyle/>
+          <a:p>
+            <a:pPr fontAlgn="base">
+              <a:spcBef>
+                <a:spcPts val="600"/>
+              </a:spcBef>
+              <a:spcAft>
+                <a:spcPct val="0"/>
+              </a:spcAft>
+              <a:buClr>
+                <a:srgbClr val="F0AB00"/>
+              </a:buClr>
+              <a:buSzPct val="80000"/>
+            </a:pPr>
+            <a:r>
+              <a:rPr lang="en-US" sz="1800" kern="0" dirty="0">
+                <a:ea typeface="Arial Unicode MS" pitchFamily="34" charset="-128"/>
+                <a:cs typeface="Arial Unicode MS" pitchFamily="34" charset="-128"/>
+              </a:rPr>
+              <a:t>Detail View Binding: /collection/0</a:t>
+            </a:r>
+          </a:p>
+        </p:txBody>
+      </p:sp>
+      <p:sp>
+        <p:nvSpPr>
+          <p:cNvPr id="5" name="Rectangle 4"/>
+          <p:cNvSpPr/>
+          <p:nvPr/>
+        </p:nvSpPr>
+        <p:spPr bwMode="gray">
+          <a:xfrm>
+            <a:off x="6930136" y="2628753"/>
+            <a:ext cx="3021106" cy="2259106"/>
+          </a:xfrm>
+          <a:prstGeom prst="rect">
+            <a:avLst/>
+          </a:prstGeom>
+          <a:solidFill>
+            <a:schemeClr val="bg2"/>
+          </a:solidFill>
+          <a:ln w="6350" algn="ctr">
+            <a:noFill/>
+            <a:miter lim="800000"/>
+            <a:headEnd/>
+            <a:tailEnd/>
+          </a:ln>
+        </p:spPr>
+        <p:txBody>
+          <a:bodyPr lIns="90000" tIns="72000" rIns="90000" bIns="72000" rtlCol="0" anchor="ctr"/>
+          <a:lstStyle/>
+          <a:p>
+            <a:pPr marR="0" algn="ctr" defTabSz="914400" eaLnBrk="1" fontAlgn="base" latinLnBrk="0" hangingPunct="1">
+              <a:lnSpc>
+                <a:spcPct val="100000"/>
+              </a:lnSpc>
+              <a:spcBef>
+                <a:spcPct val="50000"/>
+              </a:spcBef>
+              <a:spcAft>
+                <a:spcPct val="0"/>
+              </a:spcAft>
+              <a:buClr>
+                <a:srgbClr val="F0AB00"/>
+              </a:buClr>
+              <a:buSzPct val="80000"/>
+              <a:tabLst/>
+            </a:pPr>
+            <a:endParaRPr kumimoji="0" lang="en-US" sz="2000" b="0" i="0" u="none" strike="noStrike" kern="0" cap="none" spc="0" normalizeH="0" baseline="0" noProof="0" dirty="0" err="1">
+              <a:ln>
+                <a:noFill/>
+              </a:ln>
+              <a:effectLst/>
+              <a:uLnTx/>
+              <a:uFillTx/>
+              <a:ea typeface="Arial Unicode MS" pitchFamily="34" charset="-128"/>
+              <a:cs typeface="Arial Unicode MS" pitchFamily="34" charset="-128"/>
+            </a:endParaRPr>
+          </a:p>
+        </p:txBody>
+      </p:sp>
+      <p:sp>
+        <p:nvSpPr>
+          <p:cNvPr id="6" name="TextBox 5"/>
+          <p:cNvSpPr txBox="1"/>
+          <p:nvPr/>
+        </p:nvSpPr>
+        <p:spPr>
+          <a:xfrm>
+            <a:off x="7073572" y="2731846"/>
+            <a:ext cx="1987724" cy="276999"/>
+          </a:xfrm>
+          <a:prstGeom prst="rect">
+            <a:avLst/>
+          </a:prstGeom>
+          <a:noFill/>
+        </p:spPr>
+        <p:txBody>
+          <a:bodyPr wrap="none" lIns="0" tIns="0" rIns="0" bIns="0" rtlCol="0">
+            <a:spAutoFit/>
+          </a:bodyPr>
+          <a:lstStyle/>
+          <a:p>
+            <a:pPr fontAlgn="base">
+              <a:spcBef>
+                <a:spcPts val="600"/>
+              </a:spcBef>
+              <a:spcAft>
+                <a:spcPct val="0"/>
+              </a:spcAft>
+              <a:buClr>
+                <a:srgbClr val="F0AB00"/>
+              </a:buClr>
+              <a:buSzPct val="80000"/>
+            </a:pPr>
+            <a:r>
+              <a:rPr lang="en-US" sz="1800" kern="0" dirty="0">
+                <a:ea typeface="Arial Unicode MS" pitchFamily="34" charset="-128"/>
+                <a:cs typeface="Arial Unicode MS" pitchFamily="34" charset="-128"/>
+              </a:rPr>
+              <a:t>List Binding: </a:t>
+            </a:r>
+            <a:r>
+              <a:rPr lang="en-US" sz="1800" kern="0" dirty="0" err="1">
+                <a:ea typeface="Arial Unicode MS" pitchFamily="34" charset="-128"/>
+                <a:cs typeface="Arial Unicode MS" pitchFamily="34" charset="-128"/>
+              </a:rPr>
+              <a:t>subcol</a:t>
+            </a:r>
+            <a:endParaRPr lang="en-US" sz="1800" kern="0" dirty="0">
+              <a:ea typeface="Arial Unicode MS" pitchFamily="34" charset="-128"/>
+              <a:cs typeface="Arial Unicode MS" pitchFamily="34" charset="-128"/>
+            </a:endParaRPr>
+          </a:p>
+        </p:txBody>
+      </p:sp>
+      <p:sp>
+        <p:nvSpPr>
+          <p:cNvPr id="7" name="TextBox 6"/>
+          <p:cNvSpPr txBox="1"/>
+          <p:nvPr/>
+        </p:nvSpPr>
+        <p:spPr>
+          <a:xfrm>
+            <a:off x="393107" y="2037083"/>
+            <a:ext cx="2888478" cy="1384995"/>
+          </a:xfrm>
+          <a:prstGeom prst="rect">
+            <a:avLst/>
+          </a:prstGeom>
+          <a:noFill/>
+        </p:spPr>
+        <p:txBody>
+          <a:bodyPr wrap="square" lIns="0" tIns="0" rIns="0" bIns="0" rtlCol="0">
+            <a:spAutoFit/>
+          </a:bodyPr>
+          <a:lstStyle/>
+          <a:p>
+            <a:pPr fontAlgn="base">
+              <a:spcBef>
+                <a:spcPts val="600"/>
+              </a:spcBef>
+              <a:spcAft>
+                <a:spcPct val="0"/>
+              </a:spcAft>
+              <a:buClr>
+                <a:srgbClr val="F0AB00"/>
+              </a:buClr>
+              <a:buSzPct val="80000"/>
+            </a:pPr>
+            <a:r>
+              <a:rPr lang="en-US" sz="1800" kern="0" dirty="0">
+                <a:ea typeface="Arial Unicode MS" pitchFamily="34" charset="-128"/>
+                <a:cs typeface="Arial Unicode MS" pitchFamily="34" charset="-128"/>
+              </a:rPr>
+              <a:t>The view is bound to /collection/0 and the list is bound to </a:t>
+            </a:r>
+            <a:r>
+              <a:rPr lang="en-US" sz="1800" kern="0" dirty="0" err="1">
+                <a:ea typeface="Arial Unicode MS" pitchFamily="34" charset="-128"/>
+                <a:cs typeface="Arial Unicode MS" pitchFamily="34" charset="-128"/>
+              </a:rPr>
+              <a:t>subcol</a:t>
+            </a:r>
+            <a:r>
+              <a:rPr lang="en-US" sz="1800" kern="0" dirty="0">
+                <a:ea typeface="Arial Unicode MS" pitchFamily="34" charset="-128"/>
+                <a:cs typeface="Arial Unicode MS" pitchFamily="34" charset="-128"/>
+              </a:rPr>
+              <a:t> within /collection/0 so the list is bound to /collection/0/</a:t>
+            </a:r>
+            <a:r>
+              <a:rPr lang="en-US" sz="1800" kern="0">
+                <a:ea typeface="Arial Unicode MS" pitchFamily="34" charset="-128"/>
+                <a:cs typeface="Arial Unicode MS" pitchFamily="34" charset="-128"/>
+              </a:rPr>
+              <a:t>subcol</a:t>
+            </a:r>
+            <a:endParaRPr lang="en-US" sz="1800" kern="0" dirty="0">
+              <a:ea typeface="Arial Unicode MS" pitchFamily="34" charset="-128"/>
+              <a:cs typeface="Arial Unicode MS" pitchFamily="34" charset="-128"/>
+            </a:endParaRPr>
+          </a:p>
+        </p:txBody>
+      </p:sp>
+    </p:spTree>
+    <p:extLst>
+      <p:ext uri="{BB962C8B-B14F-4D97-AF65-F5344CB8AC3E}">
+        <p14:creationId xmlns:p14="http://schemas.microsoft.com/office/powerpoint/2010/main" val="1172202659"/>
       </p:ext>
     </p:extLst>
   </p:cSld>
@@ -13991,348 +13276,6 @@
             <a:spLocks noGrp="1"/>
           </p:cNvSpPr>
           <p:nvPr>
-            <p:ph type="title"/>
-          </p:nvPr>
-        </p:nvSpPr>
-        <p:spPr/>
-        <p:txBody>
-          <a:bodyPr/>
-          <a:lstStyle/>
-          <a:p>
-            <a:r>
-              <a:rPr lang="en-US" dirty="0" smtClean="0"/>
-              <a:t>Binding in Detail View</a:t>
-            </a:r>
-            <a:endParaRPr lang="en-US" dirty="0"/>
-          </a:p>
-        </p:txBody>
-      </p:sp>
-      <p:sp>
-        <p:nvSpPr>
-          <p:cNvPr id="3" name="Rectangle 2"/>
-          <p:cNvSpPr/>
-          <p:nvPr/>
-        </p:nvSpPr>
-        <p:spPr bwMode="gray">
-          <a:xfrm>
-            <a:off x="3819383" y="1768142"/>
-            <a:ext cx="7252447" cy="3478305"/>
-          </a:xfrm>
-          <a:prstGeom prst="rect">
-            <a:avLst/>
-          </a:prstGeom>
-          <a:solidFill>
-            <a:schemeClr val="accent1"/>
-          </a:solidFill>
-          <a:ln w="6350" algn="ctr">
-            <a:noFill/>
-            <a:miter lim="800000"/>
-            <a:headEnd/>
-            <a:tailEnd/>
-          </a:ln>
-        </p:spPr>
-        <p:txBody>
-          <a:bodyPr lIns="90000" tIns="72000" rIns="90000" bIns="72000" rtlCol="0" anchor="ctr"/>
-          <a:lstStyle/>
-          <a:p>
-            <a:pPr marR="0" algn="ctr" defTabSz="914400" eaLnBrk="1" fontAlgn="base" latinLnBrk="0" hangingPunct="1">
-              <a:lnSpc>
-                <a:spcPct val="100000"/>
-              </a:lnSpc>
-              <a:spcBef>
-                <a:spcPct val="50000"/>
-              </a:spcBef>
-              <a:spcAft>
-                <a:spcPct val="0"/>
-              </a:spcAft>
-              <a:buClr>
-                <a:srgbClr val="F0AB00"/>
-              </a:buClr>
-              <a:buSzPct val="80000"/>
-              <a:tabLst/>
-            </a:pPr>
-            <a:endParaRPr kumimoji="0" lang="en-US" sz="2000" b="0" i="0" u="none" strike="noStrike" kern="0" cap="none" spc="0" normalizeH="0" baseline="0" noProof="0" dirty="0" err="1" smtClean="0">
-              <a:ln>
-                <a:noFill/>
-              </a:ln>
-              <a:effectLst/>
-              <a:uLnTx/>
-              <a:uFillTx/>
-              <a:ea typeface="Arial Unicode MS" pitchFamily="34" charset="-128"/>
-              <a:cs typeface="Arial Unicode MS" pitchFamily="34" charset="-128"/>
-            </a:endParaRPr>
-          </a:p>
-        </p:txBody>
-      </p:sp>
-      <p:sp>
-        <p:nvSpPr>
-          <p:cNvPr id="4" name="TextBox 3"/>
-          <p:cNvSpPr txBox="1"/>
-          <p:nvPr/>
-        </p:nvSpPr>
-        <p:spPr>
-          <a:xfrm>
-            <a:off x="4025572" y="2037083"/>
-            <a:ext cx="3334246" cy="276999"/>
-          </a:xfrm>
-          <a:prstGeom prst="rect">
-            <a:avLst/>
-          </a:prstGeom>
-          <a:noFill/>
-        </p:spPr>
-        <p:txBody>
-          <a:bodyPr wrap="none" lIns="0" tIns="0" rIns="0" bIns="0" rtlCol="0">
-            <a:spAutoFit/>
-          </a:bodyPr>
-          <a:lstStyle/>
-          <a:p>
-            <a:pPr fontAlgn="base">
-              <a:spcBef>
-                <a:spcPts val="600"/>
-              </a:spcBef>
-              <a:spcAft>
-                <a:spcPct val="0"/>
-              </a:spcAft>
-              <a:buClr>
-                <a:srgbClr val="F0AB00"/>
-              </a:buClr>
-              <a:buSzPct val="80000"/>
-            </a:pPr>
-            <a:r>
-              <a:rPr lang="en-US" sz="1800" kern="0" dirty="0" smtClean="0">
-                <a:ea typeface="Arial Unicode MS" pitchFamily="34" charset="-128"/>
-                <a:cs typeface="Arial Unicode MS" pitchFamily="34" charset="-128"/>
-              </a:rPr>
-              <a:t>Detail View Binding: /collection/0</a:t>
-            </a:r>
-          </a:p>
-        </p:txBody>
-      </p:sp>
-      <p:sp>
-        <p:nvSpPr>
-          <p:cNvPr id="5" name="Rectangle 4"/>
-          <p:cNvSpPr/>
-          <p:nvPr/>
-        </p:nvSpPr>
-        <p:spPr bwMode="gray">
-          <a:xfrm>
-            <a:off x="6930136" y="2628753"/>
-            <a:ext cx="3021106" cy="2259106"/>
-          </a:xfrm>
-          <a:prstGeom prst="rect">
-            <a:avLst/>
-          </a:prstGeom>
-          <a:solidFill>
-            <a:schemeClr val="bg2"/>
-          </a:solidFill>
-          <a:ln w="6350" algn="ctr">
-            <a:noFill/>
-            <a:miter lim="800000"/>
-            <a:headEnd/>
-            <a:tailEnd/>
-          </a:ln>
-        </p:spPr>
-        <p:txBody>
-          <a:bodyPr lIns="90000" tIns="72000" rIns="90000" bIns="72000" rtlCol="0" anchor="ctr"/>
-          <a:lstStyle/>
-          <a:p>
-            <a:pPr marR="0" algn="ctr" defTabSz="914400" eaLnBrk="1" fontAlgn="base" latinLnBrk="0" hangingPunct="1">
-              <a:lnSpc>
-                <a:spcPct val="100000"/>
-              </a:lnSpc>
-              <a:spcBef>
-                <a:spcPct val="50000"/>
-              </a:spcBef>
-              <a:spcAft>
-                <a:spcPct val="0"/>
-              </a:spcAft>
-              <a:buClr>
-                <a:srgbClr val="F0AB00"/>
-              </a:buClr>
-              <a:buSzPct val="80000"/>
-              <a:tabLst/>
-            </a:pPr>
-            <a:endParaRPr kumimoji="0" lang="en-US" sz="2000" b="0" i="0" u="none" strike="noStrike" kern="0" cap="none" spc="0" normalizeH="0" baseline="0" noProof="0" dirty="0" err="1" smtClean="0">
-              <a:ln>
-                <a:noFill/>
-              </a:ln>
-              <a:effectLst/>
-              <a:uLnTx/>
-              <a:uFillTx/>
-              <a:ea typeface="Arial Unicode MS" pitchFamily="34" charset="-128"/>
-              <a:cs typeface="Arial Unicode MS" pitchFamily="34" charset="-128"/>
-            </a:endParaRPr>
-          </a:p>
-        </p:txBody>
-      </p:sp>
-      <p:sp>
-        <p:nvSpPr>
-          <p:cNvPr id="6" name="TextBox 5"/>
-          <p:cNvSpPr txBox="1"/>
-          <p:nvPr/>
-        </p:nvSpPr>
-        <p:spPr>
-          <a:xfrm>
-            <a:off x="7073572" y="2731846"/>
-            <a:ext cx="1987724" cy="276999"/>
-          </a:xfrm>
-          <a:prstGeom prst="rect">
-            <a:avLst/>
-          </a:prstGeom>
-          <a:noFill/>
-        </p:spPr>
-        <p:txBody>
-          <a:bodyPr wrap="none" lIns="0" tIns="0" rIns="0" bIns="0" rtlCol="0">
-            <a:spAutoFit/>
-          </a:bodyPr>
-          <a:lstStyle/>
-          <a:p>
-            <a:pPr fontAlgn="base">
-              <a:spcBef>
-                <a:spcPts val="600"/>
-              </a:spcBef>
-              <a:spcAft>
-                <a:spcPct val="0"/>
-              </a:spcAft>
-              <a:buClr>
-                <a:srgbClr val="F0AB00"/>
-              </a:buClr>
-              <a:buSzPct val="80000"/>
-            </a:pPr>
-            <a:r>
-              <a:rPr lang="en-US" sz="1800" kern="0" dirty="0" smtClean="0">
-                <a:ea typeface="Arial Unicode MS" pitchFamily="34" charset="-128"/>
-                <a:cs typeface="Arial Unicode MS" pitchFamily="34" charset="-128"/>
-              </a:rPr>
-              <a:t>List Binding: </a:t>
-            </a:r>
-            <a:r>
-              <a:rPr lang="en-US" sz="1800" kern="0" dirty="0" err="1" smtClean="0">
-                <a:ea typeface="Arial Unicode MS" pitchFamily="34" charset="-128"/>
-                <a:cs typeface="Arial Unicode MS" pitchFamily="34" charset="-128"/>
-              </a:rPr>
-              <a:t>subcol</a:t>
-            </a:r>
-            <a:endParaRPr lang="en-US" sz="1800" kern="0" dirty="0" smtClean="0">
-              <a:ea typeface="Arial Unicode MS" pitchFamily="34" charset="-128"/>
-              <a:cs typeface="Arial Unicode MS" pitchFamily="34" charset="-128"/>
-            </a:endParaRPr>
-          </a:p>
-        </p:txBody>
-      </p:sp>
-      <p:sp>
-        <p:nvSpPr>
-          <p:cNvPr id="7" name="TextBox 6"/>
-          <p:cNvSpPr txBox="1"/>
-          <p:nvPr/>
-        </p:nvSpPr>
-        <p:spPr>
-          <a:xfrm>
-            <a:off x="393107" y="2037083"/>
-            <a:ext cx="2888478" cy="1384995"/>
-          </a:xfrm>
-          <a:prstGeom prst="rect">
-            <a:avLst/>
-          </a:prstGeom>
-          <a:noFill/>
-        </p:spPr>
-        <p:txBody>
-          <a:bodyPr wrap="square" lIns="0" tIns="0" rIns="0" bIns="0" rtlCol="0">
-            <a:spAutoFit/>
-          </a:bodyPr>
-          <a:lstStyle/>
-          <a:p>
-            <a:pPr fontAlgn="base">
-              <a:spcBef>
-                <a:spcPts val="600"/>
-              </a:spcBef>
-              <a:spcAft>
-                <a:spcPct val="0"/>
-              </a:spcAft>
-              <a:buClr>
-                <a:srgbClr val="F0AB00"/>
-              </a:buClr>
-              <a:buSzPct val="80000"/>
-            </a:pPr>
-            <a:r>
-              <a:rPr lang="en-US" sz="1800" kern="0" dirty="0" smtClean="0">
-                <a:ea typeface="Arial Unicode MS" pitchFamily="34" charset="-128"/>
-                <a:cs typeface="Arial Unicode MS" pitchFamily="34" charset="-128"/>
-              </a:rPr>
-              <a:t>The view is bound to /collection/0 and the list is bound to </a:t>
-            </a:r>
-            <a:r>
-              <a:rPr lang="en-US" sz="1800" kern="0" dirty="0" err="1" smtClean="0">
-                <a:ea typeface="Arial Unicode MS" pitchFamily="34" charset="-128"/>
-                <a:cs typeface="Arial Unicode MS" pitchFamily="34" charset="-128"/>
-              </a:rPr>
-              <a:t>subcol</a:t>
-            </a:r>
-            <a:r>
-              <a:rPr lang="en-US" sz="1800" kern="0" dirty="0" smtClean="0">
-                <a:ea typeface="Arial Unicode MS" pitchFamily="34" charset="-128"/>
-                <a:cs typeface="Arial Unicode MS" pitchFamily="34" charset="-128"/>
-              </a:rPr>
-              <a:t> within /collection/0 so the list is bound to /collection/0/</a:t>
-            </a:r>
-            <a:r>
-              <a:rPr lang="en-US" sz="1800" kern="0" smtClean="0">
-                <a:ea typeface="Arial Unicode MS" pitchFamily="34" charset="-128"/>
-                <a:cs typeface="Arial Unicode MS" pitchFamily="34" charset="-128"/>
-              </a:rPr>
-              <a:t>subcol</a:t>
-            </a:r>
-            <a:endParaRPr lang="en-US" sz="1800" kern="0" dirty="0" smtClean="0">
-              <a:ea typeface="Arial Unicode MS" pitchFamily="34" charset="-128"/>
-              <a:cs typeface="Arial Unicode MS" pitchFamily="34" charset="-128"/>
-            </a:endParaRPr>
-          </a:p>
-        </p:txBody>
-      </p:sp>
-    </p:spTree>
-    <p:extLst>
-      <p:ext uri="{BB962C8B-B14F-4D97-AF65-F5344CB8AC3E}">
-        <p14:creationId xmlns:p14="http://schemas.microsoft.com/office/powerpoint/2010/main" val="1172202659"/>
-      </p:ext>
-    </p:extLst>
-  </p:cSld>
-  <p:clrMapOvr>
-    <a:masterClrMapping/>
-  </p:clrMapOvr>
-  <p:timing>
-    <p:tnLst>
-      <p:par>
-        <p:cTn id="1" dur="indefinite" restart="never" nodeType="tmRoot"/>
-      </p:par>
-    </p:tnLst>
-  </p:timing>
-</p:sld>
-</file>
-
-<file path=ppt/slides/slide18.xml><?xml version="1.0" encoding="utf-8"?>
-<p:sld xmlns:a="http://schemas.openxmlformats.org/drawingml/2006/main" xmlns:r="http://schemas.openxmlformats.org/officeDocument/2006/relationships" xmlns:p="http://schemas.openxmlformats.org/presentationml/2006/main">
-  <p:cSld>
-    <p:spTree>
-      <p:nvGrpSpPr>
-        <p:cNvPr id="1" name=""/>
-        <p:cNvGrpSpPr/>
-        <p:nvPr/>
-      </p:nvGrpSpPr>
-      <p:grpSpPr>
-        <a:xfrm>
-          <a:off x="0" y="0"/>
-          <a:ext cx="0" cy="0"/>
-          <a:chOff x="0" y="0"/>
-          <a:chExt cx="0" cy="0"/>
-        </a:xfrm>
-      </p:grpSpPr>
-      <p:sp>
-        <p:nvSpPr>
-          <p:cNvPr id="2" name="Title 1"/>
-          <p:cNvSpPr>
-            <a:spLocks noGrp="1"/>
-          </p:cNvSpPr>
-          <p:nvPr>
             <p:ph type="ctrTitle"/>
           </p:nvPr>
         </p:nvSpPr>
@@ -14390,33 +13333,23 @@
           </a:p>
           <a:p>
             <a:r>
-              <a:rPr lang="en-US" dirty="0" smtClean="0">
+              <a:rPr lang="en-US" dirty="0">
                 <a:solidFill>
                   <a:srgbClr val="666666"/>
                 </a:solidFill>
               </a:rPr>
               <a:t>Ross Hightower</a:t>
             </a:r>
-            <a:endParaRPr lang="en-US" dirty="0">
-              <a:solidFill>
-                <a:srgbClr val="666666"/>
-              </a:solidFill>
-            </a:endParaRPr>
-          </a:p>
-          <a:p>
-            <a:r>
-              <a:rPr lang="en-US" dirty="0" smtClean="0">
+          </a:p>
+          <a:p>
+            <a:r>
+              <a:rPr lang="en-US" dirty="0">
                 <a:solidFill>
                   <a:srgbClr val="666666"/>
                 </a:solidFill>
               </a:rPr>
               <a:t>hightowe@uwm.edu</a:t>
             </a:r>
-            <a:endParaRPr lang="en-US" dirty="0">
-              <a:solidFill>
-                <a:srgbClr val="666666"/>
-              </a:solidFill>
-            </a:endParaRPr>
           </a:p>
         </p:txBody>
       </p:sp>
@@ -14430,17 +13363,10 @@
   <p:clrMapOvr>
     <a:masterClrMapping/>
   </p:clrMapOvr>
-  <p:timing>
-    <p:tnLst>
-      <p:par>
-        <p:cTn id="1" dur="indefinite" restart="never" nodeType="tmRoot"/>
-      </p:par>
-    </p:tnLst>
-  </p:timing>
 </p:sld>
 </file>
 
-<file path=ppt/slides/slide19.xml><?xml version="1.0" encoding="utf-8"?>
+<file path=ppt/slides/slide18.xml><?xml version="1.0" encoding="utf-8"?>
 <p:sld xmlns:a="http://schemas.openxmlformats.org/drawingml/2006/main" xmlns:r="http://schemas.openxmlformats.org/officeDocument/2006/relationships" xmlns:p="http://schemas.openxmlformats.org/presentationml/2006/main" show="0">
   <p:cSld>
     <p:spTree>
@@ -14463,13 +13389,6 @@
     <a:masterClrMapping/>
   </p:clrMapOvr>
   <p:transition spd="med"/>
-  <p:timing>
-    <p:tnLst>
-      <p:par>
-        <p:cTn id="1" dur="indefinite" restart="never" nodeType="tmRoot"/>
-      </p:par>
-    </p:tnLst>
-  </p:timing>
 </p:sld>
 </file>
 
@@ -14506,10 +13425,9 @@
           <a:lstStyle/>
           <a:p>
             <a:r>
-              <a:rPr lang="en-US" dirty="0" smtClean="0"/>
+              <a:rPr lang="en-US" dirty="0"/>
               <a:t>Routing in SAPUI5</a:t>
             </a:r>
-            <a:endParaRPr lang="en-US" dirty="0"/>
           </a:p>
         </p:txBody>
       </p:sp>
@@ -14529,50 +13447,49 @@
           <a:lstStyle/>
           <a:p>
             <a:r>
-              <a:rPr lang="en-US" dirty="0" smtClean="0"/>
+              <a:rPr lang="en-US" dirty="0"/>
               <a:t>Routing is a method for implementing navigation among the views in an application.</a:t>
             </a:r>
           </a:p>
           <a:p>
             <a:r>
-              <a:rPr lang="en-US" dirty="0" smtClean="0"/>
+              <a:rPr lang="en-US" dirty="0"/>
               <a:t>Routing is not the only method to implement navigation and is more complex than other methods but it has some advantages over other methods:</a:t>
             </a:r>
           </a:p>
           <a:p>
             <a:pPr lvl="3"/>
             <a:r>
-              <a:rPr lang="en-US" dirty="0" smtClean="0"/>
+              <a:rPr lang="en-US" dirty="0"/>
               <a:t>It imposes a structure that becomes is easier to manage as an application becomes more complex</a:t>
             </a:r>
           </a:p>
           <a:p>
             <a:pPr lvl="3"/>
             <a:r>
-              <a:rPr lang="en-US" dirty="0" smtClean="0"/>
+              <a:rPr lang="en-US" dirty="0"/>
               <a:t>Each view has a unique URL:</a:t>
             </a:r>
           </a:p>
           <a:p>
             <a:pPr lvl="4"/>
             <a:r>
-              <a:rPr lang="en-US" dirty="0" smtClean="0"/>
+              <a:rPr lang="en-US" dirty="0"/>
               <a:t>When the user refreshes the browser the view they are on is refreshed.  In other methods of navigation, a browser refresh will return to the initial view of the application.</a:t>
             </a:r>
           </a:p>
           <a:p>
             <a:pPr lvl="4"/>
             <a:r>
-              <a:rPr lang="en-US" dirty="0" smtClean="0"/>
+              <a:rPr lang="en-US" dirty="0"/>
               <a:t>You can enter the URL into a browser and navigate directly to the indicated view so you could, for example, provide a URL to another person share a particular view.</a:t>
             </a:r>
           </a:p>
           <a:p>
             <a:r>
-              <a:rPr lang="en-US" dirty="0" smtClean="0"/>
+              <a:rPr lang="en-US" dirty="0"/>
               <a:t>Routing is used in many popular web development frameworks such as Angular and Ember.</a:t>
             </a:r>
-            <a:endParaRPr lang="en-US" dirty="0"/>
           </a:p>
         </p:txBody>
       </p:sp>
@@ -14586,13 +13503,6 @@
   <p:clrMapOvr>
     <a:masterClrMapping/>
   </p:clrMapOvr>
-  <p:timing>
-    <p:tnLst>
-      <p:par>
-        <p:cTn id="1" dur="indefinite" restart="never" nodeType="tmRoot"/>
-      </p:par>
-    </p:tnLst>
-  </p:timing>
 </p:sld>
 </file>
 
@@ -14634,10 +13544,9 @@
           <a:lstStyle/>
           <a:p>
             <a:r>
-              <a:rPr lang="en-US" dirty="0" smtClean="0"/>
+              <a:rPr lang="en-US" dirty="0"/>
               <a:t>Application Architecture</a:t>
             </a:r>
-            <a:endParaRPr lang="en-US" dirty="0"/>
           </a:p>
         </p:txBody>
       </p:sp>
@@ -14717,33 +13626,33 @@
               <a:buSzPct val="80000"/>
             </a:pPr>
             <a:r>
-              <a:rPr lang="en-US" sz="1600" kern="0" dirty="0" smtClean="0">
+              <a:rPr lang="en-US" sz="1600" kern="0" dirty="0">
                 <a:ea typeface="Arial Unicode MS" pitchFamily="34" charset="-128"/>
                 <a:cs typeface="Arial Unicode MS" pitchFamily="34" charset="-128"/>
               </a:rPr>
               <a:t>Index.html file bootstraps</a:t>
             </a:r>
             <a:br>
-              <a:rPr lang="en-US" sz="1600" kern="0" dirty="0" smtClean="0">
+              <a:rPr lang="en-US" sz="1600" kern="0" dirty="0">
                 <a:ea typeface="Arial Unicode MS" pitchFamily="34" charset="-128"/>
                 <a:cs typeface="Arial Unicode MS" pitchFamily="34" charset="-128"/>
               </a:rPr>
             </a:br>
             <a:r>
-              <a:rPr lang="en-US" sz="1600" kern="0" dirty="0" smtClean="0">
+              <a:rPr lang="en-US" sz="1600" kern="0" dirty="0">
                 <a:ea typeface="Arial Unicode MS" pitchFamily="34" charset="-128"/>
                 <a:cs typeface="Arial Unicode MS" pitchFamily="34" charset="-128"/>
               </a:rPr>
               <a:t>UI5 libraries and loads</a:t>
             </a:r>
             <a:br>
-              <a:rPr lang="en-US" sz="1600" kern="0" dirty="0" smtClean="0">
+              <a:rPr lang="en-US" sz="1600" kern="0" dirty="0">
                 <a:ea typeface="Arial Unicode MS" pitchFamily="34" charset="-128"/>
                 <a:cs typeface="Arial Unicode MS" pitchFamily="34" charset="-128"/>
               </a:rPr>
             </a:br>
             <a:r>
-              <a:rPr lang="en-US" sz="1600" kern="0" dirty="0" smtClean="0">
+              <a:rPr lang="en-US" sz="1600" kern="0" dirty="0">
                 <a:ea typeface="Arial Unicode MS" pitchFamily="34" charset="-128"/>
                 <a:cs typeface="Arial Unicode MS" pitchFamily="34" charset="-128"/>
               </a:rPr>
@@ -14823,33 +13732,33 @@
               <a:buSzPct val="80000"/>
             </a:pPr>
             <a:r>
-              <a:rPr lang="en-US" sz="1800" kern="0" dirty="0" smtClean="0">
+              <a:rPr lang="en-US" sz="1800" kern="0" dirty="0">
                 <a:ea typeface="Arial Unicode MS" pitchFamily="34" charset="-128"/>
                 <a:cs typeface="Arial Unicode MS" pitchFamily="34" charset="-128"/>
               </a:rPr>
               <a:t>Component defines metadata for the application, defines</a:t>
             </a:r>
             <a:br>
-              <a:rPr lang="en-US" sz="1800" kern="0" dirty="0" smtClean="0">
+              <a:rPr lang="en-US" sz="1800" kern="0" dirty="0">
                 <a:ea typeface="Arial Unicode MS" pitchFamily="34" charset="-128"/>
                 <a:cs typeface="Arial Unicode MS" pitchFamily="34" charset="-128"/>
               </a:rPr>
             </a:br>
             <a:r>
-              <a:rPr lang="en-US" sz="1800" kern="0" dirty="0" smtClean="0">
+              <a:rPr lang="en-US" sz="1800" kern="0" dirty="0">
                 <a:ea typeface="Arial Unicode MS" pitchFamily="34" charset="-128"/>
                 <a:cs typeface="Arial Unicode MS" pitchFamily="34" charset="-128"/>
               </a:rPr>
               <a:t>models, creates the router object which handles </a:t>
             </a:r>
             <a:br>
-              <a:rPr lang="en-US" sz="1800" kern="0" dirty="0" smtClean="0">
+              <a:rPr lang="en-US" sz="1800" kern="0" dirty="0">
                 <a:ea typeface="Arial Unicode MS" pitchFamily="34" charset="-128"/>
                 <a:cs typeface="Arial Unicode MS" pitchFamily="34" charset="-128"/>
               </a:rPr>
             </a:br>
             <a:r>
-              <a:rPr lang="en-US" sz="1800" kern="0" dirty="0" smtClean="0">
+              <a:rPr lang="en-US" sz="1800" kern="0" dirty="0">
                 <a:ea typeface="Arial Unicode MS" pitchFamily="34" charset="-128"/>
                 <a:cs typeface="Arial Unicode MS" pitchFamily="34" charset="-128"/>
               </a:rPr>
@@ -14893,59 +13802,59 @@
               <a:buSzPct val="80000"/>
             </a:pPr>
             <a:r>
-              <a:rPr lang="en-US" sz="1800" kern="0" dirty="0" smtClean="0">
+              <a:rPr lang="en-US" sz="1800" kern="0" dirty="0">
                 <a:ea typeface="Arial Unicode MS" pitchFamily="34" charset="-128"/>
                 <a:cs typeface="Arial Unicode MS" pitchFamily="34" charset="-128"/>
               </a:rPr>
               <a:t>App view creates the </a:t>
             </a:r>
             <a:br>
-              <a:rPr lang="en-US" sz="1800" kern="0" dirty="0" smtClean="0">
+              <a:rPr lang="en-US" sz="1800" kern="0" dirty="0">
                 <a:ea typeface="Arial Unicode MS" pitchFamily="34" charset="-128"/>
                 <a:cs typeface="Arial Unicode MS" pitchFamily="34" charset="-128"/>
               </a:rPr>
             </a:br>
             <a:r>
-              <a:rPr lang="en-US" sz="1800" kern="0" dirty="0" smtClean="0">
+              <a:rPr lang="en-US" sz="1800" kern="0" dirty="0">
                 <a:ea typeface="Arial Unicode MS" pitchFamily="34" charset="-128"/>
                 <a:cs typeface="Arial Unicode MS" pitchFamily="34" charset="-128"/>
               </a:rPr>
               <a:t>application object which</a:t>
             </a:r>
             <a:br>
-              <a:rPr lang="en-US" sz="1800" kern="0" dirty="0" smtClean="0">
+              <a:rPr lang="en-US" sz="1800" kern="0" dirty="0">
                 <a:ea typeface="Arial Unicode MS" pitchFamily="34" charset="-128"/>
                 <a:cs typeface="Arial Unicode MS" pitchFamily="34" charset="-128"/>
               </a:rPr>
             </a:br>
             <a:r>
-              <a:rPr lang="en-US" sz="1800" kern="0" dirty="0" smtClean="0">
+              <a:rPr lang="en-US" sz="1800" kern="0" dirty="0">
                 <a:ea typeface="Arial Unicode MS" pitchFamily="34" charset="-128"/>
                 <a:cs typeface="Arial Unicode MS" pitchFamily="34" charset="-128"/>
               </a:rPr>
               <a:t>defines the interface</a:t>
             </a:r>
             <a:br>
-              <a:rPr lang="en-US" sz="1800" kern="0" dirty="0" smtClean="0">
+              <a:rPr lang="en-US" sz="1800" kern="0" dirty="0">
                 <a:ea typeface="Arial Unicode MS" pitchFamily="34" charset="-128"/>
                 <a:cs typeface="Arial Unicode MS" pitchFamily="34" charset="-128"/>
               </a:rPr>
             </a:br>
             <a:r>
-              <a:rPr lang="en-US" sz="1800" kern="0" dirty="0" smtClean="0">
+              <a:rPr lang="en-US" sz="1800" kern="0" dirty="0">
                 <a:ea typeface="Arial Unicode MS" pitchFamily="34" charset="-128"/>
                 <a:cs typeface="Arial Unicode MS" pitchFamily="34" charset="-128"/>
               </a:rPr>
               <a:t>structure: full screen or</a:t>
             </a:r>
             <a:br>
-              <a:rPr lang="en-US" sz="1800" kern="0" dirty="0" smtClean="0">
+              <a:rPr lang="en-US" sz="1800" kern="0" dirty="0">
                 <a:ea typeface="Arial Unicode MS" pitchFamily="34" charset="-128"/>
                 <a:cs typeface="Arial Unicode MS" pitchFamily="34" charset="-128"/>
               </a:rPr>
             </a:br>
             <a:r>
-              <a:rPr lang="en-US" sz="1800" kern="0" dirty="0" smtClean="0">
+              <a:rPr lang="en-US" sz="1800" kern="0" dirty="0">
                 <a:ea typeface="Arial Unicode MS" pitchFamily="34" charset="-128"/>
                 <a:cs typeface="Arial Unicode MS" pitchFamily="34" charset="-128"/>
               </a:rPr>
@@ -15061,20 +13970,20 @@
               <a:buSzPct val="80000"/>
             </a:pPr>
             <a:r>
-              <a:rPr lang="en-US" sz="1800" b="1" kern="0" dirty="0" smtClean="0">
+              <a:rPr lang="en-US" sz="1800" b="1" kern="0" dirty="0">
                 <a:ea typeface="Arial Unicode MS" pitchFamily="34" charset="-128"/>
                 <a:cs typeface="Arial Unicode MS" pitchFamily="34" charset="-128"/>
               </a:rPr>
               <a:t>Router object handles navigation</a:t>
             </a:r>
             <a:br>
-              <a:rPr lang="en-US" sz="1800" b="1" kern="0" dirty="0" smtClean="0">
+              <a:rPr lang="en-US" sz="1800" b="1" kern="0" dirty="0">
                 <a:ea typeface="Arial Unicode MS" pitchFamily="34" charset="-128"/>
                 <a:cs typeface="Arial Unicode MS" pitchFamily="34" charset="-128"/>
               </a:rPr>
             </a:br>
             <a:r>
-              <a:rPr lang="en-US" sz="1800" b="1" kern="0" dirty="0" smtClean="0">
+              <a:rPr lang="en-US" sz="1800" b="1" kern="0" dirty="0">
                 <a:ea typeface="Arial Unicode MS" pitchFamily="34" charset="-128"/>
                 <a:cs typeface="Arial Unicode MS" pitchFamily="34" charset="-128"/>
               </a:rPr>
@@ -15154,7 +14063,7 @@
               <a:buSzPct val="80000"/>
             </a:pPr>
             <a:r>
-              <a:rPr lang="en-US" sz="1800" kern="0" dirty="0" smtClean="0">
+              <a:rPr lang="en-US" sz="1800" kern="0" dirty="0">
                 <a:ea typeface="Arial Unicode MS" pitchFamily="34" charset="-128"/>
                 <a:cs typeface="Arial Unicode MS" pitchFamily="34" charset="-128"/>
               </a:rPr>
@@ -15234,7 +14143,7 @@
               <a:buSzPct val="80000"/>
             </a:pPr>
             <a:r>
-              <a:rPr lang="en-US" sz="1800" kern="0" dirty="0" smtClean="0">
+              <a:rPr lang="en-US" sz="1800" kern="0" dirty="0">
                 <a:ea typeface="Arial Unicode MS" pitchFamily="34" charset="-128"/>
                 <a:cs typeface="Arial Unicode MS" pitchFamily="34" charset="-128"/>
               </a:rPr>
@@ -15883,8 +14792,8 @@
         </p:nvSpPr>
         <p:spPr>
           <a:xfrm>
-            <a:off x="3164472" y="1318684"/>
-            <a:ext cx="8704729" cy="4378250"/>
+            <a:off x="3101097" y="2024855"/>
+            <a:ext cx="8704729" cy="2782428"/>
           </a:xfrm>
           <a:prstGeom prst="rect">
             <a:avLst/>
@@ -15910,7 +14819,7 @@
               </a:spcAft>
             </a:pPr>
             <a:r>
-              <a:rPr lang="en-US" sz="1800" dirty="0" err="1" smtClean="0">
+              <a:rPr lang="en-US" sz="1800" dirty="0" err="1">
                 <a:latin typeface="Calibri" panose="020F0502020204030204" pitchFamily="34" charset="0"/>
                 <a:ea typeface="Calibri" panose="020F0502020204030204" pitchFamily="34" charset="0"/>
                 <a:cs typeface="Times New Roman" panose="02020603050405020304" pitchFamily="18" charset="0"/>
@@ -15952,20 +14861,12 @@
               </a:spcAft>
             </a:pPr>
             <a:r>
-              <a:rPr lang="en-US" sz="1800" dirty="0" smtClean="0">
-                <a:latin typeface="Calibri" panose="020F0502020204030204" pitchFamily="34" charset="0"/>
-                <a:ea typeface="Calibri" panose="020F0502020204030204" pitchFamily="34" charset="0"/>
-                <a:cs typeface="Times New Roman" panose="02020603050405020304" pitchFamily="18" charset="0"/>
-              </a:rPr>
-              <a:t>  metadata</a:t>
-            </a:r>
-            <a:r>
               <a:rPr lang="en-US" sz="1800" dirty="0">
                 <a:latin typeface="Calibri" panose="020F0502020204030204" pitchFamily="34" charset="0"/>
                 <a:ea typeface="Calibri" panose="020F0502020204030204" pitchFamily="34" charset="0"/>
                 <a:cs typeface="Times New Roman" panose="02020603050405020304" pitchFamily="18" charset="0"/>
               </a:rPr>
-              <a:t>: {</a:t>
+              <a:t>  metadata: {</a:t>
             </a:r>
           </a:p>
           <a:p>
@@ -15978,18 +14879,13 @@
               </a:spcAft>
             </a:pPr>
             <a:r>
-              <a:rPr lang="en-US" sz="1800" dirty="0" smtClean="0">
+              <a:rPr lang="en-US" sz="1800" dirty="0">
                 <a:latin typeface="Calibri" panose="020F0502020204030204" pitchFamily="34" charset="0"/>
                 <a:ea typeface="Calibri" panose="020F0502020204030204" pitchFamily="34" charset="0"/>
                 <a:cs typeface="Times New Roman" panose="02020603050405020304" pitchFamily="18" charset="0"/>
               </a:rPr>
               <a:t>  },</a:t>
             </a:r>
-            <a:endParaRPr lang="en-US" sz="1800" dirty="0">
-              <a:latin typeface="Calibri" panose="020F0502020204030204" pitchFamily="34" charset="0"/>
-              <a:ea typeface="Calibri" panose="020F0502020204030204" pitchFamily="34" charset="0"/>
-              <a:cs typeface="Times New Roman" panose="02020603050405020304" pitchFamily="18" charset="0"/>
-            </a:endParaRPr>
           </a:p>
           <a:p>
             <a:pPr>
@@ -16001,36 +14897,20 @@
               </a:spcAft>
             </a:pPr>
             <a:r>
-              <a:rPr lang="en-US" sz="1800" dirty="0" smtClean="0">
-                <a:latin typeface="Calibri" panose="020F0502020204030204" pitchFamily="34" charset="0"/>
-                <a:ea typeface="Calibri" panose="020F0502020204030204" pitchFamily="34" charset="0"/>
-                <a:cs typeface="Times New Roman" panose="02020603050405020304" pitchFamily="18" charset="0"/>
-              </a:rPr>
-              <a:t>  </a:t>
-            </a:r>
-            <a:r>
-              <a:rPr lang="en-US" sz="1800" dirty="0" err="1" smtClean="0">
-                <a:latin typeface="Calibri" panose="020F0502020204030204" pitchFamily="34" charset="0"/>
-                <a:ea typeface="Calibri" panose="020F0502020204030204" pitchFamily="34" charset="0"/>
-                <a:cs typeface="Times New Roman" panose="02020603050405020304" pitchFamily="18" charset="0"/>
-              </a:rPr>
-              <a:t>init</a:t>
-            </a:r>
-            <a:r>
               <a:rPr lang="en-US" sz="1800" dirty="0">
                 <a:latin typeface="Calibri" panose="020F0502020204030204" pitchFamily="34" charset="0"/>
                 <a:ea typeface="Calibri" panose="020F0502020204030204" pitchFamily="34" charset="0"/>
                 <a:cs typeface="Times New Roman" panose="02020603050405020304" pitchFamily="18" charset="0"/>
               </a:rPr>
-              <a:t>: function() </a:t>
-            </a:r>
-            <a:r>
-              <a:rPr lang="en-US" sz="1800" dirty="0" smtClean="0">
+              <a:t>  </a:t>
+            </a:r>
+            <a:r>
+              <a:rPr lang="en-US" sz="1800" dirty="0" err="1">
                 <a:latin typeface="Calibri" panose="020F0502020204030204" pitchFamily="34" charset="0"/>
                 <a:ea typeface="Calibri" panose="020F0502020204030204" pitchFamily="34" charset="0"/>
                 <a:cs typeface="Times New Roman" panose="02020603050405020304" pitchFamily="18" charset="0"/>
               </a:rPr>
-              <a:t>{   </a:t>
+              <a:t>init</a:t>
             </a:r>
             <a:r>
               <a:rPr lang="en-US" sz="1800" dirty="0">
@@ -16038,13 +14918,8 @@
                 <a:ea typeface="Calibri" panose="020F0502020204030204" pitchFamily="34" charset="0"/>
                 <a:cs typeface="Times New Roman" panose="02020603050405020304" pitchFamily="18" charset="0"/>
               </a:rPr>
-              <a:t>	</a:t>
-            </a:r>
-            <a:endParaRPr lang="en-US" sz="1800" dirty="0" smtClean="0">
-              <a:latin typeface="Calibri" panose="020F0502020204030204" pitchFamily="34" charset="0"/>
-              <a:ea typeface="Calibri" panose="020F0502020204030204" pitchFamily="34" charset="0"/>
-              <a:cs typeface="Times New Roman" panose="02020603050405020304" pitchFamily="18" charset="0"/>
-            </a:endParaRPr>
+              <a:t>: function() {   	</a:t>
+            </a:r>
           </a:p>
           <a:p>
             <a:pPr>
@@ -16061,23 +14936,15 @@
                 <a:ea typeface="Calibri" panose="020F0502020204030204" pitchFamily="34" charset="0"/>
                 <a:cs typeface="Times New Roman" panose="02020603050405020304" pitchFamily="18" charset="0"/>
               </a:rPr>
-              <a:t> </a:t>
-            </a:r>
-            <a:r>
-              <a:rPr lang="en-US" sz="1800" dirty="0" smtClean="0">
+              <a:t>    </a:t>
+            </a:r>
+            <a:r>
+              <a:rPr lang="en-US" sz="1800" dirty="0" err="1">
                 <a:latin typeface="Calibri" panose="020F0502020204030204" pitchFamily="34" charset="0"/>
                 <a:ea typeface="Calibri" panose="020F0502020204030204" pitchFamily="34" charset="0"/>
                 <a:cs typeface="Times New Roman" panose="02020603050405020304" pitchFamily="18" charset="0"/>
               </a:rPr>
-              <a:t>   </a:t>
-            </a:r>
-            <a:r>
-              <a:rPr lang="en-US" sz="1800" dirty="0" err="1" smtClean="0">
-                <a:latin typeface="Calibri" panose="020F0502020204030204" pitchFamily="34" charset="0"/>
-                <a:ea typeface="Calibri" panose="020F0502020204030204" pitchFamily="34" charset="0"/>
-                <a:cs typeface="Times New Roman" panose="02020603050405020304" pitchFamily="18" charset="0"/>
-              </a:rPr>
-              <a:t>jQuery.sap.require</a:t>
+              <a:t>this.getRouter</a:t>
             </a:r>
             <a:r>
               <a:rPr lang="en-US" sz="1800" dirty="0">
@@ -16085,23 +14952,7 @@
                 <a:ea typeface="Calibri" panose="020F0502020204030204" pitchFamily="34" charset="0"/>
                 <a:cs typeface="Times New Roman" panose="02020603050405020304" pitchFamily="18" charset="0"/>
               </a:rPr>
-              <a:t>("</a:t>
-            </a:r>
-            <a:r>
-              <a:rPr lang="en-US" sz="1800" dirty="0" err="1">
-                <a:latin typeface="Calibri" panose="020F0502020204030204" pitchFamily="34" charset="0"/>
-                <a:ea typeface="Calibri" panose="020F0502020204030204" pitchFamily="34" charset="0"/>
-                <a:cs typeface="Times New Roman" panose="02020603050405020304" pitchFamily="18" charset="0"/>
-              </a:rPr>
-              <a:t>sap.m.routing.RouteMatchedHandler</a:t>
-            </a:r>
-            <a:r>
-              <a:rPr lang="en-US" sz="1800" dirty="0" smtClean="0">
-                <a:latin typeface="Calibri" panose="020F0502020204030204" pitchFamily="34" charset="0"/>
-                <a:ea typeface="Calibri" panose="020F0502020204030204" pitchFamily="34" charset="0"/>
-                <a:cs typeface="Times New Roman" panose="02020603050405020304" pitchFamily="18" charset="0"/>
-              </a:rPr>
-              <a:t>");</a:t>
+              <a:t>().initialize();</a:t>
             </a:r>
           </a:p>
           <a:p>
@@ -16119,252 +14970,7 @@
                 <a:ea typeface="Calibri" panose="020F0502020204030204" pitchFamily="34" charset="0"/>
                 <a:cs typeface="Times New Roman" panose="02020603050405020304" pitchFamily="18" charset="0"/>
               </a:rPr>
-              <a:t>    </a:t>
-            </a:r>
-            <a:r>
-              <a:rPr lang="en-US" sz="1800" dirty="0" err="1">
-                <a:latin typeface="Calibri" panose="020F0502020204030204" pitchFamily="34" charset="0"/>
-                <a:ea typeface="Calibri" panose="020F0502020204030204" pitchFamily="34" charset="0"/>
-                <a:cs typeface="Times New Roman" panose="02020603050405020304" pitchFamily="18" charset="0"/>
-              </a:rPr>
-              <a:t>jQuery.sap.require</a:t>
-            </a:r>
-            <a:r>
-              <a:rPr lang="en-US" sz="1800" dirty="0">
-                <a:latin typeface="Calibri" panose="020F0502020204030204" pitchFamily="34" charset="0"/>
-                <a:ea typeface="Calibri" panose="020F0502020204030204" pitchFamily="34" charset="0"/>
-                <a:cs typeface="Times New Roman" panose="02020603050405020304" pitchFamily="18" charset="0"/>
-              </a:rPr>
-              <a:t>("</a:t>
-            </a:r>
-            <a:r>
-              <a:rPr lang="en-US" sz="1800" dirty="0" err="1">
-                <a:latin typeface="Calibri" panose="020F0502020204030204" pitchFamily="34" charset="0"/>
-                <a:ea typeface="Calibri" panose="020F0502020204030204" pitchFamily="34" charset="0"/>
-                <a:cs typeface="Times New Roman" panose="02020603050405020304" pitchFamily="18" charset="0"/>
-              </a:rPr>
-              <a:t>sap.ui.core.routing.HashChanger</a:t>
-            </a:r>
-            <a:r>
-              <a:rPr lang="en-US" sz="1800" dirty="0">
-                <a:latin typeface="Calibri" panose="020F0502020204030204" pitchFamily="34" charset="0"/>
-                <a:ea typeface="Calibri" panose="020F0502020204030204" pitchFamily="34" charset="0"/>
-                <a:cs typeface="Times New Roman" panose="02020603050405020304" pitchFamily="18" charset="0"/>
-              </a:rPr>
-              <a:t>");	</a:t>
-            </a:r>
-            <a:endParaRPr lang="en-US" sz="1800" dirty="0" smtClean="0">
-              <a:latin typeface="Calibri" panose="020F0502020204030204" pitchFamily="34" charset="0"/>
-              <a:ea typeface="Calibri" panose="020F0502020204030204" pitchFamily="34" charset="0"/>
-              <a:cs typeface="Times New Roman" panose="02020603050405020304" pitchFamily="18" charset="0"/>
-            </a:endParaRPr>
-          </a:p>
-          <a:p>
-            <a:pPr>
-              <a:lnSpc>
-                <a:spcPct val="107000"/>
-              </a:lnSpc>
-              <a:spcAft>
-                <a:spcPts val="800"/>
-              </a:spcAft>
-            </a:pPr>
-            <a:r>
-              <a:rPr lang="en-US" sz="1800" dirty="0" smtClean="0">
-                <a:latin typeface="Calibri" panose="020F0502020204030204" pitchFamily="34" charset="0"/>
-                <a:ea typeface="Calibri" panose="020F0502020204030204" pitchFamily="34" charset="0"/>
-                <a:cs typeface="Times New Roman" panose="02020603050405020304" pitchFamily="18" charset="0"/>
-              </a:rPr>
-              <a:t>…</a:t>
-            </a:r>
-            <a:r>
-              <a:rPr lang="en-US" sz="1800" dirty="0">
-                <a:latin typeface="Calibri" panose="020F0502020204030204" pitchFamily="34" charset="0"/>
-                <a:ea typeface="Calibri" panose="020F0502020204030204" pitchFamily="34" charset="0"/>
-                <a:cs typeface="Times New Roman" panose="02020603050405020304" pitchFamily="18" charset="0"/>
-              </a:rPr>
-              <a:t>		</a:t>
-            </a:r>
-          </a:p>
-          <a:p>
-            <a:pPr>
-              <a:lnSpc>
-                <a:spcPct val="107000"/>
-              </a:lnSpc>
-              <a:spcAft>
-                <a:spcPts val="800"/>
-              </a:spcAft>
-            </a:pPr>
-            <a:r>
-              <a:rPr lang="en-US" sz="1800" dirty="0" smtClean="0">
-                <a:latin typeface="Calibri" panose="020F0502020204030204" pitchFamily="34" charset="0"/>
-                <a:ea typeface="Calibri" panose="020F0502020204030204" pitchFamily="34" charset="0"/>
-                <a:cs typeface="Times New Roman" panose="02020603050405020304" pitchFamily="18" charset="0"/>
-              </a:rPr>
-              <a:t>    </a:t>
-            </a:r>
-            <a:r>
-              <a:rPr lang="en-US" sz="1800" dirty="0" err="1" smtClean="0">
-                <a:latin typeface="Calibri" panose="020F0502020204030204" pitchFamily="34" charset="0"/>
-                <a:ea typeface="Calibri" panose="020F0502020204030204" pitchFamily="34" charset="0"/>
-                <a:cs typeface="Times New Roman" panose="02020603050405020304" pitchFamily="18" charset="0"/>
-              </a:rPr>
-              <a:t>this</a:t>
-            </a:r>
-            <a:r>
-              <a:rPr lang="en-US" sz="1800" dirty="0" err="1">
-                <a:latin typeface="Calibri" panose="020F0502020204030204" pitchFamily="34" charset="0"/>
-                <a:ea typeface="Calibri" panose="020F0502020204030204" pitchFamily="34" charset="0"/>
-                <a:cs typeface="Times New Roman" panose="02020603050405020304" pitchFamily="18" charset="0"/>
-              </a:rPr>
-              <a:t>._router</a:t>
-            </a:r>
-            <a:r>
-              <a:rPr lang="en-US" sz="1800" dirty="0">
-                <a:latin typeface="Calibri" panose="020F0502020204030204" pitchFamily="34" charset="0"/>
-                <a:ea typeface="Calibri" panose="020F0502020204030204" pitchFamily="34" charset="0"/>
-                <a:cs typeface="Times New Roman" panose="02020603050405020304" pitchFamily="18" charset="0"/>
-              </a:rPr>
-              <a:t> = </a:t>
-            </a:r>
-            <a:r>
-              <a:rPr lang="en-US" sz="1800" dirty="0" err="1">
-                <a:latin typeface="Calibri" panose="020F0502020204030204" pitchFamily="34" charset="0"/>
-                <a:ea typeface="Calibri" panose="020F0502020204030204" pitchFamily="34" charset="0"/>
-                <a:cs typeface="Times New Roman" panose="02020603050405020304" pitchFamily="18" charset="0"/>
-              </a:rPr>
-              <a:t>this.getRouter</a:t>
-            </a:r>
-            <a:r>
-              <a:rPr lang="en-US" sz="1800" dirty="0">
-                <a:latin typeface="Calibri" panose="020F0502020204030204" pitchFamily="34" charset="0"/>
-                <a:ea typeface="Calibri" panose="020F0502020204030204" pitchFamily="34" charset="0"/>
-                <a:cs typeface="Times New Roman" panose="02020603050405020304" pitchFamily="18" charset="0"/>
-              </a:rPr>
-              <a:t>();</a:t>
-            </a:r>
-          </a:p>
-          <a:p>
-            <a:pPr>
-              <a:lnSpc>
-                <a:spcPct val="107000"/>
-              </a:lnSpc>
-              <a:spcAft>
-                <a:spcPts val="800"/>
-              </a:spcAft>
-            </a:pPr>
-            <a:r>
-              <a:rPr lang="en-US" sz="1800" dirty="0" smtClean="0">
-                <a:latin typeface="Calibri" panose="020F0502020204030204" pitchFamily="34" charset="0"/>
-                <a:ea typeface="Calibri" panose="020F0502020204030204" pitchFamily="34" charset="0"/>
-                <a:cs typeface="Times New Roman" panose="02020603050405020304" pitchFamily="18" charset="0"/>
-              </a:rPr>
-              <a:t>    this</a:t>
-            </a:r>
-            <a:r>
-              <a:rPr lang="en-US" sz="1800" dirty="0">
-                <a:latin typeface="Calibri" panose="020F0502020204030204" pitchFamily="34" charset="0"/>
-                <a:ea typeface="Calibri" panose="020F0502020204030204" pitchFamily="34" charset="0"/>
-                <a:cs typeface="Times New Roman" panose="02020603050405020304" pitchFamily="18" charset="0"/>
-              </a:rPr>
-              <a:t>._</a:t>
-            </a:r>
-            <a:r>
-              <a:rPr lang="en-US" sz="1800" dirty="0" err="1">
-                <a:latin typeface="Calibri" panose="020F0502020204030204" pitchFamily="34" charset="0"/>
-                <a:ea typeface="Calibri" panose="020F0502020204030204" pitchFamily="34" charset="0"/>
-                <a:cs typeface="Times New Roman" panose="02020603050405020304" pitchFamily="18" charset="0"/>
-              </a:rPr>
-              <a:t>routeHandler</a:t>
-            </a:r>
-            <a:r>
-              <a:rPr lang="en-US" sz="1800" dirty="0">
-                <a:latin typeface="Calibri" panose="020F0502020204030204" pitchFamily="34" charset="0"/>
-                <a:ea typeface="Calibri" panose="020F0502020204030204" pitchFamily="34" charset="0"/>
-                <a:cs typeface="Times New Roman" panose="02020603050405020304" pitchFamily="18" charset="0"/>
-              </a:rPr>
-              <a:t> = new </a:t>
-            </a:r>
-            <a:r>
-              <a:rPr lang="en-US" sz="1800" dirty="0" err="1">
-                <a:latin typeface="Calibri" panose="020F0502020204030204" pitchFamily="34" charset="0"/>
-                <a:ea typeface="Calibri" panose="020F0502020204030204" pitchFamily="34" charset="0"/>
-                <a:cs typeface="Times New Roman" panose="02020603050405020304" pitchFamily="18" charset="0"/>
-              </a:rPr>
-              <a:t>sap.m.routing.RouteMatchedHandler</a:t>
-            </a:r>
-            <a:r>
-              <a:rPr lang="en-US" sz="1800" dirty="0">
-                <a:latin typeface="Calibri" panose="020F0502020204030204" pitchFamily="34" charset="0"/>
-                <a:ea typeface="Calibri" panose="020F0502020204030204" pitchFamily="34" charset="0"/>
-                <a:cs typeface="Times New Roman" panose="02020603050405020304" pitchFamily="18" charset="0"/>
-              </a:rPr>
-              <a:t>(</a:t>
-            </a:r>
-            <a:r>
-              <a:rPr lang="en-US" sz="1800" dirty="0" err="1">
-                <a:latin typeface="Calibri" panose="020F0502020204030204" pitchFamily="34" charset="0"/>
-                <a:ea typeface="Calibri" panose="020F0502020204030204" pitchFamily="34" charset="0"/>
-                <a:cs typeface="Times New Roman" panose="02020603050405020304" pitchFamily="18" charset="0"/>
-              </a:rPr>
-              <a:t>this._router</a:t>
-            </a:r>
-            <a:r>
-              <a:rPr lang="en-US" sz="1800" dirty="0">
-                <a:latin typeface="Calibri" panose="020F0502020204030204" pitchFamily="34" charset="0"/>
-                <a:ea typeface="Calibri" panose="020F0502020204030204" pitchFamily="34" charset="0"/>
-                <a:cs typeface="Times New Roman" panose="02020603050405020304" pitchFamily="18" charset="0"/>
-              </a:rPr>
-              <a:t>);</a:t>
-            </a:r>
-          </a:p>
-          <a:p>
-            <a:pPr>
-              <a:lnSpc>
-                <a:spcPct val="107000"/>
-              </a:lnSpc>
-              <a:spcAft>
-                <a:spcPts val="800"/>
-              </a:spcAft>
-            </a:pPr>
-            <a:r>
-              <a:rPr lang="en-US" sz="1800" dirty="0" smtClean="0">
-                <a:latin typeface="Calibri" panose="020F0502020204030204" pitchFamily="34" charset="0"/>
-                <a:ea typeface="Calibri" panose="020F0502020204030204" pitchFamily="34" charset="0"/>
-                <a:cs typeface="Times New Roman" panose="02020603050405020304" pitchFamily="18" charset="0"/>
-              </a:rPr>
-              <a:t>    this</a:t>
-            </a:r>
-            <a:r>
-              <a:rPr lang="en-US" sz="1800" dirty="0">
-                <a:latin typeface="Calibri" panose="020F0502020204030204" pitchFamily="34" charset="0"/>
-                <a:ea typeface="Calibri" panose="020F0502020204030204" pitchFamily="34" charset="0"/>
-                <a:cs typeface="Times New Roman" panose="02020603050405020304" pitchFamily="18" charset="0"/>
-              </a:rPr>
-              <a:t>._</a:t>
-            </a:r>
-            <a:r>
-              <a:rPr lang="en-US" sz="1800" dirty="0" err="1">
-                <a:latin typeface="Calibri" panose="020F0502020204030204" pitchFamily="34" charset="0"/>
-                <a:ea typeface="Calibri" panose="020F0502020204030204" pitchFamily="34" charset="0"/>
-                <a:cs typeface="Times New Roman" panose="02020603050405020304" pitchFamily="18" charset="0"/>
-              </a:rPr>
-              <a:t>router.initialize</a:t>
-            </a:r>
-            <a:r>
-              <a:rPr lang="en-US" sz="1800" dirty="0" smtClean="0">
-                <a:latin typeface="Calibri" panose="020F0502020204030204" pitchFamily="34" charset="0"/>
-                <a:ea typeface="Calibri" panose="020F0502020204030204" pitchFamily="34" charset="0"/>
-                <a:cs typeface="Times New Roman" panose="02020603050405020304" pitchFamily="18" charset="0"/>
-              </a:rPr>
-              <a:t>();</a:t>
-            </a:r>
-            <a:r>
-              <a:rPr lang="en-US" sz="1800" dirty="0">
-                <a:latin typeface="Calibri" panose="020F0502020204030204" pitchFamily="34" charset="0"/>
-                <a:ea typeface="Calibri" panose="020F0502020204030204" pitchFamily="34" charset="0"/>
-                <a:cs typeface="Times New Roman" panose="02020603050405020304" pitchFamily="18" charset="0"/>
-              </a:rPr>
-              <a:t>		</a:t>
+              <a:t>}		</a:t>
             </a:r>
           </a:p>
           <a:p>
@@ -16404,10 +15010,9 @@
           <a:lstStyle/>
           <a:p>
             <a:r>
-              <a:rPr lang="en-US" dirty="0" smtClean="0"/>
+              <a:rPr lang="en-US" dirty="0"/>
               <a:t>Router Configuration in Component.js</a:t>
             </a:r>
-            <a:endParaRPr lang="en-US" dirty="0"/>
           </a:p>
         </p:txBody>
       </p:sp>
@@ -16419,7 +15024,7 @@
         </p:nvSpPr>
         <p:spPr>
           <a:xfrm>
-            <a:off x="268940" y="1757082"/>
+            <a:off x="205565" y="2463253"/>
             <a:ext cx="2653553" cy="553998"/>
           </a:xfrm>
           <a:prstGeom prst="rect">
@@ -16446,20 +15051,20 @@
               <a:buSzPct val="80000"/>
             </a:pPr>
             <a:r>
-              <a:rPr lang="en-US" sz="1800" kern="0" dirty="0" smtClean="0">
+              <a:rPr lang="en-US" sz="1800" kern="0" dirty="0">
                 <a:ea typeface="Arial Unicode MS" pitchFamily="34" charset="-128"/>
                 <a:cs typeface="Arial Unicode MS" pitchFamily="34" charset="-128"/>
               </a:rPr>
               <a:t>Routes will be configured</a:t>
             </a:r>
             <a:br>
-              <a:rPr lang="en-US" sz="1800" kern="0" dirty="0" smtClean="0">
+              <a:rPr lang="en-US" sz="1800" kern="0" dirty="0">
                 <a:ea typeface="Arial Unicode MS" pitchFamily="34" charset="-128"/>
                 <a:cs typeface="Arial Unicode MS" pitchFamily="34" charset="-128"/>
               </a:rPr>
             </a:br>
             <a:r>
-              <a:rPr lang="en-US" sz="1800" kern="0" dirty="0" smtClean="0">
+              <a:rPr lang="en-US" sz="1800" kern="0" dirty="0">
                 <a:ea typeface="Arial Unicode MS" pitchFamily="34" charset="-128"/>
                 <a:cs typeface="Arial Unicode MS" pitchFamily="34" charset="-128"/>
               </a:rPr>
@@ -16476,7 +15081,7 @@
         </p:nvCxnSpPr>
         <p:spPr>
           <a:xfrm flipV="1">
-            <a:off x="2482326" y="2094500"/>
+            <a:off x="2418951" y="2800671"/>
             <a:ext cx="699247" cy="34964"/>
           </a:xfrm>
           <a:prstGeom prst="straightConnector1">
@@ -16512,8 +15117,8 @@
         </p:nvSpPr>
         <p:spPr>
           <a:xfrm>
-            <a:off x="223221" y="2615022"/>
-            <a:ext cx="2699272" cy="553998"/>
+            <a:off x="159846" y="3321193"/>
+            <a:ext cx="2699272" cy="830997"/>
           </a:xfrm>
           <a:prstGeom prst="rect">
             <a:avLst/>
@@ -16539,111 +15144,25 @@
               <a:buSzPct val="80000"/>
             </a:pPr>
             <a:r>
-              <a:rPr lang="en-US" sz="1800" kern="0" dirty="0" smtClean="0">
+              <a:rPr lang="en-US" sz="1800" kern="0" dirty="0">
                 <a:ea typeface="Arial Unicode MS" pitchFamily="34" charset="-128"/>
                 <a:cs typeface="Arial Unicode MS" pitchFamily="34" charset="-128"/>
               </a:rPr>
               <a:t>Router  library is </a:t>
             </a:r>
             <a:br>
-              <a:rPr lang="en-US" sz="1800" kern="0" dirty="0" smtClean="0">
+              <a:rPr lang="en-US" sz="1800" kern="0" dirty="0">
                 <a:ea typeface="Arial Unicode MS" pitchFamily="34" charset="-128"/>
                 <a:cs typeface="Arial Unicode MS" pitchFamily="34" charset="-128"/>
               </a:rPr>
             </a:br>
             <a:r>
-              <a:rPr lang="en-US" sz="1800" kern="0" dirty="0" smtClean="0">
-                <a:ea typeface="Arial Unicode MS" pitchFamily="34" charset="-128"/>
-                <a:cs typeface="Arial Unicode MS" pitchFamily="34" charset="-128"/>
-              </a:rPr>
-              <a:t>loaded in </a:t>
-            </a:r>
-            <a:r>
-              <a:rPr lang="en-US" sz="1800" kern="0" dirty="0" err="1" smtClean="0">
-                <a:ea typeface="Arial Unicode MS" pitchFamily="34" charset="-128"/>
-                <a:cs typeface="Arial Unicode MS" pitchFamily="34" charset="-128"/>
-              </a:rPr>
-              <a:t>init</a:t>
-            </a:r>
-            <a:r>
-              <a:rPr lang="en-US" sz="1800" kern="0" dirty="0" smtClean="0">
-                <a:ea typeface="Arial Unicode MS" pitchFamily="34" charset="-128"/>
-                <a:cs typeface="Arial Unicode MS" pitchFamily="34" charset="-128"/>
-              </a:rPr>
-              <a:t> function.</a:t>
-            </a:r>
-          </a:p>
-        </p:txBody>
-      </p:sp>
-      <p:sp>
-        <p:nvSpPr>
-          <p:cNvPr id="8" name="TextBox 7"/>
-          <p:cNvSpPr txBox="1"/>
-          <p:nvPr/>
-        </p:nvSpPr>
-        <p:spPr>
-          <a:xfrm>
-            <a:off x="3514165" y="5935368"/>
-            <a:ext cx="8301317" cy="630942"/>
-          </a:xfrm>
-          <a:prstGeom prst="rect">
-            <a:avLst/>
-          </a:prstGeom>
-          <a:noFill/>
-        </p:spPr>
-        <p:txBody>
-          <a:bodyPr wrap="square" lIns="0" tIns="0" rIns="0" bIns="0" rtlCol="0">
-            <a:spAutoFit/>
-          </a:bodyPr>
-          <a:lstStyle/>
-          <a:p>
-            <a:pPr fontAlgn="base">
-              <a:spcBef>
-                <a:spcPts val="600"/>
-              </a:spcBef>
-              <a:spcAft>
-                <a:spcPct val="0"/>
-              </a:spcAft>
-              <a:buClr>
-                <a:srgbClr val="F0AB00"/>
-              </a:buClr>
-              <a:buSzPct val="80000"/>
-            </a:pPr>
-            <a:r>
-              <a:rPr lang="en-US" sz="1800" dirty="0" err="1" smtClean="0">
-                <a:latin typeface="Calibri" panose="020F0502020204030204" pitchFamily="34" charset="0"/>
-                <a:ea typeface="Calibri" panose="020F0502020204030204" pitchFamily="34" charset="0"/>
-                <a:cs typeface="Times New Roman" panose="02020603050405020304" pitchFamily="18" charset="0"/>
-              </a:rPr>
-              <a:t>sap.m.routing.RouteMatchedHandler</a:t>
-            </a:r>
-            <a:r>
-              <a:rPr lang="en-US" sz="1800" dirty="0" smtClean="0">
-                <a:latin typeface="Calibri" panose="020F0502020204030204" pitchFamily="34" charset="0"/>
-                <a:ea typeface="Calibri" panose="020F0502020204030204" pitchFamily="34" charset="0"/>
-                <a:cs typeface="Times New Roman" panose="02020603050405020304" pitchFamily="18" charset="0"/>
-              </a:rPr>
-              <a:t> – handles the navigation events in the application</a:t>
-            </a:r>
-          </a:p>
-          <a:p>
-            <a:pPr fontAlgn="base">
-              <a:spcBef>
-                <a:spcPts val="600"/>
-              </a:spcBef>
-              <a:spcAft>
-                <a:spcPct val="0"/>
-              </a:spcAft>
-              <a:buClr>
-                <a:srgbClr val="F0AB00"/>
-              </a:buClr>
-              <a:buSzPct val="80000"/>
-            </a:pPr>
-            <a:endParaRPr lang="en-US" sz="1800" kern="0" dirty="0">
-              <a:latin typeface="Calibri" panose="020F0502020204030204" pitchFamily="34" charset="0"/>
-              <a:ea typeface="Arial Unicode MS" pitchFamily="34" charset="-128"/>
-              <a:cs typeface="Times New Roman" panose="02020603050405020304" pitchFamily="18" charset="0"/>
-            </a:endParaRPr>
+              <a:rPr lang="en-US" sz="1800" kern="0" dirty="0">
+                <a:ea typeface="Arial Unicode MS" pitchFamily="34" charset="-128"/>
+                <a:cs typeface="Arial Unicode MS" pitchFamily="34" charset="-128"/>
+              </a:rPr>
+              <a:t>loaded in initialize function.</a:t>
+            </a:r>
           </a:p>
         </p:txBody>
       </p:sp>
@@ -16655,310 +15174,8 @@
         </p:nvCxnSpPr>
         <p:spPr>
           <a:xfrm>
-            <a:off x="2196353" y="2849110"/>
+            <a:off x="2132978" y="3555281"/>
             <a:ext cx="1138518" cy="211135"/>
-          </a:xfrm>
-          <a:prstGeom prst="straightConnector1">
-            <a:avLst/>
-          </a:prstGeom>
-          <a:ln w="6350">
-            <a:solidFill>
-              <a:schemeClr val="tx1"/>
-            </a:solidFill>
-            <a:tailEnd type="triangle"/>
-          </a:ln>
-        </p:spPr>
-        <p:style>
-          <a:lnRef idx="1">
-            <a:schemeClr val="accent1"/>
-          </a:lnRef>
-          <a:fillRef idx="0">
-            <a:schemeClr val="accent1"/>
-          </a:fillRef>
-          <a:effectRef idx="0">
-            <a:schemeClr val="accent1"/>
-          </a:effectRef>
-          <a:fontRef idx="minor">
-            <a:schemeClr val="tx1"/>
-          </a:fontRef>
-        </p:style>
-      </p:cxnSp>
-      <p:sp>
-        <p:nvSpPr>
-          <p:cNvPr id="11" name="TextBox 10"/>
-          <p:cNvSpPr txBox="1"/>
-          <p:nvPr/>
-        </p:nvSpPr>
-        <p:spPr>
-          <a:xfrm>
-            <a:off x="223221" y="3557164"/>
-            <a:ext cx="2949388" cy="830997"/>
-          </a:xfrm>
-          <a:prstGeom prst="rect">
-            <a:avLst/>
-          </a:prstGeom>
-          <a:noFill/>
-        </p:spPr>
-        <p:txBody>
-          <a:bodyPr wrap="square" lIns="0" tIns="0" rIns="0" bIns="0" rtlCol="0">
-            <a:spAutoFit/>
-          </a:bodyPr>
-          <a:lstStyle/>
-          <a:p>
-            <a:pPr fontAlgn="base">
-              <a:spcBef>
-                <a:spcPts val="600"/>
-              </a:spcBef>
-              <a:spcAft>
-                <a:spcPct val="0"/>
-              </a:spcAft>
-              <a:buClr>
-                <a:srgbClr val="F0AB00"/>
-              </a:buClr>
-              <a:buSzPct val="80000"/>
-            </a:pPr>
-            <a:r>
-              <a:rPr lang="en-US" sz="1800" kern="0" dirty="0" smtClean="0">
-                <a:ea typeface="Arial Unicode MS" pitchFamily="34" charset="-128"/>
-                <a:cs typeface="Arial Unicode MS" pitchFamily="34" charset="-128"/>
-              </a:rPr>
-              <a:t>Creates router object. The </a:t>
-            </a:r>
-            <a:r>
-              <a:rPr lang="en-US" sz="1800" i="1" kern="0" dirty="0" smtClean="0">
-                <a:ea typeface="Arial Unicode MS" pitchFamily="34" charset="-128"/>
-                <a:cs typeface="Arial Unicode MS" pitchFamily="34" charset="-128"/>
-              </a:rPr>
-              <a:t>this</a:t>
-            </a:r>
-            <a:r>
-              <a:rPr lang="en-US" sz="1800" kern="0" dirty="0" smtClean="0">
-                <a:ea typeface="Arial Unicode MS" pitchFamily="34" charset="-128"/>
-                <a:cs typeface="Arial Unicode MS" pitchFamily="34" charset="-128"/>
-              </a:rPr>
-              <a:t> refers to the </a:t>
-            </a:r>
-            <a:br>
-              <a:rPr lang="en-US" sz="1800" kern="0" dirty="0" smtClean="0">
-                <a:ea typeface="Arial Unicode MS" pitchFamily="34" charset="-128"/>
-                <a:cs typeface="Arial Unicode MS" pitchFamily="34" charset="-128"/>
-              </a:rPr>
-            </a:br>
-            <a:r>
-              <a:rPr lang="en-US" sz="1800" kern="0" dirty="0" smtClean="0">
-                <a:ea typeface="Arial Unicode MS" pitchFamily="34" charset="-128"/>
-                <a:cs typeface="Arial Unicode MS" pitchFamily="34" charset="-128"/>
-              </a:rPr>
-              <a:t>component</a:t>
-            </a:r>
-          </a:p>
-        </p:txBody>
-      </p:sp>
-      <p:sp>
-        <p:nvSpPr>
-          <p:cNvPr id="12" name="TextBox 11"/>
-          <p:cNvSpPr txBox="1"/>
-          <p:nvPr/>
-        </p:nvSpPr>
-        <p:spPr>
-          <a:xfrm>
-            <a:off x="268940" y="4597080"/>
-            <a:ext cx="2823882" cy="1538883"/>
-          </a:xfrm>
-          <a:prstGeom prst="rect">
-            <a:avLst/>
-          </a:prstGeom>
-          <a:noFill/>
-        </p:spPr>
-        <p:txBody>
-          <a:bodyPr wrap="square" lIns="0" tIns="0" rIns="0" bIns="0" rtlCol="0">
-            <a:spAutoFit/>
-          </a:bodyPr>
-          <a:lstStyle/>
-          <a:p>
-            <a:pPr fontAlgn="base">
-              <a:spcBef>
-                <a:spcPts val="600"/>
-              </a:spcBef>
-              <a:spcAft>
-                <a:spcPct val="0"/>
-              </a:spcAft>
-              <a:buClr>
-                <a:srgbClr val="F0AB00"/>
-              </a:buClr>
-              <a:buSzPct val="80000"/>
-            </a:pPr>
-            <a:r>
-              <a:rPr lang="en-US" sz="1800" kern="0" dirty="0" smtClean="0">
-                <a:ea typeface="Arial Unicode MS" pitchFamily="34" charset="-128"/>
-                <a:cs typeface="Arial Unicode MS" pitchFamily="34" charset="-128"/>
-              </a:rPr>
-              <a:t>Initiates the </a:t>
-            </a:r>
-            <a:r>
-              <a:rPr lang="en-US" sz="1800" kern="0" dirty="0" err="1" smtClean="0">
-                <a:ea typeface="Arial Unicode MS" pitchFamily="34" charset="-128"/>
-                <a:cs typeface="Arial Unicode MS" pitchFamily="34" charset="-128"/>
-              </a:rPr>
-              <a:t>routeHandler</a:t>
-            </a:r>
-            <a:r>
-              <a:rPr lang="en-US" sz="1800" kern="0" dirty="0" smtClean="0">
-                <a:ea typeface="Arial Unicode MS" pitchFamily="34" charset="-128"/>
-                <a:cs typeface="Arial Unicode MS" pitchFamily="34" charset="-128"/>
-              </a:rPr>
-              <a:t/>
-            </a:r>
-            <a:br>
-              <a:rPr lang="en-US" sz="1800" kern="0" dirty="0" smtClean="0">
-                <a:ea typeface="Arial Unicode MS" pitchFamily="34" charset="-128"/>
-                <a:cs typeface="Arial Unicode MS" pitchFamily="34" charset="-128"/>
-              </a:rPr>
-            </a:br>
-            <a:r>
-              <a:rPr lang="en-US" sz="1800" kern="0" dirty="0" smtClean="0">
-                <a:ea typeface="Arial Unicode MS" pitchFamily="34" charset="-128"/>
-                <a:cs typeface="Arial Unicode MS" pitchFamily="34" charset="-128"/>
-              </a:rPr>
-              <a:t>which does the heavy lifting</a:t>
-            </a:r>
-            <a:br>
-              <a:rPr lang="en-US" sz="1800" kern="0" dirty="0" smtClean="0">
-                <a:ea typeface="Arial Unicode MS" pitchFamily="34" charset="-128"/>
-                <a:cs typeface="Arial Unicode MS" pitchFamily="34" charset="-128"/>
-              </a:rPr>
-            </a:br>
-            <a:r>
-              <a:rPr lang="en-US" sz="1800" kern="0" dirty="0" smtClean="0">
-                <a:ea typeface="Arial Unicode MS" pitchFamily="34" charset="-128"/>
-                <a:cs typeface="Arial Unicode MS" pitchFamily="34" charset="-128"/>
-              </a:rPr>
-              <a:t>for routing</a:t>
-            </a:r>
-          </a:p>
-          <a:p>
-            <a:pPr fontAlgn="base">
-              <a:spcBef>
-                <a:spcPts val="600"/>
-              </a:spcBef>
-              <a:spcAft>
-                <a:spcPct val="0"/>
-              </a:spcAft>
-              <a:buClr>
-                <a:srgbClr val="F0AB00"/>
-              </a:buClr>
-              <a:buSzPct val="80000"/>
-            </a:pPr>
-            <a:endParaRPr lang="en-US" sz="1800" kern="0" dirty="0">
-              <a:ea typeface="Arial Unicode MS" pitchFamily="34" charset="-128"/>
-              <a:cs typeface="Arial Unicode MS" pitchFamily="34" charset="-128"/>
-            </a:endParaRPr>
-          </a:p>
-          <a:p>
-            <a:pPr fontAlgn="base">
-              <a:spcBef>
-                <a:spcPts val="600"/>
-              </a:spcBef>
-              <a:spcAft>
-                <a:spcPct val="0"/>
-              </a:spcAft>
-              <a:buClr>
-                <a:srgbClr val="F0AB00"/>
-              </a:buClr>
-              <a:buSzPct val="80000"/>
-            </a:pPr>
-            <a:r>
-              <a:rPr lang="en-US" sz="1800" kern="0" dirty="0" smtClean="0">
-                <a:ea typeface="Arial Unicode MS" pitchFamily="34" charset="-128"/>
-                <a:cs typeface="Arial Unicode MS" pitchFamily="34" charset="-128"/>
-              </a:rPr>
-              <a:t>Initialize the router</a:t>
-            </a:r>
-          </a:p>
-        </p:txBody>
-      </p:sp>
-      <p:cxnSp>
-        <p:nvCxnSpPr>
-          <p:cNvPr id="18" name="Straight Arrow Connector 17"/>
-          <p:cNvCxnSpPr/>
-          <p:nvPr/>
-        </p:nvCxnSpPr>
-        <p:spPr>
-          <a:xfrm>
-            <a:off x="2922493" y="4043082"/>
-            <a:ext cx="421342" cy="175660"/>
-          </a:xfrm>
-          <a:prstGeom prst="straightConnector1">
-            <a:avLst/>
-          </a:prstGeom>
-          <a:ln w="6350">
-            <a:solidFill>
-              <a:schemeClr val="tx1"/>
-            </a:solidFill>
-            <a:tailEnd type="triangle"/>
-          </a:ln>
-        </p:spPr>
-        <p:style>
-          <a:lnRef idx="1">
-            <a:schemeClr val="accent1"/>
-          </a:lnRef>
-          <a:fillRef idx="0">
-            <a:schemeClr val="accent1"/>
-          </a:fillRef>
-          <a:effectRef idx="0">
-            <a:schemeClr val="accent1"/>
-          </a:effectRef>
-          <a:fontRef idx="minor">
-            <a:schemeClr val="tx1"/>
-          </a:fontRef>
-        </p:style>
-      </p:cxnSp>
-      <p:cxnSp>
-        <p:nvCxnSpPr>
-          <p:cNvPr id="20" name="Straight Arrow Connector 19"/>
-          <p:cNvCxnSpPr/>
-          <p:nvPr/>
-        </p:nvCxnSpPr>
-        <p:spPr>
-          <a:xfrm flipV="1">
-            <a:off x="2922493" y="4714466"/>
-            <a:ext cx="412378" cy="108775"/>
-          </a:xfrm>
-          <a:prstGeom prst="straightConnector1">
-            <a:avLst/>
-          </a:prstGeom>
-          <a:ln w="6350">
-            <a:solidFill>
-              <a:schemeClr val="tx1"/>
-            </a:solidFill>
-            <a:tailEnd type="triangle"/>
-          </a:ln>
-        </p:spPr>
-        <p:style>
-          <a:lnRef idx="1">
-            <a:schemeClr val="accent1"/>
-          </a:lnRef>
-          <a:fillRef idx="0">
-            <a:schemeClr val="accent1"/>
-          </a:fillRef>
-          <a:effectRef idx="0">
-            <a:schemeClr val="accent1"/>
-          </a:effectRef>
-          <a:fontRef idx="minor">
-            <a:schemeClr val="tx1"/>
-          </a:fontRef>
-        </p:style>
-      </p:cxnSp>
-      <p:cxnSp>
-        <p:nvCxnSpPr>
-          <p:cNvPr id="22" name="Straight Arrow Connector 21"/>
-          <p:cNvCxnSpPr/>
-          <p:nvPr/>
-        </p:nvCxnSpPr>
-        <p:spPr>
-          <a:xfrm flipV="1">
-            <a:off x="2420471" y="5366521"/>
-            <a:ext cx="1093694" cy="465194"/>
           </a:xfrm>
           <a:prstGeom prst="straightConnector1">
             <a:avLst/>
@@ -16995,13 +15212,6 @@
   <p:clrMapOvr>
     <a:masterClrMapping/>
   </p:clrMapOvr>
-  <p:timing>
-    <p:tnLst>
-      <p:par>
-        <p:cTn id="1" dur="indefinite" restart="never" nodeType="tmRoot"/>
-      </p:par>
-    </p:tnLst>
-  </p:timing>
 </p:sld>
 </file>
 
@@ -17038,10 +15248,9 @@
           <a:lstStyle/>
           <a:p>
             <a:r>
-              <a:rPr lang="en-US" dirty="0" smtClean="0"/>
+              <a:rPr lang="en-US" dirty="0"/>
               <a:t>Configuring a Default Route</a:t>
             </a:r>
-            <a:endParaRPr lang="en-US" dirty="0"/>
           </a:p>
         </p:txBody>
       </p:sp>
@@ -17053,8 +15262,8 @@
         </p:nvSpPr>
         <p:spPr>
           <a:xfrm>
-            <a:off x="5120436" y="1467466"/>
-            <a:ext cx="6506788" cy="4770537"/>
+            <a:off x="5156649" y="1232076"/>
+            <a:ext cx="6506788" cy="5262979"/>
           </a:xfrm>
           <a:prstGeom prst="rect">
             <a:avLst/>
@@ -17072,59 +15281,60 @@
           <a:lstStyle/>
           <a:p>
             <a:r>
-              <a:rPr lang="en-US" sz="1600" dirty="0" smtClean="0"/>
-              <a:t>metadata</a:t>
-            </a:r>
-            <a:r>
               <a:rPr lang="en-US" sz="1600" dirty="0"/>
-              <a:t>: </a:t>
-            </a:r>
-            <a:r>
-              <a:rPr lang="en-US" sz="1600" dirty="0" smtClean="0"/>
-              <a:t>{</a:t>
-            </a:r>
+              <a:t>metadata: {</a:t>
+            </a:r>
+          </a:p>
+          <a:p>
+            <a:r>
+              <a:rPr lang="en-US" sz="1600" dirty="0"/>
+              <a:t>	</a:t>
+            </a:r>
+            <a:r>
+              <a:rPr lang="en-US" sz="1600" dirty="0" err="1"/>
+              <a:t>rootView</a:t>
+            </a:r>
+            <a:r>
+              <a:rPr lang="en-US" sz="1600" dirty="0"/>
+              <a:t>: "</a:t>
+            </a:r>
+            <a:r>
+              <a:rPr lang="en-US" sz="1600" dirty="0" err="1"/>
+              <a:t>routing.view.App</a:t>
+            </a:r>
+            <a:r>
+              <a:rPr lang="en-US" sz="1600" dirty="0"/>
+              <a:t>",</a:t>
+            </a:r>
+          </a:p>
+          <a:p>
+            <a:endParaRPr lang="en-US" sz="1600" dirty="0"/>
+          </a:p>
+          <a:p>
+            <a:r>
+              <a:rPr lang="en-US" sz="1600" dirty="0"/>
+              <a:t>	routing: {</a:t>
+            </a:r>
+          </a:p>
+          <a:p>
+            <a:r>
+              <a:rPr lang="en-US" sz="1600" dirty="0"/>
+              <a:t>	    </a:t>
+            </a:r>
+            <a:r>
+              <a:rPr lang="en-US" sz="1600" dirty="0" err="1"/>
+              <a:t>config</a:t>
+            </a:r>
+            <a:r>
+              <a:rPr lang="en-US" sz="1600" dirty="0"/>
+              <a:t>: {</a:t>
+            </a:r>
+          </a:p>
+          <a:p>
             <a:r>
               <a:rPr lang="en-US" sz="1600" dirty="0"/>
               <a:t>		</a:t>
             </a:r>
-          </a:p>
-          <a:p>
-            <a:r>
-              <a:rPr lang="en-US" sz="1600" dirty="0" smtClean="0"/>
-              <a:t>  routing</a:t>
-            </a:r>
-            <a:r>
-              <a:rPr lang="en-US" sz="1600" dirty="0"/>
-              <a:t>: </a:t>
-            </a:r>
-            <a:r>
-              <a:rPr lang="en-US" sz="1600" dirty="0" smtClean="0"/>
-              <a:t>{</a:t>
-            </a:r>
-            <a:r>
-              <a:rPr lang="en-US" sz="1600" dirty="0"/>
-              <a:t>	</a:t>
-            </a:r>
-          </a:p>
-          <a:p>
-            <a:r>
-              <a:rPr lang="en-US" sz="1600" dirty="0" smtClean="0"/>
-              <a:t>    </a:t>
-            </a:r>
-            <a:r>
-              <a:rPr lang="en-US" sz="1600" dirty="0" err="1" smtClean="0"/>
-              <a:t>config</a:t>
-            </a:r>
-            <a:r>
-              <a:rPr lang="en-US" sz="1600" dirty="0"/>
-              <a:t>: {</a:t>
-            </a:r>
-          </a:p>
-          <a:p>
-            <a:r>
-              <a:rPr lang="en-US" sz="1600" dirty="0"/>
-              <a:t>	</a:t>
-            </a:r>
             <a:r>
               <a:rPr lang="en-US" sz="1600" dirty="0" err="1"/>
               <a:t>viewType</a:t>
@@ -17137,7 +15347,7 @@
           <a:p>
             <a:r>
               <a:rPr lang="en-US" sz="1600" dirty="0"/>
-              <a:t>	</a:t>
+              <a:t>		</a:t>
             </a:r>
             <a:r>
               <a:rPr lang="en-US" sz="1600" dirty="0" err="1"/>
@@ -17145,11 +15355,11 @@
             </a:r>
             <a:r>
               <a:rPr lang="en-US" sz="1600" dirty="0"/>
-              <a:t>: </a:t>
-            </a:r>
-            <a:r>
-              <a:rPr lang="en-US" sz="1600" dirty="0" smtClean="0"/>
-              <a:t>“ui5.view</a:t>
+              <a:t>: "</a:t>
+            </a:r>
+            <a:r>
+              <a:rPr lang="en-US" sz="1600" dirty="0" err="1"/>
+              <a:t>routing.view</a:t>
             </a:r>
             <a:r>
               <a:rPr lang="en-US" sz="1600" dirty="0"/>
@@ -17159,7 +15369,27 @@
           <a:p>
             <a:r>
               <a:rPr lang="en-US" sz="1600" dirty="0"/>
-              <a:t>	</a:t>
+              <a:t>		transition: "slide",</a:t>
+            </a:r>
+          </a:p>
+          <a:p>
+            <a:r>
+              <a:rPr lang="en-US" sz="1600" dirty="0"/>
+              <a:t>		</a:t>
+            </a:r>
+            <a:r>
+              <a:rPr lang="en-US" sz="1600" dirty="0" err="1"/>
+              <a:t>clearTarget</a:t>
+            </a:r>
+            <a:r>
+              <a:rPr lang="en-US" sz="1600" dirty="0"/>
+              <a:t>: true,</a:t>
+            </a:r>
+          </a:p>
+          <a:p>
+            <a:r>
+              <a:rPr lang="en-US" sz="1600" dirty="0"/>
+              <a:t>		</a:t>
             </a:r>
             <a:r>
               <a:rPr lang="en-US" sz="1600" dirty="0" err="1"/>
@@ -17171,128 +15401,53 @@
             </a:r>
             <a:r>
               <a:rPr lang="en-US" sz="1600" dirty="0" err="1"/>
-              <a:t>splitApp</a:t>
+              <a:t>idAppControl</a:t>
             </a:r>
             <a:r>
               <a:rPr lang="en-US" sz="1600" dirty="0"/>
-              <a:t>",</a:t>
+              <a:t>"</a:t>
             </a:r>
           </a:p>
           <a:p>
             <a:r>
               <a:rPr lang="en-US" sz="1600" dirty="0"/>
-              <a:t>	</a:t>
-            </a:r>
-            <a:r>
-              <a:rPr lang="en-US" sz="1600" dirty="0" err="1"/>
-              <a:t>clearTarget</a:t>
-            </a:r>
+              <a:t>	    },</a:t>
+            </a:r>
+          </a:p>
+          <a:p>
             <a:r>
               <a:rPr lang="en-US" sz="1600" dirty="0"/>
-              <a:t>: false,</a:t>
+              <a:t>                	    routes: [      </a:t>
             </a:r>
           </a:p>
           <a:p>
             <a:r>
               <a:rPr lang="en-US" sz="1600" dirty="0"/>
-              <a:t>	transition: "slide"</a:t>
-            </a:r>
-          </a:p>
-          <a:p>
-            <a:r>
-              <a:rPr lang="en-US" sz="1600" dirty="0" smtClean="0"/>
-              <a:t>                },</a:t>
-            </a:r>
-            <a:endParaRPr lang="en-US" sz="1600" dirty="0"/>
+              <a:t>          	   	{</a:t>
+            </a:r>
           </a:p>
           <a:p>
             <a:r>
               <a:rPr lang="en-US" sz="1600" dirty="0"/>
-              <a:t>	</a:t>
-            </a:r>
-            <a:r>
-              <a:rPr lang="en-US" sz="1600" dirty="0" smtClean="0"/>
-              <a:t>routes</a:t>
-            </a:r>
+              <a:t>                		   pattern: "",</a:t>
+            </a:r>
+          </a:p>
+          <a:p>
             <a:r>
               <a:rPr lang="en-US" sz="1600" dirty="0"/>
-              <a:t>: [</a:t>
+              <a:t>                		   name: "Master",</a:t>
             </a:r>
           </a:p>
           <a:p>
             <a:r>
               <a:rPr lang="en-US" sz="1600" dirty="0"/>
-              <a:t>		</a:t>
-            </a:r>
-            <a:r>
-              <a:rPr lang="en-US" sz="1600" dirty="0" smtClean="0"/>
-              <a:t>{</a:t>
-            </a:r>
-            <a:endParaRPr lang="en-US" sz="1600" dirty="0"/>
+              <a:t>                		   view: "Master",</a:t>
+            </a:r>
           </a:p>
           <a:p>
             <a:r>
               <a:rPr lang="en-US" sz="1600" dirty="0"/>
-              <a:t>		</a:t>
-            </a:r>
-            <a:r>
-              <a:rPr lang="en-US" sz="1600" dirty="0" smtClean="0"/>
-              <a:t>            </a:t>
-            </a:r>
-            <a:r>
-              <a:rPr lang="en-US" sz="1600" dirty="0"/>
-              <a:t>pattern : "",</a:t>
-            </a:r>
-          </a:p>
-          <a:p>
-            <a:r>
-              <a:rPr lang="en-US" sz="1600" dirty="0"/>
-              <a:t>		</a:t>
-            </a:r>
-            <a:r>
-              <a:rPr lang="en-US" sz="1600" dirty="0" smtClean="0"/>
-              <a:t>            </a:t>
-            </a:r>
-            <a:r>
-              <a:rPr lang="en-US" sz="1600" dirty="0"/>
-              <a:t>name : "</a:t>
-            </a:r>
-            <a:r>
-              <a:rPr lang="en-US" sz="1600" dirty="0" err="1"/>
-              <a:t>ProductCategories</a:t>
-            </a:r>
-            <a:r>
-              <a:rPr lang="en-US" sz="1600" dirty="0"/>
-              <a:t>",</a:t>
-            </a:r>
-          </a:p>
-          <a:p>
-            <a:r>
-              <a:rPr lang="en-US" sz="1600" dirty="0"/>
-              <a:t>		</a:t>
-            </a:r>
-            <a:r>
-              <a:rPr lang="en-US" sz="1600" dirty="0" smtClean="0"/>
-              <a:t>            </a:t>
-            </a:r>
-            <a:r>
-              <a:rPr lang="en-US" sz="1600" dirty="0"/>
-              <a:t>view : "</a:t>
-            </a:r>
-            <a:r>
-              <a:rPr lang="en-US" sz="1600" dirty="0" smtClean="0"/>
-              <a:t>Master1",</a:t>
-            </a:r>
-            <a:endParaRPr lang="en-US" sz="1600" dirty="0"/>
-          </a:p>
-          <a:p>
-            <a:r>
-              <a:rPr lang="en-US" sz="1600" dirty="0"/>
-              <a:t>		</a:t>
-            </a:r>
-            <a:r>
-              <a:rPr lang="en-US" sz="1600" dirty="0" smtClean="0"/>
-              <a:t>            </a:t>
+              <a:t>                		   </a:t>
             </a:r>
             <a:r>
               <a:rPr lang="en-US" sz="1600" dirty="0" err="1"/>
@@ -17300,7 +15455,7 @@
             </a:r>
             <a:r>
               <a:rPr lang="en-US" sz="1600" dirty="0"/>
-              <a:t> : "</a:t>
+              <a:t>: "</a:t>
             </a:r>
             <a:r>
               <a:rPr lang="en-US" sz="1600" dirty="0" err="1"/>
@@ -17314,31 +15469,19 @@
           <a:p>
             <a:r>
               <a:rPr lang="en-US" sz="1600" dirty="0"/>
-              <a:t>	</a:t>
-            </a:r>
-            <a:r>
-              <a:rPr lang="en-US" sz="1600" dirty="0" smtClean="0"/>
-              <a:t>                  }</a:t>
+              <a:t>                                        }</a:t>
             </a:r>
           </a:p>
           <a:p>
             <a:r>
               <a:rPr lang="en-US" sz="1600" dirty="0"/>
-              <a:t> </a:t>
-            </a:r>
-            <a:r>
-              <a:rPr lang="en-US" sz="1600" dirty="0" smtClean="0"/>
-              <a:t>              ]</a:t>
+              <a:t>	    ]</a:t>
             </a:r>
           </a:p>
           <a:p>
             <a:r>
               <a:rPr lang="en-US" sz="1600" dirty="0"/>
-              <a:t> </a:t>
-            </a:r>
-            <a:r>
-              <a:rPr lang="en-US" sz="1600" dirty="0" smtClean="0"/>
-              <a:t>   }</a:t>
+              <a:t>      }</a:t>
             </a:r>
           </a:p>
           <a:p>
@@ -17346,11 +15489,6 @@
               <a:rPr lang="en-US" sz="1600" dirty="0"/>
               <a:t>}</a:t>
             </a:r>
-            <a:r>
-              <a:rPr lang="en-US" sz="1600" dirty="0" smtClean="0"/>
-              <a:t>       </a:t>
-            </a:r>
-            <a:endParaRPr lang="en-US" sz="1600" dirty="0"/>
           </a:p>
         </p:txBody>
       </p:sp>
@@ -17389,34 +15527,34 @@
               <a:buSzPct val="80000"/>
             </a:pPr>
             <a:r>
-              <a:rPr lang="en-US" sz="1800" kern="0" dirty="0" smtClean="0">
+              <a:rPr lang="en-US" sz="1800" kern="0" dirty="0">
                 <a:ea typeface="Arial Unicode MS" pitchFamily="34" charset="-128"/>
                 <a:cs typeface="Arial Unicode MS" pitchFamily="34" charset="-128"/>
               </a:rPr>
               <a:t>The </a:t>
             </a:r>
             <a:r>
-              <a:rPr lang="en-US" sz="1800" kern="0" dirty="0" err="1" smtClean="0">
+              <a:rPr lang="en-US" sz="1800" kern="0" dirty="0" err="1">
                 <a:ea typeface="Arial Unicode MS" pitchFamily="34" charset="-128"/>
                 <a:cs typeface="Arial Unicode MS" pitchFamily="34" charset="-128"/>
               </a:rPr>
               <a:t>config</a:t>
             </a:r>
             <a:r>
-              <a:rPr lang="en-US" sz="1800" kern="0" dirty="0" smtClean="0">
+              <a:rPr lang="en-US" sz="1800" kern="0" dirty="0">
                 <a:ea typeface="Arial Unicode MS" pitchFamily="34" charset="-128"/>
                 <a:cs typeface="Arial Unicode MS" pitchFamily="34" charset="-128"/>
               </a:rPr>
               <a:t> object configures default values</a:t>
             </a:r>
             <a:br>
-              <a:rPr lang="en-US" sz="1800" kern="0" dirty="0" smtClean="0">
+              <a:rPr lang="en-US" sz="1800" kern="0" dirty="0">
                 <a:ea typeface="Arial Unicode MS" pitchFamily="34" charset="-128"/>
                 <a:cs typeface="Arial Unicode MS" pitchFamily="34" charset="-128"/>
               </a:rPr>
             </a:br>
             <a:r>
-              <a:rPr lang="en-US" sz="1800" kern="0" dirty="0" smtClean="0">
+              <a:rPr lang="en-US" sz="1800" kern="0" dirty="0">
                 <a:ea typeface="Arial Unicode MS" pitchFamily="34" charset="-128"/>
                 <a:cs typeface="Arial Unicode MS" pitchFamily="34" charset="-128"/>
               </a:rPr>
@@ -17441,24 +15579,17 @@
                 <a:ea typeface="Arial Unicode MS" pitchFamily="34" charset="-128"/>
                 <a:cs typeface="Arial Unicode MS" pitchFamily="34" charset="-128"/>
               </a:rPr>
-              <a:t> </a:t>
-            </a:r>
-            <a:r>
-              <a:rPr lang="en-US" sz="1800" kern="0" dirty="0" smtClean="0">
-                <a:ea typeface="Arial Unicode MS" pitchFamily="34" charset="-128"/>
-                <a:cs typeface="Arial Unicode MS" pitchFamily="34" charset="-128"/>
-              </a:rPr>
-              <a:t> </a:t>
-            </a:r>
-            <a:r>
-              <a:rPr lang="en-US" sz="1800" b="1" kern="0" dirty="0" err="1" smtClean="0">
+              <a:t>  </a:t>
+            </a:r>
+            <a:r>
+              <a:rPr lang="en-US" sz="1800" b="1" kern="0" dirty="0" err="1">
                 <a:ea typeface="Arial Unicode MS" pitchFamily="34" charset="-128"/>
                 <a:cs typeface="Arial Unicode MS" pitchFamily="34" charset="-128"/>
               </a:rPr>
               <a:t>viewType</a:t>
             </a:r>
             <a:r>
-              <a:rPr lang="en-US" sz="1800" kern="0" dirty="0" smtClean="0">
+              <a:rPr lang="en-US" sz="1800" kern="0" dirty="0">
                 <a:ea typeface="Arial Unicode MS" pitchFamily="34" charset="-128"/>
                 <a:cs typeface="Arial Unicode MS" pitchFamily="34" charset="-128"/>
               </a:rPr>
@@ -17483,38 +15614,31 @@
                 <a:ea typeface="Arial Unicode MS" pitchFamily="34" charset="-128"/>
                 <a:cs typeface="Arial Unicode MS" pitchFamily="34" charset="-128"/>
               </a:rPr>
-              <a:t> </a:t>
-            </a:r>
-            <a:r>
-              <a:rPr lang="en-US" sz="1800" kern="0" dirty="0" smtClean="0">
-                <a:ea typeface="Arial Unicode MS" pitchFamily="34" charset="-128"/>
-                <a:cs typeface="Arial Unicode MS" pitchFamily="34" charset="-128"/>
-              </a:rPr>
-              <a:t> </a:t>
-            </a:r>
-            <a:r>
-              <a:rPr lang="en-US" sz="1800" b="1" kern="0" dirty="0" err="1" smtClean="0">
+              <a:t>  </a:t>
+            </a:r>
+            <a:r>
+              <a:rPr lang="en-US" sz="1800" b="1" kern="0" dirty="0" err="1">
                 <a:ea typeface="Arial Unicode MS" pitchFamily="34" charset="-128"/>
                 <a:cs typeface="Arial Unicode MS" pitchFamily="34" charset="-128"/>
               </a:rPr>
               <a:t>viewPath</a:t>
             </a:r>
             <a:r>
-              <a:rPr lang="en-US" sz="1800" kern="0" dirty="0" smtClean="0">
+              <a:rPr lang="en-US" sz="1800" kern="0" dirty="0">
                 <a:ea typeface="Arial Unicode MS" pitchFamily="34" charset="-128"/>
                 <a:cs typeface="Arial Unicode MS" pitchFamily="34" charset="-128"/>
               </a:rPr>
               <a:t>: location of view files.  The </a:t>
             </a:r>
             <a:r>
-              <a:rPr lang="en-US" sz="1800" kern="0" dirty="0" err="1" smtClean="0">
+              <a:rPr lang="en-US" sz="1800" kern="0" dirty="0" err="1">
                 <a:ea typeface="Arial Unicode MS" pitchFamily="34" charset="-128"/>
                 <a:cs typeface="Arial Unicode MS" pitchFamily="34" charset="-128"/>
               </a:rPr>
               <a:t>gbi</a:t>
             </a:r>
             <a:r>
-              <a:rPr lang="en-US" sz="1800" kern="0" dirty="0" smtClean="0">
+              <a:rPr lang="en-US" sz="1800" kern="0" dirty="0">
                 <a:ea typeface="Arial Unicode MS" pitchFamily="34" charset="-128"/>
                 <a:cs typeface="Arial Unicode MS" pitchFamily="34" charset="-128"/>
               </a:rPr>
@@ -17539,50 +15663,43 @@
                 <a:ea typeface="Arial Unicode MS" pitchFamily="34" charset="-128"/>
                 <a:cs typeface="Arial Unicode MS" pitchFamily="34" charset="-128"/>
               </a:rPr>
-              <a:t> </a:t>
-            </a:r>
-            <a:r>
-              <a:rPr lang="en-US" sz="1800" kern="0" dirty="0" smtClean="0">
-                <a:ea typeface="Arial Unicode MS" pitchFamily="34" charset="-128"/>
-                <a:cs typeface="Arial Unicode MS" pitchFamily="34" charset="-128"/>
-              </a:rPr>
-              <a:t>  this case is the </a:t>
-            </a:r>
-            <a:r>
-              <a:rPr lang="en-US" sz="1800" kern="0" dirty="0" err="1" smtClean="0">
+              <a:t>   this case is the </a:t>
+            </a:r>
+            <a:r>
+              <a:rPr lang="en-US" sz="1800" kern="0" dirty="0" err="1">
                 <a:ea typeface="Arial Unicode MS" pitchFamily="34" charset="-128"/>
                 <a:cs typeface="Arial Unicode MS" pitchFamily="34" charset="-128"/>
               </a:rPr>
               <a:t>resourceroot</a:t>
             </a:r>
             <a:r>
-              <a:rPr lang="en-US" sz="1800" kern="0" dirty="0" smtClean="0">
+              <a:rPr lang="en-US" sz="1800" kern="0" dirty="0">
                 <a:ea typeface="Arial Unicode MS" pitchFamily="34" charset="-128"/>
                 <a:cs typeface="Arial Unicode MS" pitchFamily="34" charset="-128"/>
               </a:rPr>
               <a:t> defined in</a:t>
             </a:r>
             <a:br>
-              <a:rPr lang="en-US" sz="1800" kern="0" dirty="0" smtClean="0">
+              <a:rPr lang="en-US" sz="1800" kern="0" dirty="0">
                 <a:ea typeface="Arial Unicode MS" pitchFamily="34" charset="-128"/>
                 <a:cs typeface="Arial Unicode MS" pitchFamily="34" charset="-128"/>
               </a:rPr>
             </a:br>
             <a:r>
-              <a:rPr lang="en-US" sz="1800" kern="0" dirty="0" smtClean="0">
+              <a:rPr lang="en-US" sz="1800" kern="0" dirty="0">
                 <a:ea typeface="Arial Unicode MS" pitchFamily="34" charset="-128"/>
                 <a:cs typeface="Arial Unicode MS" pitchFamily="34" charset="-128"/>
               </a:rPr>
               <a:t>   the bootstrap in the index.html file and view</a:t>
             </a:r>
             <a:br>
-              <a:rPr lang="en-US" sz="1800" kern="0" dirty="0" smtClean="0">
+              <a:rPr lang="en-US" sz="1800" kern="0" dirty="0">
                 <a:ea typeface="Arial Unicode MS" pitchFamily="34" charset="-128"/>
                 <a:cs typeface="Arial Unicode MS" pitchFamily="34" charset="-128"/>
               </a:rPr>
             </a:br>
             <a:r>
-              <a:rPr lang="en-US" sz="1800" kern="0" dirty="0" smtClean="0">
+              <a:rPr lang="en-US" sz="1800" kern="0" dirty="0">
                 <a:ea typeface="Arial Unicode MS" pitchFamily="34" charset="-128"/>
                 <a:cs typeface="Arial Unicode MS" pitchFamily="34" charset="-128"/>
               </a:rPr>
@@ -17607,17 +15724,10 @@
                 <a:ea typeface="Arial Unicode MS" pitchFamily="34" charset="-128"/>
                 <a:cs typeface="Arial Unicode MS" pitchFamily="34" charset="-128"/>
               </a:rPr>
-              <a:t> </a:t>
-            </a:r>
-            <a:r>
-              <a:rPr lang="en-US" sz="1800" kern="0" dirty="0" smtClean="0">
-                <a:ea typeface="Arial Unicode MS" pitchFamily="34" charset="-128"/>
-                <a:cs typeface="Arial Unicode MS" pitchFamily="34" charset="-128"/>
-              </a:rPr>
-              <a:t> </a:t>
-            </a:r>
-            <a:r>
-              <a:rPr lang="en-US" sz="1800" b="1" kern="0" dirty="0" err="1" smtClean="0">
+              <a:t>  </a:t>
+            </a:r>
+            <a:r>
+              <a:rPr lang="en-US" sz="1800" b="1" kern="0" dirty="0" err="1">
                 <a:ea typeface="Arial Unicode MS" pitchFamily="34" charset="-128"/>
                 <a:cs typeface="Arial Unicode MS" pitchFamily="34" charset="-128"/>
               </a:rPr>
@@ -17628,23 +15738,16 @@
                 <a:ea typeface="Arial Unicode MS" pitchFamily="34" charset="-128"/>
                 <a:cs typeface="Arial Unicode MS" pitchFamily="34" charset="-128"/>
               </a:rPr>
-              <a:t>:</a:t>
-            </a:r>
-            <a:r>
-              <a:rPr lang="en-US" sz="1800" kern="0" dirty="0" smtClean="0">
-                <a:ea typeface="Arial Unicode MS" pitchFamily="34" charset="-128"/>
-                <a:cs typeface="Arial Unicode MS" pitchFamily="34" charset="-128"/>
-              </a:rPr>
-              <a:t> the app control created in </a:t>
+              <a:t>: the app control created in </a:t>
             </a:r>
             <a:br>
-              <a:rPr lang="en-US" sz="1800" kern="0" dirty="0" smtClean="0">
+              <a:rPr lang="en-US" sz="1800" kern="0" dirty="0">
                 <a:ea typeface="Arial Unicode MS" pitchFamily="34" charset="-128"/>
                 <a:cs typeface="Arial Unicode MS" pitchFamily="34" charset="-128"/>
               </a:rPr>
             </a:br>
             <a:r>
-              <a:rPr lang="en-US" sz="1800" kern="0" dirty="0" smtClean="0">
+              <a:rPr lang="en-US" sz="1800" kern="0" dirty="0">
                 <a:ea typeface="Arial Unicode MS" pitchFamily="34" charset="-128"/>
                 <a:cs typeface="Arial Unicode MS" pitchFamily="34" charset="-128"/>
               </a:rPr>
@@ -17669,37 +15772,30 @@
                 <a:ea typeface="Arial Unicode MS" pitchFamily="34" charset="-128"/>
                 <a:cs typeface="Arial Unicode MS" pitchFamily="34" charset="-128"/>
               </a:rPr>
-              <a:t> </a:t>
-            </a:r>
-            <a:r>
-              <a:rPr lang="en-US" sz="1800" kern="0" dirty="0" smtClean="0">
-                <a:ea typeface="Arial Unicode MS" pitchFamily="34" charset="-128"/>
-                <a:cs typeface="Arial Unicode MS" pitchFamily="34" charset="-128"/>
-              </a:rPr>
-              <a:t> </a:t>
-            </a:r>
-            <a:r>
-              <a:rPr lang="en-US" sz="1800" b="1" kern="0" dirty="0" err="1" smtClean="0">
+              <a:t>  </a:t>
+            </a:r>
+            <a:r>
+              <a:rPr lang="en-US" sz="1800" b="1" kern="0" dirty="0" err="1">
                 <a:ea typeface="Arial Unicode MS" pitchFamily="34" charset="-128"/>
                 <a:cs typeface="Arial Unicode MS" pitchFamily="34" charset="-128"/>
               </a:rPr>
               <a:t>clearTarget</a:t>
             </a:r>
             <a:r>
-              <a:rPr lang="en-US" sz="1800" kern="0" dirty="0" smtClean="0">
+              <a:rPr lang="en-US" sz="1800" kern="0" dirty="0">
                 <a:ea typeface="Arial Unicode MS" pitchFamily="34" charset="-128"/>
                 <a:cs typeface="Arial Unicode MS" pitchFamily="34" charset="-128"/>
               </a:rPr>
               <a:t>: should the aggregation be</a:t>
             </a:r>
             <a:br>
-              <a:rPr lang="en-US" sz="1800" kern="0" dirty="0" smtClean="0">
+              <a:rPr lang="en-US" sz="1800" kern="0" dirty="0">
                 <a:ea typeface="Arial Unicode MS" pitchFamily="34" charset="-128"/>
                 <a:cs typeface="Arial Unicode MS" pitchFamily="34" charset="-128"/>
               </a:rPr>
             </a:br>
             <a:r>
-              <a:rPr lang="en-US" sz="1800" kern="0" dirty="0" smtClean="0">
+              <a:rPr lang="en-US" sz="1800" kern="0" dirty="0">
                 <a:ea typeface="Arial Unicode MS" pitchFamily="34" charset="-128"/>
                 <a:cs typeface="Arial Unicode MS" pitchFamily="34" charset="-128"/>
               </a:rPr>
@@ -17724,14 +15820,7 @@
                 <a:ea typeface="Arial Unicode MS" pitchFamily="34" charset="-128"/>
                 <a:cs typeface="Arial Unicode MS" pitchFamily="34" charset="-128"/>
               </a:rPr>
-              <a:t> </a:t>
-            </a:r>
-            <a:r>
-              <a:rPr lang="en-US" sz="1800" kern="0" dirty="0" smtClean="0">
-                <a:ea typeface="Arial Unicode MS" pitchFamily="34" charset="-128"/>
-                <a:cs typeface="Arial Unicode MS" pitchFamily="34" charset="-128"/>
-              </a:rPr>
-              <a:t>  later.</a:t>
+              <a:t>   later.</a:t>
             </a:r>
           </a:p>
           <a:p>
@@ -17752,24 +15841,17 @@
                 <a:ea typeface="Arial Unicode MS" pitchFamily="34" charset="-128"/>
                 <a:cs typeface="Arial Unicode MS" pitchFamily="34" charset="-128"/>
               </a:rPr>
-              <a:t> </a:t>
-            </a:r>
-            <a:r>
-              <a:rPr lang="en-US" sz="1800" kern="0" dirty="0" smtClean="0">
-                <a:ea typeface="Arial Unicode MS" pitchFamily="34" charset="-128"/>
-                <a:cs typeface="Arial Unicode MS" pitchFamily="34" charset="-128"/>
-              </a:rPr>
-              <a:t> </a:t>
-            </a:r>
-            <a:r>
-              <a:rPr lang="en-US" sz="1800" b="1" kern="0" dirty="0" smtClean="0">
+              <a:t>  </a:t>
+            </a:r>
+            <a:r>
+              <a:rPr lang="en-US" sz="1800" b="1" kern="0" dirty="0">
                 <a:ea typeface="Arial Unicode MS" pitchFamily="34" charset="-128"/>
                 <a:cs typeface="Arial Unicode MS" pitchFamily="34" charset="-128"/>
               </a:rPr>
               <a:t>transition</a:t>
             </a:r>
             <a:r>
-              <a:rPr lang="en-US" sz="1800" kern="0" dirty="0" smtClean="0">
+              <a:rPr lang="en-US" sz="1800" kern="0" dirty="0">
                 <a:ea typeface="Arial Unicode MS" pitchFamily="34" charset="-128"/>
                 <a:cs typeface="Arial Unicode MS" pitchFamily="34" charset="-128"/>
               </a:rPr>
@@ -17824,13 +15906,6 @@
   <p:clrMapOvr>
     <a:masterClrMapping/>
   </p:clrMapOvr>
-  <p:timing>
-    <p:tnLst>
-      <p:par>
-        <p:cTn id="1" dur="indefinite" restart="never" nodeType="tmRoot"/>
-      </p:par>
-    </p:tnLst>
-  </p:timing>
 </p:sld>
 </file>
 
@@ -17867,10 +15942,9 @@
           <a:lstStyle/>
           <a:p>
             <a:r>
-              <a:rPr lang="en-US" dirty="0" smtClean="0"/>
+              <a:rPr lang="en-US" dirty="0"/>
               <a:t>Configuring a Default Route</a:t>
             </a:r>
-            <a:endParaRPr lang="en-US" dirty="0"/>
           </a:p>
         </p:txBody>
       </p:sp>
@@ -17883,7 +15957,7 @@
         <p:spPr>
           <a:xfrm>
             <a:off x="5120436" y="1467466"/>
-            <a:ext cx="6506788" cy="4770537"/>
+            <a:ext cx="6506788" cy="5262979"/>
           </a:xfrm>
           <a:prstGeom prst="rect">
             <a:avLst/>
@@ -17901,59 +15975,60 @@
           <a:lstStyle/>
           <a:p>
             <a:r>
-              <a:rPr lang="en-US" sz="1600" dirty="0" smtClean="0"/>
-              <a:t>metadata</a:t>
-            </a:r>
-            <a:r>
               <a:rPr lang="en-US" sz="1600" dirty="0"/>
-              <a:t>: </a:t>
-            </a:r>
-            <a:r>
-              <a:rPr lang="en-US" sz="1600" dirty="0" smtClean="0"/>
-              <a:t>{</a:t>
-            </a:r>
+              <a:t>metadata: {</a:t>
+            </a:r>
+          </a:p>
+          <a:p>
+            <a:r>
+              <a:rPr lang="en-US" sz="1600" dirty="0"/>
+              <a:t>	</a:t>
+            </a:r>
+            <a:r>
+              <a:rPr lang="en-US" sz="1600" dirty="0" err="1"/>
+              <a:t>rootView</a:t>
+            </a:r>
+            <a:r>
+              <a:rPr lang="en-US" sz="1600" dirty="0"/>
+              <a:t>: "</a:t>
+            </a:r>
+            <a:r>
+              <a:rPr lang="en-US" sz="1600" dirty="0" err="1"/>
+              <a:t>routing.view.App</a:t>
+            </a:r>
+            <a:r>
+              <a:rPr lang="en-US" sz="1600" dirty="0"/>
+              <a:t>",</a:t>
+            </a:r>
+          </a:p>
+          <a:p>
+            <a:endParaRPr lang="en-US" sz="1600" dirty="0"/>
+          </a:p>
+          <a:p>
+            <a:r>
+              <a:rPr lang="en-US" sz="1600" dirty="0"/>
+              <a:t>	routing: {</a:t>
+            </a:r>
+          </a:p>
+          <a:p>
+            <a:r>
+              <a:rPr lang="en-US" sz="1600" dirty="0"/>
+              <a:t>	    </a:t>
+            </a:r>
+            <a:r>
+              <a:rPr lang="en-US" sz="1600" dirty="0" err="1"/>
+              <a:t>config</a:t>
+            </a:r>
+            <a:r>
+              <a:rPr lang="en-US" sz="1600" dirty="0"/>
+              <a:t>: {</a:t>
+            </a:r>
+          </a:p>
+          <a:p>
             <a:r>
               <a:rPr lang="en-US" sz="1600" dirty="0"/>
               <a:t>		</a:t>
             </a:r>
-          </a:p>
-          <a:p>
-            <a:r>
-              <a:rPr lang="en-US" sz="1600" dirty="0" smtClean="0"/>
-              <a:t>  routing</a:t>
-            </a:r>
-            <a:r>
-              <a:rPr lang="en-US" sz="1600" dirty="0"/>
-              <a:t>: </a:t>
-            </a:r>
-            <a:r>
-              <a:rPr lang="en-US" sz="1600" dirty="0" smtClean="0"/>
-              <a:t>{</a:t>
-            </a:r>
-            <a:r>
-              <a:rPr lang="en-US" sz="1600" dirty="0"/>
-              <a:t>	</a:t>
-            </a:r>
-          </a:p>
-          <a:p>
-            <a:r>
-              <a:rPr lang="en-US" sz="1600" dirty="0" smtClean="0"/>
-              <a:t>    </a:t>
-            </a:r>
-            <a:r>
-              <a:rPr lang="en-US" sz="1600" dirty="0" err="1" smtClean="0"/>
-              <a:t>config</a:t>
-            </a:r>
-            <a:r>
-              <a:rPr lang="en-US" sz="1600" dirty="0"/>
-              <a:t>: {</a:t>
-            </a:r>
-          </a:p>
-          <a:p>
-            <a:r>
-              <a:rPr lang="en-US" sz="1600" dirty="0"/>
-              <a:t>	</a:t>
-            </a:r>
             <a:r>
               <a:rPr lang="en-US" sz="1600" dirty="0" err="1"/>
               <a:t>viewType</a:t>
@@ -17966,7 +16041,7 @@
           <a:p>
             <a:r>
               <a:rPr lang="en-US" sz="1600" dirty="0"/>
-              <a:t>	</a:t>
+              <a:t>		</a:t>
             </a:r>
             <a:r>
               <a:rPr lang="en-US" sz="1600" dirty="0" err="1"/>
@@ -17978,7 +16053,7 @@
             </a:r>
             <a:r>
               <a:rPr lang="en-US" sz="1600" dirty="0" err="1"/>
-              <a:t>gbi.view</a:t>
+              <a:t>routing.view</a:t>
             </a:r>
             <a:r>
               <a:rPr lang="en-US" sz="1600" dirty="0"/>
@@ -17988,7 +16063,27 @@
           <a:p>
             <a:r>
               <a:rPr lang="en-US" sz="1600" dirty="0"/>
-              <a:t>	</a:t>
+              <a:t>		transition: "slide",</a:t>
+            </a:r>
+          </a:p>
+          <a:p>
+            <a:r>
+              <a:rPr lang="en-US" sz="1600" dirty="0"/>
+              <a:t>		</a:t>
+            </a:r>
+            <a:r>
+              <a:rPr lang="en-US" sz="1600" dirty="0" err="1"/>
+              <a:t>clearTarget</a:t>
+            </a:r>
+            <a:r>
+              <a:rPr lang="en-US" sz="1600" dirty="0"/>
+              <a:t>: true,</a:t>
+            </a:r>
+          </a:p>
+          <a:p>
+            <a:r>
+              <a:rPr lang="en-US" sz="1600" dirty="0"/>
+              <a:t>		</a:t>
             </a:r>
             <a:r>
               <a:rPr lang="en-US" sz="1600" dirty="0" err="1"/>
@@ -18000,128 +16095,53 @@
             </a:r>
             <a:r>
               <a:rPr lang="en-US" sz="1600" dirty="0" err="1"/>
-              <a:t>splitApp</a:t>
+              <a:t>idAppControl</a:t>
             </a:r>
             <a:r>
               <a:rPr lang="en-US" sz="1600" dirty="0"/>
-              <a:t>",</a:t>
+              <a:t>"</a:t>
             </a:r>
           </a:p>
           <a:p>
             <a:r>
               <a:rPr lang="en-US" sz="1600" dirty="0"/>
-              <a:t>	</a:t>
-            </a:r>
-            <a:r>
-              <a:rPr lang="en-US" sz="1600" dirty="0" err="1"/>
-              <a:t>clearTarget</a:t>
-            </a:r>
+              <a:t>	    },</a:t>
+            </a:r>
+          </a:p>
+          <a:p>
             <a:r>
               <a:rPr lang="en-US" sz="1600" dirty="0"/>
-              <a:t>: false,</a:t>
+              <a:t>                	    routes: [      </a:t>
             </a:r>
           </a:p>
           <a:p>
             <a:r>
               <a:rPr lang="en-US" sz="1600" dirty="0"/>
-              <a:t>	transition: "slide"</a:t>
-            </a:r>
-          </a:p>
-          <a:p>
-            <a:r>
-              <a:rPr lang="en-US" sz="1600" dirty="0" smtClean="0"/>
-              <a:t>                },</a:t>
-            </a:r>
-            <a:endParaRPr lang="en-US" sz="1600" dirty="0"/>
+              <a:t>          	   	{</a:t>
+            </a:r>
           </a:p>
           <a:p>
             <a:r>
               <a:rPr lang="en-US" sz="1600" dirty="0"/>
-              <a:t>	</a:t>
-            </a:r>
-            <a:r>
-              <a:rPr lang="en-US" sz="1600" dirty="0" smtClean="0"/>
-              <a:t>routes</a:t>
-            </a:r>
+              <a:t>                		   pattern: "",</a:t>
+            </a:r>
+          </a:p>
+          <a:p>
             <a:r>
               <a:rPr lang="en-US" sz="1600" dirty="0"/>
-              <a:t>: [</a:t>
+              <a:t>                		   name: "Master",</a:t>
             </a:r>
           </a:p>
           <a:p>
             <a:r>
               <a:rPr lang="en-US" sz="1600" dirty="0"/>
-              <a:t>		</a:t>
-            </a:r>
-            <a:r>
-              <a:rPr lang="en-US" sz="1600" dirty="0" smtClean="0"/>
-              <a:t>{</a:t>
-            </a:r>
-            <a:endParaRPr lang="en-US" sz="1600" dirty="0"/>
+              <a:t>                		   view: "Master",</a:t>
+            </a:r>
           </a:p>
           <a:p>
             <a:r>
               <a:rPr lang="en-US" sz="1600" dirty="0"/>
-              <a:t>		</a:t>
-            </a:r>
-            <a:r>
-              <a:rPr lang="en-US" sz="1600" dirty="0" smtClean="0"/>
-              <a:t>            </a:t>
-            </a:r>
-            <a:r>
-              <a:rPr lang="en-US" sz="1600" dirty="0"/>
-              <a:t>pattern : "",</a:t>
-            </a:r>
-          </a:p>
-          <a:p>
-            <a:r>
-              <a:rPr lang="en-US" sz="1600" dirty="0"/>
-              <a:t>		</a:t>
-            </a:r>
-            <a:r>
-              <a:rPr lang="en-US" sz="1600" dirty="0" smtClean="0"/>
-              <a:t>            </a:t>
-            </a:r>
-            <a:r>
-              <a:rPr lang="en-US" sz="1600" dirty="0"/>
-              <a:t>name : "</a:t>
-            </a:r>
-            <a:r>
-              <a:rPr lang="en-US" sz="1600" dirty="0" err="1"/>
-              <a:t>ProductCategories</a:t>
-            </a:r>
-            <a:r>
-              <a:rPr lang="en-US" sz="1600" dirty="0"/>
-              <a:t>",</a:t>
-            </a:r>
-          </a:p>
-          <a:p>
-            <a:r>
-              <a:rPr lang="en-US" sz="1600" dirty="0"/>
-              <a:t>		</a:t>
-            </a:r>
-            <a:r>
-              <a:rPr lang="en-US" sz="1600" dirty="0" smtClean="0"/>
-              <a:t>            </a:t>
-            </a:r>
-            <a:r>
-              <a:rPr lang="en-US" sz="1600" dirty="0"/>
-              <a:t>view : "</a:t>
-            </a:r>
-            <a:r>
-              <a:rPr lang="en-US" sz="1600" dirty="0" smtClean="0"/>
-              <a:t>Master1",</a:t>
-            </a:r>
-            <a:endParaRPr lang="en-US" sz="1600" dirty="0"/>
-          </a:p>
-          <a:p>
-            <a:r>
-              <a:rPr lang="en-US" sz="1600" dirty="0"/>
-              <a:t>		</a:t>
-            </a:r>
-            <a:r>
-              <a:rPr lang="en-US" sz="1600" dirty="0" smtClean="0"/>
-              <a:t>            </a:t>
+              <a:t>                		   </a:t>
             </a:r>
             <a:r>
               <a:rPr lang="en-US" sz="1600" dirty="0" err="1"/>
@@ -18129,7 +16149,7 @@
             </a:r>
             <a:r>
               <a:rPr lang="en-US" sz="1600" dirty="0"/>
-              <a:t> : "</a:t>
+              <a:t>: "</a:t>
             </a:r>
             <a:r>
               <a:rPr lang="en-US" sz="1600" dirty="0" err="1"/>
@@ -18143,31 +16163,19 @@
           <a:p>
             <a:r>
               <a:rPr lang="en-US" sz="1600" dirty="0"/>
-              <a:t>	</a:t>
-            </a:r>
-            <a:r>
-              <a:rPr lang="en-US" sz="1600" dirty="0" smtClean="0"/>
-              <a:t>                  }</a:t>
+              <a:t>                                        }</a:t>
             </a:r>
           </a:p>
           <a:p>
             <a:r>
               <a:rPr lang="en-US" sz="1600" dirty="0"/>
-              <a:t> </a:t>
-            </a:r>
-            <a:r>
-              <a:rPr lang="en-US" sz="1600" dirty="0" smtClean="0"/>
-              <a:t>              ]</a:t>
+              <a:t>	    ]</a:t>
             </a:r>
           </a:p>
           <a:p>
             <a:r>
               <a:rPr lang="en-US" sz="1600" dirty="0"/>
-              <a:t> </a:t>
-            </a:r>
-            <a:r>
-              <a:rPr lang="en-US" sz="1600" dirty="0" smtClean="0"/>
-              <a:t>   }</a:t>
+              <a:t>      }</a:t>
             </a:r>
           </a:p>
           <a:p>
@@ -18175,11 +16183,6 @@
               <a:rPr lang="en-US" sz="1600" dirty="0"/>
               <a:t>}</a:t>
             </a:r>
-            <a:r>
-              <a:rPr lang="en-US" sz="1600" dirty="0" smtClean="0"/>
-              <a:t>       </a:t>
-            </a:r>
-            <a:endParaRPr lang="en-US" sz="1600" dirty="0"/>
           </a:p>
         </p:txBody>
       </p:sp>
@@ -18218,20 +16221,20 @@
               <a:buSzPct val="80000"/>
             </a:pPr>
             <a:r>
-              <a:rPr lang="en-US" sz="1800" kern="0" dirty="0" smtClean="0">
+              <a:rPr lang="en-US" sz="1800" kern="0" dirty="0">
                 <a:ea typeface="Arial Unicode MS" pitchFamily="34" charset="-128"/>
                 <a:cs typeface="Arial Unicode MS" pitchFamily="34" charset="-128"/>
               </a:rPr>
               <a:t>The routes array includes the routes.  The</a:t>
             </a:r>
             <a:br>
-              <a:rPr lang="en-US" sz="1800" kern="0" dirty="0" smtClean="0">
+              <a:rPr lang="en-US" sz="1800" kern="0" dirty="0">
                 <a:ea typeface="Arial Unicode MS" pitchFamily="34" charset="-128"/>
                 <a:cs typeface="Arial Unicode MS" pitchFamily="34" charset="-128"/>
               </a:rPr>
             </a:br>
             <a:r>
-              <a:rPr lang="en-US" sz="1800" kern="0" dirty="0" smtClean="0">
+              <a:rPr lang="en-US" sz="1800" kern="0" dirty="0">
                 <a:ea typeface="Arial Unicode MS" pitchFamily="34" charset="-128"/>
                 <a:cs typeface="Arial Unicode MS" pitchFamily="34" charset="-128"/>
               </a:rPr>
@@ -18270,60 +16273,60 @@
               <a:buSzPct val="80000"/>
             </a:pPr>
             <a:r>
-              <a:rPr lang="en-US" sz="1800" kern="0" dirty="0" smtClean="0">
+              <a:rPr lang="en-US" sz="1800" kern="0" dirty="0">
                 <a:ea typeface="Arial Unicode MS" pitchFamily="34" charset="-128"/>
                 <a:cs typeface="Arial Unicode MS" pitchFamily="34" charset="-128"/>
               </a:rPr>
               <a:t>  </a:t>
             </a:r>
             <a:r>
-              <a:rPr lang="en-US" sz="1800" b="1" kern="0" dirty="0" smtClean="0">
+              <a:rPr lang="en-US" sz="1800" b="1" kern="0" dirty="0">
                 <a:ea typeface="Arial Unicode MS" pitchFamily="34" charset="-128"/>
                 <a:cs typeface="Arial Unicode MS" pitchFamily="34" charset="-128"/>
               </a:rPr>
               <a:t>pattern</a:t>
             </a:r>
             <a:r>
-              <a:rPr lang="en-US" sz="1800" kern="0" dirty="0" smtClean="0">
+              <a:rPr lang="en-US" sz="1800" kern="0" dirty="0">
                 <a:ea typeface="Arial Unicode MS" pitchFamily="34" charset="-128"/>
                 <a:cs typeface="Arial Unicode MS" pitchFamily="34" charset="-128"/>
               </a:rPr>
               <a:t>:  The pattern used to display the </a:t>
             </a:r>
             <a:br>
-              <a:rPr lang="en-US" sz="1800" kern="0" dirty="0" smtClean="0">
+              <a:rPr lang="en-US" sz="1800" kern="0" dirty="0">
                 <a:ea typeface="Arial Unicode MS" pitchFamily="34" charset="-128"/>
                 <a:cs typeface="Arial Unicode MS" pitchFamily="34" charset="-128"/>
               </a:rPr>
             </a:br>
             <a:r>
-              <a:rPr lang="en-US" sz="1800" kern="0" dirty="0" smtClean="0">
+              <a:rPr lang="en-US" sz="1800" kern="0" dirty="0">
                 <a:ea typeface="Arial Unicode MS" pitchFamily="34" charset="-128"/>
                 <a:cs typeface="Arial Unicode MS" pitchFamily="34" charset="-128"/>
               </a:rPr>
               <a:t>    URL in the browser.  An empty pattern</a:t>
             </a:r>
             <a:br>
-              <a:rPr lang="en-US" sz="1800" kern="0" dirty="0" smtClean="0">
+              <a:rPr lang="en-US" sz="1800" kern="0" dirty="0">
                 <a:ea typeface="Arial Unicode MS" pitchFamily="34" charset="-128"/>
                 <a:cs typeface="Arial Unicode MS" pitchFamily="34" charset="-128"/>
               </a:rPr>
             </a:br>
             <a:r>
-              <a:rPr lang="en-US" sz="1800" kern="0" dirty="0" smtClean="0">
+              <a:rPr lang="en-US" sz="1800" kern="0" dirty="0">
                 <a:ea typeface="Arial Unicode MS" pitchFamily="34" charset="-128"/>
                 <a:cs typeface="Arial Unicode MS" pitchFamily="34" charset="-128"/>
               </a:rPr>
               <a:t>    means the route is the default route and</a:t>
             </a:r>
             <a:br>
-              <a:rPr lang="en-US" sz="1800" kern="0" dirty="0" smtClean="0">
+              <a:rPr lang="en-US" sz="1800" kern="0" dirty="0">
                 <a:ea typeface="Arial Unicode MS" pitchFamily="34" charset="-128"/>
                 <a:cs typeface="Arial Unicode MS" pitchFamily="34" charset="-128"/>
               </a:rPr>
             </a:br>
             <a:r>
-              <a:rPr lang="en-US" sz="1800" kern="0" dirty="0" smtClean="0">
+              <a:rPr lang="en-US" sz="1800" kern="0" dirty="0">
                 <a:ea typeface="Arial Unicode MS" pitchFamily="34" charset="-128"/>
                 <a:cs typeface="Arial Unicode MS" pitchFamily="34" charset="-128"/>
               </a:rPr>
@@ -18344,34 +16347,34 @@
               <a:buSzPct val="80000"/>
             </a:pPr>
             <a:r>
-              <a:rPr lang="en-US" sz="1800" kern="0" dirty="0" smtClean="0">
+              <a:rPr lang="en-US" sz="1800" kern="0" dirty="0">
                 <a:ea typeface="Arial Unicode MS" pitchFamily="34" charset="-128"/>
                 <a:cs typeface="Arial Unicode MS" pitchFamily="34" charset="-128"/>
               </a:rPr>
               <a:t>  </a:t>
             </a:r>
             <a:r>
-              <a:rPr lang="en-US" sz="1800" b="1" kern="0" dirty="0" smtClean="0">
+              <a:rPr lang="en-US" sz="1800" b="1" kern="0" dirty="0">
                 <a:ea typeface="Arial Unicode MS" pitchFamily="34" charset="-128"/>
                 <a:cs typeface="Arial Unicode MS" pitchFamily="34" charset="-128"/>
               </a:rPr>
               <a:t>name</a:t>
             </a:r>
             <a:r>
-              <a:rPr lang="en-US" sz="1800" kern="0" dirty="0" smtClean="0">
+              <a:rPr lang="en-US" sz="1800" kern="0" dirty="0">
                 <a:ea typeface="Arial Unicode MS" pitchFamily="34" charset="-128"/>
                 <a:cs typeface="Arial Unicode MS" pitchFamily="34" charset="-128"/>
               </a:rPr>
               <a:t>: The name of the route used to </a:t>
             </a:r>
             <a:br>
-              <a:rPr lang="en-US" sz="1800" kern="0" dirty="0" smtClean="0">
+              <a:rPr lang="en-US" sz="1800" kern="0" dirty="0">
                 <a:ea typeface="Arial Unicode MS" pitchFamily="34" charset="-128"/>
                 <a:cs typeface="Arial Unicode MS" pitchFamily="34" charset="-128"/>
               </a:rPr>
             </a:br>
             <a:r>
-              <a:rPr lang="en-US" sz="1800" kern="0" dirty="0" smtClean="0">
+              <a:rPr lang="en-US" sz="1800" kern="0" dirty="0">
                 <a:ea typeface="Arial Unicode MS" pitchFamily="34" charset="-128"/>
                 <a:cs typeface="Arial Unicode MS" pitchFamily="34" charset="-128"/>
               </a:rPr>
@@ -18396,24 +16399,17 @@
                 <a:ea typeface="Arial Unicode MS" pitchFamily="34" charset="-128"/>
                 <a:cs typeface="Arial Unicode MS" pitchFamily="34" charset="-128"/>
               </a:rPr>
-              <a:t> </a:t>
-            </a:r>
-            <a:r>
-              <a:rPr lang="en-US" sz="1800" kern="0" dirty="0" smtClean="0">
-                <a:ea typeface="Arial Unicode MS" pitchFamily="34" charset="-128"/>
-                <a:cs typeface="Arial Unicode MS" pitchFamily="34" charset="-128"/>
-              </a:rPr>
-              <a:t> </a:t>
-            </a:r>
-            <a:r>
-              <a:rPr lang="en-US" sz="1800" b="1" kern="0" dirty="0" smtClean="0">
+              <a:t>  </a:t>
+            </a:r>
+            <a:r>
+              <a:rPr lang="en-US" sz="1800" b="1" kern="0" dirty="0">
                 <a:ea typeface="Arial Unicode MS" pitchFamily="34" charset="-128"/>
                 <a:cs typeface="Arial Unicode MS" pitchFamily="34" charset="-128"/>
               </a:rPr>
               <a:t>view</a:t>
             </a:r>
             <a:r>
-              <a:rPr lang="en-US" sz="1800" kern="0" dirty="0" smtClean="0">
+              <a:rPr lang="en-US" sz="1800" kern="0" dirty="0">
                 <a:ea typeface="Arial Unicode MS" pitchFamily="34" charset="-128"/>
                 <a:cs typeface="Arial Unicode MS" pitchFamily="34" charset="-128"/>
               </a:rPr>
@@ -18438,24 +16434,17 @@
                 <a:ea typeface="Arial Unicode MS" pitchFamily="34" charset="-128"/>
                 <a:cs typeface="Arial Unicode MS" pitchFamily="34" charset="-128"/>
               </a:rPr>
-              <a:t> </a:t>
-            </a:r>
-            <a:r>
-              <a:rPr lang="en-US" sz="1800" kern="0" dirty="0" smtClean="0">
-                <a:ea typeface="Arial Unicode MS" pitchFamily="34" charset="-128"/>
-                <a:cs typeface="Arial Unicode MS" pitchFamily="34" charset="-128"/>
-              </a:rPr>
-              <a:t> </a:t>
-            </a:r>
-            <a:r>
-              <a:rPr lang="en-US" sz="1800" b="1" kern="0" dirty="0" err="1" smtClean="0">
+              <a:t>  </a:t>
+            </a:r>
+            <a:r>
+              <a:rPr lang="en-US" sz="1800" b="1" kern="0" dirty="0" err="1">
                 <a:ea typeface="Arial Unicode MS" pitchFamily="34" charset="-128"/>
                 <a:cs typeface="Arial Unicode MS" pitchFamily="34" charset="-128"/>
               </a:rPr>
               <a:t>targetAggregation</a:t>
             </a:r>
             <a:r>
-              <a:rPr lang="en-US" sz="1800" kern="0" dirty="0" smtClean="0">
+              <a:rPr lang="en-US" sz="1800" kern="0" dirty="0">
                 <a:ea typeface="Arial Unicode MS" pitchFamily="34" charset="-128"/>
                 <a:cs typeface="Arial Unicode MS" pitchFamily="34" charset="-128"/>
               </a:rPr>
@@ -18559,20 +16548,20 @@
               <a:buSzPct val="80000"/>
             </a:pPr>
             <a:r>
-              <a:rPr lang="en-US" sz="1800" kern="0" dirty="0" smtClean="0">
+              <a:rPr lang="en-US" sz="1800" kern="0" dirty="0">
                 <a:ea typeface="Arial Unicode MS" pitchFamily="34" charset="-128"/>
                 <a:cs typeface="Arial Unicode MS" pitchFamily="34" charset="-128"/>
               </a:rPr>
               <a:t>Default route URL is the base URL of the</a:t>
             </a:r>
             <a:br>
-              <a:rPr lang="en-US" sz="1800" kern="0" dirty="0" smtClean="0">
+              <a:rPr lang="en-US" sz="1800" kern="0" dirty="0">
                 <a:ea typeface="Arial Unicode MS" pitchFamily="34" charset="-128"/>
                 <a:cs typeface="Arial Unicode MS" pitchFamily="34" charset="-128"/>
               </a:rPr>
             </a:br>
             <a:r>
-              <a:rPr lang="en-US" sz="1800" kern="0" dirty="0" smtClean="0">
+              <a:rPr lang="en-US" sz="1800" kern="0" dirty="0">
                 <a:ea typeface="Arial Unicode MS" pitchFamily="34" charset="-128"/>
                 <a:cs typeface="Arial Unicode MS" pitchFamily="34" charset="-128"/>
               </a:rPr>
@@ -18591,13 +16580,6 @@
   <p:clrMapOvr>
     <a:masterClrMapping/>
   </p:clrMapOvr>
-  <p:timing>
-    <p:tnLst>
-      <p:par>
-        <p:cTn id="1" dur="indefinite" restart="never" nodeType="tmRoot"/>
-      </p:par>
-    </p:tnLst>
-  </p:timing>
 </p:sld>
 </file>
 
@@ -18634,7 +16616,7 @@
           <a:lstStyle/>
           <a:p>
             <a:r>
-              <a:rPr lang="en-US" dirty="0" err="1" smtClean="0"/>
+              <a:rPr lang="en-US" dirty="0" err="1"/>
               <a:t>targetControl</a:t>
             </a:r>
             <a:endParaRPr lang="en-US" dirty="0"/>
@@ -18657,45 +16639,45 @@
           <a:lstStyle/>
           <a:p>
             <a:r>
-              <a:rPr lang="en-US" sz="2800" dirty="0" smtClean="0"/>
+              <a:rPr lang="en-US" sz="2800" dirty="0"/>
               <a:t>The </a:t>
             </a:r>
             <a:r>
-              <a:rPr lang="en-US" sz="2800" dirty="0" err="1" smtClean="0"/>
+              <a:rPr lang="en-US" sz="2800" dirty="0" err="1"/>
               <a:t>targetControl</a:t>
             </a:r>
             <a:r>
-              <a:rPr lang="en-US" sz="2800" dirty="0" smtClean="0"/>
+              <a:rPr lang="en-US" sz="2800" dirty="0"/>
               <a:t> defines the control which is used to display the views in the interface.  This control is defined in the App view.  The possibilities are:</a:t>
             </a:r>
           </a:p>
           <a:p>
             <a:pPr lvl="3"/>
             <a:r>
-              <a:rPr lang="en-US" sz="2500" dirty="0" smtClean="0"/>
+              <a:rPr lang="en-US" sz="2500" dirty="0"/>
               <a:t>The App control creates a </a:t>
             </a:r>
             <a:r>
-              <a:rPr lang="en-US" sz="2500" dirty="0" err="1" smtClean="0"/>
+              <a:rPr lang="en-US" sz="2500" dirty="0" err="1"/>
               <a:t>fullscreen</a:t>
             </a:r>
             <a:r>
-              <a:rPr lang="en-US" sz="2500" dirty="0" smtClean="0"/>
+              <a:rPr lang="en-US" sz="2500" dirty="0"/>
               <a:t> application</a:t>
             </a:r>
           </a:p>
           <a:p>
             <a:pPr lvl="3"/>
             <a:r>
-              <a:rPr lang="en-US" sz="2500" dirty="0" smtClean="0"/>
+              <a:rPr lang="en-US" sz="2500" dirty="0"/>
               <a:t>The </a:t>
             </a:r>
             <a:r>
-              <a:rPr lang="en-US" sz="2500" dirty="0" err="1" smtClean="0"/>
+              <a:rPr lang="en-US" sz="2500" dirty="0" err="1"/>
               <a:t>SplitApp</a:t>
             </a:r>
             <a:r>
-              <a:rPr lang="en-US" sz="2500" dirty="0" smtClean="0"/>
+              <a:rPr lang="en-US" sz="2500" dirty="0"/>
               <a:t> control creates a master/detail application</a:t>
             </a:r>
           </a:p>
@@ -18714,93 +16696,129 @@
         <p:spPr>
           <a:xfrm>
             <a:off x="5694176" y="3528576"/>
-            <a:ext cx="6096000" cy="2062103"/>
+            <a:ext cx="3920604" cy="1569660"/>
           </a:xfrm>
           <a:prstGeom prst="rect">
             <a:avLst/>
           </a:prstGeom>
+          <a:ln>
+            <a:solidFill>
+              <a:schemeClr val="tx1"/>
+            </a:solidFill>
+          </a:ln>
         </p:spPr>
         <p:txBody>
-          <a:bodyPr>
+          <a:bodyPr wrap="square">
             <a:spAutoFit/>
           </a:bodyPr>
           <a:lstStyle/>
           <a:p>
             <a:r>
+              <a:rPr lang="en-US" sz="1600" dirty="0"/>
+              <a:t>&lt;</a:t>
+            </a:r>
+            <a:r>
               <a:rPr lang="en-US" sz="1600" dirty="0" err="1"/>
-              <a:t>sap.ui.jsview</a:t>
-            </a:r>
-            <a:r>
+              <a:t>mvc:View</a:t>
+            </a:r>
+            <a:br>
               <a:rPr lang="en-US" sz="1600" dirty="0"/>
-              <a:t>("</a:t>
+            </a:br>
+            <a:r>
+              <a:rPr lang="en-US" sz="1600" dirty="0"/>
+              <a:t>    </a:t>
             </a:r>
             <a:r>
               <a:rPr lang="en-US" sz="1600" dirty="0" err="1"/>
-              <a:t>gbi.view.App</a:t>
+              <a:t>xmlns:mvc</a:t>
             </a:r>
             <a:r>
               <a:rPr lang="en-US" sz="1600" dirty="0"/>
-              <a:t>", {</a:t>
-            </a:r>
-          </a:p>
-          <a:p>
-            <a:endParaRPr lang="en-US" sz="1600" dirty="0"/>
-          </a:p>
-          <a:p>
+              <a:t>="</a:t>
+            </a:r>
+            <a:r>
+              <a:rPr lang="en-US" sz="1600" dirty="0" err="1"/>
+              <a:t>sap.ui.core.mvc</a:t>
+            </a:r>
             <a:r>
               <a:rPr lang="en-US" sz="1600" dirty="0"/>
-              <a:t>	</a:t>
+              <a:t>“</a:t>
+            </a:r>
+            <a:br>
+              <a:rPr lang="en-US" sz="1600" dirty="0"/>
+            </a:br>
+            <a:r>
+              <a:rPr lang="en-US" sz="1600" dirty="0"/>
+              <a:t>    </a:t>
             </a:r>
             <a:r>
               <a:rPr lang="en-US" sz="1600" dirty="0" err="1"/>
-              <a:t>createContent</a:t>
+              <a:t>displayBlock</a:t>
             </a:r>
             <a:r>
               <a:rPr lang="en-US" sz="1600" dirty="0"/>
-              <a:t> : function() {</a:t>
-            </a:r>
-          </a:p>
-          <a:p>
-            <a:r>
+              <a:t>="true“</a:t>
+            </a:r>
+            <a:br>
               <a:rPr lang="en-US" sz="1600" dirty="0"/>
-              <a:t> 				</a:t>
-            </a:r>
-          </a:p>
-          <a:p>
+            </a:br>
             <a:r>
               <a:rPr lang="en-US" sz="1600" dirty="0"/>
-              <a:t>		return new </a:t>
+              <a:t>    </a:t>
             </a:r>
             <a:r>
               <a:rPr lang="en-US" sz="1600" dirty="0" err="1"/>
-              <a:t>sap.m.SplitApp</a:t>
+              <a:t>xmlns</a:t>
             </a:r>
             <a:r>
               <a:rPr lang="en-US" sz="1600" dirty="0"/>
-              <a:t>("</a:t>
+              <a:t>="</a:t>
             </a:r>
             <a:r>
               <a:rPr lang="en-US" sz="1600" dirty="0" err="1"/>
-              <a:t>splitApp</a:t>
+              <a:t>sap.m</a:t>
             </a:r>
             <a:r>
               <a:rPr lang="en-US" sz="1600" dirty="0"/>
-              <a:t>",{});</a:t>
-            </a:r>
-          </a:p>
-          <a:p>
-            <a:r>
+              <a:t>" &gt;</a:t>
+            </a:r>
+            <a:br>
               <a:rPr lang="en-US" sz="1600" dirty="0"/>
-              <a:t>	}</a:t>
-            </a:r>
-          </a:p>
-          <a:p>
-            <a:endParaRPr lang="en-US" sz="1600" dirty="0"/>
-          </a:p>
-          <a:p>
+            </a:br>
             <a:r>
               <a:rPr lang="en-US" sz="1600" dirty="0"/>
-              <a:t>});</a:t>
+              <a:t>        &lt;</a:t>
+            </a:r>
+            <a:r>
+              <a:rPr lang="en-US" sz="1600" dirty="0" err="1"/>
+              <a:t>SplitApp</a:t>
+            </a:r>
+            <a:r>
+              <a:rPr lang="en-US" sz="1600" dirty="0"/>
+              <a:t> id="</a:t>
+            </a:r>
+            <a:r>
+              <a:rPr lang="en-US" sz="1600" dirty="0" err="1"/>
+              <a:t>idAppControl</a:t>
+            </a:r>
+            <a:r>
+              <a:rPr lang="en-US" sz="1600" dirty="0"/>
+              <a:t>" /&gt;</a:t>
+            </a:r>
+            <a:br>
+              <a:rPr lang="en-US" sz="1600" dirty="0"/>
+            </a:br>
+            <a:r>
+              <a:rPr lang="en-US" sz="1600" dirty="0"/>
+              <a:t>&lt;/</a:t>
+            </a:r>
+            <a:r>
+              <a:rPr lang="en-US" sz="1600" dirty="0" err="1"/>
+              <a:t>mvc:View</a:t>
+            </a:r>
+            <a:r>
+              <a:rPr lang="en-US" sz="1600" dirty="0"/>
+              <a:t>&gt;</a:t>
             </a:r>
           </a:p>
         </p:txBody>
@@ -18840,68 +16858,68 @@
               <a:buSzPct val="80000"/>
             </a:pPr>
             <a:r>
-              <a:rPr lang="en-US" sz="1800" kern="0" dirty="0" smtClean="0">
+              <a:rPr lang="en-US" sz="1800" kern="0" dirty="0">
                 <a:ea typeface="Arial Unicode MS" pitchFamily="34" charset="-128"/>
                 <a:cs typeface="Arial Unicode MS" pitchFamily="34" charset="-128"/>
               </a:rPr>
               <a:t>This creates a </a:t>
             </a:r>
             <a:r>
-              <a:rPr lang="en-US" sz="1800" kern="0" dirty="0" err="1" smtClean="0">
+              <a:rPr lang="en-US" sz="1800" kern="0" dirty="0" err="1">
                 <a:ea typeface="Arial Unicode MS" pitchFamily="34" charset="-128"/>
                 <a:cs typeface="Arial Unicode MS" pitchFamily="34" charset="-128"/>
               </a:rPr>
               <a:t>SplitApp</a:t>
             </a:r>
             <a:r>
-              <a:rPr lang="en-US" sz="1800" kern="0" dirty="0" smtClean="0">
+              <a:rPr lang="en-US" sz="1800" kern="0" dirty="0">
                 <a:ea typeface="Arial Unicode MS" pitchFamily="34" charset="-128"/>
                 <a:cs typeface="Arial Unicode MS" pitchFamily="34" charset="-128"/>
               </a:rPr>
               <a:t> </a:t>
             </a:r>
             <a:r>
-              <a:rPr lang="en-US" sz="1800" kern="0" dirty="0" err="1" smtClean="0">
+              <a:rPr lang="en-US" sz="1800" kern="0" dirty="0" err="1">
                 <a:ea typeface="Arial Unicode MS" pitchFamily="34" charset="-128"/>
                 <a:cs typeface="Arial Unicode MS" pitchFamily="34" charset="-128"/>
               </a:rPr>
               <a:t>targetControl</a:t>
             </a:r>
             <a:r>
-              <a:rPr lang="en-US" sz="1800" kern="0" dirty="0" smtClean="0">
+              <a:rPr lang="en-US" sz="1800" kern="0" dirty="0">
                 <a:ea typeface="Arial Unicode MS" pitchFamily="34" charset="-128"/>
                 <a:cs typeface="Arial Unicode MS" pitchFamily="34" charset="-128"/>
               </a:rPr>
               <a:t> with id</a:t>
             </a:r>
             <a:br>
-              <a:rPr lang="en-US" sz="1800" kern="0" dirty="0" smtClean="0">
+              <a:rPr lang="en-US" sz="1800" kern="0" dirty="0">
                 <a:ea typeface="Arial Unicode MS" pitchFamily="34" charset="-128"/>
                 <a:cs typeface="Arial Unicode MS" pitchFamily="34" charset="-128"/>
               </a:rPr>
             </a:br>
             <a:r>
-              <a:rPr lang="en-US" sz="1800" kern="0" dirty="0" err="1" smtClean="0">
+              <a:rPr lang="en-US" sz="1800" kern="0" dirty="0" err="1">
                 <a:ea typeface="Arial Unicode MS" pitchFamily="34" charset="-128"/>
                 <a:cs typeface="Arial Unicode MS" pitchFamily="34" charset="-128"/>
               </a:rPr>
               <a:t>splitApp</a:t>
             </a:r>
             <a:r>
-              <a:rPr lang="en-US" sz="1800" kern="0" dirty="0" smtClean="0">
+              <a:rPr lang="en-US" sz="1800" kern="0" dirty="0">
                 <a:ea typeface="Arial Unicode MS" pitchFamily="34" charset="-128"/>
                 <a:cs typeface="Arial Unicode MS" pitchFamily="34" charset="-128"/>
               </a:rPr>
               <a:t>.  The id is used in the router </a:t>
             </a:r>
             <a:br>
-              <a:rPr lang="en-US" sz="1800" kern="0" dirty="0" smtClean="0">
+              <a:rPr lang="en-US" sz="1800" kern="0" dirty="0">
                 <a:ea typeface="Arial Unicode MS" pitchFamily="34" charset="-128"/>
                 <a:cs typeface="Arial Unicode MS" pitchFamily="34" charset="-128"/>
               </a:rPr>
             </a:br>
             <a:r>
-              <a:rPr lang="en-US" sz="1800" kern="0" dirty="0" smtClean="0">
+              <a:rPr lang="en-US" sz="1800" kern="0" dirty="0">
                 <a:ea typeface="Arial Unicode MS" pitchFamily="34" charset="-128"/>
                 <a:cs typeface="Arial Unicode MS" pitchFamily="34" charset="-128"/>
               </a:rPr>
@@ -18918,8 +16936,8 @@
         </p:nvCxnSpPr>
         <p:spPr>
           <a:xfrm flipV="1">
-            <a:off x="4876800" y="4661647"/>
-            <a:ext cx="2743200" cy="89647"/>
+            <a:off x="4876800" y="4680642"/>
+            <a:ext cx="1189022" cy="70653"/>
           </a:xfrm>
           <a:prstGeom prst="straightConnector1">
             <a:avLst/>
@@ -18956,13 +16974,6 @@
   <p:clrMapOvr>
     <a:masterClrMapping/>
   </p:clrMapOvr>
-  <p:timing>
-    <p:tnLst>
-      <p:par>
-        <p:cTn id="1" dur="indefinite" restart="never" nodeType="tmRoot"/>
-      </p:par>
-    </p:tnLst>
-  </p:timing>
 </p:sld>
 </file>
 
@@ -18999,7 +17010,7 @@
           <a:lstStyle/>
           <a:p>
             <a:r>
-              <a:rPr lang="en-US" dirty="0" err="1" smtClean="0"/>
+              <a:rPr lang="en-US" dirty="0" err="1"/>
               <a:t>targetAggregation</a:t>
             </a:r>
             <a:endParaRPr lang="en-US" dirty="0"/>
@@ -19023,70 +17034,69 @@
           <a:p>
             <a:pPr lvl="2"/>
             <a:r>
-              <a:rPr lang="en-US" sz="2500" dirty="0" smtClean="0"/>
+              <a:rPr lang="en-US" sz="2500" dirty="0"/>
               <a:t>The views are displayed in the </a:t>
             </a:r>
             <a:r>
-              <a:rPr lang="en-US" sz="2500" dirty="0" err="1" smtClean="0"/>
+              <a:rPr lang="en-US" sz="2500" dirty="0" err="1"/>
               <a:t>targetControl</a:t>
             </a:r>
             <a:r>
-              <a:rPr lang="en-US" sz="2500" dirty="0" smtClean="0"/>
+              <a:rPr lang="en-US" sz="2500" dirty="0"/>
               <a:t> by assigning them to the control’s view aggregations:</a:t>
             </a:r>
           </a:p>
           <a:p>
             <a:pPr lvl="3"/>
             <a:r>
-              <a:rPr lang="en-US" sz="2500" dirty="0" smtClean="0"/>
+              <a:rPr lang="en-US" sz="2500" dirty="0"/>
               <a:t>The App control has one aggregation called pages because it is </a:t>
             </a:r>
             <a:r>
-              <a:rPr lang="en-US" sz="2500" dirty="0" err="1" smtClean="0"/>
+              <a:rPr lang="en-US" sz="2500" dirty="0" err="1"/>
               <a:t>fullscreen</a:t>
             </a:r>
             <a:r>
-              <a:rPr lang="en-US" sz="2500" dirty="0" smtClean="0"/>
+              <a:rPr lang="en-US" sz="2500" dirty="0"/>
               <a:t> and only one view can be shown at a time</a:t>
             </a:r>
           </a:p>
           <a:p>
             <a:pPr lvl="3"/>
             <a:r>
-              <a:rPr lang="en-US" sz="2500" dirty="0" smtClean="0"/>
+              <a:rPr lang="en-US" sz="2500" dirty="0"/>
               <a:t>The </a:t>
             </a:r>
             <a:r>
-              <a:rPr lang="en-US" sz="2500" dirty="0" err="1" smtClean="0"/>
+              <a:rPr lang="en-US" sz="2500" dirty="0" err="1"/>
               <a:t>SplitApp</a:t>
             </a:r>
             <a:r>
-              <a:rPr lang="en-US" sz="2500" dirty="0" smtClean="0"/>
+              <a:rPr lang="en-US" sz="2500" dirty="0"/>
               <a:t> control has two aggregations:</a:t>
             </a:r>
           </a:p>
           <a:p>
             <a:pPr lvl="4"/>
             <a:r>
-              <a:rPr lang="en-US" sz="2400" dirty="0" err="1" smtClean="0"/>
+              <a:rPr lang="en-US" sz="2400" dirty="0" err="1"/>
               <a:t>masterPages</a:t>
             </a:r>
             <a:r>
-              <a:rPr lang="en-US" sz="2400" dirty="0" smtClean="0"/>
+              <a:rPr lang="en-US" sz="2400" dirty="0"/>
               <a:t> are views shown on the master (or left) side of the interface</a:t>
             </a:r>
           </a:p>
           <a:p>
             <a:pPr lvl="4"/>
             <a:r>
-              <a:rPr lang="en-US" sz="2400" dirty="0" err="1" smtClean="0"/>
+              <a:rPr lang="en-US" sz="2400" dirty="0" err="1"/>
               <a:t>detailPages</a:t>
             </a:r>
             <a:r>
-              <a:rPr lang="en-US" sz="2400" dirty="0" smtClean="0"/>
+              <a:rPr lang="en-US" sz="2400" dirty="0"/>
               <a:t> are views shown on the detail (or right) side of the interface</a:t>
             </a:r>
-            <a:endParaRPr lang="en-US" sz="2400" dirty="0"/>
           </a:p>
         </p:txBody>
       </p:sp>
@@ -19100,13 +17110,6 @@
   <p:clrMapOvr>
     <a:masterClrMapping/>
   </p:clrMapOvr>
-  <p:timing>
-    <p:tnLst>
-      <p:par>
-        <p:cTn id="1" dur="indefinite" restart="never" nodeType="tmRoot"/>
-      </p:par>
-    </p:tnLst>
-  </p:timing>
 </p:sld>
 </file>
 
@@ -19143,10 +17146,9 @@
           <a:lstStyle/>
           <a:p>
             <a:r>
-              <a:rPr lang="en-US" dirty="0" smtClean="0"/>
+              <a:rPr lang="en-US" dirty="0"/>
               <a:t>Defining Multiple Routes</a:t>
             </a:r>
-            <a:endParaRPr lang="en-US" dirty="0"/>
           </a:p>
         </p:txBody>
       </p:sp>
@@ -19177,71 +17179,26 @@
           <a:lstStyle/>
           <a:p>
             <a:r>
-              <a:rPr lang="en-US" sz="1800" dirty="0" smtClean="0"/>
-              <a:t>routes</a:t>
-            </a:r>
-            <a:r>
               <a:rPr lang="en-US" sz="1800" dirty="0"/>
-              <a:t>: [</a:t>
-            </a:r>
-          </a:p>
-          <a:p>
-            <a:r>
-              <a:rPr lang="en-US" sz="1800" dirty="0" smtClean="0"/>
-              <a:t>        </a:t>
-            </a:r>
+              <a:t>routes: [</a:t>
+            </a:r>
+          </a:p>
+          <a:p>
             <a:r>
               <a:rPr lang="en-US" sz="1800" dirty="0"/>
-              <a:t>{</a:t>
-            </a:r>
-          </a:p>
-          <a:p>
-            <a:r>
-              <a:rPr lang="en-US" sz="1800" dirty="0" smtClean="0"/>
-              <a:t>            </a:t>
-            </a:r>
+              <a:t>	{</a:t>
+            </a:r>
+          </a:p>
+          <a:p>
             <a:r>
               <a:rPr lang="en-US" sz="1800" dirty="0"/>
-              <a:t>pattern : "",</a:t>
-            </a:r>
-          </a:p>
-          <a:p>
-            <a:r>
-              <a:rPr lang="en-US" sz="1800" dirty="0" smtClean="0"/>
-              <a:t>            </a:t>
-            </a:r>
+              <a:t>           	    pattern: "",                		                          	    name: "Master",</a:t>
+            </a:r>
+          </a:p>
+          <a:p>
             <a:r>
               <a:rPr lang="en-US" sz="1800" dirty="0"/>
-              <a:t>name : "</a:t>
-            </a:r>
-            <a:r>
-              <a:rPr lang="en-US" sz="1800" dirty="0" err="1"/>
-              <a:t>ProductCategories</a:t>
-            </a:r>
-            <a:r>
-              <a:rPr lang="en-US" sz="1800" dirty="0"/>
-              <a:t>",</a:t>
-            </a:r>
-          </a:p>
-          <a:p>
-            <a:r>
-              <a:rPr lang="en-US" sz="1800" dirty="0" smtClean="0"/>
-              <a:t>            </a:t>
-            </a:r>
-            <a:r>
-              <a:rPr lang="en-US" sz="1800" dirty="0"/>
-              <a:t>view : "</a:t>
-            </a:r>
-            <a:r>
-              <a:rPr lang="en-US" sz="1800" dirty="0" smtClean="0"/>
-              <a:t>Master1",</a:t>
-            </a:r>
-            <a:endParaRPr lang="en-US" sz="1800" dirty="0"/>
-          </a:p>
-          <a:p>
-            <a:r>
-              <a:rPr lang="en-US" sz="1800" dirty="0" smtClean="0"/>
-              <a:t>            </a:t>
+              <a:t>                	    view: "Master",                		 	    </a:t>
             </a:r>
             <a:r>
               <a:rPr lang="en-US" sz="1800" dirty="0" err="1"/>
@@ -19249,7 +17206,7 @@
             </a:r>
             <a:r>
               <a:rPr lang="en-US" sz="1800" dirty="0"/>
-              <a:t> : "</a:t>
+              <a:t>: "</a:t>
             </a:r>
             <a:r>
               <a:rPr lang="en-US" sz="1800" dirty="0" err="1"/>
@@ -19257,71 +17214,19 @@
             </a:r>
             <a:r>
               <a:rPr lang="en-US" sz="1800" dirty="0"/>
-              <a:t>"</a:t>
-            </a:r>
-          </a:p>
-          <a:p>
-            <a:r>
-              <a:rPr lang="en-US" sz="1800" dirty="0" smtClean="0"/>
-              <a:t>        </a:t>
-            </a:r>
+              <a:t>"                    	},</a:t>
+            </a:r>
+          </a:p>
+          <a:p>
             <a:r>
               <a:rPr lang="en-US" sz="1800" dirty="0"/>
-              <a:t>},</a:t>
-            </a:r>
-          </a:p>
-          <a:p>
-            <a:r>
-              <a:rPr lang="en-US" sz="1800" dirty="0" smtClean="0"/>
-              <a:t>        </a:t>
-            </a:r>
+              <a:t>                	{</a:t>
+            </a:r>
+          </a:p>
+          <a:p>
             <a:r>
               <a:rPr lang="en-US" sz="1800" dirty="0"/>
-              <a:t>{</a:t>
-            </a:r>
-          </a:p>
-          <a:p>
-            <a:r>
-              <a:rPr lang="en-US" sz="1800" dirty="0" smtClean="0"/>
-              <a:t>            </a:t>
-            </a:r>
-            <a:r>
-              <a:rPr lang="en-US" sz="1800" dirty="0"/>
-              <a:t>pattern : "</a:t>
-            </a:r>
-            <a:r>
-              <a:rPr lang="en-US" sz="1800" dirty="0" err="1"/>
-              <a:t>ProductCategory</a:t>
-            </a:r>
-            <a:r>
-              <a:rPr lang="en-US" sz="1800" dirty="0"/>
-              <a:t>/{entity}",</a:t>
-            </a:r>
-          </a:p>
-          <a:p>
-            <a:r>
-              <a:rPr lang="en-US" sz="1800" dirty="0" smtClean="0"/>
-              <a:t>            </a:t>
-            </a:r>
-            <a:r>
-              <a:rPr lang="en-US" sz="1800" dirty="0"/>
-              <a:t>name : "Products",</a:t>
-            </a:r>
-          </a:p>
-          <a:p>
-            <a:r>
-              <a:rPr lang="en-US" sz="1800" dirty="0" smtClean="0"/>
-              <a:t>            </a:t>
-            </a:r>
-            <a:r>
-              <a:rPr lang="en-US" sz="1800" dirty="0"/>
-              <a:t>view : "Products",</a:t>
-            </a:r>
-          </a:p>
-          <a:p>
-            <a:r>
-              <a:rPr lang="en-US" sz="1800" dirty="0" smtClean="0"/>
-              <a:t>            </a:t>
+              <a:t>               	     pattern: "Detail1/{parameter}",                	     name: "Detail1",                		   	      view: "Detail1",                		  	      </a:t>
             </a:r>
             <a:r>
               <a:rPr lang="en-US" sz="1800" dirty="0" err="1"/>
@@ -19329,21 +17234,15 @@
             </a:r>
             <a:r>
               <a:rPr lang="en-US" sz="1800" dirty="0"/>
-              <a:t> : "</a:t>
+              <a:t>: "</a:t>
             </a:r>
             <a:r>
               <a:rPr lang="en-US" sz="1800" dirty="0" err="1"/>
-              <a:t>masterPages</a:t>
-            </a:r>
-            <a:r>
-              <a:rPr lang="en-US" sz="1800" dirty="0" smtClean="0"/>
-              <a:t>"</a:t>
-            </a:r>
-          </a:p>
-          <a:p>
-            <a:r>
-              <a:rPr lang="en-US" sz="1800" dirty="0" smtClean="0"/>
-              <a:t>        }</a:t>
+              <a:t>detailPages</a:t>
+            </a:r>
+            <a:r>
+              <a:rPr lang="en-US" sz="1800" dirty="0"/>
+              <a:t>"                    	}</a:t>
             </a:r>
           </a:p>
           <a:p>
@@ -19389,33 +17288,33 @@
               <a:buSzPct val="80000"/>
             </a:pPr>
             <a:r>
-              <a:rPr lang="en-US" sz="1800" kern="0" dirty="0" smtClean="0">
+              <a:rPr lang="en-US" sz="1800" kern="0" dirty="0">
                 <a:ea typeface="Arial Unicode MS" pitchFamily="34" charset="-128"/>
                 <a:cs typeface="Arial Unicode MS" pitchFamily="34" charset="-128"/>
               </a:rPr>
               <a:t>Multiple routes can be defined separated by</a:t>
             </a:r>
             <a:br>
-              <a:rPr lang="en-US" sz="1800" kern="0" dirty="0" smtClean="0">
+              <a:rPr lang="en-US" sz="1800" kern="0" dirty="0">
                 <a:ea typeface="Arial Unicode MS" pitchFamily="34" charset="-128"/>
                 <a:cs typeface="Arial Unicode MS" pitchFamily="34" charset="-128"/>
               </a:rPr>
             </a:br>
             <a:r>
-              <a:rPr lang="en-US" sz="1800" kern="0" dirty="0" smtClean="0">
+              <a:rPr lang="en-US" sz="1800" kern="0" dirty="0">
                 <a:ea typeface="Arial Unicode MS" pitchFamily="34" charset="-128"/>
                 <a:cs typeface="Arial Unicode MS" pitchFamily="34" charset="-128"/>
               </a:rPr>
               <a:t>commas.  Only one default route can be </a:t>
             </a:r>
             <a:br>
-              <a:rPr lang="en-US" sz="1800" kern="0" dirty="0" smtClean="0">
+              <a:rPr lang="en-US" sz="1800" kern="0" dirty="0">
                 <a:ea typeface="Arial Unicode MS" pitchFamily="34" charset="-128"/>
                 <a:cs typeface="Arial Unicode MS" pitchFamily="34" charset="-128"/>
               </a:rPr>
             </a:br>
             <a:r>
-              <a:rPr lang="en-US" sz="1800" kern="0" dirty="0" smtClean="0">
+              <a:rPr lang="en-US" sz="1800" kern="0" dirty="0">
                 <a:ea typeface="Arial Unicode MS" pitchFamily="34" charset="-128"/>
                 <a:cs typeface="Arial Unicode MS" pitchFamily="34" charset="-128"/>
               </a:rPr>
@@ -19454,33 +17353,33 @@
               <a:buSzPct val="80000"/>
             </a:pPr>
             <a:r>
-              <a:rPr lang="en-US" sz="1800" kern="0" dirty="0" smtClean="0">
+              <a:rPr lang="en-US" sz="1800" kern="0" dirty="0">
                 <a:ea typeface="Arial Unicode MS" pitchFamily="34" charset="-128"/>
                 <a:cs typeface="Arial Unicode MS" pitchFamily="34" charset="-128"/>
               </a:rPr>
               <a:t>The {entity} in the second route defines a</a:t>
             </a:r>
             <a:br>
-              <a:rPr lang="en-US" sz="1800" kern="0" dirty="0" smtClean="0">
+              <a:rPr lang="en-US" sz="1800" kern="0" dirty="0">
                 <a:ea typeface="Arial Unicode MS" pitchFamily="34" charset="-128"/>
                 <a:cs typeface="Arial Unicode MS" pitchFamily="34" charset="-128"/>
               </a:rPr>
             </a:br>
             <a:r>
-              <a:rPr lang="en-US" sz="1800" kern="0" dirty="0" smtClean="0">
+              <a:rPr lang="en-US" sz="1800" kern="0" dirty="0">
                 <a:ea typeface="Arial Unicode MS" pitchFamily="34" charset="-128"/>
                 <a:cs typeface="Arial Unicode MS" pitchFamily="34" charset="-128"/>
               </a:rPr>
               <a:t>parameter passed to the route. This is </a:t>
             </a:r>
             <a:br>
-              <a:rPr lang="en-US" sz="1800" kern="0" dirty="0" smtClean="0">
+              <a:rPr lang="en-US" sz="1800" kern="0" dirty="0">
                 <a:ea typeface="Arial Unicode MS" pitchFamily="34" charset="-128"/>
                 <a:cs typeface="Arial Unicode MS" pitchFamily="34" charset="-128"/>
               </a:rPr>
             </a:br>
             <a:r>
-              <a:rPr lang="en-US" sz="1800" kern="0" dirty="0" smtClean="0">
+              <a:rPr lang="en-US" sz="1800" kern="0" dirty="0">
                 <a:ea typeface="Arial Unicode MS" pitchFamily="34" charset="-128"/>
                 <a:cs typeface="Arial Unicode MS" pitchFamily="34" charset="-128"/>
               </a:rPr>
@@ -19489,30 +17388,6 @@
           </a:p>
         </p:txBody>
       </p:sp>
-      <p:pic>
-        <p:nvPicPr>
-          <p:cNvPr id="5" name="Picture 4"/>
-          <p:cNvPicPr>
-            <a:picLocks noChangeAspect="1"/>
-          </p:cNvPicPr>
-          <p:nvPr/>
-        </p:nvPicPr>
-        <p:blipFill>
-          <a:blip r:embed="rId2"/>
-          <a:stretch>
-            <a:fillRect/>
-          </a:stretch>
-        </p:blipFill>
-        <p:spPr>
-          <a:xfrm>
-            <a:off x="324001" y="5811630"/>
-            <a:ext cx="5961905" cy="400000"/>
-          </a:xfrm>
-          <a:prstGeom prst="rect">
-            <a:avLst/>
-          </a:prstGeom>
-        </p:spPr>
-      </p:pic>
       <p:sp>
         <p:nvSpPr>
           <p:cNvPr id="6" name="TextBox 5"/>
@@ -19548,46 +17423,46 @@
               <a:buSzPct val="80000"/>
             </a:pPr>
             <a:r>
-              <a:rPr lang="en-US" sz="1800" kern="0" dirty="0" smtClean="0">
+              <a:rPr lang="en-US" sz="1800" kern="0" dirty="0">
                 <a:ea typeface="Arial Unicode MS" pitchFamily="34" charset="-128"/>
                 <a:cs typeface="Arial Unicode MS" pitchFamily="34" charset="-128"/>
               </a:rPr>
               <a:t>The route’s pattern appears in the browser</a:t>
             </a:r>
             <a:br>
-              <a:rPr lang="en-US" sz="1800" kern="0" dirty="0" smtClean="0">
+              <a:rPr lang="en-US" sz="1800" kern="0" dirty="0">
                 <a:ea typeface="Arial Unicode MS" pitchFamily="34" charset="-128"/>
                 <a:cs typeface="Arial Unicode MS" pitchFamily="34" charset="-128"/>
               </a:rPr>
             </a:br>
             <a:r>
-              <a:rPr lang="en-US" sz="1800" kern="0" dirty="0" smtClean="0">
+              <a:rPr lang="en-US" sz="1800" kern="0" dirty="0">
                 <a:ea typeface="Arial Unicode MS" pitchFamily="34" charset="-128"/>
                 <a:cs typeface="Arial Unicode MS" pitchFamily="34" charset="-128"/>
               </a:rPr>
               <a:t>after the #.  The # tells the browser not to</a:t>
             </a:r>
             <a:br>
-              <a:rPr lang="en-US" sz="1800" kern="0" dirty="0" smtClean="0">
+              <a:rPr lang="en-US" sz="1800" kern="0" dirty="0">
                 <a:ea typeface="Arial Unicode MS" pitchFamily="34" charset="-128"/>
                 <a:cs typeface="Arial Unicode MS" pitchFamily="34" charset="-128"/>
               </a:rPr>
             </a:br>
             <a:r>
-              <a:rPr lang="en-US" sz="1800" kern="0" dirty="0" smtClean="0">
+              <a:rPr lang="en-US" sz="1800" kern="0" dirty="0">
                 <a:ea typeface="Arial Unicode MS" pitchFamily="34" charset="-128"/>
                 <a:cs typeface="Arial Unicode MS" pitchFamily="34" charset="-128"/>
               </a:rPr>
               <a:t>interpret the rest of the URL because it is</a:t>
             </a:r>
             <a:br>
-              <a:rPr lang="en-US" sz="1800" kern="0" dirty="0" smtClean="0">
+              <a:rPr lang="en-US" sz="1800" kern="0" dirty="0">
                 <a:ea typeface="Arial Unicode MS" pitchFamily="34" charset="-128"/>
                 <a:cs typeface="Arial Unicode MS" pitchFamily="34" charset="-128"/>
               </a:rPr>
             </a:br>
             <a:r>
-              <a:rPr lang="en-US" sz="1800" kern="0" dirty="0" smtClean="0">
+              <a:rPr lang="en-US" sz="1800" kern="0" dirty="0">
                 <a:ea typeface="Arial Unicode MS" pitchFamily="34" charset="-128"/>
                 <a:cs typeface="Arial Unicode MS" pitchFamily="34" charset="-128"/>
               </a:rPr>
@@ -19596,6 +17471,30 @@
           </a:p>
         </p:txBody>
       </p:sp>
+      <p:pic>
+        <p:nvPicPr>
+          <p:cNvPr id="7" name="Picture 6"/>
+          <p:cNvPicPr>
+            <a:picLocks noChangeAspect="1"/>
+          </p:cNvPicPr>
+          <p:nvPr/>
+        </p:nvPicPr>
+        <p:blipFill>
+          <a:blip r:embed="rId2"/>
+          <a:stretch>
+            <a:fillRect/>
+          </a:stretch>
+        </p:blipFill>
+        <p:spPr>
+          <a:xfrm>
+            <a:off x="324001" y="5966082"/>
+            <a:ext cx="6128436" cy="425482"/>
+          </a:xfrm>
+          <a:prstGeom prst="rect">
+            <a:avLst/>
+          </a:prstGeom>
+        </p:spPr>
+      </p:pic>
     </p:spTree>
     <p:extLst>
       <p:ext uri="{BB962C8B-B14F-4D97-AF65-F5344CB8AC3E}">
@@ -19606,13 +17505,6 @@
   <p:clrMapOvr>
     <a:masterClrMapping/>
   </p:clrMapOvr>
-  <p:timing>
-    <p:tnLst>
-      <p:par>
-        <p:cTn id="1" dur="indefinite" restart="never" nodeType="tmRoot"/>
-      </p:par>
-    </p:tnLst>
-  </p:timing>
 </p:sld>
 </file>
 

--- a/Notes/SAPUI5-Routing.pptx
+++ b/Notes/SAPUI5-Routing.pptx
@@ -5,10 +5,10 @@
     <p:sldMasterId id="2147483660" r:id="rId1"/>
   </p:sldMasterIdLst>
   <p:notesMasterIdLst>
-    <p:notesMasterId r:id="rId20"/>
+    <p:notesMasterId r:id="rId21"/>
   </p:notesMasterIdLst>
   <p:handoutMasterIdLst>
-    <p:handoutMasterId r:id="rId21"/>
+    <p:handoutMasterId r:id="rId22"/>
   </p:handoutMasterIdLst>
   <p:sldIdLst>
     <p:sldId id="353" r:id="rId2"/>
@@ -16,19 +16,20 @@
     <p:sldId id="550" r:id="rId4"/>
     <p:sldId id="551" r:id="rId5"/>
     <p:sldId id="553" r:id="rId6"/>
-    <p:sldId id="554" r:id="rId7"/>
-    <p:sldId id="558" r:id="rId8"/>
-    <p:sldId id="555" r:id="rId9"/>
-    <p:sldId id="556" r:id="rId10"/>
-    <p:sldId id="552" r:id="rId11"/>
-    <p:sldId id="559" r:id="rId12"/>
-    <p:sldId id="560" r:id="rId13"/>
-    <p:sldId id="561" r:id="rId14"/>
-    <p:sldId id="562" r:id="rId15"/>
-    <p:sldId id="564" r:id="rId16"/>
-    <p:sldId id="563" r:id="rId17"/>
-    <p:sldId id="548" r:id="rId18"/>
-    <p:sldId id="265" r:id="rId19"/>
+    <p:sldId id="558" r:id="rId7"/>
+    <p:sldId id="555" r:id="rId8"/>
+    <p:sldId id="565" r:id="rId9"/>
+    <p:sldId id="566" r:id="rId10"/>
+    <p:sldId id="556" r:id="rId11"/>
+    <p:sldId id="552" r:id="rId12"/>
+    <p:sldId id="559" r:id="rId13"/>
+    <p:sldId id="560" r:id="rId14"/>
+    <p:sldId id="561" r:id="rId15"/>
+    <p:sldId id="562" r:id="rId16"/>
+    <p:sldId id="564" r:id="rId17"/>
+    <p:sldId id="563" r:id="rId18"/>
+    <p:sldId id="548" r:id="rId19"/>
+    <p:sldId id="265" r:id="rId20"/>
   </p:sldIdLst>
   <p:sldSz cx="12195175" cy="6859588"/>
   <p:notesSz cx="6797675" cy="9874250"/>
@@ -696,7 +697,7 @@
             <a:fld id="{7D8C2C35-2B8A-446E-BEC0-FD36716C29AC}" type="slidenum">
               <a:rPr lang="en-US" smtClean="0"/>
               <a:pPr/>
-              <a:t>18</a:t>
+              <a:t>19</a:t>
             </a:fld>
             <a:endParaRPr lang="en-US" dirty="0"/>
           </a:p>
@@ -9817,7 +9818,7 @@
                 </a:solidFill>
                 <a:latin typeface="BentonSans Book" panose="02000503000000020004" pitchFamily="2" charset="0"/>
               </a:rPr>
-              <a:t>January 5, 2017</a:t>
+              <a:t>July 13, 2017</a:t>
             </a:fld>
             <a:endParaRPr lang="en-US" sz="1200" dirty="0">
               <a:solidFill>
@@ -9995,6 +9996,517 @@
       </p:grpSpPr>
       <p:sp>
         <p:nvSpPr>
+          <p:cNvPr id="2" name="Title 1"/>
+          <p:cNvSpPr>
+            <a:spLocks noGrp="1"/>
+          </p:cNvSpPr>
+          <p:nvPr>
+            <p:ph type="title"/>
+          </p:nvPr>
+        </p:nvSpPr>
+        <p:spPr/>
+        <p:txBody>
+          <a:bodyPr/>
+          <a:lstStyle/>
+          <a:p>
+            <a:r>
+              <a:rPr lang="en-US" dirty="0"/>
+              <a:t>Defining Multiple Routes</a:t>
+            </a:r>
+          </a:p>
+        </p:txBody>
+      </p:sp>
+      <p:sp>
+        <p:nvSpPr>
+          <p:cNvPr id="3" name="Rectangle 2"/>
+          <p:cNvSpPr/>
+          <p:nvPr/>
+        </p:nvSpPr>
+        <p:spPr>
+          <a:xfrm>
+            <a:off x="5408842" y="479390"/>
+            <a:ext cx="6096000" cy="5262979"/>
+          </a:xfrm>
+          <a:prstGeom prst="rect">
+            <a:avLst/>
+          </a:prstGeom>
+          <a:solidFill>
+            <a:schemeClr val="bg1"/>
+          </a:solidFill>
+          <a:ln>
+            <a:solidFill>
+              <a:schemeClr val="tx1"/>
+            </a:solidFill>
+          </a:ln>
+        </p:spPr>
+        <p:txBody>
+          <a:bodyPr>
+            <a:spAutoFit/>
+          </a:bodyPr>
+          <a:lstStyle/>
+          <a:p>
+            <a:r>
+              <a:rPr lang="en-US" sz="1400" dirty="0"/>
+              <a:t>"routes": [</a:t>
+            </a:r>
+          </a:p>
+          <a:p>
+            <a:r>
+              <a:rPr lang="en-US" sz="1400" dirty="0"/>
+              <a:t>	{</a:t>
+            </a:r>
+          </a:p>
+          <a:p>
+            <a:r>
+              <a:rPr lang="en-US" sz="1400" dirty="0"/>
+              <a:t>		"pattern": "",</a:t>
+            </a:r>
+          </a:p>
+          <a:p>
+            <a:r>
+              <a:rPr lang="en-US" sz="1400" dirty="0"/>
+              <a:t>		"name": "Master",</a:t>
+            </a:r>
+          </a:p>
+          <a:p>
+            <a:r>
+              <a:rPr lang="en-US" sz="1400" dirty="0"/>
+              <a:t>		"target": "Master"</a:t>
+            </a:r>
+          </a:p>
+          <a:p>
+            <a:r>
+              <a:rPr lang="en-US" sz="1400" dirty="0"/>
+              <a:t>	},</a:t>
+            </a:r>
+          </a:p>
+          <a:p>
+            <a:r>
+              <a:rPr lang="en-US" sz="1400" dirty="0"/>
+              <a:t>	{</a:t>
+            </a:r>
+          </a:p>
+          <a:p>
+            <a:r>
+              <a:rPr lang="en-US" sz="1400" dirty="0"/>
+              <a:t>		"pattern": "Detail1/{item}",</a:t>
+            </a:r>
+          </a:p>
+          <a:p>
+            <a:r>
+              <a:rPr lang="en-US" sz="1400" dirty="0"/>
+              <a:t>		"name": "Detail1",</a:t>
+            </a:r>
+          </a:p>
+          <a:p>
+            <a:r>
+              <a:rPr lang="en-US" sz="1400" dirty="0"/>
+              <a:t>		"target": "Detail1"</a:t>
+            </a:r>
+          </a:p>
+          <a:p>
+            <a:r>
+              <a:rPr lang="en-US" sz="1400" dirty="0"/>
+              <a:t>	}</a:t>
+            </a:r>
+          </a:p>
+          <a:p>
+            <a:r>
+              <a:rPr lang="en-US" sz="1400" dirty="0"/>
+              <a:t>],</a:t>
+            </a:r>
+          </a:p>
+          <a:p>
+            <a:r>
+              <a:rPr lang="en-US" sz="1400" dirty="0"/>
+              <a:t>"targets": {</a:t>
+            </a:r>
+          </a:p>
+          <a:p>
+            <a:r>
+              <a:rPr lang="en-US" sz="1400" dirty="0"/>
+              <a:t>	"Master": {</a:t>
+            </a:r>
+          </a:p>
+          <a:p>
+            <a:r>
+              <a:rPr lang="en-US" sz="1400" dirty="0"/>
+              <a:t>		"</a:t>
+            </a:r>
+            <a:r>
+              <a:rPr lang="en-US" sz="1400" dirty="0" err="1"/>
+              <a:t>viewName</a:t>
+            </a:r>
+            <a:r>
+              <a:rPr lang="en-US" sz="1400" dirty="0"/>
+              <a:t>": "Master",</a:t>
+            </a:r>
+          </a:p>
+          <a:p>
+            <a:r>
+              <a:rPr lang="en-US" sz="1400" dirty="0"/>
+              <a:t>		"</a:t>
+            </a:r>
+            <a:r>
+              <a:rPr lang="en-US" sz="1400" dirty="0" err="1"/>
+              <a:t>controlAggregation</a:t>
+            </a:r>
+            <a:r>
+              <a:rPr lang="en-US" sz="1400" dirty="0"/>
+              <a:t>": "</a:t>
+            </a:r>
+            <a:r>
+              <a:rPr lang="en-US" sz="1400" dirty="0" err="1"/>
+              <a:t>masterPages</a:t>
+            </a:r>
+            <a:r>
+              <a:rPr lang="en-US" sz="1400" dirty="0"/>
+              <a:t>"</a:t>
+            </a:r>
+          </a:p>
+          <a:p>
+            <a:endParaRPr lang="en-US" sz="1400" dirty="0"/>
+          </a:p>
+          <a:p>
+            <a:r>
+              <a:rPr lang="en-US" sz="1400" dirty="0"/>
+              <a:t>	},</a:t>
+            </a:r>
+          </a:p>
+          <a:p>
+            <a:r>
+              <a:rPr lang="en-US" sz="1400" dirty="0"/>
+              <a:t>	"Detail1": {</a:t>
+            </a:r>
+          </a:p>
+          <a:p>
+            <a:r>
+              <a:rPr lang="en-US" sz="1400" dirty="0"/>
+              <a:t>		"</a:t>
+            </a:r>
+            <a:r>
+              <a:rPr lang="en-US" sz="1400" dirty="0" err="1"/>
+              <a:t>viewName</a:t>
+            </a:r>
+            <a:r>
+              <a:rPr lang="en-US" sz="1400" dirty="0"/>
+              <a:t>": "Detail1",</a:t>
+            </a:r>
+          </a:p>
+          <a:p>
+            <a:r>
+              <a:rPr lang="en-US" sz="1400" dirty="0"/>
+              <a:t>		"</a:t>
+            </a:r>
+            <a:r>
+              <a:rPr lang="en-US" sz="1400" dirty="0" err="1"/>
+              <a:t>controlAggregation</a:t>
+            </a:r>
+            <a:r>
+              <a:rPr lang="en-US" sz="1400" dirty="0"/>
+              <a:t>": "</a:t>
+            </a:r>
+            <a:r>
+              <a:rPr lang="en-US" sz="1400" dirty="0" err="1"/>
+              <a:t>detailPages</a:t>
+            </a:r>
+            <a:r>
+              <a:rPr lang="en-US" sz="1400" dirty="0"/>
+              <a:t>"</a:t>
+            </a:r>
+          </a:p>
+          <a:p>
+            <a:endParaRPr lang="en-US" sz="1400" dirty="0"/>
+          </a:p>
+          <a:p>
+            <a:r>
+              <a:rPr lang="en-US" sz="1400" dirty="0"/>
+              <a:t>	}</a:t>
+            </a:r>
+          </a:p>
+          <a:p>
+            <a:r>
+              <a:rPr lang="en-US" sz="1400" dirty="0"/>
+              <a:t>}</a:t>
+            </a:r>
+            <a:endParaRPr lang="en-US" sz="1400" dirty="0"/>
+          </a:p>
+        </p:txBody>
+      </p:sp>
+      <p:sp>
+        <p:nvSpPr>
+          <p:cNvPr id="4" name="TextBox 3"/>
+          <p:cNvSpPr txBox="1"/>
+          <p:nvPr/>
+        </p:nvSpPr>
+        <p:spPr>
+          <a:xfrm>
+            <a:off x="259976" y="1810871"/>
+            <a:ext cx="4475584" cy="2092881"/>
+          </a:xfrm>
+          <a:prstGeom prst="rect">
+            <a:avLst/>
+          </a:prstGeom>
+          <a:noFill/>
+        </p:spPr>
+        <p:txBody>
+          <a:bodyPr wrap="none" lIns="0" tIns="0" rIns="0" bIns="0" rtlCol="0">
+            <a:spAutoFit/>
+          </a:bodyPr>
+          <a:lstStyle/>
+          <a:p>
+            <a:pPr fontAlgn="base">
+              <a:spcBef>
+                <a:spcPts val="600"/>
+              </a:spcBef>
+              <a:spcAft>
+                <a:spcPct val="0"/>
+              </a:spcAft>
+              <a:buClr>
+                <a:srgbClr val="F0AB00"/>
+              </a:buClr>
+              <a:buSzPct val="80000"/>
+            </a:pPr>
+            <a:r>
+              <a:rPr lang="en-US" sz="1800" kern="0" dirty="0">
+                <a:ea typeface="Arial Unicode MS" pitchFamily="34" charset="-128"/>
+                <a:cs typeface="Arial Unicode MS" pitchFamily="34" charset="-128"/>
+              </a:rPr>
+              <a:t>Multiple routes can be defined separated by</a:t>
+            </a:r>
+            <a:br>
+              <a:rPr lang="en-US" sz="1800" kern="0" dirty="0">
+                <a:ea typeface="Arial Unicode MS" pitchFamily="34" charset="-128"/>
+                <a:cs typeface="Arial Unicode MS" pitchFamily="34" charset="-128"/>
+              </a:rPr>
+            </a:br>
+            <a:r>
+              <a:rPr lang="en-US" sz="1800" kern="0" dirty="0">
+                <a:ea typeface="Arial Unicode MS" pitchFamily="34" charset="-128"/>
+                <a:cs typeface="Arial Unicode MS" pitchFamily="34" charset="-128"/>
+              </a:rPr>
+              <a:t>commas.  Only one default route can be </a:t>
+            </a:r>
+            <a:br>
+              <a:rPr lang="en-US" sz="1800" kern="0" dirty="0">
+                <a:ea typeface="Arial Unicode MS" pitchFamily="34" charset="-128"/>
+                <a:cs typeface="Arial Unicode MS" pitchFamily="34" charset="-128"/>
+              </a:rPr>
+            </a:br>
+            <a:r>
+              <a:rPr lang="en-US" sz="1800" kern="0" dirty="0">
+                <a:ea typeface="Arial Unicode MS" pitchFamily="34" charset="-128"/>
+                <a:cs typeface="Arial Unicode MS" pitchFamily="34" charset="-128"/>
+              </a:rPr>
+              <a:t>defined.</a:t>
+            </a:r>
+          </a:p>
+          <a:p>
+            <a:pPr fontAlgn="base">
+              <a:spcBef>
+                <a:spcPts val="600"/>
+              </a:spcBef>
+              <a:spcAft>
+                <a:spcPct val="0"/>
+              </a:spcAft>
+              <a:buClr>
+                <a:srgbClr val="F0AB00"/>
+              </a:buClr>
+              <a:buSzPct val="80000"/>
+            </a:pPr>
+            <a:endParaRPr lang="en-US" sz="1800" kern="0" dirty="0">
+              <a:ea typeface="Arial Unicode MS" pitchFamily="34" charset="-128"/>
+              <a:cs typeface="Arial Unicode MS" pitchFamily="34" charset="-128"/>
+            </a:endParaRPr>
+          </a:p>
+          <a:p>
+            <a:pPr fontAlgn="base">
+              <a:spcBef>
+                <a:spcPts val="600"/>
+              </a:spcBef>
+              <a:spcAft>
+                <a:spcPct val="0"/>
+              </a:spcAft>
+              <a:buClr>
+                <a:srgbClr val="F0AB00"/>
+              </a:buClr>
+              <a:buSzPct val="80000"/>
+            </a:pPr>
+            <a:r>
+              <a:rPr lang="en-US" sz="1800" kern="0" dirty="0">
+                <a:ea typeface="Arial Unicode MS" pitchFamily="34" charset="-128"/>
+                <a:cs typeface="Arial Unicode MS" pitchFamily="34" charset="-128"/>
+              </a:rPr>
+              <a:t>The {entity} in the second route defines a</a:t>
+            </a:r>
+            <a:br>
+              <a:rPr lang="en-US" sz="1800" kern="0" dirty="0">
+                <a:ea typeface="Arial Unicode MS" pitchFamily="34" charset="-128"/>
+                <a:cs typeface="Arial Unicode MS" pitchFamily="34" charset="-128"/>
+              </a:rPr>
+            </a:br>
+            <a:r>
+              <a:rPr lang="en-US" sz="1800" kern="0" dirty="0">
+                <a:ea typeface="Arial Unicode MS" pitchFamily="34" charset="-128"/>
+                <a:cs typeface="Arial Unicode MS" pitchFamily="34" charset="-128"/>
+              </a:rPr>
+              <a:t>parameter passed to the route. This is </a:t>
+            </a:r>
+            <a:br>
+              <a:rPr lang="en-US" sz="1800" kern="0" dirty="0">
+                <a:ea typeface="Arial Unicode MS" pitchFamily="34" charset="-128"/>
+                <a:cs typeface="Arial Unicode MS" pitchFamily="34" charset="-128"/>
+              </a:rPr>
+            </a:br>
+            <a:r>
+              <a:rPr lang="en-US" sz="1800" kern="0" dirty="0">
+                <a:ea typeface="Arial Unicode MS" pitchFamily="34" charset="-128"/>
+                <a:cs typeface="Arial Unicode MS" pitchFamily="34" charset="-128"/>
+              </a:rPr>
+              <a:t>described on a later slide.</a:t>
+            </a:r>
+          </a:p>
+        </p:txBody>
+      </p:sp>
+      <p:sp>
+        <p:nvSpPr>
+          <p:cNvPr id="6" name="TextBox 5"/>
+          <p:cNvSpPr txBox="1"/>
+          <p:nvPr/>
+        </p:nvSpPr>
+        <p:spPr>
+          <a:xfrm>
+            <a:off x="324096" y="4634373"/>
+            <a:ext cx="4347344" cy="1107996"/>
+          </a:xfrm>
+          <a:prstGeom prst="rect">
+            <a:avLst/>
+          </a:prstGeom>
+          <a:noFill/>
+        </p:spPr>
+        <p:txBody>
+          <a:bodyPr wrap="none" lIns="0" tIns="0" rIns="0" bIns="0" rtlCol="0">
+            <a:spAutoFit/>
+          </a:bodyPr>
+          <a:lstStyle/>
+          <a:p>
+            <a:pPr fontAlgn="base">
+              <a:spcBef>
+                <a:spcPts val="600"/>
+              </a:spcBef>
+              <a:spcAft>
+                <a:spcPct val="0"/>
+              </a:spcAft>
+              <a:buClr>
+                <a:srgbClr val="F0AB00"/>
+              </a:buClr>
+              <a:buSzPct val="80000"/>
+            </a:pPr>
+            <a:r>
+              <a:rPr lang="en-US" sz="1800" kern="0" dirty="0">
+                <a:ea typeface="Arial Unicode MS" pitchFamily="34" charset="-128"/>
+                <a:cs typeface="Arial Unicode MS" pitchFamily="34" charset="-128"/>
+              </a:rPr>
+              <a:t>The route’s pattern appears in the browser</a:t>
+            </a:r>
+            <a:br>
+              <a:rPr lang="en-US" sz="1800" kern="0" dirty="0">
+                <a:ea typeface="Arial Unicode MS" pitchFamily="34" charset="-128"/>
+                <a:cs typeface="Arial Unicode MS" pitchFamily="34" charset="-128"/>
+              </a:rPr>
+            </a:br>
+            <a:r>
+              <a:rPr lang="en-US" sz="1800" kern="0" dirty="0">
+                <a:ea typeface="Arial Unicode MS" pitchFamily="34" charset="-128"/>
+                <a:cs typeface="Arial Unicode MS" pitchFamily="34" charset="-128"/>
+              </a:rPr>
+              <a:t>after the #.  The # tells the browser not to</a:t>
+            </a:r>
+            <a:br>
+              <a:rPr lang="en-US" sz="1800" kern="0" dirty="0">
+                <a:ea typeface="Arial Unicode MS" pitchFamily="34" charset="-128"/>
+                <a:cs typeface="Arial Unicode MS" pitchFamily="34" charset="-128"/>
+              </a:rPr>
+            </a:br>
+            <a:r>
+              <a:rPr lang="en-US" sz="1800" kern="0" dirty="0">
+                <a:ea typeface="Arial Unicode MS" pitchFamily="34" charset="-128"/>
+                <a:cs typeface="Arial Unicode MS" pitchFamily="34" charset="-128"/>
+              </a:rPr>
+              <a:t>interpret the rest of the URL because it is</a:t>
+            </a:r>
+            <a:br>
+              <a:rPr lang="en-US" sz="1800" kern="0" dirty="0">
+                <a:ea typeface="Arial Unicode MS" pitchFamily="34" charset="-128"/>
+                <a:cs typeface="Arial Unicode MS" pitchFamily="34" charset="-128"/>
+              </a:rPr>
+            </a:br>
+            <a:r>
+              <a:rPr lang="en-US" sz="1800" kern="0" dirty="0">
+                <a:ea typeface="Arial Unicode MS" pitchFamily="34" charset="-128"/>
+                <a:cs typeface="Arial Unicode MS" pitchFamily="34" charset="-128"/>
+              </a:rPr>
+              <a:t>handled by the application.</a:t>
+            </a:r>
+          </a:p>
+        </p:txBody>
+      </p:sp>
+      <p:pic>
+        <p:nvPicPr>
+          <p:cNvPr id="7" name="Picture 6"/>
+          <p:cNvPicPr>
+            <a:picLocks noChangeAspect="1"/>
+          </p:cNvPicPr>
+          <p:nvPr/>
+        </p:nvPicPr>
+        <p:blipFill>
+          <a:blip r:embed="rId2"/>
+          <a:stretch>
+            <a:fillRect/>
+          </a:stretch>
+        </p:blipFill>
+        <p:spPr>
+          <a:xfrm>
+            <a:off x="324001" y="5966082"/>
+            <a:ext cx="6128436" cy="425482"/>
+          </a:xfrm>
+          <a:prstGeom prst="rect">
+            <a:avLst/>
+          </a:prstGeom>
+        </p:spPr>
+      </p:pic>
+    </p:spTree>
+    <p:extLst>
+      <p:ext uri="{BB962C8B-B14F-4D97-AF65-F5344CB8AC3E}">
+        <p14:creationId xmlns:p14="http://schemas.microsoft.com/office/powerpoint/2010/main" val="585800934"/>
+      </p:ext>
+    </p:extLst>
+  </p:cSld>
+  <p:clrMapOvr>
+    <a:masterClrMapping/>
+  </p:clrMapOvr>
+</p:sld>
+</file>
+
+<file path=ppt/slides/slide11.xml><?xml version="1.0" encoding="utf-8"?>
+<p:sld xmlns:a="http://schemas.openxmlformats.org/drawingml/2006/main" xmlns:r="http://schemas.openxmlformats.org/officeDocument/2006/relationships" xmlns:p="http://schemas.openxmlformats.org/presentationml/2006/main">
+  <p:cSld>
+    <p:spTree>
+      <p:nvGrpSpPr>
+        <p:cNvPr id="1" name=""/>
+        <p:cNvGrpSpPr/>
+        <p:nvPr/>
+      </p:nvGrpSpPr>
+      <p:grpSpPr>
+        <a:xfrm>
+          <a:off x="0" y="0"/>
+          <a:ext cx="0" cy="0"/>
+          <a:chOff x="0" y="0"/>
+          <a:chExt cx="0" cy="0"/>
+        </a:xfrm>
+      </p:grpSpPr>
+      <p:sp>
+        <p:nvSpPr>
           <p:cNvPr id="3" name="Title 2"/>
           <p:cNvSpPr>
             <a:spLocks noGrp="1"/>
@@ -10023,8 +10535,8 @@
         </p:nvSpPr>
         <p:spPr>
           <a:xfrm>
-            <a:off x="4421188" y="1245039"/>
-            <a:ext cx="6096000" cy="4378250"/>
+            <a:off x="5135291" y="1541069"/>
+            <a:ext cx="6096000" cy="3653885"/>
           </a:xfrm>
           <a:prstGeom prst="rect">
             <a:avLst/>
@@ -10050,20 +10562,20 @@
               </a:spcAft>
             </a:pPr>
             <a:r>
-              <a:rPr lang="en-US" sz="1800" dirty="0" err="1">
+              <a:rPr lang="en-US" sz="1400" dirty="0" err="1">
                 <a:latin typeface="Calibri" panose="020F0502020204030204" pitchFamily="34" charset="0"/>
                 <a:ea typeface="Calibri" panose="020F0502020204030204" pitchFamily="34" charset="0"/>
                 <a:cs typeface="Times New Roman" panose="02020603050405020304" pitchFamily="18" charset="0"/>
               </a:rPr>
-              <a:t>onInit</a:t>
-            </a:r>
-            <a:r>
-              <a:rPr lang="en-US" sz="1800" dirty="0">
+              <a:t>sap.ui.define</a:t>
+            </a:r>
+            <a:r>
+              <a:rPr lang="en-US" sz="1400" dirty="0">
                 <a:latin typeface="Calibri" panose="020F0502020204030204" pitchFamily="34" charset="0"/>
                 <a:ea typeface="Calibri" panose="020F0502020204030204" pitchFamily="34" charset="0"/>
                 <a:cs typeface="Times New Roman" panose="02020603050405020304" pitchFamily="18" charset="0"/>
               </a:rPr>
-              <a:t>: function() {</a:t>
+              <a:t>([</a:t>
             </a:r>
           </a:p>
           <a:p>
@@ -10076,44 +10588,44 @@
               </a:spcAft>
             </a:pPr>
             <a:r>
-              <a:rPr lang="en-US" sz="1800" dirty="0">
+              <a:rPr lang="en-US" sz="1400" dirty="0">
                 <a:latin typeface="Calibri" panose="020F0502020204030204" pitchFamily="34" charset="0"/>
                 <a:ea typeface="Calibri" panose="020F0502020204030204" pitchFamily="34" charset="0"/>
                 <a:cs typeface="Times New Roman" panose="02020603050405020304" pitchFamily="18" charset="0"/>
               </a:rPr>
-              <a:t>  </a:t>
-            </a:r>
-            <a:r>
-              <a:rPr lang="en-US" sz="1800" dirty="0" err="1">
+              <a:t>   "sap/</a:t>
+            </a:r>
+            <a:r>
+              <a:rPr lang="en-US" sz="1400" dirty="0" err="1">
                 <a:latin typeface="Calibri" panose="020F0502020204030204" pitchFamily="34" charset="0"/>
                 <a:ea typeface="Calibri" panose="020F0502020204030204" pitchFamily="34" charset="0"/>
                 <a:cs typeface="Times New Roman" panose="02020603050405020304" pitchFamily="18" charset="0"/>
               </a:rPr>
-              <a:t>this.router</a:t>
-            </a:r>
-            <a:r>
-              <a:rPr lang="en-US" sz="1800" dirty="0">
+              <a:t>ui</a:t>
+            </a:r>
+            <a:r>
+              <a:rPr lang="en-US" sz="1400" dirty="0">
                 <a:latin typeface="Calibri" panose="020F0502020204030204" pitchFamily="34" charset="0"/>
                 <a:ea typeface="Calibri" panose="020F0502020204030204" pitchFamily="34" charset="0"/>
                 <a:cs typeface="Times New Roman" panose="02020603050405020304" pitchFamily="18" charset="0"/>
               </a:rPr>
-              <a:t> = </a:t>
-            </a:r>
-            <a:r>
-              <a:rPr lang="en-US" sz="1800" dirty="0" err="1">
+              <a:t>/core/</a:t>
+            </a:r>
+            <a:r>
+              <a:rPr lang="en-US" sz="1400" dirty="0" err="1">
                 <a:latin typeface="Calibri" panose="020F0502020204030204" pitchFamily="34" charset="0"/>
                 <a:ea typeface="Calibri" panose="020F0502020204030204" pitchFamily="34" charset="0"/>
                 <a:cs typeface="Times New Roman" panose="02020603050405020304" pitchFamily="18" charset="0"/>
               </a:rPr>
-              <a:t>sap.ui.core.UIComponent.getRouterFor</a:t>
-            </a:r>
-            <a:r>
-              <a:rPr lang="en-US" sz="1800" dirty="0">
+              <a:t>mvc</a:t>
+            </a:r>
+            <a:r>
+              <a:rPr lang="en-US" sz="1400" dirty="0">
                 <a:latin typeface="Calibri" panose="020F0502020204030204" pitchFamily="34" charset="0"/>
                 <a:ea typeface="Calibri" panose="020F0502020204030204" pitchFamily="34" charset="0"/>
                 <a:cs typeface="Times New Roman" panose="02020603050405020304" pitchFamily="18" charset="0"/>
               </a:rPr>
-              <a:t>(this);</a:t>
+              <a:t>/Controller"</a:t>
             </a:r>
           </a:p>
           <a:p>
@@ -10126,12 +10638,12 @@
               </a:spcAft>
             </a:pPr>
             <a:r>
-              <a:rPr lang="en-US" sz="1800" dirty="0">
+              <a:rPr lang="en-US" sz="1400" dirty="0">
                 <a:latin typeface="Calibri" panose="020F0502020204030204" pitchFamily="34" charset="0"/>
                 <a:ea typeface="Calibri" panose="020F0502020204030204" pitchFamily="34" charset="0"/>
                 <a:cs typeface="Times New Roman" panose="02020603050405020304" pitchFamily="18" charset="0"/>
               </a:rPr>
-              <a:t>},</a:t>
+              <a:t>], function (Controller) {</a:t>
             </a:r>
           </a:p>
           <a:p>
@@ -10144,12 +10656,12 @@
               </a:spcAft>
             </a:pPr>
             <a:r>
-              <a:rPr lang="en-US" sz="1800" dirty="0">
+              <a:rPr lang="en-US" sz="1400" dirty="0">
                 <a:latin typeface="Calibri" panose="020F0502020204030204" pitchFamily="34" charset="0"/>
                 <a:ea typeface="Calibri" panose="020F0502020204030204" pitchFamily="34" charset="0"/>
                 <a:cs typeface="Times New Roman" panose="02020603050405020304" pitchFamily="18" charset="0"/>
               </a:rPr>
-              <a:t> </a:t>
+              <a:t>   "use strict";</a:t>
             </a:r>
           </a:p>
           <a:p>
@@ -10162,20 +10674,28 @@
               </a:spcAft>
             </a:pPr>
             <a:r>
-              <a:rPr lang="en-US" sz="1800" dirty="0" err="1">
+              <a:rPr lang="en-US" sz="1400" dirty="0">
                 <a:latin typeface="Calibri" panose="020F0502020204030204" pitchFamily="34" charset="0"/>
                 <a:ea typeface="Calibri" panose="020F0502020204030204" pitchFamily="34" charset="0"/>
                 <a:cs typeface="Times New Roman" panose="02020603050405020304" pitchFamily="18" charset="0"/>
               </a:rPr>
-              <a:t>handleListItemPress</a:t>
-            </a:r>
-            <a:r>
-              <a:rPr lang="en-US" sz="1800" dirty="0">
+              <a:t>   return </a:t>
+            </a:r>
+            <a:r>
+              <a:rPr lang="en-US" sz="1400" dirty="0" err="1">
                 <a:latin typeface="Calibri" panose="020F0502020204030204" pitchFamily="34" charset="0"/>
                 <a:ea typeface="Calibri" panose="020F0502020204030204" pitchFamily="34" charset="0"/>
                 <a:cs typeface="Times New Roman" panose="02020603050405020304" pitchFamily="18" charset="0"/>
               </a:rPr>
-              <a:t>: function(){</a:t>
+              <a:t>Controller.extend</a:t>
+            </a:r>
+            <a:r>
+              <a:rPr lang="en-US" sz="1400" dirty="0">
+                <a:latin typeface="Calibri" panose="020F0502020204030204" pitchFamily="34" charset="0"/>
+                <a:ea typeface="Calibri" panose="020F0502020204030204" pitchFamily="34" charset="0"/>
+                <a:cs typeface="Times New Roman" panose="02020603050405020304" pitchFamily="18" charset="0"/>
+              </a:rPr>
+              <a:t>("ui5.controller.Master", {</a:t>
             </a:r>
           </a:p>
           <a:p>
@@ -10188,12 +10708,28 @@
               </a:spcAft>
             </a:pPr>
             <a:r>
-              <a:rPr lang="en-US" sz="1800" dirty="0">
+              <a:rPr lang="en-US" sz="1400" dirty="0">
                 <a:latin typeface="Calibri" panose="020F0502020204030204" pitchFamily="34" charset="0"/>
                 <a:ea typeface="Calibri" panose="020F0502020204030204" pitchFamily="34" charset="0"/>
                 <a:cs typeface="Times New Roman" panose="02020603050405020304" pitchFamily="18" charset="0"/>
               </a:rPr>
-              <a:t> </a:t>
+              <a:t>	go: function (</a:t>
+            </a:r>
+            <a:r>
+              <a:rPr lang="en-US" sz="1400" dirty="0" err="1">
+                <a:latin typeface="Calibri" panose="020F0502020204030204" pitchFamily="34" charset="0"/>
+                <a:ea typeface="Calibri" panose="020F0502020204030204" pitchFamily="34" charset="0"/>
+                <a:cs typeface="Times New Roman" panose="02020603050405020304" pitchFamily="18" charset="0"/>
+              </a:rPr>
+              <a:t>oEvent</a:t>
+            </a:r>
+            <a:r>
+              <a:rPr lang="en-US" sz="1400" dirty="0">
+                <a:latin typeface="Calibri" panose="020F0502020204030204" pitchFamily="34" charset="0"/>
+                <a:ea typeface="Calibri" panose="020F0502020204030204" pitchFamily="34" charset="0"/>
+                <a:cs typeface="Times New Roman" panose="02020603050405020304" pitchFamily="18" charset="0"/>
+              </a:rPr>
+              <a:t>) {</a:t>
             </a:r>
           </a:p>
           <a:p>
@@ -10206,28 +10742,60 @@
               </a:spcAft>
             </a:pPr>
             <a:r>
-              <a:rPr lang="en-US" sz="1800" dirty="0">
+              <a:rPr lang="en-US" sz="1400" dirty="0">
                 <a:latin typeface="Calibri" panose="020F0502020204030204" pitchFamily="34" charset="0"/>
                 <a:ea typeface="Calibri" panose="020F0502020204030204" pitchFamily="34" charset="0"/>
                 <a:cs typeface="Times New Roman" panose="02020603050405020304" pitchFamily="18" charset="0"/>
               </a:rPr>
-              <a:t>   </a:t>
-            </a:r>
-            <a:r>
-              <a:rPr lang="en-US" sz="1800" dirty="0" err="1">
+              <a:t>	   </a:t>
+            </a:r>
+            <a:r>
+              <a:rPr lang="en-US" sz="1400" dirty="0" err="1">
                 <a:latin typeface="Calibri" panose="020F0502020204030204" pitchFamily="34" charset="0"/>
                 <a:ea typeface="Calibri" panose="020F0502020204030204" pitchFamily="34" charset="0"/>
                 <a:cs typeface="Times New Roman" panose="02020603050405020304" pitchFamily="18" charset="0"/>
               </a:rPr>
-              <a:t>this.router.navTo</a:t>
-            </a:r>
-            <a:r>
-              <a:rPr lang="en-US" sz="1800" dirty="0">
+              <a:t>var</a:t>
+            </a:r>
+            <a:r>
+              <a:rPr lang="en-US" sz="1400" dirty="0">
                 <a:latin typeface="Calibri" panose="020F0502020204030204" pitchFamily="34" charset="0"/>
                 <a:ea typeface="Calibri" panose="020F0502020204030204" pitchFamily="34" charset="0"/>
                 <a:cs typeface="Times New Roman" panose="02020603050405020304" pitchFamily="18" charset="0"/>
               </a:rPr>
-              <a:t>("Detail1", {</a:t>
+              <a:t> </a:t>
+            </a:r>
+            <a:r>
+              <a:rPr lang="en-US" sz="1400" dirty="0" err="1">
+                <a:latin typeface="Calibri" panose="020F0502020204030204" pitchFamily="34" charset="0"/>
+                <a:ea typeface="Calibri" panose="020F0502020204030204" pitchFamily="34" charset="0"/>
+                <a:cs typeface="Times New Roman" panose="02020603050405020304" pitchFamily="18" charset="0"/>
+              </a:rPr>
+              <a:t>oRouter</a:t>
+            </a:r>
+            <a:r>
+              <a:rPr lang="en-US" sz="1400" dirty="0">
+                <a:latin typeface="Calibri" panose="020F0502020204030204" pitchFamily="34" charset="0"/>
+                <a:ea typeface="Calibri" panose="020F0502020204030204" pitchFamily="34" charset="0"/>
+                <a:cs typeface="Times New Roman" panose="02020603050405020304" pitchFamily="18" charset="0"/>
+              </a:rPr>
+              <a:t> = </a:t>
+            </a:r>
+            <a:r>
+              <a:rPr lang="en-US" sz="1400" dirty="0" err="1">
+                <a:latin typeface="Calibri" panose="020F0502020204030204" pitchFamily="34" charset="0"/>
+                <a:ea typeface="Calibri" panose="020F0502020204030204" pitchFamily="34" charset="0"/>
+                <a:cs typeface="Times New Roman" panose="02020603050405020304" pitchFamily="18" charset="0"/>
+              </a:rPr>
+              <a:t>sap.ui.core.UIComponent.getRouterFor</a:t>
+            </a:r>
+            <a:r>
+              <a:rPr lang="en-US" sz="1400" dirty="0">
+                <a:latin typeface="Calibri" panose="020F0502020204030204" pitchFamily="34" charset="0"/>
+                <a:ea typeface="Calibri" panose="020F0502020204030204" pitchFamily="34" charset="0"/>
+                <a:cs typeface="Times New Roman" panose="02020603050405020304" pitchFamily="18" charset="0"/>
+              </a:rPr>
+              <a:t>(this);</a:t>
             </a:r>
           </a:p>
           <a:p>
@@ -10240,12 +10808,28 @@
               </a:spcAft>
             </a:pPr>
             <a:r>
-              <a:rPr lang="en-US" sz="1800" dirty="0">
+              <a:rPr lang="en-US" sz="1400" dirty="0">
                 <a:latin typeface="Calibri" panose="020F0502020204030204" pitchFamily="34" charset="0"/>
                 <a:ea typeface="Calibri" panose="020F0502020204030204" pitchFamily="34" charset="0"/>
                 <a:cs typeface="Times New Roman" panose="02020603050405020304" pitchFamily="18" charset="0"/>
               </a:rPr>
-              <a:t>	from: "Master1"</a:t>
+              <a:t>	   </a:t>
+            </a:r>
+            <a:r>
+              <a:rPr lang="en-US" sz="1400" dirty="0" err="1">
+                <a:latin typeface="Calibri" panose="020F0502020204030204" pitchFamily="34" charset="0"/>
+                <a:ea typeface="Calibri" panose="020F0502020204030204" pitchFamily="34" charset="0"/>
+                <a:cs typeface="Times New Roman" panose="02020603050405020304" pitchFamily="18" charset="0"/>
+              </a:rPr>
+              <a:t>oRouter.navTo</a:t>
+            </a:r>
+            <a:r>
+              <a:rPr lang="en-US" sz="1400" dirty="0">
+                <a:latin typeface="Calibri" panose="020F0502020204030204" pitchFamily="34" charset="0"/>
+                <a:ea typeface="Calibri" panose="020F0502020204030204" pitchFamily="34" charset="0"/>
+                <a:cs typeface="Times New Roman" panose="02020603050405020304" pitchFamily="18" charset="0"/>
+              </a:rPr>
+              <a:t>("Detail1);</a:t>
             </a:r>
           </a:p>
           <a:p>
@@ -10258,12 +10842,12 @@
               </a:spcAft>
             </a:pPr>
             <a:r>
-              <a:rPr lang="en-US" sz="1800" dirty="0">
+              <a:rPr lang="en-US" sz="1400" dirty="0">
                 <a:latin typeface="Calibri" panose="020F0502020204030204" pitchFamily="34" charset="0"/>
                 <a:ea typeface="Calibri" panose="020F0502020204030204" pitchFamily="34" charset="0"/>
                 <a:cs typeface="Times New Roman" panose="02020603050405020304" pitchFamily="18" charset="0"/>
               </a:rPr>
-              <a:t>    });</a:t>
+              <a:t>	}</a:t>
             </a:r>
           </a:p>
           <a:p>
@@ -10276,12 +10860,12 @@
               </a:spcAft>
             </a:pPr>
             <a:r>
-              <a:rPr lang="en-US" sz="1800" dirty="0">
+              <a:rPr lang="en-US" sz="1400" dirty="0">
                 <a:latin typeface="Calibri" panose="020F0502020204030204" pitchFamily="34" charset="0"/>
                 <a:ea typeface="Calibri" panose="020F0502020204030204" pitchFamily="34" charset="0"/>
                 <a:cs typeface="Times New Roman" panose="02020603050405020304" pitchFamily="18" charset="0"/>
               </a:rPr>
-              <a:t>  </a:t>
+              <a:t>   });</a:t>
             </a:r>
           </a:p>
           <a:p>
@@ -10294,14 +10878,14 @@
               </a:spcAft>
             </a:pPr>
             <a:r>
-              <a:rPr lang="en-US" sz="1800" dirty="0">
+              <a:rPr lang="en-US" sz="1400" dirty="0">
                 <a:latin typeface="Calibri" panose="020F0502020204030204" pitchFamily="34" charset="0"/>
                 <a:ea typeface="Calibri" panose="020F0502020204030204" pitchFamily="34" charset="0"/>
                 <a:cs typeface="Times New Roman" panose="02020603050405020304" pitchFamily="18" charset="0"/>
               </a:rPr>
-              <a:t>}</a:t>
-            </a:r>
-            <a:endParaRPr lang="en-US" sz="1800" dirty="0">
+              <a:t>});</a:t>
+            </a:r>
+            <a:endParaRPr lang="en-US" sz="1400" dirty="0">
               <a:effectLst/>
               <a:latin typeface="Calibri" panose="020F0502020204030204" pitchFamily="34" charset="0"/>
               <a:ea typeface="Calibri" panose="020F0502020204030204" pitchFamily="34" charset="0"/>
@@ -10318,8 +10902,8 @@
         </p:nvSpPr>
         <p:spPr>
           <a:xfrm>
-            <a:off x="259976" y="1631576"/>
-            <a:ext cx="3795911" cy="1938992"/>
+            <a:off x="527298" y="1631576"/>
+            <a:ext cx="3757439" cy="553998"/>
           </a:xfrm>
           <a:prstGeom prst="rect">
             <a:avLst/>
@@ -10345,18 +10929,11 @@
               <a:buSzPct val="80000"/>
             </a:pPr>
             <a:r>
-              <a:rPr lang="en-US" sz="1800" kern="0" dirty="0" err="1">
-                <a:ea typeface="Arial Unicode MS" pitchFamily="34" charset="-128"/>
-                <a:cs typeface="Arial Unicode MS" pitchFamily="34" charset="-128"/>
-              </a:rPr>
-              <a:t>onInit</a:t>
-            </a:r>
-            <a:r>
               <a:rPr lang="en-US" sz="1800" kern="0" dirty="0">
                 <a:ea typeface="Arial Unicode MS" pitchFamily="34" charset="-128"/>
                 <a:cs typeface="Arial Unicode MS" pitchFamily="34" charset="-128"/>
               </a:rPr>
-              <a:t> function in a view’s controller</a:t>
+              <a:t>The router object is referenced when</a:t>
             </a:r>
             <a:br>
               <a:rPr lang="en-US" sz="1800" kern="0" dirty="0">
@@ -10369,86 +10946,7 @@
                 <a:ea typeface="Arial Unicode MS" pitchFamily="34" charset="-128"/>
                 <a:cs typeface="Arial Unicode MS" pitchFamily="34" charset="-128"/>
               </a:rPr>
-              <a:t>retrieves a reference to the router</a:t>
-            </a:r>
-            <a:br>
-              <a:rPr lang="en-US" sz="1800" kern="0" dirty="0">
-                <a:ea typeface="Arial Unicode MS" pitchFamily="34" charset="-128"/>
-                <a:cs typeface="Arial Unicode MS" pitchFamily="34" charset="-128"/>
-              </a:rPr>
-            </a:br>
-            <a:r>
-              <a:rPr lang="en-US" sz="1800" kern="0" dirty="0">
-                <a:ea typeface="Arial Unicode MS" pitchFamily="34" charset="-128"/>
-                <a:cs typeface="Arial Unicode MS" pitchFamily="34" charset="-128"/>
-              </a:rPr>
-              <a:t>object created in the Component.js</a:t>
-            </a:r>
-            <a:br>
-              <a:rPr lang="en-US" sz="1800" kern="0" dirty="0">
-                <a:ea typeface="Arial Unicode MS" pitchFamily="34" charset="-128"/>
-                <a:cs typeface="Arial Unicode MS" pitchFamily="34" charset="-128"/>
-              </a:rPr>
-            </a:br>
-            <a:r>
-              <a:rPr lang="en-US" sz="1800" kern="0" dirty="0">
-                <a:ea typeface="Arial Unicode MS" pitchFamily="34" charset="-128"/>
-                <a:cs typeface="Arial Unicode MS" pitchFamily="34" charset="-128"/>
-              </a:rPr>
-              <a:t>file.  The </a:t>
-            </a:r>
-            <a:r>
-              <a:rPr lang="en-US" sz="1800" i="1" kern="0" dirty="0">
-                <a:ea typeface="Arial Unicode MS" pitchFamily="34" charset="-128"/>
-                <a:cs typeface="Arial Unicode MS" pitchFamily="34" charset="-128"/>
-              </a:rPr>
-              <a:t>this</a:t>
-            </a:r>
-            <a:r>
-              <a:rPr lang="en-US" sz="1800" kern="0" dirty="0">
-                <a:ea typeface="Arial Unicode MS" pitchFamily="34" charset="-128"/>
-                <a:cs typeface="Arial Unicode MS" pitchFamily="34" charset="-128"/>
-              </a:rPr>
-              <a:t> refers to the controller.</a:t>
-            </a:r>
-            <a:br>
-              <a:rPr lang="en-US" sz="1800" kern="0" dirty="0">
-                <a:ea typeface="Arial Unicode MS" pitchFamily="34" charset="-128"/>
-                <a:cs typeface="Arial Unicode MS" pitchFamily="34" charset="-128"/>
-              </a:rPr>
-            </a:br>
-            <a:r>
-              <a:rPr lang="en-US" sz="1800" kern="0" dirty="0">
-                <a:ea typeface="Arial Unicode MS" pitchFamily="34" charset="-128"/>
-                <a:cs typeface="Arial Unicode MS" pitchFamily="34" charset="-128"/>
-              </a:rPr>
-              <a:t>Prefacing the router variable with this</a:t>
-            </a:r>
-            <a:br>
-              <a:rPr lang="en-US" sz="1800" kern="0" dirty="0">
-                <a:ea typeface="Arial Unicode MS" pitchFamily="34" charset="-128"/>
-                <a:cs typeface="Arial Unicode MS" pitchFamily="34" charset="-128"/>
-              </a:rPr>
-            </a:br>
-            <a:r>
-              <a:rPr lang="en-US" sz="1800" kern="0" dirty="0">
-                <a:ea typeface="Arial Unicode MS" pitchFamily="34" charset="-128"/>
-                <a:cs typeface="Arial Unicode MS" pitchFamily="34" charset="-128"/>
-              </a:rPr>
-              <a:t>means it can be accessed from any</a:t>
-            </a:r>
-            <a:br>
-              <a:rPr lang="en-US" sz="1800" kern="0" dirty="0">
-                <a:ea typeface="Arial Unicode MS" pitchFamily="34" charset="-128"/>
-                <a:cs typeface="Arial Unicode MS" pitchFamily="34" charset="-128"/>
-              </a:rPr>
-            </a:br>
-            <a:r>
-              <a:rPr lang="en-US" sz="1800" kern="0" dirty="0">
-                <a:ea typeface="Arial Unicode MS" pitchFamily="34" charset="-128"/>
-                <a:cs typeface="Arial Unicode MS" pitchFamily="34" charset="-128"/>
-              </a:rPr>
-              <a:t>function in the controller.</a:t>
+              <a:t>needed in a controller file</a:t>
             </a:r>
           </a:p>
         </p:txBody>
@@ -10460,9 +10958,9 @@
           <p:nvPr/>
         </p:nvCxnSpPr>
         <p:spPr>
-          <a:xfrm flipV="1">
-            <a:off x="4069976" y="1945341"/>
-            <a:ext cx="421342" cy="134471"/>
+          <a:xfrm>
+            <a:off x="3617130" y="2185575"/>
+            <a:ext cx="2696584" cy="1463316"/>
           </a:xfrm>
           <a:prstGeom prst="straightConnector1">
             <a:avLst/>
@@ -10498,7 +10996,7 @@
         <p:spPr>
           <a:xfrm>
             <a:off x="176619" y="4260035"/>
-            <a:ext cx="3962623" cy="2015936"/>
+            <a:ext cx="3924151" cy="830997"/>
           </a:xfrm>
           <a:prstGeom prst="rect">
             <a:avLst/>
@@ -10542,21 +11040,7 @@
                 <a:ea typeface="Arial Unicode MS" pitchFamily="34" charset="-128"/>
                 <a:cs typeface="Arial Unicode MS" pitchFamily="34" charset="-128"/>
               </a:rPr>
-              <a:t> method of </a:t>
-            </a:r>
-            <a:r>
-              <a:rPr lang="en-US" sz="1800" kern="0" dirty="0" err="1">
-                <a:ea typeface="Arial Unicode MS" pitchFamily="34" charset="-128"/>
-                <a:cs typeface="Arial Unicode MS" pitchFamily="34" charset="-128"/>
-              </a:rPr>
-              <a:t>this.router</a:t>
-            </a:r>
-            <a:r>
-              <a:rPr lang="en-US" sz="1800" kern="0" dirty="0">
-                <a:ea typeface="Arial Unicode MS" pitchFamily="34" charset="-128"/>
-                <a:cs typeface="Arial Unicode MS" pitchFamily="34" charset="-128"/>
-              </a:rPr>
-              <a:t> object</a:t>
+              <a:t> method of the router object</a:t>
             </a:r>
             <a:br>
               <a:rPr lang="en-US" sz="1800" kern="0" dirty="0">
@@ -10582,81 +11066,7 @@
                 <a:ea typeface="Arial Unicode MS" pitchFamily="34" charset="-128"/>
                 <a:cs typeface="Arial Unicode MS" pitchFamily="34" charset="-128"/>
               </a:rPr>
-              <a:t>Detail1 is the name of the route.  The</a:t>
-            </a:r>
-            <a:br>
-              <a:rPr lang="en-US" sz="1800" kern="0" dirty="0">
-                <a:ea typeface="Arial Unicode MS" pitchFamily="34" charset="-128"/>
-                <a:cs typeface="Arial Unicode MS" pitchFamily="34" charset="-128"/>
-              </a:rPr>
-            </a:br>
-            <a:r>
-              <a:rPr lang="en-US" sz="1800" kern="0" dirty="0">
-                <a:ea typeface="Arial Unicode MS" pitchFamily="34" charset="-128"/>
-                <a:cs typeface="Arial Unicode MS" pitchFamily="34" charset="-128"/>
-              </a:rPr>
-              <a:t>from property is not required but could</a:t>
-            </a:r>
-            <a:br>
-              <a:rPr lang="en-US" sz="1800" kern="0" dirty="0">
-                <a:ea typeface="Arial Unicode MS" pitchFamily="34" charset="-128"/>
-                <a:cs typeface="Arial Unicode MS" pitchFamily="34" charset="-128"/>
-              </a:rPr>
-            </a:br>
-            <a:r>
-              <a:rPr lang="en-US" sz="1800" kern="0" dirty="0">
-                <a:ea typeface="Arial Unicode MS" pitchFamily="34" charset="-128"/>
-                <a:cs typeface="Arial Unicode MS" pitchFamily="34" charset="-128"/>
-              </a:rPr>
-              <a:t>be accessed by the target view. This</a:t>
-            </a:r>
-            <a:br>
-              <a:rPr lang="en-US" sz="1800" kern="0" dirty="0">
-                <a:ea typeface="Arial Unicode MS" pitchFamily="34" charset="-128"/>
-                <a:cs typeface="Arial Unicode MS" pitchFamily="34" charset="-128"/>
-              </a:rPr>
-            </a:br>
-            <a:r>
-              <a:rPr lang="en-US" sz="1800" kern="0" dirty="0">
-                <a:ea typeface="Arial Unicode MS" pitchFamily="34" charset="-128"/>
-                <a:cs typeface="Arial Unicode MS" pitchFamily="34" charset="-128"/>
-              </a:rPr>
-              <a:t>could be written as:</a:t>
-            </a:r>
-          </a:p>
-          <a:p>
-            <a:pPr fontAlgn="base">
-              <a:spcBef>
-                <a:spcPts val="600"/>
-              </a:spcBef>
-              <a:spcAft>
-                <a:spcPct val="0"/>
-              </a:spcAft>
-              <a:buClr>
-                <a:srgbClr val="F0AB00"/>
-              </a:buClr>
-              <a:buSzPct val="80000"/>
-            </a:pPr>
-            <a:r>
-              <a:rPr lang="en-US" sz="1800" kern="0" dirty="0">
-                <a:ea typeface="Arial Unicode MS" pitchFamily="34" charset="-128"/>
-                <a:cs typeface="Arial Unicode MS" pitchFamily="34" charset="-128"/>
-              </a:rPr>
-              <a:t>     </a:t>
-            </a:r>
-            <a:r>
-              <a:rPr lang="en-US" sz="1800" kern="0" dirty="0" err="1">
-                <a:ea typeface="Arial Unicode MS" pitchFamily="34" charset="-128"/>
-                <a:cs typeface="Arial Unicode MS" pitchFamily="34" charset="-128"/>
-              </a:rPr>
-              <a:t>this.router.navTo</a:t>
-            </a:r>
-            <a:r>
-              <a:rPr lang="en-US" sz="1800" kern="0" dirty="0">
-                <a:ea typeface="Arial Unicode MS" pitchFamily="34" charset="-128"/>
-                <a:cs typeface="Arial Unicode MS" pitchFamily="34" charset="-128"/>
-              </a:rPr>
-              <a:t>(“Detail1”);</a:t>
+              <a:t>Detail1 is the name of the route.  </a:t>
             </a:r>
           </a:p>
         </p:txBody>
@@ -10669,8 +11079,8 @@
         </p:nvCxnSpPr>
         <p:spPr>
           <a:xfrm flipV="1">
-            <a:off x="4280647" y="4121894"/>
-            <a:ext cx="336177" cy="313765"/>
+            <a:off x="4280647" y="4145280"/>
+            <a:ext cx="1815954" cy="290380"/>
           </a:xfrm>
           <a:prstGeom prst="straightConnector1">
             <a:avLst/>
@@ -10710,7 +11120,7 @@
 </p:sld>
 </file>
 
-<file path=ppt/slides/slide11.xml><?xml version="1.0" encoding="utf-8"?>
+<file path=ppt/slides/slide12.xml><?xml version="1.0" encoding="utf-8"?>
 <p:sld xmlns:a="http://schemas.openxmlformats.org/drawingml/2006/main" xmlns:r="http://schemas.openxmlformats.org/officeDocument/2006/relationships" xmlns:p="http://schemas.openxmlformats.org/presentationml/2006/main">
   <p:cSld>
     <p:spTree>
@@ -10758,7 +11168,7 @@
         <p:spPr>
           <a:xfrm>
             <a:off x="4161210" y="3721531"/>
-            <a:ext cx="7421189" cy="2554545"/>
+            <a:ext cx="7551819" cy="2308324"/>
           </a:xfrm>
           <a:prstGeom prst="rect">
             <a:avLst/>
@@ -10776,89 +11186,138 @@
           <a:lstStyle/>
           <a:p>
             <a:r>
-              <a:rPr lang="en-US" sz="2000" dirty="0" err="1"/>
+              <a:rPr lang="en-US" sz="1800" dirty="0" err="1"/>
               <a:t>showDetail</a:t>
             </a:r>
             <a:r>
-              <a:rPr lang="en-US" sz="2000" dirty="0"/>
+              <a:rPr lang="en-US" sz="1800" dirty="0"/>
               <a:t> : function(</a:t>
             </a:r>
             <a:r>
-              <a:rPr lang="en-US" sz="2000" dirty="0" err="1"/>
+              <a:rPr lang="en-US" sz="1800" dirty="0" err="1"/>
               <a:t>oEvent</a:t>
             </a:r>
             <a:r>
-              <a:rPr lang="en-US" sz="2000" dirty="0"/>
+              <a:rPr lang="en-US" sz="1800" dirty="0"/>
               <a:t>) {</a:t>
             </a:r>
           </a:p>
           <a:p>
             <a:r>
-              <a:rPr lang="en-US" sz="2000" dirty="0"/>
+              <a:rPr lang="en-US" sz="1800" dirty="0"/>
               <a:t>	</a:t>
             </a:r>
             <a:r>
-              <a:rPr lang="en-US" sz="2000" dirty="0" err="1"/>
+              <a:rPr lang="en-US" sz="1800" dirty="0" err="1"/>
               <a:t>var</a:t>
             </a:r>
             <a:r>
-              <a:rPr lang="en-US" sz="2000" dirty="0"/>
-              <a:t> entity =  </a:t>
-            </a:r>
-            <a:r>
-              <a:rPr lang="en-US" sz="2000" dirty="0" err="1"/>
+              <a:rPr lang="en-US" sz="1800" dirty="0"/>
+              <a:t> </a:t>
+            </a:r>
+            <a:r>
+              <a:rPr lang="en-US" sz="1800" dirty="0" err="1"/>
+              <a:t>oItem</a:t>
+            </a:r>
+            <a:r>
+              <a:rPr lang="en-US" sz="1800" dirty="0"/>
+              <a:t> = </a:t>
+            </a:r>
+            <a:r>
+              <a:rPr lang="en-US" sz="1800" dirty="0" err="1"/>
               <a:t>oEvent.getSource</a:t>
             </a:r>
             <a:r>
-              <a:rPr lang="en-US" sz="2000" dirty="0"/>
+              <a:rPr lang="en-US" sz="1800" dirty="0"/>
+              <a:t>();</a:t>
+            </a:r>
+          </a:p>
+          <a:p>
+            <a:r>
+              <a:rPr lang="en-US" sz="1800" dirty="0"/>
+              <a:t>	</a:t>
+            </a:r>
+            <a:r>
+              <a:rPr lang="en-US" sz="1800" dirty="0" err="1"/>
+              <a:t>var</a:t>
+            </a:r>
+            <a:r>
+              <a:rPr lang="en-US" sz="1800" dirty="0"/>
+              <a:t> </a:t>
+            </a:r>
+            <a:r>
+              <a:rPr lang="en-US" sz="1800" dirty="0" err="1"/>
+              <a:t>oRouter</a:t>
+            </a:r>
+            <a:r>
+              <a:rPr lang="en-US" sz="1800" dirty="0"/>
+              <a:t> = </a:t>
+            </a:r>
+            <a:r>
+              <a:rPr lang="en-US" sz="1800" dirty="0" err="1"/>
+              <a:t>sap.ui.core.UIComponent.getRouterFor</a:t>
+            </a:r>
+            <a:r>
+              <a:rPr lang="en-US" sz="1800" dirty="0"/>
+              <a:t>(this);</a:t>
+            </a:r>
+          </a:p>
+          <a:p>
+            <a:r>
+              <a:rPr lang="en-US" sz="1800" dirty="0"/>
+              <a:t>	</a:t>
+            </a:r>
+            <a:r>
+              <a:rPr lang="en-US" sz="1800" dirty="0" err="1"/>
+              <a:t>oRouter.navTo</a:t>
+            </a:r>
+            <a:r>
+              <a:rPr lang="en-US" sz="1800" dirty="0"/>
+              <a:t>("Detail1", {</a:t>
+            </a:r>
+          </a:p>
+          <a:p>
+            <a:r>
+              <a:rPr lang="en-US" sz="1800" dirty="0"/>
+              <a:t>		item: </a:t>
+            </a:r>
+            <a:r>
+              <a:rPr lang="en-US" sz="1800" dirty="0" err="1"/>
+              <a:t>oItem.getBindingContext</a:t>
+            </a:r>
+            <a:r>
+              <a:rPr lang="en-US" sz="1800" dirty="0"/>
+              <a:t>("routing").</a:t>
+            </a:r>
+            <a:r>
+              <a:rPr lang="en-US" sz="1800" dirty="0" err="1"/>
+              <a:t>getPath</a:t>
+            </a:r>
+            <a:r>
+              <a:rPr lang="en-US" sz="1800" dirty="0"/>
               <a:t>().</a:t>
             </a:r>
             <a:r>
-              <a:rPr lang="en-US" sz="2000" dirty="0" err="1"/>
-              <a:t>getBindingContext</a:t>
-            </a:r>
-            <a:r>
-              <a:rPr lang="en-US" sz="2000" dirty="0"/>
-              <a:t>().</a:t>
-            </a:r>
-            <a:r>
-              <a:rPr lang="en-US" sz="2000" dirty="0" err="1"/>
-              <a:t>getPath</a:t>
-            </a:r>
-            <a:r>
-              <a:rPr lang="en-US" sz="2000" dirty="0"/>
-              <a:t>().split("/"); </a:t>
-            </a:r>
-            <a:br>
-              <a:rPr lang="en-US" sz="2000" dirty="0"/>
-            </a:br>
-            <a:endParaRPr lang="en-US" sz="2000" dirty="0"/>
-          </a:p>
-          <a:p>
-            <a:r>
-              <a:rPr lang="en-US" sz="2000" dirty="0"/>
-              <a:t>       	</a:t>
-            </a:r>
-            <a:r>
-              <a:rPr lang="en-US" sz="2000" dirty="0" err="1"/>
-              <a:t>this.router.navTo</a:t>
-            </a:r>
-            <a:r>
-              <a:rPr lang="en-US" sz="2000" dirty="0"/>
-              <a:t>("Detail1", {        				parameter: entity[2]</a:t>
-            </a:r>
-          </a:p>
-          <a:p>
-            <a:r>
-              <a:rPr lang="en-US" sz="2000" dirty="0"/>
-              <a:t>        	});</a:t>
-            </a:r>
-          </a:p>
-          <a:p>
-            <a:r>
-              <a:rPr lang="en-US" sz="2000" dirty="0"/>
+              <a:rPr lang="en-US" sz="1800" dirty="0" err="1"/>
+              <a:t>substr</a:t>
+            </a:r>
+            <a:r>
+              <a:rPr lang="en-US" sz="1800" dirty="0"/>
+              <a:t>(12)</a:t>
+            </a:r>
+          </a:p>
+          <a:p>
+            <a:r>
+              <a:rPr lang="en-US" sz="1800" dirty="0"/>
+              <a:t>	});</a:t>
+            </a:r>
+          </a:p>
+          <a:p>
+            <a:r>
+              <a:rPr lang="en-US" sz="1800" dirty="0"/>
               <a:t>}</a:t>
             </a:r>
+            <a:endParaRPr lang="en-US" sz="1800" dirty="0"/>
           </a:p>
         </p:txBody>
       </p:sp>
@@ -11021,7 +11480,7 @@
         <p:spPr>
           <a:xfrm>
             <a:off x="324001" y="2466336"/>
-            <a:ext cx="6011261" cy="3708708"/>
+            <a:ext cx="6403997" cy="2908489"/>
           </a:xfrm>
           <a:prstGeom prst="rect">
             <a:avLst/>
@@ -11052,15 +11511,7 @@
             </a:r>
             <a:r>
               <a:rPr lang="en-US" sz="1800" dirty="0"/>
-              <a:t>("</a:t>
-            </a:r>
-            <a:r>
-              <a:rPr lang="en-US" sz="1800" dirty="0" err="1"/>
-              <a:t>gbi</a:t>
-            </a:r>
-            <a:r>
-              <a:rPr lang="en-US" sz="1800" dirty="0"/>
-              <a:t>").</a:t>
+              <a:t>(“routing").</a:t>
             </a:r>
             <a:r>
               <a:rPr lang="en-US" sz="1800" dirty="0" err="1"/>
@@ -11131,11 +11582,32 @@
               <a:buSzPct val="80000"/>
             </a:pPr>
             <a:r>
+              <a:rPr lang="en-US" sz="1800" kern="0" dirty="0" err="1">
+                <a:ea typeface="Arial Unicode MS" pitchFamily="34" charset="-128"/>
+                <a:cs typeface="Arial Unicode MS" pitchFamily="34" charset="-128"/>
+              </a:rPr>
+              <a:t>Substr</a:t>
+            </a:r>
+            <a:r>
               <a:rPr lang="en-US" sz="1800" kern="0" dirty="0">
                 <a:ea typeface="Arial Unicode MS" pitchFamily="34" charset="-128"/>
                 <a:cs typeface="Arial Unicode MS" pitchFamily="34" charset="-128"/>
               </a:rPr>
-              <a:t>split() is a JavaScript function that</a:t>
+              <a:t>(12) retrieves the 12</a:t>
+            </a:r>
+            <a:r>
+              <a:rPr lang="en-US" sz="1800" kern="0" baseline="30000" dirty="0">
+                <a:ea typeface="Arial Unicode MS" pitchFamily="34" charset="-128"/>
+                <a:cs typeface="Arial Unicode MS" pitchFamily="34" charset="-128"/>
+              </a:rPr>
+              <a:t>th</a:t>
+            </a:r>
+            <a:r>
+              <a:rPr lang="en-US" sz="1800" kern="0" dirty="0">
+                <a:ea typeface="Arial Unicode MS" pitchFamily="34" charset="-128"/>
+                <a:cs typeface="Arial Unicode MS" pitchFamily="34" charset="-128"/>
+              </a:rPr>
+              <a:t> </a:t>
             </a:r>
             <a:br>
               <a:rPr lang="en-US" sz="1800" kern="0" dirty="0">
@@ -11148,33 +11620,7 @@
                 <a:ea typeface="Arial Unicode MS" pitchFamily="34" charset="-128"/>
                 <a:cs typeface="Arial Unicode MS" pitchFamily="34" charset="-128"/>
               </a:rPr>
-              <a:t>splits a string on the provided </a:t>
-            </a:r>
-            <a:br>
-              <a:rPr lang="en-US" sz="1800" kern="0" dirty="0">
-                <a:ea typeface="Arial Unicode MS" pitchFamily="34" charset="-128"/>
-                <a:cs typeface="Arial Unicode MS" pitchFamily="34" charset="-128"/>
-              </a:rPr>
-            </a:br>
-            <a:r>
-              <a:rPr lang="en-US" sz="1800" kern="0" dirty="0">
-                <a:ea typeface="Arial Unicode MS" pitchFamily="34" charset="-128"/>
-                <a:cs typeface="Arial Unicode MS" pitchFamily="34" charset="-128"/>
-              </a:rPr>
-              <a:t>character and places the parts into</a:t>
-            </a:r>
-            <a:br>
-              <a:rPr lang="en-US" sz="1800" kern="0" dirty="0">
-                <a:ea typeface="Arial Unicode MS" pitchFamily="34" charset="-128"/>
-                <a:cs typeface="Arial Unicode MS" pitchFamily="34" charset="-128"/>
-              </a:rPr>
-            </a:br>
-            <a:r>
-              <a:rPr lang="en-US" sz="1800" kern="0" dirty="0">
-                <a:ea typeface="Arial Unicode MS" pitchFamily="34" charset="-128"/>
-                <a:cs typeface="Arial Unicode MS" pitchFamily="34" charset="-128"/>
-              </a:rPr>
-              <a:t>an array.</a:t>
+              <a:t>character in the path </a:t>
             </a:r>
           </a:p>
           <a:p>
@@ -11213,7 +11659,7 @@
                 <a:ea typeface="Arial Unicode MS" pitchFamily="34" charset="-128"/>
                 <a:cs typeface="Arial Unicode MS" pitchFamily="34" charset="-128"/>
               </a:rPr>
-              <a:t>The result is that the value in single</a:t>
+              <a:t>The value retrieved will be passed</a:t>
             </a:r>
             <a:br>
               <a:rPr lang="en-US" sz="1800" kern="0" dirty="0">
@@ -11226,20 +11672,7 @@
                 <a:ea typeface="Arial Unicode MS" pitchFamily="34" charset="-128"/>
                 <a:cs typeface="Arial Unicode MS" pitchFamily="34" charset="-128"/>
               </a:rPr>
-              <a:t>quotes is passed as a parameter</a:t>
-            </a:r>
-            <a:br>
-              <a:rPr lang="en-US" sz="1800" kern="0" dirty="0">
-                <a:ea typeface="Arial Unicode MS" pitchFamily="34" charset="-128"/>
-                <a:cs typeface="Arial Unicode MS" pitchFamily="34" charset="-128"/>
-              </a:rPr>
-            </a:br>
-            <a:r>
-              <a:rPr lang="en-US" sz="1800" kern="0" dirty="0">
-                <a:ea typeface="Arial Unicode MS" pitchFamily="34" charset="-128"/>
-                <a:cs typeface="Arial Unicode MS" pitchFamily="34" charset="-128"/>
-              </a:rPr>
-              <a:t>called entity to the router.</a:t>
+              <a:t>as the parameter item in the route</a:t>
             </a:r>
           </a:p>
         </p:txBody>
@@ -11257,7 +11690,7 @@
 </p:sld>
 </file>
 
-<file path=ppt/slides/slide12.xml><?xml version="1.0" encoding="utf-8"?>
+<file path=ppt/slides/slide13.xml><?xml version="1.0" encoding="utf-8"?>
 <p:sld xmlns:a="http://schemas.openxmlformats.org/drawingml/2006/main" xmlns:r="http://schemas.openxmlformats.org/officeDocument/2006/relationships" xmlns:p="http://schemas.openxmlformats.org/presentationml/2006/main">
   <p:cSld>
     <p:spTree>
@@ -11305,7 +11738,7 @@
         <p:spPr>
           <a:xfrm>
             <a:off x="629118" y="3445657"/>
-            <a:ext cx="6096000" cy="1754326"/>
+            <a:ext cx="6096000" cy="1477328"/>
           </a:xfrm>
           <a:prstGeom prst="rect">
             <a:avLst/>
@@ -11330,23 +11763,25 @@
           <a:p>
             <a:r>
               <a:rPr lang="en-US" sz="1800" dirty="0"/>
-              <a:t>               	     pattern: "Detail1/{parameter}",                	     name: "Detail1",                		   	      view: "Detail1",                		  	      </a:t>
-            </a:r>
-            <a:r>
-              <a:rPr lang="en-US" sz="1800" dirty="0" err="1"/>
-              <a:t>targetAggregation</a:t>
-            </a:r>
+              <a:t>	"pattern": "Detail1/{item}",</a:t>
+            </a:r>
+          </a:p>
+          <a:p>
             <a:r>
               <a:rPr lang="en-US" sz="1800" dirty="0"/>
-              <a:t>: "</a:t>
-            </a:r>
-            <a:r>
-              <a:rPr lang="en-US" sz="1800" dirty="0" err="1"/>
-              <a:t>detailPages</a:t>
-            </a:r>
+              <a:t>	"name": "Detail1",</a:t>
+            </a:r>
+          </a:p>
+          <a:p>
             <a:r>
               <a:rPr lang="en-US" sz="1800" dirty="0"/>
-              <a:t>"                    	}</a:t>
+              <a:t>	"target": "Detail1"</a:t>
+            </a:r>
+          </a:p>
+          <a:p>
+            <a:r>
+              <a:rPr lang="en-US" sz="1800" dirty="0"/>
+              <a:t>}</a:t>
             </a:r>
           </a:p>
         </p:txBody>
@@ -11415,9 +11850,9 @@
           <p:nvPr/>
         </p:nvCxnSpPr>
         <p:spPr>
-          <a:xfrm>
-            <a:off x="3926541" y="2492188"/>
-            <a:ext cx="1165413" cy="1443318"/>
+          <a:xfrm flipH="1">
+            <a:off x="3875314" y="2492188"/>
+            <a:ext cx="51227" cy="1111624"/>
           </a:xfrm>
           <a:prstGeom prst="straightConnector1">
             <a:avLst/>
@@ -11508,9 +11943,9 @@
           <p:nvPr/>
         </p:nvCxnSpPr>
         <p:spPr>
-          <a:xfrm flipV="1">
-            <a:off x="10425953" y="3213847"/>
-            <a:ext cx="779929" cy="389965"/>
+          <a:xfrm flipH="1" flipV="1">
+            <a:off x="9971314" y="3184712"/>
+            <a:ext cx="454639" cy="419101"/>
           </a:xfrm>
           <a:prstGeom prst="straightConnector1">
             <a:avLst/>
@@ -11539,7 +11974,7 @@
       </p:cxnSp>
       <p:pic>
         <p:nvPicPr>
-          <p:cNvPr id="5" name="Picture 4"/>
+          <p:cNvPr id="8" name="Picture 7"/>
           <p:cNvPicPr>
             <a:picLocks noChangeAspect="1"/>
           </p:cNvPicPr>
@@ -11553,8 +11988,8 @@
         </p:blipFill>
         <p:spPr>
           <a:xfrm>
-            <a:off x="6440062" y="2807634"/>
-            <a:ext cx="5000625" cy="352425"/>
+            <a:off x="5047660" y="2752725"/>
+            <a:ext cx="4991100" cy="295275"/>
           </a:xfrm>
           <a:prstGeom prst="rect">
             <a:avLst/>
@@ -11574,7 +12009,7 @@
 </p:sld>
 </file>
 
-<file path=ppt/slides/slide13.xml><?xml version="1.0" encoding="utf-8"?>
+<file path=ppt/slides/slide14.xml><?xml version="1.0" encoding="utf-8"?>
 <p:sld xmlns:a="http://schemas.openxmlformats.org/drawingml/2006/main" xmlns:r="http://schemas.openxmlformats.org/officeDocument/2006/relationships" xmlns:p="http://schemas.openxmlformats.org/presentationml/2006/main">
   <p:cSld>
     <p:spTree>
@@ -11621,8 +12056,8 @@
         </p:nvSpPr>
         <p:spPr>
           <a:xfrm>
-            <a:off x="2565492" y="4205626"/>
-            <a:ext cx="9145587" cy="1754326"/>
+            <a:off x="2029097" y="4493009"/>
+            <a:ext cx="9612313" cy="1200329"/>
           </a:xfrm>
           <a:prstGeom prst="rect">
             <a:avLst/>
@@ -11640,22 +12075,42 @@
           <a:lstStyle/>
           <a:p>
             <a:r>
+              <a:rPr lang="en-US" sz="1800" dirty="0" err="1"/>
+              <a:t>onInit</a:t>
+            </a:r>
+            <a:r>
+              <a:rPr lang="en-US" sz="1800" dirty="0"/>
+              <a:t>: function () {</a:t>
+            </a:r>
+          </a:p>
+          <a:p>
+            <a:r>
+              <a:rPr lang="en-US" sz="1800" dirty="0"/>
+              <a:t>	</a:t>
+            </a:r>
+            <a:r>
+              <a:rPr lang="en-US" sz="1800" dirty="0" err="1"/>
+              <a:t>var</a:t>
+            </a:r>
+            <a:r>
               <a:rPr lang="en-US" sz="1800" dirty="0"/>
               <a:t> </a:t>
             </a:r>
             <a:r>
               <a:rPr lang="en-US" sz="1800" dirty="0" err="1"/>
-              <a:t>onInit</a:t>
+              <a:t>oRouter</a:t>
             </a:r>
             <a:r>
               <a:rPr lang="en-US" sz="1800" dirty="0"/>
-              <a:t>: function() {</a:t>
-            </a:r>
-          </a:p>
-          <a:p>
+              <a:t> = </a:t>
+            </a:r>
+            <a:r>
+              <a:rPr lang="en-US" sz="1800" dirty="0" err="1"/>
+              <a:t>sap.ui.core.UIComponent.getRouterFor</a:t>
+            </a:r>
             <a:r>
               <a:rPr lang="en-US" sz="1800" dirty="0"/>
-              <a:t>		</a:t>
+              <a:t>(this);</a:t>
             </a:r>
           </a:p>
           <a:p>
@@ -11665,37 +12120,23 @@
             </a:r>
             <a:r>
               <a:rPr lang="en-US" sz="1800" dirty="0" err="1"/>
-              <a:t>this.router</a:t>
+              <a:t>oRouter.getRoute</a:t>
             </a:r>
             <a:r>
               <a:rPr lang="en-US" sz="1800" dirty="0"/>
-              <a:t> = </a:t>
+              <a:t>("Detail1").</a:t>
             </a:r>
             <a:r>
               <a:rPr lang="en-US" sz="1800" dirty="0" err="1"/>
-              <a:t>sap.ui.core.UIComponent.getRouterFor</a:t>
+              <a:t>attachPatternMatched</a:t>
             </a:r>
             <a:r>
               <a:rPr lang="en-US" sz="1800" dirty="0"/>
-              <a:t>(this);</a:t>
-            </a:r>
-          </a:p>
-          <a:p>
-            <a:r>
-              <a:rPr lang="en-US" sz="1800" dirty="0"/>
-              <a:t>	</a:t>
+              <a:t>(this._</a:t>
             </a:r>
             <a:r>
               <a:rPr lang="en-US" sz="1800" dirty="0" err="1"/>
-              <a:t>this.router.attachRoutePatternMatched</a:t>
-            </a:r>
-            <a:r>
-              <a:rPr lang="en-US" sz="1800" dirty="0"/>
-              <a:t>(</a:t>
-            </a:r>
-            <a:r>
-              <a:rPr lang="en-US" sz="1800" dirty="0" err="1"/>
-              <a:t>this.onRouteMatched</a:t>
+              <a:t>onObjectMatched</a:t>
             </a:r>
             <a:r>
               <a:rPr lang="en-US" sz="1800" dirty="0"/>
@@ -11705,14 +12146,9 @@
           <a:p>
             <a:r>
               <a:rPr lang="en-US" sz="1800" dirty="0"/>
-              <a:t>	</a:t>
-            </a:r>
-          </a:p>
-          <a:p>
-            <a:r>
-              <a:rPr lang="en-US" sz="1800" dirty="0"/>
-              <a:t>}</a:t>
-            </a:r>
+              <a:t>},</a:t>
+            </a:r>
+            <a:endParaRPr lang="en-US" sz="1800" dirty="0"/>
           </a:p>
         </p:txBody>
       </p:sp>
@@ -11849,7 +12285,7 @@
         <p:spPr>
           <a:xfrm>
             <a:off x="251012" y="3576918"/>
-            <a:ext cx="6706964" cy="553998"/>
+            <a:ext cx="7207101" cy="553998"/>
           </a:xfrm>
           <a:prstGeom prst="rect">
             <a:avLst/>
@@ -11882,11 +12318,12 @@
               <a:t>Assign the function </a:t>
             </a:r>
             <a:r>
-              <a:rPr lang="en-US" sz="1800" kern="0" dirty="0" err="1">
-                <a:ea typeface="Arial Unicode MS" pitchFamily="34" charset="-128"/>
-                <a:cs typeface="Arial Unicode MS" pitchFamily="34" charset="-128"/>
-              </a:rPr>
-              <a:t>onRouteMatched</a:t>
+              <a:rPr lang="en-US" sz="1800" dirty="0"/>
+              <a:t>._</a:t>
+            </a:r>
+            <a:r>
+              <a:rPr lang="en-US" sz="1800" dirty="0" err="1"/>
+              <a:t>onObjectMatched</a:t>
             </a:r>
             <a:r>
               <a:rPr lang="en-US" sz="1800" kern="0" dirty="0">
@@ -11924,7 +12361,7 @@
 </p:sld>
 </file>
 
-<file path=ppt/slides/slide14.xml><?xml version="1.0" encoding="utf-8"?>
+<file path=ppt/slides/slide15.xml><?xml version="1.0" encoding="utf-8"?>
 <p:sld xmlns:a="http://schemas.openxmlformats.org/drawingml/2006/main" xmlns:r="http://schemas.openxmlformats.org/officeDocument/2006/relationships" xmlns:p="http://schemas.openxmlformats.org/presentationml/2006/main">
   <p:cSld>
     <p:spTree>
@@ -11972,7 +12409,7 @@
         <p:spPr>
           <a:xfrm>
             <a:off x="3370729" y="2131509"/>
-            <a:ext cx="8419447" cy="4016484"/>
+            <a:ext cx="8560014" cy="1754326"/>
           </a:xfrm>
           <a:prstGeom prst="rect">
             <a:avLst/>
@@ -11990,12 +12427,16 @@
           <a:lstStyle/>
           <a:p>
             <a:r>
+              <a:rPr lang="en-US" sz="1800" dirty="0"/>
+              <a:t>_</a:t>
+            </a:r>
+            <a:r>
               <a:rPr lang="en-US" sz="1800" dirty="0" err="1"/>
-              <a:t>onRouteMatched</a:t>
+              <a:t>onObjectMatched</a:t>
             </a:r>
             <a:r>
               <a:rPr lang="en-US" sz="1800" dirty="0"/>
-              <a:t> : function(</a:t>
+              <a:t>: function (</a:t>
             </a:r>
             <a:r>
               <a:rPr lang="en-US" sz="1800" dirty="0" err="1"/>
@@ -12003,7 +12444,7 @@
             </a:r>
             <a:r>
               <a:rPr lang="en-US" sz="1800" dirty="0"/>
-              <a:t>) {	</a:t>
+              <a:t>) {</a:t>
             </a:r>
           </a:p>
           <a:p>
@@ -12013,208 +12454,53 @@
             </a:r>
             <a:r>
               <a:rPr lang="en-US" sz="1800" dirty="0" err="1"/>
-              <a:t>var</a:t>
+              <a:t>this.getView</a:t>
             </a:r>
             <a:r>
               <a:rPr lang="en-US" sz="1800" dirty="0"/>
-              <a:t> </a:t>
+              <a:t>().</a:t>
             </a:r>
             <a:r>
               <a:rPr lang="en-US" sz="1800" dirty="0" err="1"/>
-              <a:t>oParameters</a:t>
+              <a:t>bindElement</a:t>
             </a:r>
             <a:r>
               <a:rPr lang="en-US" sz="1800" dirty="0"/>
-              <a:t> = </a:t>
+              <a:t>({</a:t>
+            </a:r>
+          </a:p>
+          <a:p>
+            <a:r>
+              <a:rPr lang="en-US" sz="1800" dirty="0"/>
+              <a:t>		path: "/collection/" + </a:t>
             </a:r>
             <a:r>
               <a:rPr lang="en-US" sz="1800" dirty="0" err="1"/>
-              <a:t>oEvent.getParameters</a:t>
+              <a:t>oEvent.getParameter</a:t>
             </a:r>
             <a:r>
               <a:rPr lang="en-US" sz="1800" dirty="0"/>
-              <a:t>();</a:t>
+              <a:t>("arguments").item,</a:t>
             </a:r>
           </a:p>
           <a:p>
             <a:r>
               <a:rPr lang="en-US" sz="1800" dirty="0"/>
-              <a:t>	</a:t>
+              <a:t>		model: "routing"</a:t>
             </a:r>
           </a:p>
           <a:p>
             <a:r>
               <a:rPr lang="en-US" sz="1800" dirty="0"/>
-              <a:t>	if (oParameters.name !== "Detail1") { </a:t>
+              <a:t>	});</a:t>
             </a:r>
           </a:p>
           <a:p>
             <a:r>
               <a:rPr lang="en-US" sz="1800" dirty="0"/>
-              <a:t>		return;</a:t>
-            </a:r>
-          </a:p>
-          <a:p>
-            <a:r>
-              <a:rPr lang="en-US" sz="1800" dirty="0"/>
-              <a:t>	}</a:t>
-            </a:r>
-          </a:p>
-          <a:p>
-            <a:r>
-              <a:rPr lang="en-US" sz="1800" dirty="0"/>
-              <a:t>	</a:t>
-            </a:r>
-            <a:r>
-              <a:rPr lang="en-US" sz="1800" dirty="0" err="1"/>
-              <a:t>var</a:t>
-            </a:r>
-            <a:r>
-              <a:rPr lang="en-US" sz="1800" dirty="0"/>
-              <a:t> </a:t>
-            </a:r>
-            <a:r>
-              <a:rPr lang="en-US" sz="1800" dirty="0" err="1"/>
-              <a:t>sEntityPath</a:t>
-            </a:r>
-            <a:r>
-              <a:rPr lang="en-US" sz="1800" dirty="0"/>
-              <a:t> = "/collection/" + </a:t>
-            </a:r>
-            <a:r>
-              <a:rPr lang="en-US" sz="1800" dirty="0" err="1"/>
-              <a:t>oParameters.arguments.parameter</a:t>
-            </a:r>
-            <a:r>
-              <a:rPr lang="en-US" sz="1800" dirty="0"/>
-              <a:t>;</a:t>
-            </a:r>
-            <a:br>
-              <a:rPr lang="en-US" sz="1800" dirty="0"/>
-            </a:br>
-            <a:endParaRPr lang="en-US" sz="1800" dirty="0"/>
-          </a:p>
-          <a:p>
-            <a:r>
-              <a:rPr lang="en-US" sz="1800" dirty="0"/>
-              <a:t>	</a:t>
-            </a:r>
-            <a:r>
-              <a:rPr lang="en-US" sz="1800" dirty="0" err="1"/>
-              <a:t>var</a:t>
-            </a:r>
-            <a:r>
-              <a:rPr lang="en-US" sz="1800" dirty="0"/>
-              <a:t> </a:t>
-            </a:r>
-            <a:r>
-              <a:rPr lang="en-US" sz="1800" dirty="0" err="1"/>
-              <a:t>oView</a:t>
-            </a:r>
-            <a:r>
-              <a:rPr lang="en-US" sz="1800" dirty="0"/>
-              <a:t> = </a:t>
-            </a:r>
-            <a:r>
-              <a:rPr lang="en-US" sz="1800" dirty="0" err="1"/>
-              <a:t>this.getView</a:t>
-            </a:r>
-            <a:r>
-              <a:rPr lang="en-US" sz="1800" dirty="0"/>
-              <a:t>();</a:t>
-            </a:r>
-          </a:p>
-          <a:p>
-            <a:r>
-              <a:rPr lang="en-US" sz="1800" dirty="0"/>
-              <a:t>	</a:t>
-            </a:r>
-            <a:r>
-              <a:rPr lang="en-US" sz="1800" dirty="0" err="1"/>
-              <a:t>var</a:t>
-            </a:r>
-            <a:r>
-              <a:rPr lang="en-US" sz="1800" dirty="0"/>
-              <a:t> </a:t>
-            </a:r>
-            <a:r>
-              <a:rPr lang="en-US" sz="1800" dirty="0" err="1"/>
-              <a:t>oModel</a:t>
-            </a:r>
-            <a:r>
-              <a:rPr lang="en-US" sz="1800" dirty="0"/>
-              <a:t> = </a:t>
-            </a:r>
-            <a:r>
-              <a:rPr lang="en-US" sz="1800" dirty="0" err="1"/>
-              <a:t>oView.getModel</a:t>
-            </a:r>
-            <a:r>
-              <a:rPr lang="en-US" sz="1800" dirty="0"/>
-              <a:t>();</a:t>
-            </a:r>
-            <a:br>
-              <a:rPr lang="en-US" sz="1800" dirty="0"/>
-            </a:br>
-            <a:endParaRPr lang="en-US" sz="1800" dirty="0"/>
-          </a:p>
-          <a:p>
-            <a:r>
-              <a:rPr lang="en-US" sz="1800" dirty="0"/>
-              <a:t>	</a:t>
-            </a:r>
-            <a:r>
-              <a:rPr lang="en-US" sz="1800" dirty="0" err="1"/>
-              <a:t>var</a:t>
-            </a:r>
-            <a:r>
-              <a:rPr lang="en-US" sz="1800" dirty="0"/>
-              <a:t> context = new </a:t>
-            </a:r>
-            <a:r>
-              <a:rPr lang="en-US" sz="1800" dirty="0" err="1"/>
-              <a:t>sap.ui.model.Context</a:t>
-            </a:r>
-            <a:r>
-              <a:rPr lang="en-US" sz="1800" dirty="0"/>
-              <a:t>(</a:t>
-            </a:r>
-            <a:r>
-              <a:rPr lang="en-US" sz="1800" dirty="0" err="1"/>
-              <a:t>oModel</a:t>
-            </a:r>
-            <a:r>
-              <a:rPr lang="en-US" sz="1800" dirty="0"/>
-              <a:t>, </a:t>
-            </a:r>
-            <a:r>
-              <a:rPr lang="en-US" sz="1800" dirty="0" err="1"/>
-              <a:t>sEntityPath</a:t>
-            </a:r>
-            <a:r>
-              <a:rPr lang="en-US" sz="1800" dirty="0"/>
-              <a:t>);</a:t>
-            </a:r>
-          </a:p>
-          <a:p>
-            <a:r>
-              <a:rPr lang="en-US" sz="1800" dirty="0"/>
-              <a:t>	</a:t>
-            </a:r>
-            <a:r>
-              <a:rPr lang="en-US" sz="1800" dirty="0" err="1"/>
-              <a:t>oView.setBindingContext</a:t>
-            </a:r>
-            <a:r>
-              <a:rPr lang="en-US" sz="1800" dirty="0"/>
-              <a:t>(context);</a:t>
-            </a:r>
-          </a:p>
-          <a:p>
-            <a:r>
-              <a:rPr lang="en-US" dirty="0"/>
-              <a:t>},</a:t>
-            </a:r>
+              <a:t>}</a:t>
+            </a:r>
+            <a:endParaRPr lang="en-US" dirty="0"/>
           </a:p>
         </p:txBody>
       </p:sp>
@@ -12307,7 +12593,7 @@
         <p:spPr>
           <a:xfrm>
             <a:off x="324001" y="1720317"/>
-            <a:ext cx="2680221" cy="276999"/>
+            <a:ext cx="2705869" cy="276999"/>
           </a:xfrm>
           <a:prstGeom prst="rect">
             <a:avLst/>
@@ -12337,7 +12623,7 @@
                 <a:ea typeface="Arial Unicode MS" pitchFamily="34" charset="-128"/>
                 <a:cs typeface="Arial Unicode MS" pitchFamily="34" charset="-128"/>
               </a:rPr>
-              <a:t>Retrieve route parameters</a:t>
+              <a:t>Bind the view to the model</a:t>
             </a:r>
           </a:p>
         </p:txBody>
@@ -12386,8 +12672,8 @@
         </p:nvSpPr>
         <p:spPr>
           <a:xfrm>
-            <a:off x="198495" y="2494577"/>
-            <a:ext cx="2641749" cy="553998"/>
+            <a:off x="164723" y="2748492"/>
+            <a:ext cx="3206006" cy="553998"/>
           </a:xfrm>
           <a:prstGeom prst="rect">
             <a:avLst/>
@@ -12417,7 +12703,7 @@
                 <a:ea typeface="Arial Unicode MS" pitchFamily="34" charset="-128"/>
                 <a:cs typeface="Arial Unicode MS" pitchFamily="34" charset="-128"/>
               </a:rPr>
-              <a:t>Make sure this view is the</a:t>
+              <a:t>Construct the path in the model</a:t>
             </a:r>
             <a:br>
               <a:rPr lang="en-US" sz="1800" kern="0" dirty="0">
@@ -12430,7 +12716,7 @@
                 <a:ea typeface="Arial Unicode MS" pitchFamily="34" charset="-128"/>
                 <a:cs typeface="Arial Unicode MS" pitchFamily="34" charset="-128"/>
               </a:rPr>
-              <a:t>target and not a parent</a:t>
+              <a:t>using the parameter passed</a:t>
             </a:r>
           </a:p>
         </p:txBody>
@@ -12443,8 +12729,8 @@
         </p:nvCxnSpPr>
         <p:spPr>
           <a:xfrm>
-            <a:off x="2931459" y="2893509"/>
-            <a:ext cx="1344706" cy="235173"/>
+            <a:off x="3370729" y="2926080"/>
+            <a:ext cx="1976334" cy="8709"/>
           </a:xfrm>
           <a:prstGeom prst="straightConnector1">
             <a:avLst/>
@@ -12479,8 +12765,8 @@
         </p:nvSpPr>
         <p:spPr>
           <a:xfrm>
-            <a:off x="198495" y="3379548"/>
-            <a:ext cx="2778683" cy="1815882"/>
+            <a:off x="712300" y="5161662"/>
+            <a:ext cx="2778683" cy="276999"/>
           </a:xfrm>
           <a:prstGeom prst="rect">
             <a:avLst/>
@@ -12510,46 +12796,7 @@
                 <a:ea typeface="Arial Unicode MS" pitchFamily="34" charset="-128"/>
                 <a:cs typeface="Arial Unicode MS" pitchFamily="34" charset="-128"/>
               </a:rPr>
-              <a:t>Retrieve the entity argument and construct a binding path</a:t>
-            </a:r>
-          </a:p>
-          <a:p>
-            <a:pPr fontAlgn="base">
-              <a:spcBef>
-                <a:spcPts val="600"/>
-              </a:spcBef>
-              <a:spcAft>
-                <a:spcPct val="0"/>
-              </a:spcAft>
-              <a:buClr>
-                <a:srgbClr val="F0AB00"/>
-              </a:buClr>
-              <a:buSzPct val="80000"/>
-            </a:pPr>
-            <a:endParaRPr lang="en-US" sz="1800" kern="0" dirty="0">
-              <a:ea typeface="Arial Unicode MS" pitchFamily="34" charset="-128"/>
-              <a:cs typeface="Arial Unicode MS" pitchFamily="34" charset="-128"/>
-            </a:endParaRPr>
-          </a:p>
-          <a:p>
-            <a:pPr fontAlgn="base">
-              <a:spcBef>
-                <a:spcPts val="600"/>
-              </a:spcBef>
-              <a:spcAft>
-                <a:spcPct val="0"/>
-              </a:spcAft>
-              <a:buClr>
-                <a:srgbClr val="F0AB00"/>
-              </a:buClr>
-              <a:buSzPct val="80000"/>
-            </a:pPr>
-            <a:r>
-              <a:rPr lang="en-US" sz="1800" kern="0" dirty="0">
-                <a:ea typeface="Arial Unicode MS" pitchFamily="34" charset="-128"/>
-                <a:cs typeface="Arial Unicode MS" pitchFamily="34" charset="-128"/>
-              </a:rPr>
-              <a:t>Create a binding context and bind it to the view</a:t>
+              <a:t>Identify the model by name</a:t>
             </a:r>
           </a:p>
         </p:txBody>
@@ -12561,45 +12808,9 @@
           <p:nvPr/>
         </p:nvCxnSpPr>
         <p:spPr>
-          <a:xfrm>
-            <a:off x="3004222" y="3945840"/>
-            <a:ext cx="1343660" cy="1471"/>
-          </a:xfrm>
-          <a:prstGeom prst="straightConnector1">
-            <a:avLst/>
-          </a:prstGeom>
-          <a:ln w="6350">
-            <a:solidFill>
-              <a:schemeClr val="tx1"/>
-            </a:solidFill>
-            <a:tailEnd type="triangle"/>
-          </a:ln>
-        </p:spPr>
-        <p:style>
-          <a:lnRef idx="1">
-            <a:schemeClr val="accent1"/>
-          </a:lnRef>
-          <a:fillRef idx="0">
-            <a:schemeClr val="accent1"/>
-          </a:fillRef>
-          <a:effectRef idx="0">
-            <a:schemeClr val="accent1"/>
-          </a:effectRef>
-          <a:fontRef idx="minor">
-            <a:schemeClr val="tx1"/>
-          </a:fontRef>
-        </p:style>
-      </p:cxnSp>
-      <p:cxnSp>
-        <p:nvCxnSpPr>
-          <p:cNvPr id="18" name="Straight Arrow Connector 17"/>
-          <p:cNvCxnSpPr/>
-          <p:nvPr/>
-        </p:nvCxnSpPr>
-        <p:spPr>
-          <a:xfrm>
-            <a:off x="2931459" y="4903695"/>
-            <a:ext cx="1416423" cy="501224"/>
+          <a:xfrm flipV="1">
+            <a:off x="3596640" y="3472455"/>
+            <a:ext cx="2203269" cy="1575422"/>
           </a:xfrm>
           <a:prstGeom prst="straightConnector1">
             <a:avLst/>
@@ -12639,7 +12850,7 @@
 </p:sld>
 </file>
 
-<file path=ppt/slides/slide15.xml><?xml version="1.0" encoding="utf-8"?>
+<file path=ppt/slides/slide16.xml><?xml version="1.0" encoding="utf-8"?>
 <p:sld xmlns:a="http://schemas.openxmlformats.org/drawingml/2006/main" xmlns:r="http://schemas.openxmlformats.org/officeDocument/2006/relationships" xmlns:p="http://schemas.openxmlformats.org/presentationml/2006/main">
   <p:cSld>
     <p:spTree>
@@ -12918,7 +13129,7 @@
 </p:sld>
 </file>
 
-<file path=ppt/slides/slide16.xml><?xml version="1.0" encoding="utf-8"?>
+<file path=ppt/slides/slide17.xml><?xml version="1.0" encoding="utf-8"?>
 <p:sld xmlns:a="http://schemas.openxmlformats.org/drawingml/2006/main" xmlns:r="http://schemas.openxmlformats.org/officeDocument/2006/relationships" xmlns:p="http://schemas.openxmlformats.org/presentationml/2006/main">
   <p:cSld>
     <p:spTree>
@@ -12965,7 +13176,7 @@
         </p:nvSpPr>
         <p:spPr bwMode="gray">
           <a:xfrm>
-            <a:off x="3819383" y="1768142"/>
+            <a:off x="4441210" y="1524302"/>
             <a:ext cx="7252447" cy="3478305"/>
           </a:xfrm>
           <a:prstGeom prst="rect">
@@ -13022,7 +13233,7 @@
         </p:nvSpPr>
         <p:spPr>
           <a:xfrm>
-            <a:off x="4025572" y="2037083"/>
+            <a:off x="4733187" y="1898583"/>
             <a:ext cx="3334246" cy="276999"/>
           </a:xfrm>
           <a:prstGeom prst="rect">
@@ -13066,7 +13277,7 @@
         </p:nvSpPr>
         <p:spPr bwMode="gray">
           <a:xfrm>
-            <a:off x="6930136" y="2628753"/>
+            <a:off x="7835828" y="2532959"/>
             <a:ext cx="3021106" cy="2259106"/>
           </a:xfrm>
           <a:prstGeom prst="rect">
@@ -13123,7 +13334,7 @@
         </p:nvSpPr>
         <p:spPr>
           <a:xfrm>
-            <a:off x="7073572" y="2731846"/>
+            <a:off x="8214395" y="2729580"/>
             <a:ext cx="1987724" cy="276999"/>
           </a:xfrm>
           <a:prstGeom prst="rect">
@@ -13178,7 +13389,7 @@
         </p:nvSpPr>
         <p:spPr>
           <a:xfrm>
-            <a:off x="393107" y="2037083"/>
+            <a:off x="462775" y="1805174"/>
             <a:ext cx="2888478" cy="1384995"/>
           </a:xfrm>
           <a:prstGeom prst="rect">
@@ -13226,7 +13437,7 @@
               <a:t> within /collection/0 so the list is bound to /collection/0/</a:t>
             </a:r>
             <a:r>
-              <a:rPr lang="en-US" sz="1800" kern="0">
+              <a:rPr lang="en-US" sz="1800" kern="0" dirty="0" err="1">
                 <a:ea typeface="Arial Unicode MS" pitchFamily="34" charset="-128"/>
                 <a:cs typeface="Arial Unicode MS" pitchFamily="34" charset="-128"/>
               </a:rPr>
@@ -13236,6 +13447,92 @@
               <a:ea typeface="Arial Unicode MS" pitchFamily="34" charset="-128"/>
               <a:cs typeface="Arial Unicode MS" pitchFamily="34" charset="-128"/>
             </a:endParaRPr>
+          </a:p>
+        </p:txBody>
+      </p:sp>
+      <p:sp>
+        <p:nvSpPr>
+          <p:cNvPr id="8" name="Rectangle 7"/>
+          <p:cNvSpPr/>
+          <p:nvPr/>
+        </p:nvSpPr>
+        <p:spPr>
+          <a:xfrm>
+            <a:off x="393107" y="3915093"/>
+            <a:ext cx="6096000" cy="2354491"/>
+          </a:xfrm>
+          <a:prstGeom prst="rect">
+            <a:avLst/>
+          </a:prstGeom>
+        </p:spPr>
+        <p:txBody>
+          <a:bodyPr>
+            <a:spAutoFit/>
+          </a:bodyPr>
+          <a:lstStyle/>
+          <a:p>
+            <a:r>
+              <a:rPr lang="en-US" dirty="0"/>
+              <a:t>&lt;List </a:t>
+            </a:r>
+          </a:p>
+          <a:p>
+            <a:r>
+              <a:rPr lang="en-US" dirty="0"/>
+              <a:t>    </a:t>
+            </a:r>
+            <a:r>
+              <a:rPr lang="en-US" dirty="0" err="1"/>
+              <a:t>headerText</a:t>
+            </a:r>
+            <a:r>
+              <a:rPr lang="en-US" dirty="0"/>
+              <a:t>="Detail 1 List"</a:t>
+            </a:r>
+          </a:p>
+          <a:p>
+            <a:r>
+              <a:rPr lang="en-US" dirty="0"/>
+              <a:t>    items="{routing&gt;</a:t>
+            </a:r>
+            <a:r>
+              <a:rPr lang="en-US" dirty="0" err="1"/>
+              <a:t>subcol</a:t>
+            </a:r>
+            <a:r>
+              <a:rPr lang="en-US" dirty="0"/>
+              <a:t>}" &gt;</a:t>
+            </a:r>
+          </a:p>
+          <a:p>
+            <a:r>
+              <a:rPr lang="en-US" dirty="0"/>
+              <a:t>        &lt;</a:t>
+            </a:r>
+            <a:r>
+              <a:rPr lang="en-US" dirty="0" err="1"/>
+              <a:t>StandardListItem</a:t>
+            </a:r>
+            <a:endParaRPr lang="en-US" dirty="0"/>
+          </a:p>
+          <a:p>
+            <a:r>
+              <a:rPr lang="en-US" dirty="0"/>
+              <a:t>          type="Active"</a:t>
+            </a:r>
+          </a:p>
+          <a:p>
+            <a:r>
+              <a:rPr lang="en-US" dirty="0"/>
+              <a:t>          title="{routing&gt;subProp1}" /&gt;</a:t>
+            </a:r>
+          </a:p>
+          <a:p>
+            <a:r>
+              <a:rPr lang="en-US" dirty="0"/>
+              <a:t>&lt;/List&gt;</a:t>
+            </a:r>
+            <a:endParaRPr lang="en-US" dirty="0"/>
           </a:p>
         </p:txBody>
       </p:sp>
@@ -13252,7 +13549,7 @@
 </p:sld>
 </file>
 
-<file path=ppt/slides/slide17.xml><?xml version="1.0" encoding="utf-8"?>
+<file path=ppt/slides/slide18.xml><?xml version="1.0" encoding="utf-8"?>
 <p:sld xmlns:a="http://schemas.openxmlformats.org/drawingml/2006/main" xmlns:r="http://schemas.openxmlformats.org/officeDocument/2006/relationships" xmlns:p="http://schemas.openxmlformats.org/presentationml/2006/main">
   <p:cSld>
     <p:spTree>
@@ -13366,7 +13663,7 @@
 </p:sld>
 </file>
 
-<file path=ppt/slides/slide18.xml><?xml version="1.0" encoding="utf-8"?>
+<file path=ppt/slides/slide19.xml><?xml version="1.0" encoding="utf-8"?>
 <p:sld xmlns:a="http://schemas.openxmlformats.org/drawingml/2006/main" xmlns:r="http://schemas.openxmlformats.org/officeDocument/2006/relationships" xmlns:p="http://schemas.openxmlformats.org/presentationml/2006/main" show="0">
   <p:cSld>
     <p:spTree>
@@ -14792,8 +15089,8 @@
         </p:nvSpPr>
         <p:spPr>
           <a:xfrm>
-            <a:off x="3101097" y="2024855"/>
-            <a:ext cx="8704729" cy="2782428"/>
+            <a:off x="2979177" y="1415255"/>
+            <a:ext cx="8704729" cy="4939494"/>
           </a:xfrm>
           <a:prstGeom prst="rect">
             <a:avLst/>
@@ -14811,44 +15108,422 @@
           <a:lstStyle/>
           <a:p>
             <a:pPr>
-              <a:lnSpc>
-                <a:spcPct val="107000"/>
-              </a:lnSpc>
               <a:spcAft>
                 <a:spcPts val="800"/>
               </a:spcAft>
             </a:pPr>
             <a:r>
-              <a:rPr lang="en-US" sz="1800" dirty="0" err="1">
+              <a:rPr lang="en-US" sz="1400" dirty="0">
                 <a:latin typeface="Calibri" panose="020F0502020204030204" pitchFamily="34" charset="0"/>
                 <a:ea typeface="Calibri" panose="020F0502020204030204" pitchFamily="34" charset="0"/>
                 <a:cs typeface="Times New Roman" panose="02020603050405020304" pitchFamily="18" charset="0"/>
               </a:rPr>
-              <a:t>sap.ui.core.UIComponent.extend</a:t>
-            </a:r>
-            <a:r>
-              <a:rPr lang="en-US" sz="1800" dirty="0">
+              <a:t>"routing": {</a:t>
+            </a:r>
+            <a:br>
+              <a:rPr lang="en-US" sz="1400" dirty="0">
                 <a:latin typeface="Calibri" panose="020F0502020204030204" pitchFamily="34" charset="0"/>
                 <a:ea typeface="Calibri" panose="020F0502020204030204" pitchFamily="34" charset="0"/>
                 <a:cs typeface="Times New Roman" panose="02020603050405020304" pitchFamily="18" charset="0"/>
               </a:rPr>
-              <a:t>("</a:t>
-            </a:r>
-            <a:r>
-              <a:rPr lang="en-US" sz="1800" dirty="0" err="1">
+            </a:br>
+            <a:r>
+              <a:rPr lang="en-US" sz="1400" dirty="0">
                 <a:latin typeface="Calibri" panose="020F0502020204030204" pitchFamily="34" charset="0"/>
                 <a:ea typeface="Calibri" panose="020F0502020204030204" pitchFamily="34" charset="0"/>
                 <a:cs typeface="Times New Roman" panose="02020603050405020304" pitchFamily="18" charset="0"/>
               </a:rPr>
-              <a:t>routing.Component</a:t>
-            </a:r>
-            <a:r>
-              <a:rPr lang="en-US" sz="1800" dirty="0">
+              <a:t>	"config": {</a:t>
+            </a:r>
+            <a:br>
+              <a:rPr lang="en-US" sz="1400" dirty="0">
                 <a:latin typeface="Calibri" panose="020F0502020204030204" pitchFamily="34" charset="0"/>
                 <a:ea typeface="Calibri" panose="020F0502020204030204" pitchFamily="34" charset="0"/>
                 <a:cs typeface="Times New Roman" panose="02020603050405020304" pitchFamily="18" charset="0"/>
               </a:rPr>
-              <a:t>",{</a:t>
+            </a:br>
+            <a:r>
+              <a:rPr lang="en-US" sz="1400" dirty="0">
+                <a:latin typeface="Calibri" panose="020F0502020204030204" pitchFamily="34" charset="0"/>
+                <a:ea typeface="Calibri" panose="020F0502020204030204" pitchFamily="34" charset="0"/>
+                <a:cs typeface="Times New Roman" panose="02020603050405020304" pitchFamily="18" charset="0"/>
+              </a:rPr>
+              <a:t>		"</a:t>
+            </a:r>
+            <a:r>
+              <a:rPr lang="en-US" sz="1400" dirty="0" err="1">
+                <a:latin typeface="Calibri" panose="020F0502020204030204" pitchFamily="34" charset="0"/>
+                <a:ea typeface="Calibri" panose="020F0502020204030204" pitchFamily="34" charset="0"/>
+                <a:cs typeface="Times New Roman" panose="02020603050405020304" pitchFamily="18" charset="0"/>
+              </a:rPr>
+              <a:t>routerClass</a:t>
+            </a:r>
+            <a:r>
+              <a:rPr lang="en-US" sz="1400" dirty="0">
+                <a:latin typeface="Calibri" panose="020F0502020204030204" pitchFamily="34" charset="0"/>
+                <a:ea typeface="Calibri" panose="020F0502020204030204" pitchFamily="34" charset="0"/>
+                <a:cs typeface="Times New Roman" panose="02020603050405020304" pitchFamily="18" charset="0"/>
+              </a:rPr>
+              <a:t>": "</a:t>
+            </a:r>
+            <a:r>
+              <a:rPr lang="en-US" sz="1400" dirty="0" err="1">
+                <a:latin typeface="Calibri" panose="020F0502020204030204" pitchFamily="34" charset="0"/>
+                <a:ea typeface="Calibri" panose="020F0502020204030204" pitchFamily="34" charset="0"/>
+                <a:cs typeface="Times New Roman" panose="02020603050405020304" pitchFamily="18" charset="0"/>
+              </a:rPr>
+              <a:t>sap.m.routing.Router</a:t>
+            </a:r>
+            <a:r>
+              <a:rPr lang="en-US" sz="1400" dirty="0">
+                <a:latin typeface="Calibri" panose="020F0502020204030204" pitchFamily="34" charset="0"/>
+                <a:ea typeface="Calibri" panose="020F0502020204030204" pitchFamily="34" charset="0"/>
+                <a:cs typeface="Times New Roman" panose="02020603050405020304" pitchFamily="18" charset="0"/>
+              </a:rPr>
+              <a:t>",</a:t>
+            </a:r>
+            <a:br>
+              <a:rPr lang="en-US" sz="1400" dirty="0">
+                <a:latin typeface="Calibri" panose="020F0502020204030204" pitchFamily="34" charset="0"/>
+                <a:ea typeface="Calibri" panose="020F0502020204030204" pitchFamily="34" charset="0"/>
+                <a:cs typeface="Times New Roman" panose="02020603050405020304" pitchFamily="18" charset="0"/>
+              </a:rPr>
+            </a:br>
+            <a:r>
+              <a:rPr lang="en-US" sz="1400" dirty="0">
+                <a:latin typeface="Calibri" panose="020F0502020204030204" pitchFamily="34" charset="0"/>
+                <a:ea typeface="Calibri" panose="020F0502020204030204" pitchFamily="34" charset="0"/>
+                <a:cs typeface="Times New Roman" panose="02020603050405020304" pitchFamily="18" charset="0"/>
+              </a:rPr>
+              <a:t>		"</a:t>
+            </a:r>
+            <a:r>
+              <a:rPr lang="en-US" sz="1400" dirty="0" err="1">
+                <a:latin typeface="Calibri" panose="020F0502020204030204" pitchFamily="34" charset="0"/>
+                <a:ea typeface="Calibri" panose="020F0502020204030204" pitchFamily="34" charset="0"/>
+                <a:cs typeface="Times New Roman" panose="02020603050405020304" pitchFamily="18" charset="0"/>
+              </a:rPr>
+              <a:t>viewType</a:t>
+            </a:r>
+            <a:r>
+              <a:rPr lang="en-US" sz="1400" dirty="0">
+                <a:latin typeface="Calibri" panose="020F0502020204030204" pitchFamily="34" charset="0"/>
+                <a:ea typeface="Calibri" panose="020F0502020204030204" pitchFamily="34" charset="0"/>
+                <a:cs typeface="Times New Roman" panose="02020603050405020304" pitchFamily="18" charset="0"/>
+              </a:rPr>
+              <a:t>": "XML",</a:t>
+            </a:r>
+            <a:br>
+              <a:rPr lang="en-US" sz="1400" dirty="0">
+                <a:latin typeface="Calibri" panose="020F0502020204030204" pitchFamily="34" charset="0"/>
+                <a:ea typeface="Calibri" panose="020F0502020204030204" pitchFamily="34" charset="0"/>
+                <a:cs typeface="Times New Roman" panose="02020603050405020304" pitchFamily="18" charset="0"/>
+              </a:rPr>
+            </a:br>
+            <a:r>
+              <a:rPr lang="en-US" sz="1400" dirty="0">
+                <a:latin typeface="Calibri" panose="020F0502020204030204" pitchFamily="34" charset="0"/>
+                <a:ea typeface="Calibri" panose="020F0502020204030204" pitchFamily="34" charset="0"/>
+                <a:cs typeface="Times New Roman" panose="02020603050405020304" pitchFamily="18" charset="0"/>
+              </a:rPr>
+              <a:t>		"</a:t>
+            </a:r>
+            <a:r>
+              <a:rPr lang="en-US" sz="1400" dirty="0" err="1">
+                <a:latin typeface="Calibri" panose="020F0502020204030204" pitchFamily="34" charset="0"/>
+                <a:ea typeface="Calibri" panose="020F0502020204030204" pitchFamily="34" charset="0"/>
+                <a:cs typeface="Times New Roman" panose="02020603050405020304" pitchFamily="18" charset="0"/>
+              </a:rPr>
+              <a:t>viewPath</a:t>
+            </a:r>
+            <a:r>
+              <a:rPr lang="en-US" sz="1400" dirty="0">
+                <a:latin typeface="Calibri" panose="020F0502020204030204" pitchFamily="34" charset="0"/>
+                <a:ea typeface="Calibri" panose="020F0502020204030204" pitchFamily="34" charset="0"/>
+                <a:cs typeface="Times New Roman" panose="02020603050405020304" pitchFamily="18" charset="0"/>
+              </a:rPr>
+              <a:t>": "ui5.view",</a:t>
+            </a:r>
+            <a:br>
+              <a:rPr lang="en-US" sz="1400" dirty="0">
+                <a:latin typeface="Calibri" panose="020F0502020204030204" pitchFamily="34" charset="0"/>
+                <a:ea typeface="Calibri" panose="020F0502020204030204" pitchFamily="34" charset="0"/>
+                <a:cs typeface="Times New Roman" panose="02020603050405020304" pitchFamily="18" charset="0"/>
+              </a:rPr>
+            </a:br>
+            <a:r>
+              <a:rPr lang="en-US" sz="1400" dirty="0">
+                <a:latin typeface="Calibri" panose="020F0502020204030204" pitchFamily="34" charset="0"/>
+                <a:ea typeface="Calibri" panose="020F0502020204030204" pitchFamily="34" charset="0"/>
+                <a:cs typeface="Times New Roman" panose="02020603050405020304" pitchFamily="18" charset="0"/>
+              </a:rPr>
+              <a:t>		"</a:t>
+            </a:r>
+            <a:r>
+              <a:rPr lang="en-US" sz="1400" dirty="0" err="1">
+                <a:latin typeface="Calibri" panose="020F0502020204030204" pitchFamily="34" charset="0"/>
+                <a:ea typeface="Calibri" panose="020F0502020204030204" pitchFamily="34" charset="0"/>
+                <a:cs typeface="Times New Roman" panose="02020603050405020304" pitchFamily="18" charset="0"/>
+              </a:rPr>
+              <a:t>controlId</a:t>
+            </a:r>
+            <a:r>
+              <a:rPr lang="en-US" sz="1400" dirty="0">
+                <a:latin typeface="Calibri" panose="020F0502020204030204" pitchFamily="34" charset="0"/>
+                <a:ea typeface="Calibri" panose="020F0502020204030204" pitchFamily="34" charset="0"/>
+                <a:cs typeface="Times New Roman" panose="02020603050405020304" pitchFamily="18" charset="0"/>
+              </a:rPr>
+              <a:t>": "app",</a:t>
+            </a:r>
+            <a:br>
+              <a:rPr lang="en-US" sz="1400" dirty="0">
+                <a:latin typeface="Calibri" panose="020F0502020204030204" pitchFamily="34" charset="0"/>
+                <a:ea typeface="Calibri" panose="020F0502020204030204" pitchFamily="34" charset="0"/>
+                <a:cs typeface="Times New Roman" panose="02020603050405020304" pitchFamily="18" charset="0"/>
+              </a:rPr>
+            </a:br>
+            <a:r>
+              <a:rPr lang="en-US" sz="1400" dirty="0">
+                <a:latin typeface="Calibri" panose="020F0502020204030204" pitchFamily="34" charset="0"/>
+                <a:ea typeface="Calibri" panose="020F0502020204030204" pitchFamily="34" charset="0"/>
+                <a:cs typeface="Times New Roman" panose="02020603050405020304" pitchFamily="18" charset="0"/>
+              </a:rPr>
+              <a:t>		"</a:t>
+            </a:r>
+            <a:r>
+              <a:rPr lang="en-US" sz="1400" dirty="0" err="1">
+                <a:latin typeface="Calibri" panose="020F0502020204030204" pitchFamily="34" charset="0"/>
+                <a:ea typeface="Calibri" panose="020F0502020204030204" pitchFamily="34" charset="0"/>
+                <a:cs typeface="Times New Roman" panose="02020603050405020304" pitchFamily="18" charset="0"/>
+              </a:rPr>
+              <a:t>controlAggregation</a:t>
+            </a:r>
+            <a:r>
+              <a:rPr lang="en-US" sz="1400" dirty="0">
+                <a:latin typeface="Calibri" panose="020F0502020204030204" pitchFamily="34" charset="0"/>
+                <a:ea typeface="Calibri" panose="020F0502020204030204" pitchFamily="34" charset="0"/>
+                <a:cs typeface="Times New Roman" panose="02020603050405020304" pitchFamily="18" charset="0"/>
+              </a:rPr>
+              <a:t>": "pages“</a:t>
+            </a:r>
+            <a:br>
+              <a:rPr lang="en-US" sz="1400" dirty="0">
+                <a:latin typeface="Calibri" panose="020F0502020204030204" pitchFamily="34" charset="0"/>
+                <a:ea typeface="Calibri" panose="020F0502020204030204" pitchFamily="34" charset="0"/>
+                <a:cs typeface="Times New Roman" panose="02020603050405020304" pitchFamily="18" charset="0"/>
+              </a:rPr>
+            </a:br>
+            <a:r>
+              <a:rPr lang="en-US" sz="1400" dirty="0">
+                <a:latin typeface="Calibri" panose="020F0502020204030204" pitchFamily="34" charset="0"/>
+                <a:ea typeface="Calibri" panose="020F0502020204030204" pitchFamily="34" charset="0"/>
+                <a:cs typeface="Times New Roman" panose="02020603050405020304" pitchFamily="18" charset="0"/>
+              </a:rPr>
+              <a:t>	},</a:t>
+            </a:r>
+          </a:p>
+          <a:p>
+            <a:pPr>
+              <a:spcAft>
+                <a:spcPts val="800"/>
+              </a:spcAft>
+            </a:pPr>
+            <a:r>
+              <a:rPr lang="en-US" sz="1400" dirty="0">
+                <a:latin typeface="Calibri" panose="020F0502020204030204" pitchFamily="34" charset="0"/>
+                <a:ea typeface="Calibri" panose="020F0502020204030204" pitchFamily="34" charset="0"/>
+                <a:cs typeface="Times New Roman" panose="02020603050405020304" pitchFamily="18" charset="0"/>
+              </a:rPr>
+              <a:t>	"routes": [</a:t>
+            </a:r>
+            <a:br>
+              <a:rPr lang="en-US" sz="1400" dirty="0">
+                <a:latin typeface="Calibri" panose="020F0502020204030204" pitchFamily="34" charset="0"/>
+                <a:ea typeface="Calibri" panose="020F0502020204030204" pitchFamily="34" charset="0"/>
+                <a:cs typeface="Times New Roman" panose="02020603050405020304" pitchFamily="18" charset="0"/>
+              </a:rPr>
+            </a:br>
+            <a:r>
+              <a:rPr lang="en-US" sz="1400" dirty="0">
+                <a:latin typeface="Calibri" panose="020F0502020204030204" pitchFamily="34" charset="0"/>
+                <a:ea typeface="Calibri" panose="020F0502020204030204" pitchFamily="34" charset="0"/>
+                <a:cs typeface="Times New Roman" panose="02020603050405020304" pitchFamily="18" charset="0"/>
+              </a:rPr>
+              <a:t>		{</a:t>
+            </a:r>
+            <a:br>
+              <a:rPr lang="en-US" sz="1400" dirty="0">
+                <a:latin typeface="Calibri" panose="020F0502020204030204" pitchFamily="34" charset="0"/>
+                <a:ea typeface="Calibri" panose="020F0502020204030204" pitchFamily="34" charset="0"/>
+                <a:cs typeface="Times New Roman" panose="02020603050405020304" pitchFamily="18" charset="0"/>
+              </a:rPr>
+            </a:br>
+            <a:r>
+              <a:rPr lang="en-US" sz="1400" dirty="0">
+                <a:latin typeface="Calibri" panose="020F0502020204030204" pitchFamily="34" charset="0"/>
+                <a:ea typeface="Calibri" panose="020F0502020204030204" pitchFamily="34" charset="0"/>
+                <a:cs typeface="Times New Roman" panose="02020603050405020304" pitchFamily="18" charset="0"/>
+              </a:rPr>
+              <a:t>			"pattern": "",</a:t>
+            </a:r>
+            <a:br>
+              <a:rPr lang="en-US" sz="1400" dirty="0">
+                <a:latin typeface="Calibri" panose="020F0502020204030204" pitchFamily="34" charset="0"/>
+                <a:ea typeface="Calibri" panose="020F0502020204030204" pitchFamily="34" charset="0"/>
+                <a:cs typeface="Times New Roman" panose="02020603050405020304" pitchFamily="18" charset="0"/>
+              </a:rPr>
+            </a:br>
+            <a:r>
+              <a:rPr lang="en-US" sz="1400" dirty="0">
+                <a:latin typeface="Calibri" panose="020F0502020204030204" pitchFamily="34" charset="0"/>
+                <a:ea typeface="Calibri" panose="020F0502020204030204" pitchFamily="34" charset="0"/>
+                <a:cs typeface="Times New Roman" panose="02020603050405020304" pitchFamily="18" charset="0"/>
+              </a:rPr>
+              <a:t>			"name": "Master",</a:t>
+            </a:r>
+            <a:br>
+              <a:rPr lang="en-US" sz="1400" dirty="0">
+                <a:latin typeface="Calibri" panose="020F0502020204030204" pitchFamily="34" charset="0"/>
+                <a:ea typeface="Calibri" panose="020F0502020204030204" pitchFamily="34" charset="0"/>
+                <a:cs typeface="Times New Roman" panose="02020603050405020304" pitchFamily="18" charset="0"/>
+              </a:rPr>
+            </a:br>
+            <a:r>
+              <a:rPr lang="en-US" sz="1400" dirty="0">
+                <a:latin typeface="Calibri" panose="020F0502020204030204" pitchFamily="34" charset="0"/>
+                <a:ea typeface="Calibri" panose="020F0502020204030204" pitchFamily="34" charset="0"/>
+                <a:cs typeface="Times New Roman" panose="02020603050405020304" pitchFamily="18" charset="0"/>
+              </a:rPr>
+              <a:t>			"target": "Master“</a:t>
+            </a:r>
+            <a:br>
+              <a:rPr lang="en-US" sz="1400" dirty="0">
+                <a:latin typeface="Calibri" panose="020F0502020204030204" pitchFamily="34" charset="0"/>
+                <a:ea typeface="Calibri" panose="020F0502020204030204" pitchFamily="34" charset="0"/>
+                <a:cs typeface="Times New Roman" panose="02020603050405020304" pitchFamily="18" charset="0"/>
+              </a:rPr>
+            </a:br>
+            <a:r>
+              <a:rPr lang="en-US" sz="1400" dirty="0">
+                <a:latin typeface="Calibri" panose="020F0502020204030204" pitchFamily="34" charset="0"/>
+                <a:ea typeface="Calibri" panose="020F0502020204030204" pitchFamily="34" charset="0"/>
+                <a:cs typeface="Times New Roman" panose="02020603050405020304" pitchFamily="18" charset="0"/>
+              </a:rPr>
+              <a:t>		}</a:t>
+            </a:r>
+            <a:br>
+              <a:rPr lang="en-US" sz="1400" dirty="0">
+                <a:latin typeface="Calibri" panose="020F0502020204030204" pitchFamily="34" charset="0"/>
+                <a:ea typeface="Calibri" panose="020F0502020204030204" pitchFamily="34" charset="0"/>
+                <a:cs typeface="Times New Roman" panose="02020603050405020304" pitchFamily="18" charset="0"/>
+              </a:rPr>
+            </a:br>
+            <a:r>
+              <a:rPr lang="en-US" sz="1400" dirty="0">
+                <a:latin typeface="Calibri" panose="020F0502020204030204" pitchFamily="34" charset="0"/>
+                <a:ea typeface="Calibri" panose="020F0502020204030204" pitchFamily="34" charset="0"/>
+                <a:cs typeface="Times New Roman" panose="02020603050405020304" pitchFamily="18" charset="0"/>
+              </a:rPr>
+              <a:t>	],</a:t>
+            </a:r>
+          </a:p>
+          <a:p>
+            <a:pPr>
+              <a:spcAft>
+                <a:spcPts val="800"/>
+              </a:spcAft>
+            </a:pPr>
+            <a:r>
+              <a:rPr lang="en-US" sz="1400" dirty="0">
+                <a:latin typeface="Calibri" panose="020F0502020204030204" pitchFamily="34" charset="0"/>
+                <a:ea typeface="Calibri" panose="020F0502020204030204" pitchFamily="34" charset="0"/>
+                <a:cs typeface="Times New Roman" panose="02020603050405020304" pitchFamily="18" charset="0"/>
+              </a:rPr>
+              <a:t>	"targets": {</a:t>
+            </a:r>
+            <a:br>
+              <a:rPr lang="en-US" sz="1400" dirty="0">
+                <a:latin typeface="Calibri" panose="020F0502020204030204" pitchFamily="34" charset="0"/>
+                <a:ea typeface="Calibri" panose="020F0502020204030204" pitchFamily="34" charset="0"/>
+                <a:cs typeface="Times New Roman" panose="02020603050405020304" pitchFamily="18" charset="0"/>
+              </a:rPr>
+            </a:br>
+            <a:r>
+              <a:rPr lang="en-US" sz="1400" dirty="0">
+                <a:latin typeface="Calibri" panose="020F0502020204030204" pitchFamily="34" charset="0"/>
+                <a:ea typeface="Calibri" panose="020F0502020204030204" pitchFamily="34" charset="0"/>
+                <a:cs typeface="Times New Roman" panose="02020603050405020304" pitchFamily="18" charset="0"/>
+              </a:rPr>
+              <a:t>		"Master": {</a:t>
+            </a:r>
+            <a:br>
+              <a:rPr lang="en-US" sz="1400" dirty="0">
+                <a:latin typeface="Calibri" panose="020F0502020204030204" pitchFamily="34" charset="0"/>
+                <a:ea typeface="Calibri" panose="020F0502020204030204" pitchFamily="34" charset="0"/>
+                <a:cs typeface="Times New Roman" panose="02020603050405020304" pitchFamily="18" charset="0"/>
+              </a:rPr>
+            </a:br>
+            <a:r>
+              <a:rPr lang="en-US" sz="1400" dirty="0">
+                <a:latin typeface="Calibri" panose="020F0502020204030204" pitchFamily="34" charset="0"/>
+                <a:ea typeface="Calibri" panose="020F0502020204030204" pitchFamily="34" charset="0"/>
+                <a:cs typeface="Times New Roman" panose="02020603050405020304" pitchFamily="18" charset="0"/>
+              </a:rPr>
+              <a:t>			"</a:t>
+            </a:r>
+            <a:r>
+              <a:rPr lang="en-US" sz="1400" dirty="0" err="1">
+                <a:latin typeface="Calibri" panose="020F0502020204030204" pitchFamily="34" charset="0"/>
+                <a:ea typeface="Calibri" panose="020F0502020204030204" pitchFamily="34" charset="0"/>
+                <a:cs typeface="Times New Roman" panose="02020603050405020304" pitchFamily="18" charset="0"/>
+              </a:rPr>
+              <a:t>viewName</a:t>
+            </a:r>
+            <a:r>
+              <a:rPr lang="en-US" sz="1400" dirty="0">
+                <a:latin typeface="Calibri" panose="020F0502020204030204" pitchFamily="34" charset="0"/>
+                <a:ea typeface="Calibri" panose="020F0502020204030204" pitchFamily="34" charset="0"/>
+                <a:cs typeface="Times New Roman" panose="02020603050405020304" pitchFamily="18" charset="0"/>
+              </a:rPr>
+              <a:t>": "Master“</a:t>
+            </a:r>
+            <a:br>
+              <a:rPr lang="en-US" sz="1400" dirty="0">
+                <a:latin typeface="Calibri" panose="020F0502020204030204" pitchFamily="34" charset="0"/>
+                <a:ea typeface="Calibri" panose="020F0502020204030204" pitchFamily="34" charset="0"/>
+                <a:cs typeface="Times New Roman" panose="02020603050405020304" pitchFamily="18" charset="0"/>
+              </a:rPr>
+            </a:br>
+            <a:r>
+              <a:rPr lang="en-US" sz="1400" dirty="0">
+                <a:latin typeface="Calibri" panose="020F0502020204030204" pitchFamily="34" charset="0"/>
+                <a:ea typeface="Calibri" panose="020F0502020204030204" pitchFamily="34" charset="0"/>
+                <a:cs typeface="Times New Roman" panose="02020603050405020304" pitchFamily="18" charset="0"/>
+              </a:rPr>
+              <a:t>		}</a:t>
+            </a:r>
+            <a:br>
+              <a:rPr lang="en-US" sz="1400" dirty="0">
+                <a:latin typeface="Calibri" panose="020F0502020204030204" pitchFamily="34" charset="0"/>
+                <a:ea typeface="Calibri" panose="020F0502020204030204" pitchFamily="34" charset="0"/>
+                <a:cs typeface="Times New Roman" panose="02020603050405020304" pitchFamily="18" charset="0"/>
+              </a:rPr>
+            </a:br>
+            <a:r>
+              <a:rPr lang="en-US" sz="1400" dirty="0">
+                <a:latin typeface="Calibri" panose="020F0502020204030204" pitchFamily="34" charset="0"/>
+                <a:ea typeface="Calibri" panose="020F0502020204030204" pitchFamily="34" charset="0"/>
+                <a:cs typeface="Times New Roman" panose="02020603050405020304" pitchFamily="18" charset="0"/>
+              </a:rPr>
+              <a:t>	}</a:t>
+            </a:r>
+            <a:r>
+              <a:rPr lang="en-US" sz="1400" dirty="0">
+                <a:latin typeface="Calibri" panose="020F0502020204030204" pitchFamily="34" charset="0"/>
+                <a:ea typeface="Calibri" panose="020F0502020204030204" pitchFamily="34" charset="0"/>
+                <a:cs typeface="Times New Roman" panose="02020603050405020304" pitchFamily="18" charset="0"/>
+              </a:rPr>
+              <a:t>		</a:t>
             </a:r>
           </a:p>
           <a:p>
@@ -14861,136 +15536,14 @@
               </a:spcAft>
             </a:pPr>
             <a:r>
-              <a:rPr lang="en-US" sz="1800" dirty="0">
+              <a:rPr lang="en-US" sz="1400" dirty="0">
                 <a:latin typeface="Calibri" panose="020F0502020204030204" pitchFamily="34" charset="0"/>
                 <a:ea typeface="Calibri" panose="020F0502020204030204" pitchFamily="34" charset="0"/>
                 <a:cs typeface="Times New Roman" panose="02020603050405020304" pitchFamily="18" charset="0"/>
               </a:rPr>
-              <a:t>  metadata: {</a:t>
-            </a:r>
-          </a:p>
-          <a:p>
-            <a:pPr>
-              <a:lnSpc>
-                <a:spcPct val="107000"/>
-              </a:lnSpc>
-              <a:spcAft>
-                <a:spcPts val="800"/>
-              </a:spcAft>
-            </a:pPr>
-            <a:r>
-              <a:rPr lang="en-US" sz="1800" dirty="0">
-                <a:latin typeface="Calibri" panose="020F0502020204030204" pitchFamily="34" charset="0"/>
-                <a:ea typeface="Calibri" panose="020F0502020204030204" pitchFamily="34" charset="0"/>
-                <a:cs typeface="Times New Roman" panose="02020603050405020304" pitchFamily="18" charset="0"/>
-              </a:rPr>
-              <a:t>  },</a:t>
-            </a:r>
-          </a:p>
-          <a:p>
-            <a:pPr>
-              <a:lnSpc>
-                <a:spcPct val="107000"/>
-              </a:lnSpc>
-              <a:spcAft>
-                <a:spcPts val="800"/>
-              </a:spcAft>
-            </a:pPr>
-            <a:r>
-              <a:rPr lang="en-US" sz="1800" dirty="0">
-                <a:latin typeface="Calibri" panose="020F0502020204030204" pitchFamily="34" charset="0"/>
-                <a:ea typeface="Calibri" panose="020F0502020204030204" pitchFamily="34" charset="0"/>
-                <a:cs typeface="Times New Roman" panose="02020603050405020304" pitchFamily="18" charset="0"/>
-              </a:rPr>
-              <a:t>  </a:t>
-            </a:r>
-            <a:r>
-              <a:rPr lang="en-US" sz="1800" dirty="0" err="1">
-                <a:latin typeface="Calibri" panose="020F0502020204030204" pitchFamily="34" charset="0"/>
-                <a:ea typeface="Calibri" panose="020F0502020204030204" pitchFamily="34" charset="0"/>
-                <a:cs typeface="Times New Roman" panose="02020603050405020304" pitchFamily="18" charset="0"/>
-              </a:rPr>
-              <a:t>init</a:t>
-            </a:r>
-            <a:r>
-              <a:rPr lang="en-US" sz="1800" dirty="0">
-                <a:latin typeface="Calibri" panose="020F0502020204030204" pitchFamily="34" charset="0"/>
-                <a:ea typeface="Calibri" panose="020F0502020204030204" pitchFamily="34" charset="0"/>
-                <a:cs typeface="Times New Roman" panose="02020603050405020304" pitchFamily="18" charset="0"/>
-              </a:rPr>
-              <a:t>: function() {   	</a:t>
-            </a:r>
-          </a:p>
-          <a:p>
-            <a:pPr>
-              <a:lnSpc>
-                <a:spcPct val="107000"/>
-              </a:lnSpc>
-              <a:spcAft>
-                <a:spcPts val="800"/>
-              </a:spcAft>
-            </a:pPr>
-            <a:r>
-              <a:rPr lang="en-US" sz="1800" dirty="0">
-                <a:latin typeface="Calibri" panose="020F0502020204030204" pitchFamily="34" charset="0"/>
-                <a:ea typeface="Calibri" panose="020F0502020204030204" pitchFamily="34" charset="0"/>
-                <a:cs typeface="Times New Roman" panose="02020603050405020304" pitchFamily="18" charset="0"/>
-              </a:rPr>
-              <a:t>    </a:t>
-            </a:r>
-            <a:r>
-              <a:rPr lang="en-US" sz="1800" dirty="0" err="1">
-                <a:latin typeface="Calibri" panose="020F0502020204030204" pitchFamily="34" charset="0"/>
-                <a:ea typeface="Calibri" panose="020F0502020204030204" pitchFamily="34" charset="0"/>
-                <a:cs typeface="Times New Roman" panose="02020603050405020304" pitchFamily="18" charset="0"/>
-              </a:rPr>
-              <a:t>this.getRouter</a:t>
-            </a:r>
-            <a:r>
-              <a:rPr lang="en-US" sz="1800" dirty="0">
-                <a:latin typeface="Calibri" panose="020F0502020204030204" pitchFamily="34" charset="0"/>
-                <a:ea typeface="Calibri" panose="020F0502020204030204" pitchFamily="34" charset="0"/>
-                <a:cs typeface="Times New Roman" panose="02020603050405020304" pitchFamily="18" charset="0"/>
-              </a:rPr>
-              <a:t>().initialize();</a:t>
-            </a:r>
-          </a:p>
-          <a:p>
-            <a:pPr>
-              <a:lnSpc>
-                <a:spcPct val="107000"/>
-              </a:lnSpc>
-              <a:spcAft>
-                <a:spcPts val="800"/>
-              </a:spcAft>
-            </a:pPr>
-            <a:r>
-              <a:rPr lang="en-US" sz="1800" dirty="0">
-                <a:latin typeface="Calibri" panose="020F0502020204030204" pitchFamily="34" charset="0"/>
-                <a:ea typeface="Calibri" panose="020F0502020204030204" pitchFamily="34" charset="0"/>
-                <a:cs typeface="Times New Roman" panose="02020603050405020304" pitchFamily="18" charset="0"/>
-              </a:rPr>
-              <a:t>}		</a:t>
-            </a:r>
-          </a:p>
-          <a:p>
-            <a:pPr>
-              <a:lnSpc>
-                <a:spcPct val="107000"/>
-              </a:lnSpc>
-              <a:spcAft>
-                <a:spcPts val="800"/>
-              </a:spcAft>
-            </a:pPr>
-            <a:r>
-              <a:rPr lang="en-US" sz="1800" dirty="0">
-                <a:latin typeface="Calibri" panose="020F0502020204030204" pitchFamily="34" charset="0"/>
-                <a:ea typeface="Calibri" panose="020F0502020204030204" pitchFamily="34" charset="0"/>
-                <a:cs typeface="Times New Roman" panose="02020603050405020304" pitchFamily="18" charset="0"/>
-              </a:rPr>
-              <a:t>		</a:t>
-            </a:r>
-            <a:endParaRPr lang="en-US" sz="1800" dirty="0"/>
+              <a:t>}	</a:t>
+            </a:r>
+            <a:endParaRPr lang="en-US" sz="1400" dirty="0"/>
           </a:p>
         </p:txBody>
       </p:sp>
@@ -15011,7 +15564,7 @@
           <a:p>
             <a:r>
               <a:rPr lang="en-US" dirty="0"/>
-              <a:t>Router Configuration in Component.js</a:t>
+              <a:t>Router Configuration in manifest.js</a:t>
             </a:r>
           </a:p>
         </p:txBody>
@@ -15024,8 +15577,8 @@
         </p:nvSpPr>
         <p:spPr>
           <a:xfrm>
-            <a:off x="205565" y="2463253"/>
-            <a:ext cx="2653553" cy="553998"/>
+            <a:off x="205565" y="1820418"/>
+            <a:ext cx="2653553" cy="830997"/>
           </a:xfrm>
           <a:prstGeom prst="rect">
             <a:avLst/>
@@ -15055,7 +15608,7 @@
                 <a:ea typeface="Arial Unicode MS" pitchFamily="34" charset="-128"/>
                 <a:cs typeface="Arial Unicode MS" pitchFamily="34" charset="-128"/>
               </a:rPr>
-              <a:t>Routes will be configured</a:t>
+              <a:t>Config section defines </a:t>
             </a:r>
             <a:br>
               <a:rPr lang="en-US" sz="1800" kern="0" dirty="0">
@@ -15068,7 +15621,20 @@
                 <a:ea typeface="Arial Unicode MS" pitchFamily="34" charset="-128"/>
                 <a:cs typeface="Arial Unicode MS" pitchFamily="34" charset="-128"/>
               </a:rPr>
-              <a:t>here</a:t>
+              <a:t>default values various</a:t>
+            </a:r>
+            <a:br>
+              <a:rPr lang="en-US" sz="1800" kern="0" dirty="0">
+                <a:ea typeface="Arial Unicode MS" pitchFamily="34" charset="-128"/>
+                <a:cs typeface="Arial Unicode MS" pitchFamily="34" charset="-128"/>
+              </a:rPr>
+            </a:br>
+            <a:r>
+              <a:rPr lang="en-US" sz="1800" kern="0" dirty="0">
+                <a:ea typeface="Arial Unicode MS" pitchFamily="34" charset="-128"/>
+                <a:cs typeface="Arial Unicode MS" pitchFamily="34" charset="-128"/>
+              </a:rPr>
+              <a:t>parameters</a:t>
             </a:r>
           </a:p>
         </p:txBody>
@@ -15081,8 +15647,8 @@
         </p:nvCxnSpPr>
         <p:spPr>
           <a:xfrm flipV="1">
-            <a:off x="2418951" y="2800671"/>
-            <a:ext cx="699247" cy="34964"/>
+            <a:off x="2702237" y="2002971"/>
+            <a:ext cx="1382083" cy="663973"/>
           </a:xfrm>
           <a:prstGeom prst="straightConnector1">
             <a:avLst/>
@@ -15117,8 +15683,8 @@
         </p:nvSpPr>
         <p:spPr>
           <a:xfrm>
-            <a:off x="159846" y="3321193"/>
-            <a:ext cx="2699272" cy="830997"/>
+            <a:off x="159846" y="3264351"/>
+            <a:ext cx="2699272" cy="1107996"/>
           </a:xfrm>
           <a:prstGeom prst="rect">
             <a:avLst/>
@@ -15148,7 +15714,7 @@
                 <a:ea typeface="Arial Unicode MS" pitchFamily="34" charset="-128"/>
                 <a:cs typeface="Arial Unicode MS" pitchFamily="34" charset="-128"/>
               </a:rPr>
-              <a:t>Router  library is </a:t>
+              <a:t>The routes define the URL, name of the route </a:t>
             </a:r>
             <a:br>
               <a:rPr lang="en-US" sz="1800" kern="0" dirty="0">
@@ -15161,7 +15727,20 @@
                 <a:ea typeface="Arial Unicode MS" pitchFamily="34" charset="-128"/>
                 <a:cs typeface="Arial Unicode MS" pitchFamily="34" charset="-128"/>
               </a:rPr>
-              <a:t>loaded in initialize function.</a:t>
+              <a:t>and the target in which to</a:t>
+            </a:r>
+            <a:br>
+              <a:rPr lang="en-US" sz="1800" kern="0" dirty="0">
+                <a:ea typeface="Arial Unicode MS" pitchFamily="34" charset="-128"/>
+                <a:cs typeface="Arial Unicode MS" pitchFamily="34" charset="-128"/>
+              </a:rPr>
+            </a:br>
+            <a:r>
+              <a:rPr lang="en-US" sz="1800" kern="0" dirty="0">
+                <a:ea typeface="Arial Unicode MS" pitchFamily="34" charset="-128"/>
+                <a:cs typeface="Arial Unicode MS" pitchFamily="34" charset="-128"/>
+              </a:rPr>
+              <a:t>load the view</a:t>
             </a:r>
           </a:p>
         </p:txBody>
@@ -15173,9 +15752,151 @@
           <p:nvPr/>
         </p:nvCxnSpPr>
         <p:spPr>
+          <a:xfrm flipV="1">
+            <a:off x="2702237" y="3574136"/>
+            <a:ext cx="1382083" cy="33078"/>
+          </a:xfrm>
+          <a:prstGeom prst="straightConnector1">
+            <a:avLst/>
+          </a:prstGeom>
+          <a:ln w="6350">
+            <a:solidFill>
+              <a:schemeClr val="tx1"/>
+            </a:solidFill>
+            <a:tailEnd type="triangle"/>
+          </a:ln>
+        </p:spPr>
+        <p:style>
+          <a:lnRef idx="1">
+            <a:schemeClr val="accent1"/>
+          </a:lnRef>
+          <a:fillRef idx="0">
+            <a:schemeClr val="accent1"/>
+          </a:fillRef>
+          <a:effectRef idx="0">
+            <a:schemeClr val="accent1"/>
+          </a:effectRef>
+          <a:fontRef idx="minor">
+            <a:schemeClr val="tx1"/>
+          </a:fontRef>
+        </p:style>
+      </p:cxnSp>
+      <p:sp>
+        <p:nvSpPr>
+          <p:cNvPr id="9" name="TextBox 8"/>
+          <p:cNvSpPr txBox="1"/>
+          <p:nvPr/>
+        </p:nvSpPr>
+        <p:spPr>
           <a:xfrm>
-            <a:off x="2132978" y="3555281"/>
-            <a:ext cx="1138518" cy="211135"/>
+            <a:off x="205565" y="4902926"/>
+            <a:ext cx="2551981" cy="830997"/>
+          </a:xfrm>
+          <a:prstGeom prst="rect">
+            <a:avLst/>
+          </a:prstGeom>
+          <a:noFill/>
+        </p:spPr>
+        <p:txBody>
+          <a:bodyPr wrap="none" lIns="0" tIns="0" rIns="0" bIns="0" rtlCol="0">
+            <a:spAutoFit/>
+          </a:bodyPr>
+          <a:lstStyle/>
+          <a:p>
+            <a:pPr fontAlgn="base">
+              <a:spcBef>
+                <a:spcPts val="600"/>
+              </a:spcBef>
+              <a:spcAft>
+                <a:spcPct val="0"/>
+              </a:spcAft>
+              <a:buClr>
+                <a:srgbClr val="F0AB00"/>
+              </a:buClr>
+              <a:buSzPct val="80000"/>
+            </a:pPr>
+            <a:r>
+              <a:rPr lang="en-US" sz="1800" kern="0" dirty="0">
+                <a:ea typeface="Arial Unicode MS" pitchFamily="34" charset="-128"/>
+                <a:cs typeface="Arial Unicode MS" pitchFamily="34" charset="-128"/>
+              </a:rPr>
+              <a:t>Targets define where the</a:t>
+            </a:r>
+            <a:br>
+              <a:rPr lang="en-US" sz="1800" kern="0" dirty="0">
+                <a:ea typeface="Arial Unicode MS" pitchFamily="34" charset="-128"/>
+                <a:cs typeface="Arial Unicode MS" pitchFamily="34" charset="-128"/>
+              </a:rPr>
+            </a:br>
+            <a:r>
+              <a:rPr lang="en-US" sz="1800" kern="0" dirty="0">
+                <a:ea typeface="Arial Unicode MS" pitchFamily="34" charset="-128"/>
+                <a:cs typeface="Arial Unicode MS" pitchFamily="34" charset="-128"/>
+              </a:rPr>
+              <a:t>view loads and the name</a:t>
+            </a:r>
+            <a:br>
+              <a:rPr lang="en-US" sz="1800" kern="0" dirty="0">
+                <a:ea typeface="Arial Unicode MS" pitchFamily="34" charset="-128"/>
+                <a:cs typeface="Arial Unicode MS" pitchFamily="34" charset="-128"/>
+              </a:rPr>
+            </a:br>
+            <a:r>
+              <a:rPr lang="en-US" sz="1800" kern="0" dirty="0">
+                <a:ea typeface="Arial Unicode MS" pitchFamily="34" charset="-128"/>
+                <a:cs typeface="Arial Unicode MS" pitchFamily="34" charset="-128"/>
+              </a:rPr>
+              <a:t>of the view file.</a:t>
+            </a:r>
+          </a:p>
+        </p:txBody>
+      </p:sp>
+      <p:cxnSp>
+        <p:nvCxnSpPr>
+          <p:cNvPr id="11" name="Straight Arrow Connector 10"/>
+          <p:cNvCxnSpPr/>
+          <p:nvPr/>
+        </p:nvCxnSpPr>
+        <p:spPr>
+          <a:xfrm flipV="1">
+            <a:off x="2656518" y="3574136"/>
+            <a:ext cx="1382083" cy="33078"/>
+          </a:xfrm>
+          <a:prstGeom prst="straightConnector1">
+            <a:avLst/>
+          </a:prstGeom>
+          <a:ln w="6350">
+            <a:solidFill>
+              <a:schemeClr val="tx1"/>
+            </a:solidFill>
+            <a:tailEnd type="triangle"/>
+          </a:ln>
+        </p:spPr>
+        <p:style>
+          <a:lnRef idx="1">
+            <a:schemeClr val="accent1"/>
+          </a:lnRef>
+          <a:fillRef idx="0">
+            <a:schemeClr val="accent1"/>
+          </a:fillRef>
+          <a:effectRef idx="0">
+            <a:schemeClr val="accent1"/>
+          </a:effectRef>
+          <a:fontRef idx="minor">
+            <a:schemeClr val="tx1"/>
+          </a:fontRef>
+        </p:style>
+      </p:cxnSp>
+      <p:cxnSp>
+        <p:nvCxnSpPr>
+          <p:cNvPr id="13" name="Straight Arrow Connector 12"/>
+          <p:cNvCxnSpPr/>
+          <p:nvPr/>
+        </p:nvCxnSpPr>
+        <p:spPr>
+          <a:xfrm flipV="1">
+            <a:off x="2803265" y="5315225"/>
+            <a:ext cx="1382083" cy="33078"/>
           </a:xfrm>
           <a:prstGeom prst="straightConnector1">
             <a:avLst/>
@@ -15249,7 +15970,7 @@
           <a:p>
             <a:r>
               <a:rPr lang="en-US" dirty="0"/>
-              <a:t>Configuring a Default Route</a:t>
+              <a:t>Config Section</a:t>
             </a:r>
           </a:p>
         </p:txBody>
@@ -15263,7 +15984,7 @@
         <p:spPr>
           <a:xfrm>
             <a:off x="5156649" y="1232076"/>
-            <a:ext cx="6506788" cy="5262979"/>
+            <a:ext cx="6506788" cy="1815882"/>
           </a:xfrm>
           <a:prstGeom prst="rect">
             <a:avLst/>
@@ -15281,214 +16002,200 @@
           <a:lstStyle/>
           <a:p>
             <a:r>
-              <a:rPr lang="en-US" sz="1600" dirty="0"/>
-              <a:t>metadata: {</a:t>
-            </a:r>
-          </a:p>
-          <a:p>
-            <a:r>
-              <a:rPr lang="en-US" sz="1600" dirty="0"/>
-              <a:t>	</a:t>
-            </a:r>
-            <a:r>
-              <a:rPr lang="en-US" sz="1600" dirty="0" err="1"/>
-              <a:t>rootView</a:t>
-            </a:r>
-            <a:r>
-              <a:rPr lang="en-US" sz="1600" dirty="0"/>
-              <a:t>: "</a:t>
-            </a:r>
-            <a:r>
-              <a:rPr lang="en-US" sz="1600" dirty="0" err="1"/>
-              <a:t>routing.view.App</a:t>
-            </a:r>
-            <a:r>
-              <a:rPr lang="en-US" sz="1600" dirty="0"/>
+              <a:rPr lang="en-US" sz="1600" dirty="0">
+                <a:latin typeface="Calibri" panose="020F0502020204030204" pitchFamily="34" charset="0"/>
+                <a:ea typeface="Calibri" panose="020F0502020204030204" pitchFamily="34" charset="0"/>
+                <a:cs typeface="Times New Roman" panose="02020603050405020304" pitchFamily="18" charset="0"/>
+              </a:rPr>
+              <a:t>	"config": {</a:t>
+            </a:r>
+            <a:br>
+              <a:rPr lang="en-US" sz="1600" dirty="0">
+                <a:latin typeface="Calibri" panose="020F0502020204030204" pitchFamily="34" charset="0"/>
+                <a:ea typeface="Calibri" panose="020F0502020204030204" pitchFamily="34" charset="0"/>
+                <a:cs typeface="Times New Roman" panose="02020603050405020304" pitchFamily="18" charset="0"/>
+              </a:rPr>
+            </a:br>
+            <a:r>
+              <a:rPr lang="en-US" sz="1600" dirty="0">
+                <a:latin typeface="Calibri" panose="020F0502020204030204" pitchFamily="34" charset="0"/>
+                <a:ea typeface="Calibri" panose="020F0502020204030204" pitchFamily="34" charset="0"/>
+                <a:cs typeface="Times New Roman" panose="02020603050405020304" pitchFamily="18" charset="0"/>
+              </a:rPr>
+              <a:t>		"</a:t>
+            </a:r>
+            <a:r>
+              <a:rPr lang="en-US" sz="1600" dirty="0" err="1">
+                <a:latin typeface="Calibri" panose="020F0502020204030204" pitchFamily="34" charset="0"/>
+                <a:ea typeface="Calibri" panose="020F0502020204030204" pitchFamily="34" charset="0"/>
+                <a:cs typeface="Times New Roman" panose="02020603050405020304" pitchFamily="18" charset="0"/>
+              </a:rPr>
+              <a:t>routerClass</a:t>
+            </a:r>
+            <a:r>
+              <a:rPr lang="en-US" sz="1600" dirty="0">
+                <a:latin typeface="Calibri" panose="020F0502020204030204" pitchFamily="34" charset="0"/>
+                <a:ea typeface="Calibri" panose="020F0502020204030204" pitchFamily="34" charset="0"/>
+                <a:cs typeface="Times New Roman" panose="02020603050405020304" pitchFamily="18" charset="0"/>
+              </a:rPr>
+              <a:t>": "</a:t>
+            </a:r>
+            <a:r>
+              <a:rPr lang="en-US" sz="1600" dirty="0" err="1">
+                <a:latin typeface="Calibri" panose="020F0502020204030204" pitchFamily="34" charset="0"/>
+                <a:ea typeface="Calibri" panose="020F0502020204030204" pitchFamily="34" charset="0"/>
+                <a:cs typeface="Times New Roman" panose="02020603050405020304" pitchFamily="18" charset="0"/>
+              </a:rPr>
+              <a:t>sap.m.routing.Router</a:t>
+            </a:r>
+            <a:r>
+              <a:rPr lang="en-US" sz="1600" dirty="0">
+                <a:latin typeface="Calibri" panose="020F0502020204030204" pitchFamily="34" charset="0"/>
+                <a:ea typeface="Calibri" panose="020F0502020204030204" pitchFamily="34" charset="0"/>
+                <a:cs typeface="Times New Roman" panose="02020603050405020304" pitchFamily="18" charset="0"/>
+              </a:rPr>
               <a:t>",</a:t>
             </a:r>
-          </a:p>
-          <a:p>
+            <a:br>
+              <a:rPr lang="en-US" sz="1600" dirty="0">
+                <a:latin typeface="Calibri" panose="020F0502020204030204" pitchFamily="34" charset="0"/>
+                <a:ea typeface="Calibri" panose="020F0502020204030204" pitchFamily="34" charset="0"/>
+                <a:cs typeface="Times New Roman" panose="02020603050405020304" pitchFamily="18" charset="0"/>
+              </a:rPr>
+            </a:br>
+            <a:r>
+              <a:rPr lang="en-US" sz="1600" dirty="0">
+                <a:latin typeface="Calibri" panose="020F0502020204030204" pitchFamily="34" charset="0"/>
+                <a:ea typeface="Calibri" panose="020F0502020204030204" pitchFamily="34" charset="0"/>
+                <a:cs typeface="Times New Roman" panose="02020603050405020304" pitchFamily="18" charset="0"/>
+              </a:rPr>
+              <a:t>		"</a:t>
+            </a:r>
+            <a:r>
+              <a:rPr lang="en-US" sz="1600" dirty="0" err="1">
+                <a:latin typeface="Calibri" panose="020F0502020204030204" pitchFamily="34" charset="0"/>
+                <a:ea typeface="Calibri" panose="020F0502020204030204" pitchFamily="34" charset="0"/>
+                <a:cs typeface="Times New Roman" panose="02020603050405020304" pitchFamily="18" charset="0"/>
+              </a:rPr>
+              <a:t>viewType</a:t>
+            </a:r>
+            <a:r>
+              <a:rPr lang="en-US" sz="1600" dirty="0">
+                <a:latin typeface="Calibri" panose="020F0502020204030204" pitchFamily="34" charset="0"/>
+                <a:ea typeface="Calibri" panose="020F0502020204030204" pitchFamily="34" charset="0"/>
+                <a:cs typeface="Times New Roman" panose="02020603050405020304" pitchFamily="18" charset="0"/>
+              </a:rPr>
+              <a:t>": "XML",</a:t>
+            </a:r>
+            <a:br>
+              <a:rPr lang="en-US" sz="1600" dirty="0">
+                <a:latin typeface="Calibri" panose="020F0502020204030204" pitchFamily="34" charset="0"/>
+                <a:ea typeface="Calibri" panose="020F0502020204030204" pitchFamily="34" charset="0"/>
+                <a:cs typeface="Times New Roman" panose="02020603050405020304" pitchFamily="18" charset="0"/>
+              </a:rPr>
+            </a:br>
+            <a:r>
+              <a:rPr lang="en-US" sz="1600" dirty="0">
+                <a:latin typeface="Calibri" panose="020F0502020204030204" pitchFamily="34" charset="0"/>
+                <a:ea typeface="Calibri" panose="020F0502020204030204" pitchFamily="34" charset="0"/>
+                <a:cs typeface="Times New Roman" panose="02020603050405020304" pitchFamily="18" charset="0"/>
+              </a:rPr>
+              <a:t>		"</a:t>
+            </a:r>
+            <a:r>
+              <a:rPr lang="en-US" sz="1600" dirty="0" err="1">
+                <a:latin typeface="Calibri" panose="020F0502020204030204" pitchFamily="34" charset="0"/>
+                <a:ea typeface="Calibri" panose="020F0502020204030204" pitchFamily="34" charset="0"/>
+                <a:cs typeface="Times New Roman" panose="02020603050405020304" pitchFamily="18" charset="0"/>
+              </a:rPr>
+              <a:t>viewPath</a:t>
+            </a:r>
+            <a:r>
+              <a:rPr lang="en-US" sz="1600" dirty="0">
+                <a:latin typeface="Calibri" panose="020F0502020204030204" pitchFamily="34" charset="0"/>
+                <a:ea typeface="Calibri" panose="020F0502020204030204" pitchFamily="34" charset="0"/>
+                <a:cs typeface="Times New Roman" panose="02020603050405020304" pitchFamily="18" charset="0"/>
+              </a:rPr>
+              <a:t>": "ui5.view",</a:t>
+            </a:r>
+            <a:br>
+              <a:rPr lang="en-US" sz="1600" dirty="0">
+                <a:latin typeface="Calibri" panose="020F0502020204030204" pitchFamily="34" charset="0"/>
+                <a:ea typeface="Calibri" panose="020F0502020204030204" pitchFamily="34" charset="0"/>
+                <a:cs typeface="Times New Roman" panose="02020603050405020304" pitchFamily="18" charset="0"/>
+              </a:rPr>
+            </a:br>
+            <a:r>
+              <a:rPr lang="en-US" sz="1600" dirty="0">
+                <a:latin typeface="Calibri" panose="020F0502020204030204" pitchFamily="34" charset="0"/>
+                <a:ea typeface="Calibri" panose="020F0502020204030204" pitchFamily="34" charset="0"/>
+                <a:cs typeface="Times New Roman" panose="02020603050405020304" pitchFamily="18" charset="0"/>
+              </a:rPr>
+              <a:t>		"</a:t>
+            </a:r>
+            <a:r>
+              <a:rPr lang="en-US" sz="1600" dirty="0" err="1">
+                <a:latin typeface="Calibri" panose="020F0502020204030204" pitchFamily="34" charset="0"/>
+                <a:ea typeface="Calibri" panose="020F0502020204030204" pitchFamily="34" charset="0"/>
+                <a:cs typeface="Times New Roman" panose="02020603050405020304" pitchFamily="18" charset="0"/>
+              </a:rPr>
+              <a:t>controlId</a:t>
+            </a:r>
+            <a:r>
+              <a:rPr lang="en-US" sz="1600" dirty="0">
+                <a:latin typeface="Calibri" panose="020F0502020204030204" pitchFamily="34" charset="0"/>
+                <a:ea typeface="Calibri" panose="020F0502020204030204" pitchFamily="34" charset="0"/>
+                <a:cs typeface="Times New Roman" panose="02020603050405020304" pitchFamily="18" charset="0"/>
+              </a:rPr>
+              <a:t>": "app",</a:t>
+            </a:r>
+            <a:br>
+              <a:rPr lang="en-US" sz="1600" dirty="0">
+                <a:latin typeface="Calibri" panose="020F0502020204030204" pitchFamily="34" charset="0"/>
+                <a:ea typeface="Calibri" panose="020F0502020204030204" pitchFamily="34" charset="0"/>
+                <a:cs typeface="Times New Roman" panose="02020603050405020304" pitchFamily="18" charset="0"/>
+              </a:rPr>
+            </a:br>
+            <a:r>
+              <a:rPr lang="en-US" sz="1600" dirty="0">
+                <a:latin typeface="Calibri" panose="020F0502020204030204" pitchFamily="34" charset="0"/>
+                <a:ea typeface="Calibri" panose="020F0502020204030204" pitchFamily="34" charset="0"/>
+                <a:cs typeface="Times New Roman" panose="02020603050405020304" pitchFamily="18" charset="0"/>
+              </a:rPr>
+              <a:t>		"</a:t>
+            </a:r>
+            <a:r>
+              <a:rPr lang="en-US" sz="1600" dirty="0" err="1">
+                <a:latin typeface="Calibri" panose="020F0502020204030204" pitchFamily="34" charset="0"/>
+                <a:ea typeface="Calibri" panose="020F0502020204030204" pitchFamily="34" charset="0"/>
+                <a:cs typeface="Times New Roman" panose="02020603050405020304" pitchFamily="18" charset="0"/>
+              </a:rPr>
+              <a:t>controlAggregation</a:t>
+            </a:r>
+            <a:r>
+              <a:rPr lang="en-US" sz="1600" dirty="0">
+                <a:latin typeface="Calibri" panose="020F0502020204030204" pitchFamily="34" charset="0"/>
+                <a:ea typeface="Calibri" panose="020F0502020204030204" pitchFamily="34" charset="0"/>
+                <a:cs typeface="Times New Roman" panose="02020603050405020304" pitchFamily="18" charset="0"/>
+              </a:rPr>
+              <a:t>": "pages“</a:t>
+            </a:r>
+            <a:br>
+              <a:rPr lang="en-US" sz="1600" dirty="0">
+                <a:latin typeface="Calibri" panose="020F0502020204030204" pitchFamily="34" charset="0"/>
+                <a:ea typeface="Calibri" panose="020F0502020204030204" pitchFamily="34" charset="0"/>
+                <a:cs typeface="Times New Roman" panose="02020603050405020304" pitchFamily="18" charset="0"/>
+              </a:rPr>
+            </a:br>
+            <a:r>
+              <a:rPr lang="en-US" sz="1600" dirty="0">
+                <a:latin typeface="Calibri" panose="020F0502020204030204" pitchFamily="34" charset="0"/>
+                <a:ea typeface="Calibri" panose="020F0502020204030204" pitchFamily="34" charset="0"/>
+                <a:cs typeface="Times New Roman" panose="02020603050405020304" pitchFamily="18" charset="0"/>
+              </a:rPr>
+              <a:t>	},</a:t>
+            </a:r>
             <a:endParaRPr lang="en-US" sz="1600" dirty="0"/>
-          </a:p>
-          <a:p>
-            <a:r>
-              <a:rPr lang="en-US" sz="1600" dirty="0"/>
-              <a:t>	routing: {</a:t>
-            </a:r>
-          </a:p>
-          <a:p>
-            <a:r>
-              <a:rPr lang="en-US" sz="1600" dirty="0"/>
-              <a:t>	    </a:t>
-            </a:r>
-            <a:r>
-              <a:rPr lang="en-US" sz="1600" dirty="0" err="1"/>
-              <a:t>config</a:t>
-            </a:r>
-            <a:r>
-              <a:rPr lang="en-US" sz="1600" dirty="0"/>
-              <a:t>: {</a:t>
-            </a:r>
-          </a:p>
-          <a:p>
-            <a:r>
-              <a:rPr lang="en-US" sz="1600" dirty="0"/>
-              <a:t>		</a:t>
-            </a:r>
-            <a:r>
-              <a:rPr lang="en-US" sz="1600" dirty="0" err="1"/>
-              <a:t>viewType</a:t>
-            </a:r>
-            <a:r>
-              <a:rPr lang="en-US" sz="1600" dirty="0"/>
-              <a:t>: "XML",</a:t>
-            </a:r>
-          </a:p>
-          <a:p>
-            <a:r>
-              <a:rPr lang="en-US" sz="1600" dirty="0"/>
-              <a:t>		</a:t>
-            </a:r>
-            <a:r>
-              <a:rPr lang="en-US" sz="1600" dirty="0" err="1"/>
-              <a:t>viewPath</a:t>
-            </a:r>
-            <a:r>
-              <a:rPr lang="en-US" sz="1600" dirty="0"/>
-              <a:t>: "</a:t>
-            </a:r>
-            <a:r>
-              <a:rPr lang="en-US" sz="1600" dirty="0" err="1"/>
-              <a:t>routing.view</a:t>
-            </a:r>
-            <a:r>
-              <a:rPr lang="en-US" sz="1600" dirty="0"/>
-              <a:t>",</a:t>
-            </a:r>
-          </a:p>
-          <a:p>
-            <a:r>
-              <a:rPr lang="en-US" sz="1600" dirty="0"/>
-              <a:t>		transition: "slide",</a:t>
-            </a:r>
-          </a:p>
-          <a:p>
-            <a:r>
-              <a:rPr lang="en-US" sz="1600" dirty="0"/>
-              <a:t>		</a:t>
-            </a:r>
-            <a:r>
-              <a:rPr lang="en-US" sz="1600" dirty="0" err="1"/>
-              <a:t>clearTarget</a:t>
-            </a:r>
-            <a:r>
-              <a:rPr lang="en-US" sz="1600" dirty="0"/>
-              <a:t>: true,</a:t>
-            </a:r>
-          </a:p>
-          <a:p>
-            <a:r>
-              <a:rPr lang="en-US" sz="1600" dirty="0"/>
-              <a:t>		</a:t>
-            </a:r>
-            <a:r>
-              <a:rPr lang="en-US" sz="1600" dirty="0" err="1"/>
-              <a:t>targetControl</a:t>
-            </a:r>
-            <a:r>
-              <a:rPr lang="en-US" sz="1600" dirty="0"/>
-              <a:t>: "</a:t>
-            </a:r>
-            <a:r>
-              <a:rPr lang="en-US" sz="1600" dirty="0" err="1"/>
-              <a:t>idAppControl</a:t>
-            </a:r>
-            <a:r>
-              <a:rPr lang="en-US" sz="1600" dirty="0"/>
-              <a:t>"</a:t>
-            </a:r>
-          </a:p>
-          <a:p>
-            <a:r>
-              <a:rPr lang="en-US" sz="1600" dirty="0"/>
-              <a:t>	    },</a:t>
-            </a:r>
-          </a:p>
-          <a:p>
-            <a:r>
-              <a:rPr lang="en-US" sz="1600" dirty="0"/>
-              <a:t>                	    routes: [      </a:t>
-            </a:r>
-          </a:p>
-          <a:p>
-            <a:r>
-              <a:rPr lang="en-US" sz="1600" dirty="0"/>
-              <a:t>          	   	{</a:t>
-            </a:r>
-          </a:p>
-          <a:p>
-            <a:r>
-              <a:rPr lang="en-US" sz="1600" dirty="0"/>
-              <a:t>                		   pattern: "",</a:t>
-            </a:r>
-          </a:p>
-          <a:p>
-            <a:r>
-              <a:rPr lang="en-US" sz="1600" dirty="0"/>
-              <a:t>                		   name: "Master",</a:t>
-            </a:r>
-          </a:p>
-          <a:p>
-            <a:r>
-              <a:rPr lang="en-US" sz="1600" dirty="0"/>
-              <a:t>                		   view: "Master",</a:t>
-            </a:r>
-          </a:p>
-          <a:p>
-            <a:r>
-              <a:rPr lang="en-US" sz="1600" dirty="0"/>
-              <a:t>                		   </a:t>
-            </a:r>
-            <a:r>
-              <a:rPr lang="en-US" sz="1600" dirty="0" err="1"/>
-              <a:t>targetAggregation</a:t>
-            </a:r>
-            <a:r>
-              <a:rPr lang="en-US" sz="1600" dirty="0"/>
-              <a:t>: "</a:t>
-            </a:r>
-            <a:r>
-              <a:rPr lang="en-US" sz="1600" dirty="0" err="1"/>
-              <a:t>masterPages</a:t>
-            </a:r>
-            <a:r>
-              <a:rPr lang="en-US" sz="1600" dirty="0"/>
-              <a:t>"</a:t>
-            </a:r>
-          </a:p>
-          <a:p>
-            <a:r>
-              <a:rPr lang="en-US" sz="1600" dirty="0"/>
-              <a:t>                                        }</a:t>
-            </a:r>
-          </a:p>
-          <a:p>
-            <a:r>
-              <a:rPr lang="en-US" sz="1600" dirty="0"/>
-              <a:t>	    ]</a:t>
-            </a:r>
-          </a:p>
-          <a:p>
-            <a:r>
-              <a:rPr lang="en-US" sz="1600" dirty="0"/>
-              <a:t>      }</a:t>
-            </a:r>
-          </a:p>
-          <a:p>
-            <a:r>
-              <a:rPr lang="en-US" sz="1600" dirty="0"/>
-              <a:t>}</a:t>
-            </a:r>
           </a:p>
         </p:txBody>
       </p:sp>
@@ -15501,7 +16208,7 @@
         <p:spPr>
           <a:xfrm>
             <a:off x="421341" y="1721224"/>
-            <a:ext cx="4598894" cy="4139595"/>
+            <a:ext cx="4598894" cy="4062651"/>
           </a:xfrm>
           <a:prstGeom prst="rect">
             <a:avLst/>
@@ -15628,21 +16335,7 @@
                 <a:ea typeface="Arial Unicode MS" pitchFamily="34" charset="-128"/>
                 <a:cs typeface="Arial Unicode MS" pitchFamily="34" charset="-128"/>
               </a:rPr>
-              <a:t>: location of view files.  The </a:t>
-            </a:r>
-            <a:r>
-              <a:rPr lang="en-US" sz="1800" kern="0" dirty="0" err="1">
-                <a:ea typeface="Arial Unicode MS" pitchFamily="34" charset="-128"/>
-                <a:cs typeface="Arial Unicode MS" pitchFamily="34" charset="-128"/>
-              </a:rPr>
-              <a:t>gbi</a:t>
-            </a:r>
-            <a:r>
-              <a:rPr lang="en-US" sz="1800" kern="0" dirty="0">
-                <a:ea typeface="Arial Unicode MS" pitchFamily="34" charset="-128"/>
-                <a:cs typeface="Arial Unicode MS" pitchFamily="34" charset="-128"/>
-              </a:rPr>
-              <a:t> in</a:t>
+              <a:t>: location of view files.  The ui5 in</a:t>
             </a:r>
           </a:p>
           <a:p>
@@ -15731,7 +16424,7 @@
                 <a:ea typeface="Arial Unicode MS" pitchFamily="34" charset="-128"/>
                 <a:cs typeface="Arial Unicode MS" pitchFamily="34" charset="-128"/>
               </a:rPr>
-              <a:t>targetControl</a:t>
+              <a:t>controlId</a:t>
             </a:r>
             <a:r>
               <a:rPr lang="en-US" sz="1800" kern="0" dirty="0">
@@ -15779,14 +16472,14 @@
                 <a:ea typeface="Arial Unicode MS" pitchFamily="34" charset="-128"/>
                 <a:cs typeface="Arial Unicode MS" pitchFamily="34" charset="-128"/>
               </a:rPr>
-              <a:t>clearTarget</a:t>
+              <a:t>controlAggregation</a:t>
             </a:r>
             <a:r>
               <a:rPr lang="en-US" sz="1800" kern="0" dirty="0">
                 <a:ea typeface="Arial Unicode MS" pitchFamily="34" charset="-128"/>
                 <a:cs typeface="Arial Unicode MS" pitchFamily="34" charset="-128"/>
               </a:rPr>
-              <a:t>: should the aggregation be</a:t>
+              <a:t>: The aggregation on</a:t>
             </a:r>
             <a:br>
               <a:rPr lang="en-US" sz="1800" kern="0" dirty="0">
@@ -15799,64 +16492,53 @@
                 <a:ea typeface="Arial Unicode MS" pitchFamily="34" charset="-128"/>
                 <a:cs typeface="Arial Unicode MS" pitchFamily="34" charset="-128"/>
               </a:rPr>
-              <a:t>   cleared before navigation. More on this</a:t>
-            </a:r>
-          </a:p>
-          <a:p>
-            <a:pPr fontAlgn="base">
-              <a:spcBef>
-                <a:spcPts val="600"/>
-              </a:spcBef>
-              <a:spcAft>
-                <a:spcPct val="0"/>
-              </a:spcAft>
-              <a:buClr>
-                <a:srgbClr val="F0AB00"/>
-              </a:buClr>
-              <a:buSzPct val="80000"/>
-            </a:pPr>
+              <a:t>    the </a:t>
+            </a:r>
+            <a:r>
+              <a:rPr lang="en-US" sz="1800" kern="0" dirty="0" err="1">
+                <a:ea typeface="Arial Unicode MS" pitchFamily="34" charset="-128"/>
+                <a:cs typeface="Arial Unicode MS" pitchFamily="34" charset="-128"/>
+              </a:rPr>
+              <a:t>controlId</a:t>
+            </a:r>
             <a:r>
               <a:rPr lang="en-US" sz="1800" kern="0" dirty="0">
                 <a:ea typeface="Arial Unicode MS" pitchFamily="34" charset="-128"/>
                 <a:cs typeface="Arial Unicode MS" pitchFamily="34" charset="-128"/>
               </a:rPr>
-              <a:t>   later.</a:t>
-            </a:r>
-          </a:p>
-          <a:p>
-            <a:pPr fontAlgn="base">
-              <a:spcBef>
-                <a:spcPts val="600"/>
-              </a:spcBef>
-              <a:spcAft>
-                <a:spcPct val="0"/>
-              </a:spcAft>
-              <a:buClr>
-                <a:srgbClr val="F0AB00"/>
-              </a:buClr>
-              <a:buSzPct val="80000"/>
-            </a:pPr>
-            <a:r>
+              <a:t> app in which to load views</a:t>
+            </a:r>
+            <a:br>
               <a:rPr lang="en-US" sz="1800" kern="0" dirty="0">
                 <a:ea typeface="Arial Unicode MS" pitchFamily="34" charset="-128"/>
                 <a:cs typeface="Arial Unicode MS" pitchFamily="34" charset="-128"/>
               </a:rPr>
-              <a:t>  </a:t>
-            </a:r>
-            <a:r>
-              <a:rPr lang="en-US" sz="1800" b="1" kern="0" dirty="0">
-                <a:ea typeface="Arial Unicode MS" pitchFamily="34" charset="-128"/>
-                <a:cs typeface="Arial Unicode MS" pitchFamily="34" charset="-128"/>
-              </a:rPr>
-              <a:t>transition</a:t>
-            </a:r>
+            </a:br>
             <a:r>
               <a:rPr lang="en-US" sz="1800" kern="0" dirty="0">
                 <a:ea typeface="Arial Unicode MS" pitchFamily="34" charset="-128"/>
                 <a:cs typeface="Arial Unicode MS" pitchFamily="34" charset="-128"/>
               </a:rPr>
-              <a:t>: the type of visual transition.</a:t>
-            </a:r>
+              <a:t>    by default.</a:t>
+            </a:r>
+          </a:p>
+          <a:p>
+            <a:pPr fontAlgn="base">
+              <a:spcBef>
+                <a:spcPts val="600"/>
+              </a:spcBef>
+              <a:spcAft>
+                <a:spcPct val="0"/>
+              </a:spcAft>
+              <a:buClr>
+                <a:srgbClr val="F0AB00"/>
+              </a:buClr>
+              <a:buSzPct val="80000"/>
+            </a:pPr>
+            <a:endParaRPr lang="en-US" sz="1800" b="1" kern="0" dirty="0">
+              <a:ea typeface="Arial Unicode MS" pitchFamily="34" charset="-128"/>
+              <a:cs typeface="Arial Unicode MS" pitchFamily="34" charset="-128"/>
+            </a:endParaRPr>
           </a:p>
         </p:txBody>
       </p:sp>
@@ -15942,682 +16624,8 @@
           <a:lstStyle/>
           <a:p>
             <a:r>
-              <a:rPr lang="en-US" dirty="0"/>
-              <a:t>Configuring a Default Route</a:t>
-            </a:r>
-          </a:p>
-        </p:txBody>
-      </p:sp>
-      <p:sp>
-        <p:nvSpPr>
-          <p:cNvPr id="3" name="Rectangle 2"/>
-          <p:cNvSpPr/>
-          <p:nvPr/>
-        </p:nvSpPr>
-        <p:spPr>
-          <a:xfrm>
-            <a:off x="5120436" y="1467466"/>
-            <a:ext cx="6506788" cy="5262979"/>
-          </a:xfrm>
-          <a:prstGeom prst="rect">
-            <a:avLst/>
-          </a:prstGeom>
-          <a:ln>
-            <a:solidFill>
-              <a:schemeClr val="tx1"/>
-            </a:solidFill>
-          </a:ln>
-        </p:spPr>
-        <p:txBody>
-          <a:bodyPr wrap="square">
-            <a:spAutoFit/>
-          </a:bodyPr>
-          <a:lstStyle/>
-          <a:p>
-            <a:r>
-              <a:rPr lang="en-US" sz="1600" dirty="0"/>
-              <a:t>metadata: {</a:t>
-            </a:r>
-          </a:p>
-          <a:p>
-            <a:r>
-              <a:rPr lang="en-US" sz="1600" dirty="0"/>
-              <a:t>	</a:t>
-            </a:r>
-            <a:r>
-              <a:rPr lang="en-US" sz="1600" dirty="0" err="1"/>
-              <a:t>rootView</a:t>
-            </a:r>
-            <a:r>
-              <a:rPr lang="en-US" sz="1600" dirty="0"/>
-              <a:t>: "</a:t>
-            </a:r>
-            <a:r>
-              <a:rPr lang="en-US" sz="1600" dirty="0" err="1"/>
-              <a:t>routing.view.App</a:t>
-            </a:r>
-            <a:r>
-              <a:rPr lang="en-US" sz="1600" dirty="0"/>
-              <a:t>",</a:t>
-            </a:r>
-          </a:p>
-          <a:p>
-            <a:endParaRPr lang="en-US" sz="1600" dirty="0"/>
-          </a:p>
-          <a:p>
-            <a:r>
-              <a:rPr lang="en-US" sz="1600" dirty="0"/>
-              <a:t>	routing: {</a:t>
-            </a:r>
-          </a:p>
-          <a:p>
-            <a:r>
-              <a:rPr lang="en-US" sz="1600" dirty="0"/>
-              <a:t>	    </a:t>
-            </a:r>
-            <a:r>
-              <a:rPr lang="en-US" sz="1600" dirty="0" err="1"/>
-              <a:t>config</a:t>
-            </a:r>
-            <a:r>
-              <a:rPr lang="en-US" sz="1600" dirty="0"/>
-              <a:t>: {</a:t>
-            </a:r>
-          </a:p>
-          <a:p>
-            <a:r>
-              <a:rPr lang="en-US" sz="1600" dirty="0"/>
-              <a:t>		</a:t>
-            </a:r>
-            <a:r>
-              <a:rPr lang="en-US" sz="1600" dirty="0" err="1"/>
-              <a:t>viewType</a:t>
-            </a:r>
-            <a:r>
-              <a:rPr lang="en-US" sz="1600" dirty="0"/>
-              <a:t>: "XML",</a:t>
-            </a:r>
-          </a:p>
-          <a:p>
-            <a:r>
-              <a:rPr lang="en-US" sz="1600" dirty="0"/>
-              <a:t>		</a:t>
-            </a:r>
-            <a:r>
-              <a:rPr lang="en-US" sz="1600" dirty="0" err="1"/>
-              <a:t>viewPath</a:t>
-            </a:r>
-            <a:r>
-              <a:rPr lang="en-US" sz="1600" dirty="0"/>
-              <a:t>: "</a:t>
-            </a:r>
-            <a:r>
-              <a:rPr lang="en-US" sz="1600" dirty="0" err="1"/>
-              <a:t>routing.view</a:t>
-            </a:r>
-            <a:r>
-              <a:rPr lang="en-US" sz="1600" dirty="0"/>
-              <a:t>",</a:t>
-            </a:r>
-          </a:p>
-          <a:p>
-            <a:r>
-              <a:rPr lang="en-US" sz="1600" dirty="0"/>
-              <a:t>		transition: "slide",</a:t>
-            </a:r>
-          </a:p>
-          <a:p>
-            <a:r>
-              <a:rPr lang="en-US" sz="1600" dirty="0"/>
-              <a:t>		</a:t>
-            </a:r>
-            <a:r>
-              <a:rPr lang="en-US" sz="1600" dirty="0" err="1"/>
-              <a:t>clearTarget</a:t>
-            </a:r>
-            <a:r>
-              <a:rPr lang="en-US" sz="1600" dirty="0"/>
-              <a:t>: true,</a:t>
-            </a:r>
-          </a:p>
-          <a:p>
-            <a:r>
-              <a:rPr lang="en-US" sz="1600" dirty="0"/>
-              <a:t>		</a:t>
-            </a:r>
-            <a:r>
-              <a:rPr lang="en-US" sz="1600" dirty="0" err="1"/>
-              <a:t>targetControl</a:t>
-            </a:r>
-            <a:r>
-              <a:rPr lang="en-US" sz="1600" dirty="0"/>
-              <a:t>: "</a:t>
-            </a:r>
-            <a:r>
-              <a:rPr lang="en-US" sz="1600" dirty="0" err="1"/>
-              <a:t>idAppControl</a:t>
-            </a:r>
-            <a:r>
-              <a:rPr lang="en-US" sz="1600" dirty="0"/>
-              <a:t>"</a:t>
-            </a:r>
-          </a:p>
-          <a:p>
-            <a:r>
-              <a:rPr lang="en-US" sz="1600" dirty="0"/>
-              <a:t>	    },</a:t>
-            </a:r>
-          </a:p>
-          <a:p>
-            <a:r>
-              <a:rPr lang="en-US" sz="1600" dirty="0"/>
-              <a:t>                	    routes: [      </a:t>
-            </a:r>
-          </a:p>
-          <a:p>
-            <a:r>
-              <a:rPr lang="en-US" sz="1600" dirty="0"/>
-              <a:t>          	   	{</a:t>
-            </a:r>
-          </a:p>
-          <a:p>
-            <a:r>
-              <a:rPr lang="en-US" sz="1600" dirty="0"/>
-              <a:t>                		   pattern: "",</a:t>
-            </a:r>
-          </a:p>
-          <a:p>
-            <a:r>
-              <a:rPr lang="en-US" sz="1600" dirty="0"/>
-              <a:t>                		   name: "Master",</a:t>
-            </a:r>
-          </a:p>
-          <a:p>
-            <a:r>
-              <a:rPr lang="en-US" sz="1600" dirty="0"/>
-              <a:t>                		   view: "Master",</a:t>
-            </a:r>
-          </a:p>
-          <a:p>
-            <a:r>
-              <a:rPr lang="en-US" sz="1600" dirty="0"/>
-              <a:t>                		   </a:t>
-            </a:r>
-            <a:r>
-              <a:rPr lang="en-US" sz="1600" dirty="0" err="1"/>
-              <a:t>targetAggregation</a:t>
-            </a:r>
-            <a:r>
-              <a:rPr lang="en-US" sz="1600" dirty="0"/>
-              <a:t>: "</a:t>
-            </a:r>
-            <a:r>
-              <a:rPr lang="en-US" sz="1600" dirty="0" err="1"/>
-              <a:t>masterPages</a:t>
-            </a:r>
-            <a:r>
-              <a:rPr lang="en-US" sz="1600" dirty="0"/>
-              <a:t>"</a:t>
-            </a:r>
-          </a:p>
-          <a:p>
-            <a:r>
-              <a:rPr lang="en-US" sz="1600" dirty="0"/>
-              <a:t>                                        }</a:t>
-            </a:r>
-          </a:p>
-          <a:p>
-            <a:r>
-              <a:rPr lang="en-US" sz="1600" dirty="0"/>
-              <a:t>	    ]</a:t>
-            </a:r>
-          </a:p>
-          <a:p>
-            <a:r>
-              <a:rPr lang="en-US" sz="1600" dirty="0"/>
-              <a:t>      }</a:t>
-            </a:r>
-          </a:p>
-          <a:p>
-            <a:r>
-              <a:rPr lang="en-US" sz="1600" dirty="0"/>
-              <a:t>}</a:t>
-            </a:r>
-          </a:p>
-        </p:txBody>
-      </p:sp>
-      <p:sp>
-        <p:nvSpPr>
-          <p:cNvPr id="4" name="TextBox 3"/>
-          <p:cNvSpPr txBox="1"/>
-          <p:nvPr/>
-        </p:nvSpPr>
-        <p:spPr>
-          <a:xfrm>
-            <a:off x="403463" y="1572511"/>
-            <a:ext cx="4598894" cy="3431709"/>
-          </a:xfrm>
-          <a:prstGeom prst="rect">
-            <a:avLst/>
-          </a:prstGeom>
-          <a:noFill/>
-        </p:spPr>
-        <p:txBody>
-          <a:bodyPr wrap="square" lIns="0" tIns="0" rIns="0" bIns="0" rtlCol="0">
-            <a:spAutoFit/>
-          </a:bodyPr>
-          <a:lstStyle/>
-          <a:p>
-            <a:pPr fontAlgn="base">
-              <a:spcBef>
-                <a:spcPts val="600"/>
-              </a:spcBef>
-              <a:spcAft>
-                <a:spcPct val="0"/>
-              </a:spcAft>
-              <a:buClr>
-                <a:srgbClr val="F0AB00"/>
-              </a:buClr>
-              <a:buSzPct val="80000"/>
-            </a:pPr>
-            <a:r>
-              <a:rPr lang="en-US" sz="1800" kern="0" dirty="0">
-                <a:ea typeface="Arial Unicode MS" pitchFamily="34" charset="-128"/>
-                <a:cs typeface="Arial Unicode MS" pitchFamily="34" charset="-128"/>
-              </a:rPr>
-              <a:t>The routes array includes the routes.  The</a:t>
-            </a:r>
-            <a:br>
-              <a:rPr lang="en-US" sz="1800" kern="0" dirty="0">
-                <a:ea typeface="Arial Unicode MS" pitchFamily="34" charset="-128"/>
-                <a:cs typeface="Arial Unicode MS" pitchFamily="34" charset="-128"/>
-              </a:rPr>
-            </a:br>
-            <a:r>
-              <a:rPr lang="en-US" sz="1800" kern="0" dirty="0">
-                <a:ea typeface="Arial Unicode MS" pitchFamily="34" charset="-128"/>
-                <a:cs typeface="Arial Unicode MS" pitchFamily="34" charset="-128"/>
-              </a:rPr>
-              <a:t>properties of a route are:</a:t>
-            </a:r>
-          </a:p>
-          <a:p>
-            <a:pPr fontAlgn="base">
-              <a:spcBef>
-                <a:spcPts val="600"/>
-              </a:spcBef>
-              <a:spcAft>
-                <a:spcPct val="0"/>
-              </a:spcAft>
-              <a:buClr>
-                <a:srgbClr val="F0AB00"/>
-              </a:buClr>
-              <a:buSzPct val="80000"/>
-            </a:pPr>
-            <a:endParaRPr lang="en-US" sz="1800" kern="0" dirty="0">
-              <a:ea typeface="Arial Unicode MS" pitchFamily="34" charset="-128"/>
-              <a:cs typeface="Arial Unicode MS" pitchFamily="34" charset="-128"/>
-            </a:endParaRPr>
-          </a:p>
-          <a:p>
-            <a:pPr fontAlgn="base">
-              <a:spcBef>
-                <a:spcPts val="600"/>
-              </a:spcBef>
-              <a:spcAft>
-                <a:spcPct val="0"/>
-              </a:spcAft>
-              <a:buClr>
-                <a:srgbClr val="F0AB00"/>
-              </a:buClr>
-              <a:buSzPct val="80000"/>
-            </a:pPr>
-            <a:r>
-              <a:rPr lang="en-US" sz="1800" kern="0" dirty="0">
-                <a:ea typeface="Arial Unicode MS" pitchFamily="34" charset="-128"/>
-                <a:cs typeface="Arial Unicode MS" pitchFamily="34" charset="-128"/>
-              </a:rPr>
-              <a:t>  </a:t>
-            </a:r>
-            <a:r>
-              <a:rPr lang="en-US" sz="1800" b="1" kern="0" dirty="0">
-                <a:ea typeface="Arial Unicode MS" pitchFamily="34" charset="-128"/>
-                <a:cs typeface="Arial Unicode MS" pitchFamily="34" charset="-128"/>
-              </a:rPr>
-              <a:t>pattern</a:t>
-            </a:r>
-            <a:r>
-              <a:rPr lang="en-US" sz="1800" kern="0" dirty="0">
-                <a:ea typeface="Arial Unicode MS" pitchFamily="34" charset="-128"/>
-                <a:cs typeface="Arial Unicode MS" pitchFamily="34" charset="-128"/>
-              </a:rPr>
-              <a:t>:  The pattern used to display the </a:t>
-            </a:r>
-            <a:br>
-              <a:rPr lang="en-US" sz="1800" kern="0" dirty="0">
-                <a:ea typeface="Arial Unicode MS" pitchFamily="34" charset="-128"/>
-                <a:cs typeface="Arial Unicode MS" pitchFamily="34" charset="-128"/>
-              </a:rPr>
-            </a:br>
-            <a:r>
-              <a:rPr lang="en-US" sz="1800" kern="0" dirty="0">
-                <a:ea typeface="Arial Unicode MS" pitchFamily="34" charset="-128"/>
-                <a:cs typeface="Arial Unicode MS" pitchFamily="34" charset="-128"/>
-              </a:rPr>
-              <a:t>    URL in the browser.  An empty pattern</a:t>
-            </a:r>
-            <a:br>
-              <a:rPr lang="en-US" sz="1800" kern="0" dirty="0">
-                <a:ea typeface="Arial Unicode MS" pitchFamily="34" charset="-128"/>
-                <a:cs typeface="Arial Unicode MS" pitchFamily="34" charset="-128"/>
-              </a:rPr>
-            </a:br>
-            <a:r>
-              <a:rPr lang="en-US" sz="1800" kern="0" dirty="0">
-                <a:ea typeface="Arial Unicode MS" pitchFamily="34" charset="-128"/>
-                <a:cs typeface="Arial Unicode MS" pitchFamily="34" charset="-128"/>
-              </a:rPr>
-              <a:t>    means the route is the default route and</a:t>
-            </a:r>
-            <a:br>
-              <a:rPr lang="en-US" sz="1800" kern="0" dirty="0">
-                <a:ea typeface="Arial Unicode MS" pitchFamily="34" charset="-128"/>
-                <a:cs typeface="Arial Unicode MS" pitchFamily="34" charset="-128"/>
-              </a:rPr>
-            </a:br>
-            <a:r>
-              <a:rPr lang="en-US" sz="1800" kern="0" dirty="0">
-                <a:ea typeface="Arial Unicode MS" pitchFamily="34" charset="-128"/>
-                <a:cs typeface="Arial Unicode MS" pitchFamily="34" charset="-128"/>
-              </a:rPr>
-              <a:t>    will load when the application first loads.</a:t>
-            </a:r>
-          </a:p>
-          <a:p>
-            <a:pPr fontAlgn="base">
-              <a:spcBef>
-                <a:spcPts val="600"/>
-              </a:spcBef>
-              <a:spcAft>
-                <a:spcPct val="0"/>
-              </a:spcAft>
-              <a:buClr>
-                <a:srgbClr val="F0AB00"/>
-              </a:buClr>
-              <a:buSzPct val="80000"/>
-            </a:pPr>
-            <a:r>
-              <a:rPr lang="en-US" sz="1800" kern="0" dirty="0">
-                <a:ea typeface="Arial Unicode MS" pitchFamily="34" charset="-128"/>
-                <a:cs typeface="Arial Unicode MS" pitchFamily="34" charset="-128"/>
-              </a:rPr>
-              <a:t>  </a:t>
-            </a:r>
-            <a:r>
-              <a:rPr lang="en-US" sz="1800" b="1" kern="0" dirty="0">
-                <a:ea typeface="Arial Unicode MS" pitchFamily="34" charset="-128"/>
-                <a:cs typeface="Arial Unicode MS" pitchFamily="34" charset="-128"/>
-              </a:rPr>
-              <a:t>name</a:t>
-            </a:r>
-            <a:r>
-              <a:rPr lang="en-US" sz="1800" kern="0" dirty="0">
-                <a:ea typeface="Arial Unicode MS" pitchFamily="34" charset="-128"/>
-                <a:cs typeface="Arial Unicode MS" pitchFamily="34" charset="-128"/>
-              </a:rPr>
-              <a:t>: The name of the route used to </a:t>
-            </a:r>
-            <a:br>
-              <a:rPr lang="en-US" sz="1800" kern="0" dirty="0">
-                <a:ea typeface="Arial Unicode MS" pitchFamily="34" charset="-128"/>
-                <a:cs typeface="Arial Unicode MS" pitchFamily="34" charset="-128"/>
-              </a:rPr>
-            </a:br>
-            <a:r>
-              <a:rPr lang="en-US" sz="1800" kern="0" dirty="0">
-                <a:ea typeface="Arial Unicode MS" pitchFamily="34" charset="-128"/>
-                <a:cs typeface="Arial Unicode MS" pitchFamily="34" charset="-128"/>
-              </a:rPr>
-              <a:t>    invoke the route.</a:t>
-            </a:r>
-          </a:p>
-          <a:p>
-            <a:pPr fontAlgn="base">
-              <a:spcBef>
-                <a:spcPts val="600"/>
-              </a:spcBef>
-              <a:spcAft>
-                <a:spcPct val="0"/>
-              </a:spcAft>
-              <a:buClr>
-                <a:srgbClr val="F0AB00"/>
-              </a:buClr>
-              <a:buSzPct val="80000"/>
-            </a:pPr>
-            <a:r>
-              <a:rPr lang="en-US" sz="1800" kern="0" dirty="0">
-                <a:ea typeface="Arial Unicode MS" pitchFamily="34" charset="-128"/>
-                <a:cs typeface="Arial Unicode MS" pitchFamily="34" charset="-128"/>
-              </a:rPr>
-              <a:t>  </a:t>
-            </a:r>
-            <a:r>
-              <a:rPr lang="en-US" sz="1800" b="1" kern="0" dirty="0">
-                <a:ea typeface="Arial Unicode MS" pitchFamily="34" charset="-128"/>
-                <a:cs typeface="Arial Unicode MS" pitchFamily="34" charset="-128"/>
-              </a:rPr>
-              <a:t>view</a:t>
-            </a:r>
-            <a:r>
-              <a:rPr lang="en-US" sz="1800" kern="0" dirty="0">
-                <a:ea typeface="Arial Unicode MS" pitchFamily="34" charset="-128"/>
-                <a:cs typeface="Arial Unicode MS" pitchFamily="34" charset="-128"/>
-              </a:rPr>
-              <a:t>: The name of the view file.</a:t>
-            </a:r>
-          </a:p>
-          <a:p>
-            <a:pPr fontAlgn="base">
-              <a:spcBef>
-                <a:spcPts val="600"/>
-              </a:spcBef>
-              <a:spcAft>
-                <a:spcPct val="0"/>
-              </a:spcAft>
-              <a:buClr>
-                <a:srgbClr val="F0AB00"/>
-              </a:buClr>
-              <a:buSzPct val="80000"/>
-            </a:pPr>
-            <a:r>
-              <a:rPr lang="en-US" sz="1800" kern="0" dirty="0">
-                <a:ea typeface="Arial Unicode MS" pitchFamily="34" charset="-128"/>
-                <a:cs typeface="Arial Unicode MS" pitchFamily="34" charset="-128"/>
-              </a:rPr>
-              <a:t>  </a:t>
-            </a:r>
-            <a:r>
-              <a:rPr lang="en-US" sz="1800" b="1" kern="0" dirty="0" err="1">
-                <a:ea typeface="Arial Unicode MS" pitchFamily="34" charset="-128"/>
-                <a:cs typeface="Arial Unicode MS" pitchFamily="34" charset="-128"/>
-              </a:rPr>
-              <a:t>targetAggregation</a:t>
-            </a:r>
-            <a:r>
-              <a:rPr lang="en-US" sz="1800" kern="0" dirty="0">
-                <a:ea typeface="Arial Unicode MS" pitchFamily="34" charset="-128"/>
-                <a:cs typeface="Arial Unicode MS" pitchFamily="34" charset="-128"/>
-              </a:rPr>
-              <a:t>: See next slide.</a:t>
-            </a:r>
-          </a:p>
-        </p:txBody>
-      </p:sp>
-      <p:cxnSp>
-        <p:nvCxnSpPr>
-          <p:cNvPr id="6" name="Straight Arrow Connector 5"/>
-          <p:cNvCxnSpPr/>
-          <p:nvPr/>
-        </p:nvCxnSpPr>
-        <p:spPr>
-          <a:xfrm>
-            <a:off x="4043082" y="2088776"/>
-            <a:ext cx="1201271" cy="71724"/>
-          </a:xfrm>
-          <a:prstGeom prst="straightConnector1">
-            <a:avLst/>
-          </a:prstGeom>
-          <a:ln w="6350">
-            <a:solidFill>
-              <a:schemeClr val="tx1"/>
-            </a:solidFill>
-            <a:tailEnd type="triangle"/>
-          </a:ln>
-        </p:spPr>
-        <p:style>
-          <a:lnRef idx="1">
-            <a:schemeClr val="accent1"/>
-          </a:lnRef>
-          <a:fillRef idx="0">
-            <a:schemeClr val="accent1"/>
-          </a:fillRef>
-          <a:effectRef idx="0">
-            <a:schemeClr val="accent1"/>
-          </a:effectRef>
-          <a:fontRef idx="minor">
-            <a:schemeClr val="tx1"/>
-          </a:fontRef>
-        </p:style>
-      </p:cxnSp>
-      <p:pic>
-        <p:nvPicPr>
-          <p:cNvPr id="5" name="Picture 4"/>
-          <p:cNvPicPr>
-            <a:picLocks noChangeAspect="1"/>
-          </p:cNvPicPr>
-          <p:nvPr/>
-        </p:nvPicPr>
-        <p:blipFill>
-          <a:blip r:embed="rId2"/>
-          <a:stretch>
-            <a:fillRect/>
-          </a:stretch>
-        </p:blipFill>
-        <p:spPr>
-          <a:xfrm>
-            <a:off x="403463" y="5944261"/>
-            <a:ext cx="4352381" cy="447619"/>
-          </a:xfrm>
-          <a:prstGeom prst="rect">
-            <a:avLst/>
-          </a:prstGeom>
-        </p:spPr>
-      </p:pic>
-      <p:sp>
-        <p:nvSpPr>
-          <p:cNvPr id="7" name="TextBox 6"/>
-          <p:cNvSpPr txBox="1"/>
-          <p:nvPr/>
-        </p:nvSpPr>
-        <p:spPr>
-          <a:xfrm>
-            <a:off x="482926" y="5378823"/>
-            <a:ext cx="4193456" cy="553998"/>
-          </a:xfrm>
-          <a:prstGeom prst="rect">
-            <a:avLst/>
-          </a:prstGeom>
-          <a:noFill/>
-        </p:spPr>
-        <p:txBody>
-          <a:bodyPr wrap="none" lIns="0" tIns="0" rIns="0" bIns="0" rtlCol="0">
-            <a:spAutoFit/>
-          </a:bodyPr>
-          <a:lstStyle/>
-          <a:p>
-            <a:pPr fontAlgn="base">
-              <a:spcBef>
-                <a:spcPts val="600"/>
-              </a:spcBef>
-              <a:spcAft>
-                <a:spcPct val="0"/>
-              </a:spcAft>
-              <a:buClr>
-                <a:srgbClr val="F0AB00"/>
-              </a:buClr>
-              <a:buSzPct val="80000"/>
-            </a:pPr>
-            <a:r>
-              <a:rPr lang="en-US" sz="1800" kern="0" dirty="0">
-                <a:ea typeface="Arial Unicode MS" pitchFamily="34" charset="-128"/>
-                <a:cs typeface="Arial Unicode MS" pitchFamily="34" charset="-128"/>
-              </a:rPr>
-              <a:t>Default route URL is the base URL of the</a:t>
-            </a:r>
-            <a:br>
-              <a:rPr lang="en-US" sz="1800" kern="0" dirty="0">
-                <a:ea typeface="Arial Unicode MS" pitchFamily="34" charset="-128"/>
-                <a:cs typeface="Arial Unicode MS" pitchFamily="34" charset="-128"/>
-              </a:rPr>
-            </a:br>
-            <a:r>
-              <a:rPr lang="en-US" sz="1800" kern="0" dirty="0">
-                <a:ea typeface="Arial Unicode MS" pitchFamily="34" charset="-128"/>
-                <a:cs typeface="Arial Unicode MS" pitchFamily="34" charset="-128"/>
-              </a:rPr>
-              <a:t>application</a:t>
-            </a:r>
-          </a:p>
-        </p:txBody>
-      </p:sp>
-    </p:spTree>
-    <p:extLst>
-      <p:ext uri="{BB962C8B-B14F-4D97-AF65-F5344CB8AC3E}">
-        <p14:creationId xmlns:p14="http://schemas.microsoft.com/office/powerpoint/2010/main" val="3393017489"/>
-      </p:ext>
-    </p:extLst>
-  </p:cSld>
-  <p:clrMapOvr>
-    <a:masterClrMapping/>
-  </p:clrMapOvr>
-</p:sld>
-</file>
-
-<file path=ppt/slides/slide7.xml><?xml version="1.0" encoding="utf-8"?>
-<p:sld xmlns:a="http://schemas.openxmlformats.org/drawingml/2006/main" xmlns:r="http://schemas.openxmlformats.org/officeDocument/2006/relationships" xmlns:p="http://schemas.openxmlformats.org/presentationml/2006/main">
-  <p:cSld>
-    <p:spTree>
-      <p:nvGrpSpPr>
-        <p:cNvPr id="1" name=""/>
-        <p:cNvGrpSpPr/>
-        <p:nvPr/>
-      </p:nvGrpSpPr>
-      <p:grpSpPr>
-        <a:xfrm>
-          <a:off x="0" y="0"/>
-          <a:ext cx="0" cy="0"/>
-          <a:chOff x="0" y="0"/>
-          <a:chExt cx="0" cy="0"/>
-        </a:xfrm>
-      </p:grpSpPr>
-      <p:sp>
-        <p:nvSpPr>
-          <p:cNvPr id="2" name="Title 1"/>
-          <p:cNvSpPr>
-            <a:spLocks noGrp="1"/>
-          </p:cNvSpPr>
-          <p:nvPr>
-            <p:ph type="title"/>
-          </p:nvPr>
-        </p:nvSpPr>
-        <p:spPr/>
-        <p:txBody>
-          <a:bodyPr/>
-          <a:lstStyle/>
-          <a:p>
-            <a:r>
               <a:rPr lang="en-US" dirty="0" err="1"/>
-              <a:t>targetControl</a:t>
+              <a:t>controlId</a:t>
             </a:r>
             <a:endParaRPr lang="en-US" dirty="0"/>
           </a:p>
@@ -16644,7 +16652,7 @@
             </a:r>
             <a:r>
               <a:rPr lang="en-US" sz="2800" dirty="0" err="1"/>
-              <a:t>targetControl</a:t>
+              <a:t>controlId</a:t>
             </a:r>
             <a:r>
               <a:rPr lang="en-US" sz="2800" dirty="0"/>
@@ -16977,6 +16985,145 @@
 </p:sld>
 </file>
 
+<file path=ppt/slides/slide7.xml><?xml version="1.0" encoding="utf-8"?>
+<p:sld xmlns:a="http://schemas.openxmlformats.org/drawingml/2006/main" xmlns:r="http://schemas.openxmlformats.org/officeDocument/2006/relationships" xmlns:p="http://schemas.openxmlformats.org/presentationml/2006/main">
+  <p:cSld>
+    <p:spTree>
+      <p:nvGrpSpPr>
+        <p:cNvPr id="1" name=""/>
+        <p:cNvGrpSpPr/>
+        <p:nvPr/>
+      </p:nvGrpSpPr>
+      <p:grpSpPr>
+        <a:xfrm>
+          <a:off x="0" y="0"/>
+          <a:ext cx="0" cy="0"/>
+          <a:chOff x="0" y="0"/>
+          <a:chExt cx="0" cy="0"/>
+        </a:xfrm>
+      </p:grpSpPr>
+      <p:sp>
+        <p:nvSpPr>
+          <p:cNvPr id="2" name="Title 1"/>
+          <p:cNvSpPr>
+            <a:spLocks noGrp="1"/>
+          </p:cNvSpPr>
+          <p:nvPr>
+            <p:ph type="title"/>
+          </p:nvPr>
+        </p:nvSpPr>
+        <p:spPr/>
+        <p:txBody>
+          <a:bodyPr/>
+          <a:lstStyle/>
+          <a:p>
+            <a:r>
+              <a:rPr lang="en-US" kern="0" dirty="0" err="1">
+                <a:ea typeface="Arial Unicode MS" pitchFamily="34" charset="-128"/>
+                <a:cs typeface="Arial Unicode MS" pitchFamily="34" charset="-128"/>
+              </a:rPr>
+              <a:t>controlAggregation</a:t>
+            </a:r>
+            <a:endParaRPr lang="en-US" dirty="0"/>
+          </a:p>
+        </p:txBody>
+      </p:sp>
+      <p:sp>
+        <p:nvSpPr>
+          <p:cNvPr id="3" name="Text Placeholder 2"/>
+          <p:cNvSpPr>
+            <a:spLocks noGrp="1"/>
+          </p:cNvSpPr>
+          <p:nvPr>
+            <p:ph type="body" sz="quarter" idx="10"/>
+          </p:nvPr>
+        </p:nvSpPr>
+        <p:spPr/>
+        <p:txBody>
+          <a:bodyPr/>
+          <a:lstStyle/>
+          <a:p>
+            <a:pPr lvl="2"/>
+            <a:r>
+              <a:rPr lang="en-US" sz="2500" dirty="0"/>
+              <a:t>The views are displayed in the </a:t>
+            </a:r>
+            <a:r>
+              <a:rPr lang="en-US" sz="2500" dirty="0" err="1"/>
+              <a:t>controlId</a:t>
+            </a:r>
+            <a:r>
+              <a:rPr lang="en-US" sz="2500" dirty="0"/>
+              <a:t> by assigning them to the control’s view aggregations:</a:t>
+            </a:r>
+          </a:p>
+          <a:p>
+            <a:pPr lvl="3"/>
+            <a:r>
+              <a:rPr lang="en-US" sz="2500" dirty="0"/>
+              <a:t>The App control has one aggregation called pages because it is </a:t>
+            </a:r>
+            <a:r>
+              <a:rPr lang="en-US" sz="2500" dirty="0" err="1"/>
+              <a:t>fullscreen</a:t>
+            </a:r>
+            <a:r>
+              <a:rPr lang="en-US" sz="2500" dirty="0"/>
+              <a:t> and only one view can be shown at a time</a:t>
+            </a:r>
+          </a:p>
+          <a:p>
+            <a:pPr lvl="3"/>
+            <a:r>
+              <a:rPr lang="en-US" sz="2500" dirty="0"/>
+              <a:t>The </a:t>
+            </a:r>
+            <a:r>
+              <a:rPr lang="en-US" sz="2500" dirty="0" err="1"/>
+              <a:t>SplitApp</a:t>
+            </a:r>
+            <a:r>
+              <a:rPr lang="en-US" sz="2500" dirty="0"/>
+              <a:t> control has two aggregations:</a:t>
+            </a:r>
+          </a:p>
+          <a:p>
+            <a:pPr lvl="4"/>
+            <a:r>
+              <a:rPr lang="en-US" sz="2400" dirty="0" err="1"/>
+              <a:t>masterPages</a:t>
+            </a:r>
+            <a:r>
+              <a:rPr lang="en-US" sz="2400" dirty="0"/>
+              <a:t> are views shown on the master (or left) side of the interface</a:t>
+            </a:r>
+          </a:p>
+          <a:p>
+            <a:pPr lvl="4"/>
+            <a:r>
+              <a:rPr lang="en-US" sz="2400" dirty="0" err="1"/>
+              <a:t>detailPages</a:t>
+            </a:r>
+            <a:r>
+              <a:rPr lang="en-US" sz="2400" dirty="0"/>
+              <a:t> are views shown on the detail (or right) side of the interface</a:t>
+            </a:r>
+          </a:p>
+        </p:txBody>
+      </p:sp>
+    </p:spTree>
+    <p:extLst>
+      <p:ext uri="{BB962C8B-B14F-4D97-AF65-F5344CB8AC3E}">
+        <p14:creationId xmlns:p14="http://schemas.microsoft.com/office/powerpoint/2010/main" val="1442153948"/>
+      </p:ext>
+    </p:extLst>
+  </p:cSld>
+  <p:clrMapOvr>
+    <a:masterClrMapping/>
+  </p:clrMapOvr>
+</p:sld>
+</file>
+
 <file path=ppt/slides/slide8.xml><?xml version="1.0" encoding="utf-8"?>
 <p:sld xmlns:a="http://schemas.openxmlformats.org/drawingml/2006/main" xmlns:r="http://schemas.openxmlformats.org/officeDocument/2006/relationships" xmlns:p="http://schemas.openxmlformats.org/presentationml/2006/main">
   <p:cSld>
@@ -17010,100 +17157,459 @@
           <a:lstStyle/>
           <a:p>
             <a:r>
-              <a:rPr lang="en-US" dirty="0" err="1"/>
-              <a:t>targetAggregation</a:t>
-            </a:r>
-            <a:endParaRPr lang="en-US" dirty="0"/>
+              <a:rPr lang="en-US" dirty="0"/>
+              <a:t>Routes Section</a:t>
+            </a:r>
           </a:p>
         </p:txBody>
       </p:sp>
       <p:sp>
         <p:nvSpPr>
-          <p:cNvPr id="3" name="Text Placeholder 2"/>
-          <p:cNvSpPr>
-            <a:spLocks noGrp="1"/>
-          </p:cNvSpPr>
-          <p:nvPr>
-            <p:ph type="body" sz="quarter" idx="10"/>
-          </p:nvPr>
+          <p:cNvPr id="3" name="Rectangle 2"/>
+          <p:cNvSpPr/>
+          <p:nvPr/>
         </p:nvSpPr>
-        <p:spPr/>
+        <p:spPr>
+          <a:xfrm>
+            <a:off x="5069977" y="1698286"/>
+            <a:ext cx="6096000" cy="2677656"/>
+          </a:xfrm>
+          <a:prstGeom prst="rect">
+            <a:avLst/>
+          </a:prstGeom>
+          <a:ln>
+            <a:solidFill>
+              <a:schemeClr val="tx1"/>
+            </a:solidFill>
+          </a:ln>
+        </p:spPr>
         <p:txBody>
-          <a:bodyPr/>
+          <a:bodyPr>
+            <a:spAutoFit/>
+          </a:bodyPr>
           <a:lstStyle/>
           <a:p>
-            <a:pPr lvl="2"/>
-            <a:r>
-              <a:rPr lang="en-US" sz="2500" dirty="0"/>
-              <a:t>The views are displayed in the </a:t>
-            </a:r>
-            <a:r>
-              <a:rPr lang="en-US" sz="2500" dirty="0" err="1"/>
-              <a:t>targetControl</a:t>
-            </a:r>
-            <a:r>
-              <a:rPr lang="en-US" sz="2500" dirty="0"/>
-              <a:t> by assigning them to the control’s view aggregations:</a:t>
-            </a:r>
-          </a:p>
-          <a:p>
-            <a:pPr lvl="3"/>
-            <a:r>
-              <a:rPr lang="en-US" sz="2500" dirty="0"/>
-              <a:t>The App control has one aggregation called pages because it is </a:t>
-            </a:r>
-            <a:r>
-              <a:rPr lang="en-US" sz="2500" dirty="0" err="1"/>
-              <a:t>fullscreen</a:t>
-            </a:r>
-            <a:r>
-              <a:rPr lang="en-US" sz="2500" dirty="0"/>
-              <a:t> and only one view can be shown at a time</a:t>
-            </a:r>
-          </a:p>
-          <a:p>
-            <a:pPr lvl="3"/>
-            <a:r>
-              <a:rPr lang="en-US" sz="2500" dirty="0"/>
-              <a:t>The </a:t>
-            </a:r>
-            <a:r>
-              <a:rPr lang="en-US" sz="2500" dirty="0" err="1"/>
-              <a:t>SplitApp</a:t>
-            </a:r>
-            <a:r>
-              <a:rPr lang="en-US" sz="2500" dirty="0"/>
-              <a:t> control has two aggregations:</a:t>
-            </a:r>
-          </a:p>
-          <a:p>
-            <a:pPr lvl="4"/>
-            <a:r>
-              <a:rPr lang="en-US" sz="2400" dirty="0" err="1"/>
-              <a:t>masterPages</a:t>
-            </a:r>
-            <a:r>
-              <a:rPr lang="en-US" sz="2400" dirty="0"/>
-              <a:t> are views shown on the master (or left) side of the interface</a:t>
-            </a:r>
-          </a:p>
-          <a:p>
-            <a:pPr lvl="4"/>
-            <a:r>
-              <a:rPr lang="en-US" sz="2400" dirty="0" err="1"/>
-              <a:t>detailPages</a:t>
-            </a:r>
-            <a:r>
-              <a:rPr lang="en-US" sz="2400" dirty="0"/>
-              <a:t> are views shown on the detail (or right) side of the interface</a:t>
-            </a:r>
+            <a:r>
+              <a:rPr lang="en-US" sz="2400" dirty="0">
+                <a:latin typeface="Calibri" panose="020F0502020204030204" pitchFamily="34" charset="0"/>
+                <a:ea typeface="Calibri" panose="020F0502020204030204" pitchFamily="34" charset="0"/>
+                <a:cs typeface="Times New Roman" panose="02020603050405020304" pitchFamily="18" charset="0"/>
+              </a:rPr>
+              <a:t>"routes": [</a:t>
+            </a:r>
+            <a:br>
+              <a:rPr lang="en-US" sz="2400" dirty="0">
+                <a:latin typeface="Calibri" panose="020F0502020204030204" pitchFamily="34" charset="0"/>
+                <a:ea typeface="Calibri" panose="020F0502020204030204" pitchFamily="34" charset="0"/>
+                <a:cs typeface="Times New Roman" panose="02020603050405020304" pitchFamily="18" charset="0"/>
+              </a:rPr>
+            </a:br>
+            <a:r>
+              <a:rPr lang="en-US" sz="2400" dirty="0">
+                <a:latin typeface="Calibri" panose="020F0502020204030204" pitchFamily="34" charset="0"/>
+                <a:ea typeface="Calibri" panose="020F0502020204030204" pitchFamily="34" charset="0"/>
+                <a:cs typeface="Times New Roman" panose="02020603050405020304" pitchFamily="18" charset="0"/>
+              </a:rPr>
+              <a:t>		{</a:t>
+            </a:r>
+            <a:br>
+              <a:rPr lang="en-US" sz="2400" dirty="0">
+                <a:latin typeface="Calibri" panose="020F0502020204030204" pitchFamily="34" charset="0"/>
+                <a:ea typeface="Calibri" panose="020F0502020204030204" pitchFamily="34" charset="0"/>
+                <a:cs typeface="Times New Roman" panose="02020603050405020304" pitchFamily="18" charset="0"/>
+              </a:rPr>
+            </a:br>
+            <a:r>
+              <a:rPr lang="en-US" sz="2400" dirty="0">
+                <a:latin typeface="Calibri" panose="020F0502020204030204" pitchFamily="34" charset="0"/>
+                <a:ea typeface="Calibri" panose="020F0502020204030204" pitchFamily="34" charset="0"/>
+                <a:cs typeface="Times New Roman" panose="02020603050405020304" pitchFamily="18" charset="0"/>
+              </a:rPr>
+              <a:t>			"pattern": "",</a:t>
+            </a:r>
+            <a:br>
+              <a:rPr lang="en-US" sz="2400" dirty="0">
+                <a:latin typeface="Calibri" panose="020F0502020204030204" pitchFamily="34" charset="0"/>
+                <a:ea typeface="Calibri" panose="020F0502020204030204" pitchFamily="34" charset="0"/>
+                <a:cs typeface="Times New Roman" panose="02020603050405020304" pitchFamily="18" charset="0"/>
+              </a:rPr>
+            </a:br>
+            <a:r>
+              <a:rPr lang="en-US" sz="2400" dirty="0">
+                <a:latin typeface="Calibri" panose="020F0502020204030204" pitchFamily="34" charset="0"/>
+                <a:ea typeface="Calibri" panose="020F0502020204030204" pitchFamily="34" charset="0"/>
+                <a:cs typeface="Times New Roman" panose="02020603050405020304" pitchFamily="18" charset="0"/>
+              </a:rPr>
+              <a:t>			"name": "Master",</a:t>
+            </a:r>
+            <a:br>
+              <a:rPr lang="en-US" sz="2400" dirty="0">
+                <a:latin typeface="Calibri" panose="020F0502020204030204" pitchFamily="34" charset="0"/>
+                <a:ea typeface="Calibri" panose="020F0502020204030204" pitchFamily="34" charset="0"/>
+                <a:cs typeface="Times New Roman" panose="02020603050405020304" pitchFamily="18" charset="0"/>
+              </a:rPr>
+            </a:br>
+            <a:r>
+              <a:rPr lang="en-US" sz="2400" dirty="0">
+                <a:latin typeface="Calibri" panose="020F0502020204030204" pitchFamily="34" charset="0"/>
+                <a:ea typeface="Calibri" panose="020F0502020204030204" pitchFamily="34" charset="0"/>
+                <a:cs typeface="Times New Roman" panose="02020603050405020304" pitchFamily="18" charset="0"/>
+              </a:rPr>
+              <a:t>			"target": "Master“</a:t>
+            </a:r>
+            <a:br>
+              <a:rPr lang="en-US" sz="2400" dirty="0">
+                <a:latin typeface="Calibri" panose="020F0502020204030204" pitchFamily="34" charset="0"/>
+                <a:ea typeface="Calibri" panose="020F0502020204030204" pitchFamily="34" charset="0"/>
+                <a:cs typeface="Times New Roman" panose="02020603050405020304" pitchFamily="18" charset="0"/>
+              </a:rPr>
+            </a:br>
+            <a:r>
+              <a:rPr lang="en-US" sz="2400" dirty="0">
+                <a:latin typeface="Calibri" panose="020F0502020204030204" pitchFamily="34" charset="0"/>
+                <a:ea typeface="Calibri" panose="020F0502020204030204" pitchFamily="34" charset="0"/>
+                <a:cs typeface="Times New Roman" panose="02020603050405020304" pitchFamily="18" charset="0"/>
+              </a:rPr>
+              <a:t>		}</a:t>
+            </a:r>
+            <a:br>
+              <a:rPr lang="en-US" sz="2400" dirty="0">
+                <a:latin typeface="Calibri" panose="020F0502020204030204" pitchFamily="34" charset="0"/>
+                <a:ea typeface="Calibri" panose="020F0502020204030204" pitchFamily="34" charset="0"/>
+                <a:cs typeface="Times New Roman" panose="02020603050405020304" pitchFamily="18" charset="0"/>
+              </a:rPr>
+            </a:br>
+            <a:r>
+              <a:rPr lang="en-US" sz="2400" dirty="0">
+                <a:latin typeface="Calibri" panose="020F0502020204030204" pitchFamily="34" charset="0"/>
+                <a:ea typeface="Calibri" panose="020F0502020204030204" pitchFamily="34" charset="0"/>
+                <a:cs typeface="Times New Roman" panose="02020603050405020304" pitchFamily="18" charset="0"/>
+              </a:rPr>
+              <a:t>	],</a:t>
+            </a:r>
+            <a:endParaRPr lang="en-US" dirty="0"/>
           </a:p>
         </p:txBody>
       </p:sp>
+      <p:sp>
+        <p:nvSpPr>
+          <p:cNvPr id="4" name="TextBox 3"/>
+          <p:cNvSpPr txBox="1"/>
+          <p:nvPr/>
+        </p:nvSpPr>
+        <p:spPr>
+          <a:xfrm>
+            <a:off x="634996" y="1698286"/>
+            <a:ext cx="4557338" cy="4139595"/>
+          </a:xfrm>
+          <a:prstGeom prst="rect">
+            <a:avLst/>
+          </a:prstGeom>
+          <a:noFill/>
+        </p:spPr>
+        <p:txBody>
+          <a:bodyPr wrap="none" lIns="0" tIns="0" rIns="0" bIns="0" rtlCol="0">
+            <a:spAutoFit/>
+          </a:bodyPr>
+          <a:lstStyle/>
+          <a:p>
+            <a:pPr fontAlgn="base">
+              <a:spcBef>
+                <a:spcPts val="600"/>
+              </a:spcBef>
+              <a:spcAft>
+                <a:spcPct val="0"/>
+              </a:spcAft>
+              <a:buClr>
+                <a:srgbClr val="F0AB00"/>
+              </a:buClr>
+              <a:buSzPct val="80000"/>
+            </a:pPr>
+            <a:r>
+              <a:rPr lang="en-US" sz="1800" b="1" kern="0" dirty="0">
+                <a:ea typeface="Arial Unicode MS" pitchFamily="34" charset="-128"/>
+                <a:cs typeface="Arial Unicode MS" pitchFamily="34" charset="-128"/>
+              </a:rPr>
+              <a:t>pattern: </a:t>
+            </a:r>
+            <a:r>
+              <a:rPr lang="en-US" sz="1800" kern="0" dirty="0">
+                <a:ea typeface="Arial Unicode MS" pitchFamily="34" charset="-128"/>
+                <a:cs typeface="Arial Unicode MS" pitchFamily="34" charset="-128"/>
+              </a:rPr>
+              <a:t>the string that attached to the</a:t>
+            </a:r>
+            <a:br>
+              <a:rPr lang="en-US" sz="1800" kern="0" dirty="0">
+                <a:ea typeface="Arial Unicode MS" pitchFamily="34" charset="-128"/>
+                <a:cs typeface="Arial Unicode MS" pitchFamily="34" charset="-128"/>
+              </a:rPr>
+            </a:br>
+            <a:r>
+              <a:rPr lang="en-US" sz="1800" kern="0" dirty="0">
+                <a:ea typeface="Arial Unicode MS" pitchFamily="34" charset="-128"/>
+                <a:cs typeface="Arial Unicode MS" pitchFamily="34" charset="-128"/>
+              </a:rPr>
+              <a:t>  browser URL that appears after the #.</a:t>
+            </a:r>
+            <a:br>
+              <a:rPr lang="en-US" sz="1800" kern="0" dirty="0">
+                <a:ea typeface="Arial Unicode MS" pitchFamily="34" charset="-128"/>
+                <a:cs typeface="Arial Unicode MS" pitchFamily="34" charset="-128"/>
+              </a:rPr>
+            </a:br>
+            <a:r>
+              <a:rPr lang="en-US" sz="1800" kern="0" dirty="0">
+                <a:ea typeface="Arial Unicode MS" pitchFamily="34" charset="-128"/>
+                <a:cs typeface="Arial Unicode MS" pitchFamily="34" charset="-128"/>
+              </a:rPr>
+              <a:t>  The empty string in this case </a:t>
+            </a:r>
+            <a:r>
+              <a:rPr lang="en-US" sz="1800" dirty="0">
+                <a:latin typeface="Calibri" panose="020F0502020204030204" pitchFamily="34" charset="0"/>
+                <a:ea typeface="Calibri" panose="020F0502020204030204" pitchFamily="34" charset="0"/>
+                <a:cs typeface="Times New Roman" panose="02020603050405020304" pitchFamily="18" charset="0"/>
+              </a:rPr>
+              <a:t>"“ </a:t>
+            </a:r>
+            <a:br>
+              <a:rPr lang="en-US" sz="1800" dirty="0">
+                <a:latin typeface="Calibri" panose="020F0502020204030204" pitchFamily="34" charset="0"/>
+                <a:ea typeface="Calibri" panose="020F0502020204030204" pitchFamily="34" charset="0"/>
+                <a:cs typeface="Times New Roman" panose="02020603050405020304" pitchFamily="18" charset="0"/>
+              </a:rPr>
+            </a:br>
+            <a:r>
+              <a:rPr lang="en-US" sz="1800" dirty="0">
+                <a:latin typeface="Calibri" panose="020F0502020204030204" pitchFamily="34" charset="0"/>
+                <a:ea typeface="Calibri" panose="020F0502020204030204" pitchFamily="34" charset="0"/>
+                <a:cs typeface="Times New Roman" panose="02020603050405020304" pitchFamily="18" charset="0"/>
+              </a:rPr>
+              <a:t>   </a:t>
+            </a:r>
+            <a:r>
+              <a:rPr lang="en-US" sz="1800" dirty="0">
+                <a:latin typeface="+mn-lt"/>
+                <a:ea typeface="Calibri" panose="020F0502020204030204" pitchFamily="34" charset="0"/>
+                <a:cs typeface="Times New Roman" panose="02020603050405020304" pitchFamily="18" charset="0"/>
+              </a:rPr>
+              <a:t>indicates this is the route invoked when the</a:t>
+            </a:r>
+            <a:br>
+              <a:rPr lang="en-US" sz="1800" dirty="0">
+                <a:latin typeface="+mn-lt"/>
+                <a:ea typeface="Calibri" panose="020F0502020204030204" pitchFamily="34" charset="0"/>
+                <a:cs typeface="Times New Roman" panose="02020603050405020304" pitchFamily="18" charset="0"/>
+              </a:rPr>
+            </a:br>
+            <a:r>
+              <a:rPr lang="en-US" sz="1800" dirty="0">
+                <a:latin typeface="+mn-lt"/>
+                <a:ea typeface="Calibri" panose="020F0502020204030204" pitchFamily="34" charset="0"/>
+                <a:cs typeface="Times New Roman" panose="02020603050405020304" pitchFamily="18" charset="0"/>
+              </a:rPr>
+              <a:t>   application loads initially</a:t>
+            </a:r>
+            <a:endParaRPr lang="en-US" sz="1800" kern="0" dirty="0">
+              <a:latin typeface="+mn-lt"/>
+              <a:ea typeface="Arial Unicode MS" pitchFamily="34" charset="-128"/>
+              <a:cs typeface="Arial Unicode MS" pitchFamily="34" charset="-128"/>
+            </a:endParaRPr>
+          </a:p>
+          <a:p>
+            <a:pPr fontAlgn="base">
+              <a:spcBef>
+                <a:spcPts val="600"/>
+              </a:spcBef>
+              <a:spcAft>
+                <a:spcPct val="0"/>
+              </a:spcAft>
+              <a:buClr>
+                <a:srgbClr val="F0AB00"/>
+              </a:buClr>
+              <a:buSzPct val="80000"/>
+            </a:pPr>
+            <a:endParaRPr lang="en-US" sz="1800" kern="0" dirty="0">
+              <a:ea typeface="Arial Unicode MS" pitchFamily="34" charset="-128"/>
+              <a:cs typeface="Arial Unicode MS" pitchFamily="34" charset="-128"/>
+            </a:endParaRPr>
+          </a:p>
+          <a:p>
+            <a:pPr fontAlgn="base">
+              <a:spcBef>
+                <a:spcPts val="600"/>
+              </a:spcBef>
+              <a:spcAft>
+                <a:spcPct val="0"/>
+              </a:spcAft>
+              <a:buClr>
+                <a:srgbClr val="F0AB00"/>
+              </a:buClr>
+              <a:buSzPct val="80000"/>
+            </a:pPr>
+            <a:endParaRPr lang="en-US" sz="1800" kern="0" dirty="0">
+              <a:ea typeface="Arial Unicode MS" pitchFamily="34" charset="-128"/>
+              <a:cs typeface="Arial Unicode MS" pitchFamily="34" charset="-128"/>
+            </a:endParaRPr>
+          </a:p>
+          <a:p>
+            <a:pPr fontAlgn="base">
+              <a:spcBef>
+                <a:spcPts val="600"/>
+              </a:spcBef>
+              <a:spcAft>
+                <a:spcPct val="0"/>
+              </a:spcAft>
+              <a:buClr>
+                <a:srgbClr val="F0AB00"/>
+              </a:buClr>
+              <a:buSzPct val="80000"/>
+            </a:pPr>
+            <a:endParaRPr lang="en-US" sz="1800" kern="0" dirty="0">
+              <a:ea typeface="Arial Unicode MS" pitchFamily="34" charset="-128"/>
+              <a:cs typeface="Arial Unicode MS" pitchFamily="34" charset="-128"/>
+            </a:endParaRPr>
+          </a:p>
+          <a:p>
+            <a:pPr fontAlgn="base">
+              <a:spcBef>
+                <a:spcPts val="600"/>
+              </a:spcBef>
+              <a:spcAft>
+                <a:spcPct val="0"/>
+              </a:spcAft>
+              <a:buClr>
+                <a:srgbClr val="F0AB00"/>
+              </a:buClr>
+              <a:buSzPct val="80000"/>
+            </a:pPr>
+            <a:endParaRPr lang="en-US" sz="1800" kern="0" dirty="0">
+              <a:ea typeface="Arial Unicode MS" pitchFamily="34" charset="-128"/>
+              <a:cs typeface="Arial Unicode MS" pitchFamily="34" charset="-128"/>
+            </a:endParaRPr>
+          </a:p>
+          <a:p>
+            <a:pPr fontAlgn="base">
+              <a:spcBef>
+                <a:spcPts val="600"/>
+              </a:spcBef>
+              <a:spcAft>
+                <a:spcPct val="0"/>
+              </a:spcAft>
+              <a:buClr>
+                <a:srgbClr val="F0AB00"/>
+              </a:buClr>
+              <a:buSzPct val="80000"/>
+            </a:pPr>
+            <a:r>
+              <a:rPr lang="en-US" sz="1800" b="1" kern="0" dirty="0">
+                <a:ea typeface="Arial Unicode MS" pitchFamily="34" charset="-128"/>
+                <a:cs typeface="Arial Unicode MS" pitchFamily="34" charset="-128"/>
+              </a:rPr>
+              <a:t>name: </a:t>
+            </a:r>
+            <a:r>
+              <a:rPr lang="en-US" sz="1800" kern="0" dirty="0">
+                <a:ea typeface="Arial Unicode MS" pitchFamily="34" charset="-128"/>
+                <a:cs typeface="Arial Unicode MS" pitchFamily="34" charset="-128"/>
+              </a:rPr>
+              <a:t>The name of the route used in</a:t>
+            </a:r>
+            <a:br>
+              <a:rPr lang="en-US" sz="1800" kern="0" dirty="0">
+                <a:ea typeface="Arial Unicode MS" pitchFamily="34" charset="-128"/>
+                <a:cs typeface="Arial Unicode MS" pitchFamily="34" charset="-128"/>
+              </a:rPr>
+            </a:br>
+            <a:r>
+              <a:rPr lang="en-US" sz="1800" kern="0" dirty="0">
+                <a:ea typeface="Arial Unicode MS" pitchFamily="34" charset="-128"/>
+                <a:cs typeface="Arial Unicode MS" pitchFamily="34" charset="-128"/>
+              </a:rPr>
+              <a:t>  code.</a:t>
+            </a:r>
+          </a:p>
+          <a:p>
+            <a:pPr fontAlgn="base">
+              <a:spcBef>
+                <a:spcPts val="600"/>
+              </a:spcBef>
+              <a:spcAft>
+                <a:spcPct val="0"/>
+              </a:spcAft>
+              <a:buClr>
+                <a:srgbClr val="F0AB00"/>
+              </a:buClr>
+              <a:buSzPct val="80000"/>
+            </a:pPr>
+            <a:endParaRPr lang="en-US" sz="1800" b="1" kern="0" dirty="0">
+              <a:ea typeface="Arial Unicode MS" pitchFamily="34" charset="-128"/>
+              <a:cs typeface="Arial Unicode MS" pitchFamily="34" charset="-128"/>
+            </a:endParaRPr>
+          </a:p>
+          <a:p>
+            <a:pPr fontAlgn="base">
+              <a:spcBef>
+                <a:spcPts val="600"/>
+              </a:spcBef>
+              <a:spcAft>
+                <a:spcPct val="0"/>
+              </a:spcAft>
+              <a:buClr>
+                <a:srgbClr val="F0AB00"/>
+              </a:buClr>
+              <a:buSzPct val="80000"/>
+            </a:pPr>
+            <a:r>
+              <a:rPr lang="en-US" sz="1800" b="1" kern="0" dirty="0">
+                <a:ea typeface="Arial Unicode MS" pitchFamily="34" charset="-128"/>
+                <a:cs typeface="Arial Unicode MS" pitchFamily="34" charset="-128"/>
+              </a:rPr>
+              <a:t>target: </a:t>
+            </a:r>
+            <a:r>
+              <a:rPr lang="en-US" sz="1800" kern="0" dirty="0">
+                <a:ea typeface="Arial Unicode MS" pitchFamily="34" charset="-128"/>
+                <a:cs typeface="Arial Unicode MS" pitchFamily="34" charset="-128"/>
+              </a:rPr>
+              <a:t>The target to use for the route.</a:t>
+            </a:r>
+            <a:endParaRPr lang="en-US" sz="1800" b="1" kern="0" dirty="0">
+              <a:ea typeface="Arial Unicode MS" pitchFamily="34" charset="-128"/>
+              <a:cs typeface="Arial Unicode MS" pitchFamily="34" charset="-128"/>
+            </a:endParaRPr>
+          </a:p>
+        </p:txBody>
+      </p:sp>
+      <p:pic>
+        <p:nvPicPr>
+          <p:cNvPr id="5" name="Picture 4"/>
+          <p:cNvPicPr>
+            <a:picLocks noChangeAspect="1"/>
+          </p:cNvPicPr>
+          <p:nvPr/>
+        </p:nvPicPr>
+        <p:blipFill>
+          <a:blip r:embed="rId2"/>
+          <a:stretch>
+            <a:fillRect/>
+          </a:stretch>
+        </p:blipFill>
+        <p:spPr>
+          <a:xfrm>
+            <a:off x="794748" y="3405843"/>
+            <a:ext cx="3755691" cy="597921"/>
+          </a:xfrm>
+          <a:prstGeom prst="rect">
+            <a:avLst/>
+          </a:prstGeom>
+        </p:spPr>
+      </p:pic>
     </p:spTree>
     <p:extLst>
       <p:ext uri="{BB962C8B-B14F-4D97-AF65-F5344CB8AC3E}">
-        <p14:creationId xmlns:p14="http://schemas.microsoft.com/office/powerpoint/2010/main" val="1442153948"/>
+        <p14:creationId xmlns:p14="http://schemas.microsoft.com/office/powerpoint/2010/main" val="3021194726"/>
       </p:ext>
     </p:extLst>
   </p:cSld>
@@ -17147,7 +17653,7 @@
           <a:p>
             <a:r>
               <a:rPr lang="en-US" dirty="0"/>
-              <a:t>Defining Multiple Routes</a:t>
+              <a:t>Target Section</a:t>
             </a:r>
           </a:p>
         </p:txBody>
@@ -17160,8 +17666,8 @@
         </p:nvSpPr>
         <p:spPr>
           <a:xfrm>
-            <a:off x="5156294" y="1612645"/>
-            <a:ext cx="6096000" cy="3970318"/>
+            <a:off x="4904513" y="1943912"/>
+            <a:ext cx="6096000" cy="1938992"/>
           </a:xfrm>
           <a:prstGeom prst="rect">
             <a:avLst/>
@@ -17179,77 +17685,90 @@
           <a:lstStyle/>
           <a:p>
             <a:r>
-              <a:rPr lang="en-US" sz="1800" dirty="0"/>
-              <a:t>routes: [</a:t>
-            </a:r>
-          </a:p>
-          <a:p>
-            <a:r>
-              <a:rPr lang="en-US" sz="1800" dirty="0"/>
-              <a:t>	{</a:t>
-            </a:r>
-          </a:p>
-          <a:p>
-            <a:r>
-              <a:rPr lang="en-US" sz="1800" dirty="0"/>
-              <a:t>           	    pattern: "",                		                          	    name: "Master",</a:t>
-            </a:r>
-          </a:p>
-          <a:p>
-            <a:r>
-              <a:rPr lang="en-US" sz="1800" dirty="0"/>
-              <a:t>                	    view: "Master",                		 	    </a:t>
-            </a:r>
-            <a:r>
-              <a:rPr lang="en-US" sz="1800" dirty="0" err="1"/>
-              <a:t>targetAggregation</a:t>
-            </a:r>
-            <a:r>
-              <a:rPr lang="en-US" sz="1800" dirty="0"/>
-              <a:t>: "</a:t>
-            </a:r>
-            <a:r>
-              <a:rPr lang="en-US" sz="1800" dirty="0" err="1"/>
-              <a:t>masterPages</a:t>
-            </a:r>
-            <a:r>
-              <a:rPr lang="en-US" sz="1800" dirty="0"/>
-              <a:t>"                    	},</a:t>
-            </a:r>
-          </a:p>
-          <a:p>
-            <a:r>
-              <a:rPr lang="en-US" sz="1800" dirty="0"/>
-              <a:t>                	{</a:t>
-            </a:r>
-          </a:p>
-          <a:p>
-            <a:r>
-              <a:rPr lang="en-US" sz="1800" dirty="0"/>
-              <a:t>               	     pattern: "Detail1/{parameter}",                	     name: "Detail1",                		   	      view: "Detail1",                		  	      </a:t>
-            </a:r>
-            <a:r>
-              <a:rPr lang="en-US" sz="1800" dirty="0" err="1"/>
-              <a:t>targetAggregation</a:t>
-            </a:r>
-            <a:r>
-              <a:rPr lang="en-US" sz="1800" dirty="0"/>
-              <a:t>: "</a:t>
-            </a:r>
-            <a:r>
-              <a:rPr lang="en-US" sz="1800" dirty="0" err="1"/>
-              <a:t>detailPages</a:t>
-            </a:r>
-            <a:r>
-              <a:rPr lang="en-US" sz="1800" dirty="0"/>
-              <a:t>"                    	}</a:t>
-            </a:r>
-          </a:p>
-          <a:p>
-            <a:r>
-              <a:rPr lang="en-US" sz="1800" dirty="0"/>
-              <a:t>]</a:t>
-            </a:r>
+              <a:rPr lang="en-US" sz="2400" dirty="0">
+                <a:latin typeface="Calibri" panose="020F0502020204030204" pitchFamily="34" charset="0"/>
+                <a:ea typeface="Calibri" panose="020F0502020204030204" pitchFamily="34" charset="0"/>
+                <a:cs typeface="Times New Roman" panose="02020603050405020304" pitchFamily="18" charset="0"/>
+              </a:rPr>
+              <a:t>"targets": {</a:t>
+            </a:r>
+            <a:br>
+              <a:rPr lang="en-US" sz="2400" dirty="0">
+                <a:latin typeface="Calibri" panose="020F0502020204030204" pitchFamily="34" charset="0"/>
+                <a:ea typeface="Calibri" panose="020F0502020204030204" pitchFamily="34" charset="0"/>
+                <a:cs typeface="Times New Roman" panose="02020603050405020304" pitchFamily="18" charset="0"/>
+              </a:rPr>
+            </a:br>
+            <a:r>
+              <a:rPr lang="en-US" sz="2400" dirty="0">
+                <a:latin typeface="Calibri" panose="020F0502020204030204" pitchFamily="34" charset="0"/>
+                <a:ea typeface="Calibri" panose="020F0502020204030204" pitchFamily="34" charset="0"/>
+                <a:cs typeface="Times New Roman" panose="02020603050405020304" pitchFamily="18" charset="0"/>
+              </a:rPr>
+              <a:t>	"Master": {</a:t>
+            </a:r>
+            <a:br>
+              <a:rPr lang="en-US" sz="2400" dirty="0">
+                <a:latin typeface="Calibri" panose="020F0502020204030204" pitchFamily="34" charset="0"/>
+                <a:ea typeface="Calibri" panose="020F0502020204030204" pitchFamily="34" charset="0"/>
+                <a:cs typeface="Times New Roman" panose="02020603050405020304" pitchFamily="18" charset="0"/>
+              </a:rPr>
+            </a:br>
+            <a:r>
+              <a:rPr lang="en-US" sz="2400" dirty="0">
+                <a:latin typeface="Calibri" panose="020F0502020204030204" pitchFamily="34" charset="0"/>
+                <a:ea typeface="Calibri" panose="020F0502020204030204" pitchFamily="34" charset="0"/>
+                <a:cs typeface="Times New Roman" panose="02020603050405020304" pitchFamily="18" charset="0"/>
+              </a:rPr>
+              <a:t>		"</a:t>
+            </a:r>
+            <a:r>
+              <a:rPr lang="en-US" sz="2400" dirty="0" err="1">
+                <a:latin typeface="Calibri" panose="020F0502020204030204" pitchFamily="34" charset="0"/>
+                <a:ea typeface="Calibri" panose="020F0502020204030204" pitchFamily="34" charset="0"/>
+                <a:cs typeface="Times New Roman" panose="02020603050405020304" pitchFamily="18" charset="0"/>
+              </a:rPr>
+              <a:t>viewName</a:t>
+            </a:r>
+            <a:r>
+              <a:rPr lang="en-US" sz="2400" dirty="0">
+                <a:latin typeface="Calibri" panose="020F0502020204030204" pitchFamily="34" charset="0"/>
+                <a:ea typeface="Calibri" panose="020F0502020204030204" pitchFamily="34" charset="0"/>
+                <a:cs typeface="Times New Roman" panose="02020603050405020304" pitchFamily="18" charset="0"/>
+              </a:rPr>
+              <a:t>": "Master“</a:t>
+            </a:r>
+            <a:br>
+              <a:rPr lang="en-US" sz="2400" dirty="0">
+                <a:latin typeface="Calibri" panose="020F0502020204030204" pitchFamily="34" charset="0"/>
+                <a:ea typeface="Calibri" panose="020F0502020204030204" pitchFamily="34" charset="0"/>
+                <a:cs typeface="Times New Roman" panose="02020603050405020304" pitchFamily="18" charset="0"/>
+              </a:rPr>
+            </a:br>
+            <a:r>
+              <a:rPr lang="en-US" sz="2400" dirty="0">
+                <a:latin typeface="Calibri" panose="020F0502020204030204" pitchFamily="34" charset="0"/>
+                <a:ea typeface="Calibri" panose="020F0502020204030204" pitchFamily="34" charset="0"/>
+                <a:cs typeface="Times New Roman" panose="02020603050405020304" pitchFamily="18" charset="0"/>
+              </a:rPr>
+              <a:t>	}</a:t>
+            </a:r>
+            <a:br>
+              <a:rPr lang="en-US" sz="2400" dirty="0">
+                <a:latin typeface="Calibri" panose="020F0502020204030204" pitchFamily="34" charset="0"/>
+                <a:ea typeface="Calibri" panose="020F0502020204030204" pitchFamily="34" charset="0"/>
+                <a:cs typeface="Times New Roman" panose="02020603050405020304" pitchFamily="18" charset="0"/>
+              </a:rPr>
+            </a:br>
+            <a:r>
+              <a:rPr lang="en-US" sz="2400" dirty="0">
+                <a:latin typeface="Calibri" panose="020F0502020204030204" pitchFamily="34" charset="0"/>
+                <a:ea typeface="Calibri" panose="020F0502020204030204" pitchFamily="34" charset="0"/>
+                <a:cs typeface="Times New Roman" panose="02020603050405020304" pitchFamily="18" charset="0"/>
+              </a:rPr>
+              <a:t>}</a:t>
+            </a:r>
+            <a:endParaRPr lang="en-US" dirty="0"/>
           </a:p>
         </p:txBody>
       </p:sp>
@@ -17261,8 +17780,8 @@
         </p:nvSpPr>
         <p:spPr>
           <a:xfrm>
-            <a:off x="259976" y="1810871"/>
-            <a:ext cx="4475584" cy="2092881"/>
+            <a:off x="566057" y="2320938"/>
+            <a:ext cx="3834383" cy="1184940"/>
           </a:xfrm>
           <a:prstGeom prst="rect">
             <a:avLst/>
@@ -17288,11 +17807,25 @@
               <a:buSzPct val="80000"/>
             </a:pPr>
             <a:r>
+              <a:rPr lang="en-US" sz="1800" b="1" kern="0" dirty="0" err="1">
+                <a:ea typeface="Arial Unicode MS" pitchFamily="34" charset="-128"/>
+                <a:cs typeface="Arial Unicode MS" pitchFamily="34" charset="-128"/>
+              </a:rPr>
+              <a:t>viewName</a:t>
+            </a:r>
+            <a:r>
+              <a:rPr lang="en-US" sz="1800" b="1" kern="0" dirty="0">
+                <a:ea typeface="Arial Unicode MS" pitchFamily="34" charset="-128"/>
+                <a:cs typeface="Arial Unicode MS" pitchFamily="34" charset="-128"/>
+              </a:rPr>
+              <a:t>: </a:t>
+            </a:r>
+            <a:r>
               <a:rPr lang="en-US" sz="1800" kern="0" dirty="0">
                 <a:ea typeface="Arial Unicode MS" pitchFamily="34" charset="-128"/>
                 <a:cs typeface="Arial Unicode MS" pitchFamily="34" charset="-128"/>
               </a:rPr>
-              <a:t>Multiple routes can be defined separated by</a:t>
+              <a:t>The name of the view file</a:t>
             </a:r>
             <a:br>
               <a:rPr lang="en-US" sz="1800" kern="0" dirty="0">
@@ -17300,12 +17833,30 @@
                 <a:cs typeface="Arial Unicode MS" pitchFamily="34" charset="-128"/>
               </a:rPr>
             </a:br>
+            <a:endParaRPr lang="en-US" sz="1800" b="1" kern="0" dirty="0">
+              <a:ea typeface="Arial Unicode MS" pitchFamily="34" charset="-128"/>
+              <a:cs typeface="Arial Unicode MS" pitchFamily="34" charset="-128"/>
+            </a:endParaRPr>
+          </a:p>
+          <a:p>
+            <a:pPr fontAlgn="base">
+              <a:spcBef>
+                <a:spcPts val="600"/>
+              </a:spcBef>
+              <a:spcAft>
+                <a:spcPct val="0"/>
+              </a:spcAft>
+              <a:buClr>
+                <a:srgbClr val="F0AB00"/>
+              </a:buClr>
+              <a:buSzPct val="80000"/>
+            </a:pPr>
             <a:r>
               <a:rPr lang="en-US" sz="1800" kern="0" dirty="0">
                 <a:ea typeface="Arial Unicode MS" pitchFamily="34" charset="-128"/>
                 <a:cs typeface="Arial Unicode MS" pitchFamily="34" charset="-128"/>
               </a:rPr>
-              <a:t>commas.  Only one default route can be </a:t>
+              <a:t>Targets can also override the default</a:t>
             </a:r>
             <a:br>
               <a:rPr lang="en-US" sz="1800" kern="0" dirty="0">
@@ -17318,187 +17869,26 @@
                 <a:ea typeface="Arial Unicode MS" pitchFamily="34" charset="-128"/>
                 <a:cs typeface="Arial Unicode MS" pitchFamily="34" charset="-128"/>
               </a:rPr>
-              <a:t>defined.</a:t>
-            </a:r>
-          </a:p>
-          <a:p>
-            <a:pPr fontAlgn="base">
-              <a:spcBef>
-                <a:spcPts val="600"/>
-              </a:spcBef>
-              <a:spcAft>
-                <a:spcPct val="0"/>
-              </a:spcAft>
-              <a:buClr>
-                <a:srgbClr val="F0AB00"/>
-              </a:buClr>
-              <a:buSzPct val="80000"/>
-            </a:pPr>
+              <a:t>value for the </a:t>
+            </a:r>
+            <a:r>
+              <a:rPr lang="en-US" sz="1800" kern="0" dirty="0" err="1">
+                <a:ea typeface="Arial Unicode MS" pitchFamily="34" charset="-128"/>
+                <a:cs typeface="Arial Unicode MS" pitchFamily="34" charset="-128"/>
+              </a:rPr>
+              <a:t>targetAggregation</a:t>
+            </a:r>
             <a:endParaRPr lang="en-US" sz="1800" kern="0" dirty="0">
               <a:ea typeface="Arial Unicode MS" pitchFamily="34" charset="-128"/>
               <a:cs typeface="Arial Unicode MS" pitchFamily="34" charset="-128"/>
             </a:endParaRPr>
           </a:p>
-          <a:p>
-            <a:pPr fontAlgn="base">
-              <a:spcBef>
-                <a:spcPts val="600"/>
-              </a:spcBef>
-              <a:spcAft>
-                <a:spcPct val="0"/>
-              </a:spcAft>
-              <a:buClr>
-                <a:srgbClr val="F0AB00"/>
-              </a:buClr>
-              <a:buSzPct val="80000"/>
-            </a:pPr>
-            <a:r>
-              <a:rPr lang="en-US" sz="1800" kern="0" dirty="0">
-                <a:ea typeface="Arial Unicode MS" pitchFamily="34" charset="-128"/>
-                <a:cs typeface="Arial Unicode MS" pitchFamily="34" charset="-128"/>
-              </a:rPr>
-              <a:t>The {entity} in the second route defines a</a:t>
-            </a:r>
-            <a:br>
-              <a:rPr lang="en-US" sz="1800" kern="0" dirty="0">
-                <a:ea typeface="Arial Unicode MS" pitchFamily="34" charset="-128"/>
-                <a:cs typeface="Arial Unicode MS" pitchFamily="34" charset="-128"/>
-              </a:rPr>
-            </a:br>
-            <a:r>
-              <a:rPr lang="en-US" sz="1800" kern="0" dirty="0">
-                <a:ea typeface="Arial Unicode MS" pitchFamily="34" charset="-128"/>
-                <a:cs typeface="Arial Unicode MS" pitchFamily="34" charset="-128"/>
-              </a:rPr>
-              <a:t>parameter passed to the route. This is </a:t>
-            </a:r>
-            <a:br>
-              <a:rPr lang="en-US" sz="1800" kern="0" dirty="0">
-                <a:ea typeface="Arial Unicode MS" pitchFamily="34" charset="-128"/>
-                <a:cs typeface="Arial Unicode MS" pitchFamily="34" charset="-128"/>
-              </a:rPr>
-            </a:br>
-            <a:r>
-              <a:rPr lang="en-US" sz="1800" kern="0" dirty="0">
-                <a:ea typeface="Arial Unicode MS" pitchFamily="34" charset="-128"/>
-                <a:cs typeface="Arial Unicode MS" pitchFamily="34" charset="-128"/>
-              </a:rPr>
-              <a:t>described on a later slide.</a:t>
-            </a:r>
-          </a:p>
         </p:txBody>
       </p:sp>
-      <p:sp>
-        <p:nvSpPr>
-          <p:cNvPr id="6" name="TextBox 5"/>
-          <p:cNvSpPr txBox="1"/>
-          <p:nvPr/>
-        </p:nvSpPr>
-        <p:spPr>
-          <a:xfrm>
-            <a:off x="324096" y="4634373"/>
-            <a:ext cx="4347344" cy="1107996"/>
-          </a:xfrm>
-          <a:prstGeom prst="rect">
-            <a:avLst/>
-          </a:prstGeom>
-          <a:noFill/>
-        </p:spPr>
-        <p:txBody>
-          <a:bodyPr wrap="none" lIns="0" tIns="0" rIns="0" bIns="0" rtlCol="0">
-            <a:spAutoFit/>
-          </a:bodyPr>
-          <a:lstStyle/>
-          <a:p>
-            <a:pPr fontAlgn="base">
-              <a:spcBef>
-                <a:spcPts val="600"/>
-              </a:spcBef>
-              <a:spcAft>
-                <a:spcPct val="0"/>
-              </a:spcAft>
-              <a:buClr>
-                <a:srgbClr val="F0AB00"/>
-              </a:buClr>
-              <a:buSzPct val="80000"/>
-            </a:pPr>
-            <a:r>
-              <a:rPr lang="en-US" sz="1800" kern="0" dirty="0">
-                <a:ea typeface="Arial Unicode MS" pitchFamily="34" charset="-128"/>
-                <a:cs typeface="Arial Unicode MS" pitchFamily="34" charset="-128"/>
-              </a:rPr>
-              <a:t>The route’s pattern appears in the browser</a:t>
-            </a:r>
-            <a:br>
-              <a:rPr lang="en-US" sz="1800" kern="0" dirty="0">
-                <a:ea typeface="Arial Unicode MS" pitchFamily="34" charset="-128"/>
-                <a:cs typeface="Arial Unicode MS" pitchFamily="34" charset="-128"/>
-              </a:rPr>
-            </a:br>
-            <a:r>
-              <a:rPr lang="en-US" sz="1800" kern="0" dirty="0">
-                <a:ea typeface="Arial Unicode MS" pitchFamily="34" charset="-128"/>
-                <a:cs typeface="Arial Unicode MS" pitchFamily="34" charset="-128"/>
-              </a:rPr>
-              <a:t>after the #.  The # tells the browser not to</a:t>
-            </a:r>
-            <a:br>
-              <a:rPr lang="en-US" sz="1800" kern="0" dirty="0">
-                <a:ea typeface="Arial Unicode MS" pitchFamily="34" charset="-128"/>
-                <a:cs typeface="Arial Unicode MS" pitchFamily="34" charset="-128"/>
-              </a:rPr>
-            </a:br>
-            <a:r>
-              <a:rPr lang="en-US" sz="1800" kern="0" dirty="0">
-                <a:ea typeface="Arial Unicode MS" pitchFamily="34" charset="-128"/>
-                <a:cs typeface="Arial Unicode MS" pitchFamily="34" charset="-128"/>
-              </a:rPr>
-              <a:t>interpret the rest of the URL because it is</a:t>
-            </a:r>
-            <a:br>
-              <a:rPr lang="en-US" sz="1800" kern="0" dirty="0">
-                <a:ea typeface="Arial Unicode MS" pitchFamily="34" charset="-128"/>
-                <a:cs typeface="Arial Unicode MS" pitchFamily="34" charset="-128"/>
-              </a:rPr>
-            </a:br>
-            <a:r>
-              <a:rPr lang="en-US" sz="1800" kern="0" dirty="0">
-                <a:ea typeface="Arial Unicode MS" pitchFamily="34" charset="-128"/>
-                <a:cs typeface="Arial Unicode MS" pitchFamily="34" charset="-128"/>
-              </a:rPr>
-              <a:t>handled by the application.</a:t>
-            </a:r>
-          </a:p>
-        </p:txBody>
-      </p:sp>
-      <p:pic>
-        <p:nvPicPr>
-          <p:cNvPr id="7" name="Picture 6"/>
-          <p:cNvPicPr>
-            <a:picLocks noChangeAspect="1"/>
-          </p:cNvPicPr>
-          <p:nvPr/>
-        </p:nvPicPr>
-        <p:blipFill>
-          <a:blip r:embed="rId2"/>
-          <a:stretch>
-            <a:fillRect/>
-          </a:stretch>
-        </p:blipFill>
-        <p:spPr>
-          <a:xfrm>
-            <a:off x="324001" y="5966082"/>
-            <a:ext cx="6128436" cy="425482"/>
-          </a:xfrm>
-          <a:prstGeom prst="rect">
-            <a:avLst/>
-          </a:prstGeom>
-        </p:spPr>
-      </p:pic>
     </p:spTree>
     <p:extLst>
       <p:ext uri="{BB962C8B-B14F-4D97-AF65-F5344CB8AC3E}">
-        <p14:creationId xmlns:p14="http://schemas.microsoft.com/office/powerpoint/2010/main" val="585800934"/>
+        <p14:creationId xmlns:p14="http://schemas.microsoft.com/office/powerpoint/2010/main" val="1321787871"/>
       </p:ext>
     </p:extLst>
   </p:cSld>
